--- a/Software Engineering/Slides/Lecture 3-4 Software Process Models 20200926 A.pptx
+++ b/Software Engineering/Slides/Lecture 3-4 Software Process Models 20200926 A.pptx
@@ -5,7 +5,7 @@
     <p:sldMasterId id="2147483684" r:id="rId1"/>
   </p:sldMasterIdLst>
   <p:notesMasterIdLst>
-    <p:notesMasterId r:id="rId22"/>
+    <p:notesMasterId r:id="rId34"/>
   </p:notesMasterIdLst>
   <p:sldIdLst>
     <p:sldId id="303" r:id="rId2"/>
@@ -22,12 +22,24 @@
     <p:sldId id="359" r:id="rId13"/>
     <p:sldId id="360" r:id="rId14"/>
     <p:sldId id="362" r:id="rId15"/>
-    <p:sldId id="363" r:id="rId16"/>
-    <p:sldId id="364" r:id="rId17"/>
-    <p:sldId id="366" r:id="rId18"/>
-    <p:sldId id="367" r:id="rId19"/>
-    <p:sldId id="439" r:id="rId20"/>
-    <p:sldId id="323" r:id="rId21"/>
+    <p:sldId id="361" r:id="rId16"/>
+    <p:sldId id="363" r:id="rId17"/>
+    <p:sldId id="364" r:id="rId18"/>
+    <p:sldId id="366" r:id="rId19"/>
+    <p:sldId id="367" r:id="rId20"/>
+    <p:sldId id="370" r:id="rId21"/>
+    <p:sldId id="371" r:id="rId22"/>
+    <p:sldId id="372" r:id="rId23"/>
+    <p:sldId id="368" r:id="rId24"/>
+    <p:sldId id="369" r:id="rId25"/>
+    <p:sldId id="437" r:id="rId26"/>
+    <p:sldId id="439" r:id="rId27"/>
+    <p:sldId id="374" r:id="rId28"/>
+    <p:sldId id="375" r:id="rId29"/>
+    <p:sldId id="441" r:id="rId30"/>
+    <p:sldId id="440" r:id="rId31"/>
+    <p:sldId id="442" r:id="rId32"/>
+    <p:sldId id="323" r:id="rId33"/>
   </p:sldIdLst>
   <p:sldSz cx="9144000" cy="6858000" type="screen4x3"/>
   <p:notesSz cx="6858000" cy="9144000"/>
@@ -145,6 +157,18 @@
 </p:presentation>
 </file>
 
+<file path=ppt/commentAuthors.xml><?xml version="1.0" encoding="utf-8"?>
+<p:cmAuthorLst xmlns:a="http://schemas.openxmlformats.org/drawingml/2006/main" xmlns:r="http://schemas.openxmlformats.org/officeDocument/2006/relationships" xmlns:p="http://schemas.openxmlformats.org/presentationml/2006/main">
+  <p:cmAuthor id="1" name="Mehwish" initials="M" lastIdx="2" clrIdx="0">
+    <p:extLst>
+      <p:ext uri="{19B8F6BF-5375-455C-9EA6-DF929625EA0E}">
+        <p15:presenceInfo xmlns:p15="http://schemas.microsoft.com/office/powerpoint/2012/main" userId="65c0d218465a4526" providerId="Windows Live"/>
+      </p:ext>
+    </p:extLst>
+  </p:cmAuthor>
+</p:cmAuthorLst>
+</file>
+
 <file path=ppt/notesMasters/notesMaster1.xml><?xml version="1.0" encoding="utf-8"?>
 <p:notesMaster xmlns:a="http://schemas.openxmlformats.org/drawingml/2006/main" xmlns:r="http://schemas.openxmlformats.org/officeDocument/2006/relationships" xmlns:p="http://schemas.openxmlformats.org/presentationml/2006/main">
   <p:cSld>
@@ -228,7 +252,7 @@
             <a:fld id="{4DDCDF98-04A3-4FA1-8165-AC9A68647D5A}" type="datetimeFigureOut">
               <a:rPr lang="en-US" smtClean="0"/>
               <a:pPr/>
-              <a:t>3/3/2022</a:t>
+              <a:t>3/8/2022</a:t>
             </a:fld>
             <a:endParaRPr lang="en-US"/>
           </a:p>
@@ -745,14 +769,17 @@
           <a:bodyPr/>
           <a:lstStyle/>
           <a:p>
-            <a:endParaRPr lang="en-US"/>
+            <a:r>
+              <a:rPr lang="en-US" dirty="0"/>
+              <a:t>Loop: Problem Definition, Technical Design and Development, Integration, Operations and Maintenance</a:t>
+            </a:r>
           </a:p>
         </p:txBody>
       </p:sp>
     </p:spTree>
     <p:extLst>
       <p:ext uri="{BB962C8B-B14F-4D97-AF65-F5344CB8AC3E}">
-        <p14:creationId xmlns:p14="http://schemas.microsoft.com/office/powerpoint/2010/main" val="1572401023"/>
+        <p14:creationId xmlns:p14="http://schemas.microsoft.com/office/powerpoint/2010/main" val="506253670"/>
       </p:ext>
     </p:extLst>
   </p:cSld>
@@ -818,7 +845,7 @@
     </p:spTree>
     <p:extLst>
       <p:ext uri="{BB962C8B-B14F-4D97-AF65-F5344CB8AC3E}">
-        <p14:creationId xmlns:p14="http://schemas.microsoft.com/office/powerpoint/2010/main" val="1787025262"/>
+        <p14:creationId xmlns:p14="http://schemas.microsoft.com/office/powerpoint/2010/main" val="1572401023"/>
       </p:ext>
     </p:extLst>
   </p:cSld>
@@ -884,7 +911,7 @@
     </p:spTree>
     <p:extLst>
       <p:ext uri="{BB962C8B-B14F-4D97-AF65-F5344CB8AC3E}">
-        <p14:creationId xmlns:p14="http://schemas.microsoft.com/office/powerpoint/2010/main" val="2056726778"/>
+        <p14:creationId xmlns:p14="http://schemas.microsoft.com/office/powerpoint/2010/main" val="1787025262"/>
       </p:ext>
     </p:extLst>
   </p:cSld>
@@ -950,7 +977,7 @@
     </p:spTree>
     <p:extLst>
       <p:ext uri="{BB962C8B-B14F-4D97-AF65-F5344CB8AC3E}">
-        <p14:creationId xmlns:p14="http://schemas.microsoft.com/office/powerpoint/2010/main" val="2884938623"/>
+        <p14:creationId xmlns:p14="http://schemas.microsoft.com/office/powerpoint/2010/main" val="2056726778"/>
       </p:ext>
     </p:extLst>
   </p:cSld>
@@ -1016,7 +1043,205 @@
     </p:spTree>
     <p:extLst>
       <p:ext uri="{BB962C8B-B14F-4D97-AF65-F5344CB8AC3E}">
-        <p14:creationId xmlns:p14="http://schemas.microsoft.com/office/powerpoint/2010/main" val="3512283793"/>
+        <p14:creationId xmlns:p14="http://schemas.microsoft.com/office/powerpoint/2010/main" val="2884938623"/>
+      </p:ext>
+    </p:extLst>
+  </p:cSld>
+  <p:clrMapOvr>
+    <a:masterClrMapping/>
+  </p:clrMapOvr>
+</p:notes>
+</file>
+
+<file path=ppt/notesSlides/notesSlide17.xml><?xml version="1.0" encoding="utf-8"?>
+<p:notes xmlns:a="http://schemas.openxmlformats.org/drawingml/2006/main" xmlns:r="http://schemas.openxmlformats.org/officeDocument/2006/relationships" xmlns:p="http://schemas.openxmlformats.org/presentationml/2006/main">
+  <p:cSld>
+    <p:spTree>
+      <p:nvGrpSpPr>
+        <p:cNvPr id="1" name=""/>
+        <p:cNvGrpSpPr/>
+        <p:nvPr/>
+      </p:nvGrpSpPr>
+      <p:grpSpPr>
+        <a:xfrm>
+          <a:off x="0" y="0"/>
+          <a:ext cx="0" cy="0"/>
+          <a:chOff x="0" y="0"/>
+          <a:chExt cx="0" cy="0"/>
+        </a:xfrm>
+      </p:grpSpPr>
+      <p:sp>
+        <p:nvSpPr>
+          <p:cNvPr id="71682" name="Slide Image Placeholder 1"/>
+          <p:cNvSpPr>
+            <a:spLocks noGrp="1" noRot="1" noChangeAspect="1" noTextEdit="1"/>
+          </p:cNvSpPr>
+          <p:nvPr>
+            <p:ph type="sldImg"/>
+          </p:nvPr>
+        </p:nvSpPr>
+        <p:spPr>
+          <a:ln/>
+        </p:spPr>
+      </p:sp>
+      <p:sp>
+        <p:nvSpPr>
+          <p:cNvPr id="71683" name="Notes Placeholder 2"/>
+          <p:cNvSpPr txBox="1">
+            <a:spLocks noGrp="1"/>
+          </p:cNvSpPr>
+          <p:nvPr>
+            <p:ph type="body" idx="1"/>
+          </p:nvPr>
+        </p:nvSpPr>
+        <p:spPr>
+          <a:noFill/>
+          <a:ln/>
+        </p:spPr>
+        <p:txBody>
+          <a:bodyPr/>
+          <a:lstStyle/>
+          <a:p>
+            <a:endParaRPr lang="en-US"/>
+          </a:p>
+        </p:txBody>
+      </p:sp>
+    </p:spTree>
+    <p:extLst>
+      <p:ext uri="{BB962C8B-B14F-4D97-AF65-F5344CB8AC3E}">
+        <p14:creationId xmlns:p14="http://schemas.microsoft.com/office/powerpoint/2010/main" val="2591549828"/>
+      </p:ext>
+    </p:extLst>
+  </p:cSld>
+  <p:clrMapOvr>
+    <a:masterClrMapping/>
+  </p:clrMapOvr>
+</p:notes>
+</file>
+
+<file path=ppt/notesSlides/notesSlide18.xml><?xml version="1.0" encoding="utf-8"?>
+<p:notes xmlns:a="http://schemas.openxmlformats.org/drawingml/2006/main" xmlns:r="http://schemas.openxmlformats.org/officeDocument/2006/relationships" xmlns:p="http://schemas.openxmlformats.org/presentationml/2006/main">
+  <p:cSld>
+    <p:spTree>
+      <p:nvGrpSpPr>
+        <p:cNvPr id="1" name=""/>
+        <p:cNvGrpSpPr/>
+        <p:nvPr/>
+      </p:nvGrpSpPr>
+      <p:grpSpPr>
+        <a:xfrm>
+          <a:off x="0" y="0"/>
+          <a:ext cx="0" cy="0"/>
+          <a:chOff x="0" y="0"/>
+          <a:chExt cx="0" cy="0"/>
+        </a:xfrm>
+      </p:grpSpPr>
+      <p:sp>
+        <p:nvSpPr>
+          <p:cNvPr id="71682" name="Slide Image Placeholder 1"/>
+          <p:cNvSpPr>
+            <a:spLocks noGrp="1" noRot="1" noChangeAspect="1" noTextEdit="1"/>
+          </p:cNvSpPr>
+          <p:nvPr>
+            <p:ph type="sldImg"/>
+          </p:nvPr>
+        </p:nvSpPr>
+        <p:spPr>
+          <a:ln/>
+        </p:spPr>
+      </p:sp>
+      <p:sp>
+        <p:nvSpPr>
+          <p:cNvPr id="71683" name="Notes Placeholder 2"/>
+          <p:cNvSpPr txBox="1">
+            <a:spLocks noGrp="1"/>
+          </p:cNvSpPr>
+          <p:nvPr>
+            <p:ph type="body" idx="1"/>
+          </p:nvPr>
+        </p:nvSpPr>
+        <p:spPr>
+          <a:noFill/>
+          <a:ln/>
+        </p:spPr>
+        <p:txBody>
+          <a:bodyPr/>
+          <a:lstStyle/>
+          <a:p>
+            <a:endParaRPr lang="en-US"/>
+          </a:p>
+        </p:txBody>
+      </p:sp>
+    </p:spTree>
+    <p:extLst>
+      <p:ext uri="{BB962C8B-B14F-4D97-AF65-F5344CB8AC3E}">
+        <p14:creationId xmlns:p14="http://schemas.microsoft.com/office/powerpoint/2010/main" val="1201757594"/>
+      </p:ext>
+    </p:extLst>
+  </p:cSld>
+  <p:clrMapOvr>
+    <a:masterClrMapping/>
+  </p:clrMapOvr>
+</p:notes>
+</file>
+
+<file path=ppt/notesSlides/notesSlide19.xml><?xml version="1.0" encoding="utf-8"?>
+<p:notes xmlns:a="http://schemas.openxmlformats.org/drawingml/2006/main" xmlns:r="http://schemas.openxmlformats.org/officeDocument/2006/relationships" xmlns:p="http://schemas.openxmlformats.org/presentationml/2006/main">
+  <p:cSld>
+    <p:spTree>
+      <p:nvGrpSpPr>
+        <p:cNvPr id="1" name=""/>
+        <p:cNvGrpSpPr/>
+        <p:nvPr/>
+      </p:nvGrpSpPr>
+      <p:grpSpPr>
+        <a:xfrm>
+          <a:off x="0" y="0"/>
+          <a:ext cx="0" cy="0"/>
+          <a:chOff x="0" y="0"/>
+          <a:chExt cx="0" cy="0"/>
+        </a:xfrm>
+      </p:grpSpPr>
+      <p:sp>
+        <p:nvSpPr>
+          <p:cNvPr id="71682" name="Slide Image Placeholder 1"/>
+          <p:cNvSpPr>
+            <a:spLocks noGrp="1" noRot="1" noChangeAspect="1" noTextEdit="1"/>
+          </p:cNvSpPr>
+          <p:nvPr>
+            <p:ph type="sldImg"/>
+          </p:nvPr>
+        </p:nvSpPr>
+        <p:spPr>
+          <a:ln/>
+        </p:spPr>
+      </p:sp>
+      <p:sp>
+        <p:nvSpPr>
+          <p:cNvPr id="71683" name="Notes Placeholder 2"/>
+          <p:cNvSpPr txBox="1">
+            <a:spLocks noGrp="1"/>
+          </p:cNvSpPr>
+          <p:nvPr>
+            <p:ph type="body" idx="1"/>
+          </p:nvPr>
+        </p:nvSpPr>
+        <p:spPr>
+          <a:noFill/>
+          <a:ln/>
+        </p:spPr>
+        <p:txBody>
+          <a:bodyPr/>
+          <a:lstStyle/>
+          <a:p>
+            <a:endParaRPr lang="en-US"/>
+          </a:p>
+        </p:txBody>
+      </p:sp>
+    </p:spTree>
+    <p:extLst>
+      <p:ext uri="{BB962C8B-B14F-4D97-AF65-F5344CB8AC3E}">
+        <p14:creationId xmlns:p14="http://schemas.microsoft.com/office/powerpoint/2010/main" val="3983908284"/>
       </p:ext>
     </p:extLst>
   </p:cSld>
@@ -1083,6 +1308,600 @@
     <p:extLst>
       <p:ext uri="{BB962C8B-B14F-4D97-AF65-F5344CB8AC3E}">
         <p14:creationId xmlns:p14="http://schemas.microsoft.com/office/powerpoint/2010/main" val="949098017"/>
+      </p:ext>
+    </p:extLst>
+  </p:cSld>
+  <p:clrMapOvr>
+    <a:masterClrMapping/>
+  </p:clrMapOvr>
+</p:notes>
+</file>
+
+<file path=ppt/notesSlides/notesSlide20.xml><?xml version="1.0" encoding="utf-8"?>
+<p:notes xmlns:a="http://schemas.openxmlformats.org/drawingml/2006/main" xmlns:r="http://schemas.openxmlformats.org/officeDocument/2006/relationships" xmlns:p="http://schemas.openxmlformats.org/presentationml/2006/main">
+  <p:cSld>
+    <p:spTree>
+      <p:nvGrpSpPr>
+        <p:cNvPr id="1" name=""/>
+        <p:cNvGrpSpPr/>
+        <p:nvPr/>
+      </p:nvGrpSpPr>
+      <p:grpSpPr>
+        <a:xfrm>
+          <a:off x="0" y="0"/>
+          <a:ext cx="0" cy="0"/>
+          <a:chOff x="0" y="0"/>
+          <a:chExt cx="0" cy="0"/>
+        </a:xfrm>
+      </p:grpSpPr>
+      <p:sp>
+        <p:nvSpPr>
+          <p:cNvPr id="71682" name="Slide Image Placeholder 1"/>
+          <p:cNvSpPr>
+            <a:spLocks noGrp="1" noRot="1" noChangeAspect="1" noTextEdit="1"/>
+          </p:cNvSpPr>
+          <p:nvPr>
+            <p:ph type="sldImg"/>
+          </p:nvPr>
+        </p:nvSpPr>
+        <p:spPr>
+          <a:ln/>
+        </p:spPr>
+      </p:sp>
+      <p:sp>
+        <p:nvSpPr>
+          <p:cNvPr id="71683" name="Notes Placeholder 2"/>
+          <p:cNvSpPr txBox="1">
+            <a:spLocks noGrp="1"/>
+          </p:cNvSpPr>
+          <p:nvPr>
+            <p:ph type="body" idx="1"/>
+          </p:nvPr>
+        </p:nvSpPr>
+        <p:spPr>
+          <a:noFill/>
+          <a:ln/>
+        </p:spPr>
+        <p:txBody>
+          <a:bodyPr/>
+          <a:lstStyle/>
+          <a:p>
+            <a:endParaRPr lang="en-US"/>
+          </a:p>
+        </p:txBody>
+      </p:sp>
+    </p:spTree>
+    <p:extLst>
+      <p:ext uri="{BB962C8B-B14F-4D97-AF65-F5344CB8AC3E}">
+        <p14:creationId xmlns:p14="http://schemas.microsoft.com/office/powerpoint/2010/main" val="1398825442"/>
+      </p:ext>
+    </p:extLst>
+  </p:cSld>
+  <p:clrMapOvr>
+    <a:masterClrMapping/>
+  </p:clrMapOvr>
+</p:notes>
+</file>
+
+<file path=ppt/notesSlides/notesSlide21.xml><?xml version="1.0" encoding="utf-8"?>
+<p:notes xmlns:a="http://schemas.openxmlformats.org/drawingml/2006/main" xmlns:r="http://schemas.openxmlformats.org/officeDocument/2006/relationships" xmlns:p="http://schemas.openxmlformats.org/presentationml/2006/main">
+  <p:cSld>
+    <p:spTree>
+      <p:nvGrpSpPr>
+        <p:cNvPr id="1" name=""/>
+        <p:cNvGrpSpPr/>
+        <p:nvPr/>
+      </p:nvGrpSpPr>
+      <p:grpSpPr>
+        <a:xfrm>
+          <a:off x="0" y="0"/>
+          <a:ext cx="0" cy="0"/>
+          <a:chOff x="0" y="0"/>
+          <a:chExt cx="0" cy="0"/>
+        </a:xfrm>
+      </p:grpSpPr>
+      <p:sp>
+        <p:nvSpPr>
+          <p:cNvPr id="71682" name="Slide Image Placeholder 1"/>
+          <p:cNvSpPr>
+            <a:spLocks noGrp="1" noRot="1" noChangeAspect="1" noTextEdit="1"/>
+          </p:cNvSpPr>
+          <p:nvPr>
+            <p:ph type="sldImg"/>
+          </p:nvPr>
+        </p:nvSpPr>
+        <p:spPr>
+          <a:ln/>
+        </p:spPr>
+      </p:sp>
+      <p:sp>
+        <p:nvSpPr>
+          <p:cNvPr id="71683" name="Notes Placeholder 2"/>
+          <p:cNvSpPr txBox="1">
+            <a:spLocks noGrp="1"/>
+          </p:cNvSpPr>
+          <p:nvPr>
+            <p:ph type="body" idx="1"/>
+          </p:nvPr>
+        </p:nvSpPr>
+        <p:spPr>
+          <a:noFill/>
+          <a:ln/>
+        </p:spPr>
+        <p:txBody>
+          <a:bodyPr/>
+          <a:lstStyle/>
+          <a:p>
+            <a:endParaRPr lang="en-US"/>
+          </a:p>
+        </p:txBody>
+      </p:sp>
+    </p:spTree>
+    <p:extLst>
+      <p:ext uri="{BB962C8B-B14F-4D97-AF65-F5344CB8AC3E}">
+        <p14:creationId xmlns:p14="http://schemas.microsoft.com/office/powerpoint/2010/main" val="1440391864"/>
+      </p:ext>
+    </p:extLst>
+  </p:cSld>
+  <p:clrMapOvr>
+    <a:masterClrMapping/>
+  </p:clrMapOvr>
+</p:notes>
+</file>
+
+<file path=ppt/notesSlides/notesSlide22.xml><?xml version="1.0" encoding="utf-8"?>
+<p:notes xmlns:a="http://schemas.openxmlformats.org/drawingml/2006/main" xmlns:r="http://schemas.openxmlformats.org/officeDocument/2006/relationships" xmlns:p="http://schemas.openxmlformats.org/presentationml/2006/main">
+  <p:cSld>
+    <p:spTree>
+      <p:nvGrpSpPr>
+        <p:cNvPr id="1" name=""/>
+        <p:cNvGrpSpPr/>
+        <p:nvPr/>
+      </p:nvGrpSpPr>
+      <p:grpSpPr>
+        <a:xfrm>
+          <a:off x="0" y="0"/>
+          <a:ext cx="0" cy="0"/>
+          <a:chOff x="0" y="0"/>
+          <a:chExt cx="0" cy="0"/>
+        </a:xfrm>
+      </p:grpSpPr>
+      <p:sp>
+        <p:nvSpPr>
+          <p:cNvPr id="71682" name="Slide Image Placeholder 1"/>
+          <p:cNvSpPr>
+            <a:spLocks noGrp="1" noRot="1" noChangeAspect="1" noTextEdit="1"/>
+          </p:cNvSpPr>
+          <p:nvPr>
+            <p:ph type="sldImg"/>
+          </p:nvPr>
+        </p:nvSpPr>
+        <p:spPr>
+          <a:ln/>
+        </p:spPr>
+      </p:sp>
+      <p:sp>
+        <p:nvSpPr>
+          <p:cNvPr id="71683" name="Notes Placeholder 2"/>
+          <p:cNvSpPr txBox="1">
+            <a:spLocks noGrp="1"/>
+          </p:cNvSpPr>
+          <p:nvPr>
+            <p:ph type="body" idx="1"/>
+          </p:nvPr>
+        </p:nvSpPr>
+        <p:spPr>
+          <a:noFill/>
+          <a:ln/>
+        </p:spPr>
+        <p:txBody>
+          <a:bodyPr/>
+          <a:lstStyle/>
+          <a:p>
+            <a:endParaRPr lang="en-US"/>
+          </a:p>
+        </p:txBody>
+      </p:sp>
+    </p:spTree>
+    <p:extLst>
+      <p:ext uri="{BB962C8B-B14F-4D97-AF65-F5344CB8AC3E}">
+        <p14:creationId xmlns:p14="http://schemas.microsoft.com/office/powerpoint/2010/main" val="3935852980"/>
+      </p:ext>
+    </p:extLst>
+  </p:cSld>
+  <p:clrMapOvr>
+    <a:masterClrMapping/>
+  </p:clrMapOvr>
+</p:notes>
+</file>
+
+<file path=ppt/notesSlides/notesSlide23.xml><?xml version="1.0" encoding="utf-8"?>
+<p:notes xmlns:a="http://schemas.openxmlformats.org/drawingml/2006/main" xmlns:r="http://schemas.openxmlformats.org/officeDocument/2006/relationships" xmlns:p="http://schemas.openxmlformats.org/presentationml/2006/main">
+  <p:cSld>
+    <p:spTree>
+      <p:nvGrpSpPr>
+        <p:cNvPr id="1" name=""/>
+        <p:cNvGrpSpPr/>
+        <p:nvPr/>
+      </p:nvGrpSpPr>
+      <p:grpSpPr>
+        <a:xfrm>
+          <a:off x="0" y="0"/>
+          <a:ext cx="0" cy="0"/>
+          <a:chOff x="0" y="0"/>
+          <a:chExt cx="0" cy="0"/>
+        </a:xfrm>
+      </p:grpSpPr>
+      <p:sp>
+        <p:nvSpPr>
+          <p:cNvPr id="71682" name="Slide Image Placeholder 1"/>
+          <p:cNvSpPr>
+            <a:spLocks noGrp="1" noRot="1" noChangeAspect="1" noTextEdit="1"/>
+          </p:cNvSpPr>
+          <p:nvPr>
+            <p:ph type="sldImg"/>
+          </p:nvPr>
+        </p:nvSpPr>
+        <p:spPr>
+          <a:ln/>
+        </p:spPr>
+      </p:sp>
+      <p:sp>
+        <p:nvSpPr>
+          <p:cNvPr id="71683" name="Notes Placeholder 2"/>
+          <p:cNvSpPr txBox="1">
+            <a:spLocks noGrp="1"/>
+          </p:cNvSpPr>
+          <p:nvPr>
+            <p:ph type="body" idx="1"/>
+          </p:nvPr>
+        </p:nvSpPr>
+        <p:spPr>
+          <a:noFill/>
+          <a:ln/>
+        </p:spPr>
+        <p:txBody>
+          <a:bodyPr/>
+          <a:lstStyle/>
+          <a:p>
+            <a:endParaRPr lang="en-US"/>
+          </a:p>
+        </p:txBody>
+      </p:sp>
+    </p:spTree>
+    <p:extLst>
+      <p:ext uri="{BB962C8B-B14F-4D97-AF65-F5344CB8AC3E}">
+        <p14:creationId xmlns:p14="http://schemas.microsoft.com/office/powerpoint/2010/main" val="705968507"/>
+      </p:ext>
+    </p:extLst>
+  </p:cSld>
+  <p:clrMapOvr>
+    <a:masterClrMapping/>
+  </p:clrMapOvr>
+</p:notes>
+</file>
+
+<file path=ppt/notesSlides/notesSlide24.xml><?xml version="1.0" encoding="utf-8"?>
+<p:notes xmlns:a="http://schemas.openxmlformats.org/drawingml/2006/main" xmlns:r="http://schemas.openxmlformats.org/officeDocument/2006/relationships" xmlns:p="http://schemas.openxmlformats.org/presentationml/2006/main">
+  <p:cSld>
+    <p:spTree>
+      <p:nvGrpSpPr>
+        <p:cNvPr id="1" name=""/>
+        <p:cNvGrpSpPr/>
+        <p:nvPr/>
+      </p:nvGrpSpPr>
+      <p:grpSpPr>
+        <a:xfrm>
+          <a:off x="0" y="0"/>
+          <a:ext cx="0" cy="0"/>
+          <a:chOff x="0" y="0"/>
+          <a:chExt cx="0" cy="0"/>
+        </a:xfrm>
+      </p:grpSpPr>
+      <p:sp>
+        <p:nvSpPr>
+          <p:cNvPr id="71682" name="Slide Image Placeholder 1"/>
+          <p:cNvSpPr>
+            <a:spLocks noGrp="1" noRot="1" noChangeAspect="1" noTextEdit="1"/>
+          </p:cNvSpPr>
+          <p:nvPr>
+            <p:ph type="sldImg"/>
+          </p:nvPr>
+        </p:nvSpPr>
+        <p:spPr>
+          <a:ln/>
+        </p:spPr>
+      </p:sp>
+      <p:sp>
+        <p:nvSpPr>
+          <p:cNvPr id="71683" name="Notes Placeholder 2"/>
+          <p:cNvSpPr txBox="1">
+            <a:spLocks noGrp="1"/>
+          </p:cNvSpPr>
+          <p:nvPr>
+            <p:ph type="body" idx="1"/>
+          </p:nvPr>
+        </p:nvSpPr>
+        <p:spPr>
+          <a:noFill/>
+          <a:ln/>
+        </p:spPr>
+        <p:txBody>
+          <a:bodyPr/>
+          <a:lstStyle/>
+          <a:p>
+            <a:endParaRPr lang="en-US"/>
+          </a:p>
+        </p:txBody>
+      </p:sp>
+    </p:spTree>
+    <p:extLst>
+      <p:ext uri="{BB962C8B-B14F-4D97-AF65-F5344CB8AC3E}">
+        <p14:creationId xmlns:p14="http://schemas.microsoft.com/office/powerpoint/2010/main" val="3706428304"/>
+      </p:ext>
+    </p:extLst>
+  </p:cSld>
+  <p:clrMapOvr>
+    <a:masterClrMapping/>
+  </p:clrMapOvr>
+</p:notes>
+</file>
+
+<file path=ppt/notesSlides/notesSlide25.xml><?xml version="1.0" encoding="utf-8"?>
+<p:notes xmlns:a="http://schemas.openxmlformats.org/drawingml/2006/main" xmlns:r="http://schemas.openxmlformats.org/officeDocument/2006/relationships" xmlns:p="http://schemas.openxmlformats.org/presentationml/2006/main">
+  <p:cSld>
+    <p:spTree>
+      <p:nvGrpSpPr>
+        <p:cNvPr id="1" name=""/>
+        <p:cNvGrpSpPr/>
+        <p:nvPr/>
+      </p:nvGrpSpPr>
+      <p:grpSpPr>
+        <a:xfrm>
+          <a:off x="0" y="0"/>
+          <a:ext cx="0" cy="0"/>
+          <a:chOff x="0" y="0"/>
+          <a:chExt cx="0" cy="0"/>
+        </a:xfrm>
+      </p:grpSpPr>
+      <p:sp>
+        <p:nvSpPr>
+          <p:cNvPr id="71682" name="Slide Image Placeholder 1"/>
+          <p:cNvSpPr>
+            <a:spLocks noGrp="1" noRot="1" noChangeAspect="1" noTextEdit="1"/>
+          </p:cNvSpPr>
+          <p:nvPr>
+            <p:ph type="sldImg"/>
+          </p:nvPr>
+        </p:nvSpPr>
+        <p:spPr>
+          <a:ln/>
+        </p:spPr>
+      </p:sp>
+      <p:sp>
+        <p:nvSpPr>
+          <p:cNvPr id="71683" name="Notes Placeholder 2"/>
+          <p:cNvSpPr txBox="1">
+            <a:spLocks noGrp="1"/>
+          </p:cNvSpPr>
+          <p:nvPr>
+            <p:ph type="body" idx="1"/>
+          </p:nvPr>
+        </p:nvSpPr>
+        <p:spPr>
+          <a:noFill/>
+          <a:ln/>
+        </p:spPr>
+        <p:txBody>
+          <a:bodyPr/>
+          <a:lstStyle/>
+          <a:p>
+            <a:endParaRPr lang="en-US"/>
+          </a:p>
+        </p:txBody>
+      </p:sp>
+    </p:spTree>
+    <p:extLst>
+      <p:ext uri="{BB962C8B-B14F-4D97-AF65-F5344CB8AC3E}">
+        <p14:creationId xmlns:p14="http://schemas.microsoft.com/office/powerpoint/2010/main" val="82845747"/>
+      </p:ext>
+    </p:extLst>
+  </p:cSld>
+  <p:clrMapOvr>
+    <a:masterClrMapping/>
+  </p:clrMapOvr>
+</p:notes>
+</file>
+
+<file path=ppt/notesSlides/notesSlide26.xml><?xml version="1.0" encoding="utf-8"?>
+<p:notes xmlns:a="http://schemas.openxmlformats.org/drawingml/2006/main" xmlns:r="http://schemas.openxmlformats.org/officeDocument/2006/relationships" xmlns:p="http://schemas.openxmlformats.org/presentationml/2006/main">
+  <p:cSld>
+    <p:spTree>
+      <p:nvGrpSpPr>
+        <p:cNvPr id="1" name=""/>
+        <p:cNvGrpSpPr/>
+        <p:nvPr/>
+      </p:nvGrpSpPr>
+      <p:grpSpPr>
+        <a:xfrm>
+          <a:off x="0" y="0"/>
+          <a:ext cx="0" cy="0"/>
+          <a:chOff x="0" y="0"/>
+          <a:chExt cx="0" cy="0"/>
+        </a:xfrm>
+      </p:grpSpPr>
+      <p:sp>
+        <p:nvSpPr>
+          <p:cNvPr id="71682" name="Slide Image Placeholder 1"/>
+          <p:cNvSpPr>
+            <a:spLocks noGrp="1" noRot="1" noChangeAspect="1" noTextEdit="1"/>
+          </p:cNvSpPr>
+          <p:nvPr>
+            <p:ph type="sldImg"/>
+          </p:nvPr>
+        </p:nvSpPr>
+        <p:spPr>
+          <a:ln/>
+        </p:spPr>
+      </p:sp>
+      <p:sp>
+        <p:nvSpPr>
+          <p:cNvPr id="71683" name="Notes Placeholder 2"/>
+          <p:cNvSpPr txBox="1">
+            <a:spLocks noGrp="1"/>
+          </p:cNvSpPr>
+          <p:nvPr>
+            <p:ph type="body" idx="1"/>
+          </p:nvPr>
+        </p:nvSpPr>
+        <p:spPr>
+          <a:noFill/>
+          <a:ln/>
+        </p:spPr>
+        <p:txBody>
+          <a:bodyPr/>
+          <a:lstStyle/>
+          <a:p>
+            <a:endParaRPr lang="en-US"/>
+          </a:p>
+        </p:txBody>
+      </p:sp>
+    </p:spTree>
+    <p:extLst>
+      <p:ext uri="{BB962C8B-B14F-4D97-AF65-F5344CB8AC3E}">
+        <p14:creationId xmlns:p14="http://schemas.microsoft.com/office/powerpoint/2010/main" val="3629413483"/>
+      </p:ext>
+    </p:extLst>
+  </p:cSld>
+  <p:clrMapOvr>
+    <a:masterClrMapping/>
+  </p:clrMapOvr>
+</p:notes>
+</file>
+
+<file path=ppt/notesSlides/notesSlide27.xml><?xml version="1.0" encoding="utf-8"?>
+<p:notes xmlns:a="http://schemas.openxmlformats.org/drawingml/2006/main" xmlns:r="http://schemas.openxmlformats.org/officeDocument/2006/relationships" xmlns:p="http://schemas.openxmlformats.org/presentationml/2006/main">
+  <p:cSld>
+    <p:spTree>
+      <p:nvGrpSpPr>
+        <p:cNvPr id="1" name=""/>
+        <p:cNvGrpSpPr/>
+        <p:nvPr/>
+      </p:nvGrpSpPr>
+      <p:grpSpPr>
+        <a:xfrm>
+          <a:off x="0" y="0"/>
+          <a:ext cx="0" cy="0"/>
+          <a:chOff x="0" y="0"/>
+          <a:chExt cx="0" cy="0"/>
+        </a:xfrm>
+      </p:grpSpPr>
+      <p:sp>
+        <p:nvSpPr>
+          <p:cNvPr id="71682" name="Slide Image Placeholder 1"/>
+          <p:cNvSpPr>
+            <a:spLocks noGrp="1" noRot="1" noChangeAspect="1" noTextEdit="1"/>
+          </p:cNvSpPr>
+          <p:nvPr>
+            <p:ph type="sldImg"/>
+          </p:nvPr>
+        </p:nvSpPr>
+        <p:spPr>
+          <a:ln/>
+        </p:spPr>
+      </p:sp>
+      <p:sp>
+        <p:nvSpPr>
+          <p:cNvPr id="71683" name="Notes Placeholder 2"/>
+          <p:cNvSpPr txBox="1">
+            <a:spLocks noGrp="1"/>
+          </p:cNvSpPr>
+          <p:nvPr>
+            <p:ph type="body" idx="1"/>
+          </p:nvPr>
+        </p:nvSpPr>
+        <p:spPr>
+          <a:noFill/>
+          <a:ln/>
+        </p:spPr>
+        <p:txBody>
+          <a:bodyPr/>
+          <a:lstStyle/>
+          <a:p>
+            <a:endParaRPr lang="en-US"/>
+          </a:p>
+        </p:txBody>
+      </p:sp>
+    </p:spTree>
+    <p:extLst>
+      <p:ext uri="{BB962C8B-B14F-4D97-AF65-F5344CB8AC3E}">
+        <p14:creationId xmlns:p14="http://schemas.microsoft.com/office/powerpoint/2010/main" val="684397634"/>
+      </p:ext>
+    </p:extLst>
+  </p:cSld>
+  <p:clrMapOvr>
+    <a:masterClrMapping/>
+  </p:clrMapOvr>
+</p:notes>
+</file>
+
+<file path=ppt/notesSlides/notesSlide28.xml><?xml version="1.0" encoding="utf-8"?>
+<p:notes xmlns:a="http://schemas.openxmlformats.org/drawingml/2006/main" xmlns:r="http://schemas.openxmlformats.org/officeDocument/2006/relationships" xmlns:p="http://schemas.openxmlformats.org/presentationml/2006/main">
+  <p:cSld>
+    <p:spTree>
+      <p:nvGrpSpPr>
+        <p:cNvPr id="1" name=""/>
+        <p:cNvGrpSpPr/>
+        <p:nvPr/>
+      </p:nvGrpSpPr>
+      <p:grpSpPr>
+        <a:xfrm>
+          <a:off x="0" y="0"/>
+          <a:ext cx="0" cy="0"/>
+          <a:chOff x="0" y="0"/>
+          <a:chExt cx="0" cy="0"/>
+        </a:xfrm>
+      </p:grpSpPr>
+      <p:sp>
+        <p:nvSpPr>
+          <p:cNvPr id="71682" name="Slide Image Placeholder 1"/>
+          <p:cNvSpPr>
+            <a:spLocks noGrp="1" noRot="1" noChangeAspect="1" noTextEdit="1"/>
+          </p:cNvSpPr>
+          <p:nvPr>
+            <p:ph type="sldImg"/>
+          </p:nvPr>
+        </p:nvSpPr>
+        <p:spPr>
+          <a:ln/>
+        </p:spPr>
+      </p:sp>
+      <p:sp>
+        <p:nvSpPr>
+          <p:cNvPr id="71683" name="Notes Placeholder 2"/>
+          <p:cNvSpPr txBox="1">
+            <a:spLocks noGrp="1"/>
+          </p:cNvSpPr>
+          <p:nvPr>
+            <p:ph type="body" idx="1"/>
+          </p:nvPr>
+        </p:nvSpPr>
+        <p:spPr>
+          <a:noFill/>
+          <a:ln/>
+        </p:spPr>
+        <p:txBody>
+          <a:bodyPr/>
+          <a:lstStyle/>
+          <a:p>
+            <a:endParaRPr lang="en-US"/>
+          </a:p>
+        </p:txBody>
+      </p:sp>
+    </p:spTree>
+    <p:extLst>
+      <p:ext uri="{BB962C8B-B14F-4D97-AF65-F5344CB8AC3E}">
+        <p14:creationId xmlns:p14="http://schemas.microsoft.com/office/powerpoint/2010/main" val="2909863834"/>
       </p:ext>
     </p:extLst>
   </p:cSld>
@@ -1726,7 +2545,7 @@
             <a:fld id="{C3173D3E-08EC-4E65-995F-34869A3E30B2}" type="datetimeFigureOut">
               <a:rPr lang="en-US" smtClean="0"/>
               <a:pPr/>
-              <a:t>3/3/2022</a:t>
+              <a:t>3/8/2022</a:t>
             </a:fld>
             <a:endParaRPr lang="en-US"/>
           </a:p>
@@ -1892,7 +2711,7 @@
             <a:fld id="{C3173D3E-08EC-4E65-995F-34869A3E30B2}" type="datetimeFigureOut">
               <a:rPr lang="en-US" smtClean="0"/>
               <a:pPr/>
-              <a:t>3/3/2022</a:t>
+              <a:t>3/8/2022</a:t>
             </a:fld>
             <a:endParaRPr lang="en-US"/>
           </a:p>
@@ -2068,7 +2887,7 @@
             <a:fld id="{C3173D3E-08EC-4E65-995F-34869A3E30B2}" type="datetimeFigureOut">
               <a:rPr lang="en-US" smtClean="0"/>
               <a:pPr/>
-              <a:t>3/3/2022</a:t>
+              <a:t>3/8/2022</a:t>
             </a:fld>
             <a:endParaRPr lang="en-US"/>
           </a:p>
@@ -2234,7 +3053,7 @@
             <a:fld id="{C3173D3E-08EC-4E65-995F-34869A3E30B2}" type="datetimeFigureOut">
               <a:rPr lang="en-US" smtClean="0"/>
               <a:pPr/>
-              <a:t>3/3/2022</a:t>
+              <a:t>3/8/2022</a:t>
             </a:fld>
             <a:endParaRPr lang="en-US"/>
           </a:p>
@@ -2477,7 +3296,7 @@
             <a:fld id="{C3173D3E-08EC-4E65-995F-34869A3E30B2}" type="datetimeFigureOut">
               <a:rPr lang="en-US" smtClean="0"/>
               <a:pPr/>
-              <a:t>3/3/2022</a:t>
+              <a:t>3/8/2022</a:t>
             </a:fld>
             <a:endParaRPr lang="en-US"/>
           </a:p>
@@ -2742,7 +3561,7 @@
             <a:fld id="{C3173D3E-08EC-4E65-995F-34869A3E30B2}" type="datetimeFigureOut">
               <a:rPr lang="en-US" smtClean="0"/>
               <a:pPr/>
-              <a:t>3/3/2022</a:t>
+              <a:t>3/8/2022</a:t>
             </a:fld>
             <a:endParaRPr lang="en-US"/>
           </a:p>
@@ -3121,7 +3940,7 @@
             <a:fld id="{C3173D3E-08EC-4E65-995F-34869A3E30B2}" type="datetimeFigureOut">
               <a:rPr lang="en-US" smtClean="0"/>
               <a:pPr/>
-              <a:t>3/3/2022</a:t>
+              <a:t>3/8/2022</a:t>
             </a:fld>
             <a:endParaRPr lang="en-US"/>
           </a:p>
@@ -3272,7 +4091,7 @@
             <a:fld id="{C3173D3E-08EC-4E65-995F-34869A3E30B2}" type="datetimeFigureOut">
               <a:rPr lang="en-US" smtClean="0"/>
               <a:pPr/>
-              <a:t>3/3/2022</a:t>
+              <a:t>3/8/2022</a:t>
             </a:fld>
             <a:endParaRPr lang="en-US"/>
           </a:p>
@@ -3364,7 +4183,7 @@
             <a:fld id="{C3173D3E-08EC-4E65-995F-34869A3E30B2}" type="datetimeFigureOut">
               <a:rPr lang="en-US" smtClean="0"/>
               <a:pPr/>
-              <a:t>3/3/2022</a:t>
+              <a:t>3/8/2022</a:t>
             </a:fld>
             <a:endParaRPr lang="en-US"/>
           </a:p>
@@ -3626,7 +4445,7 @@
             <a:fld id="{C3173D3E-08EC-4E65-995F-34869A3E30B2}" type="datetimeFigureOut">
               <a:rPr lang="en-US" smtClean="0"/>
               <a:pPr/>
-              <a:t>3/3/2022</a:t>
+              <a:t>3/8/2022</a:t>
             </a:fld>
             <a:endParaRPr lang="en-US"/>
           </a:p>
@@ -3915,7 +4734,7 @@
             <a:fld id="{C3173D3E-08EC-4E65-995F-34869A3E30B2}" type="datetimeFigureOut">
               <a:rPr lang="en-US" smtClean="0"/>
               <a:pPr/>
-              <a:t>3/3/2022</a:t>
+              <a:t>3/8/2022</a:t>
             </a:fld>
             <a:endParaRPr lang="en-US"/>
           </a:p>
@@ -4686,7 +5505,7 @@
             <a:fld id="{C3173D3E-08EC-4E65-995F-34869A3E30B2}" type="datetimeFigureOut">
               <a:rPr lang="en-US" smtClean="0"/>
               <a:pPr/>
-              <a:t>3/3/2022</a:t>
+              <a:t>3/8/2022</a:t>
             </a:fld>
             <a:endParaRPr lang="en-US"/>
           </a:p>
@@ -5370,7 +6189,7 @@
         </p:nvSpPr>
         <p:spPr>
           <a:xfrm>
-            <a:off x="4419600" y="4038600"/>
+            <a:off x="4876800" y="3886200"/>
             <a:ext cx="1979644" cy="369332"/>
           </a:xfrm>
           <a:prstGeom prst="rect">
@@ -5452,7 +6271,7 @@
           <a:bodyPr/>
           <a:lstStyle/>
           <a:p>
-            <a:endParaRPr lang="en-US" dirty="0"/>
+            <a:endParaRPr lang="en-US"/>
           </a:p>
         </p:txBody>
       </p:sp>
@@ -6740,7 +7559,7 @@
         </p:nvSpPr>
         <p:spPr>
           <a:xfrm>
-            <a:off x="304800" y="2133600"/>
+            <a:off x="457200" y="2438400"/>
             <a:ext cx="8229600" cy="3886200"/>
           </a:xfrm>
           <a:prstGeom prst="rect">
@@ -7123,6 +7942,344 @@
         </p:spPr>
         <p:txBody>
           <a:bodyPr>
+            <a:normAutofit/>
+          </a:bodyPr>
+          <a:lstStyle/>
+          <a:p>
+            <a:pPr eaLnBrk="1" hangingPunct="1"/>
+            <a:r>
+              <a:rPr lang="en-GB" dirty="0"/>
+              <a:t>Waterfall Model (Contd.)</a:t>
+            </a:r>
+            <a:endParaRPr lang="en-US" sz="2800" dirty="0"/>
+          </a:p>
+        </p:txBody>
+      </p:sp>
+      <p:pic>
+        <p:nvPicPr>
+          <p:cNvPr id="4" name="Picture 14"/>
+          <p:cNvPicPr>
+            <a:picLocks noChangeAspect="1" noChangeArrowheads="1"/>
+          </p:cNvPicPr>
+          <p:nvPr/>
+        </p:nvPicPr>
+        <p:blipFill>
+          <a:blip r:embed="rId3" cstate="print"/>
+          <a:srcRect/>
+          <a:stretch>
+            <a:fillRect/>
+          </a:stretch>
+        </p:blipFill>
+        <p:spPr bwMode="auto">
+          <a:xfrm>
+            <a:off x="3505200" y="2846387"/>
+            <a:ext cx="5334000" cy="3630613"/>
+          </a:xfrm>
+          <a:prstGeom prst="rect">
+            <a:avLst/>
+          </a:prstGeom>
+          <a:noFill/>
+          <a:ln w="9525">
+            <a:noFill/>
+            <a:miter lim="800000"/>
+            <a:headEnd/>
+            <a:tailEnd/>
+          </a:ln>
+        </p:spPr>
+      </p:pic>
+      <p:sp>
+        <p:nvSpPr>
+          <p:cNvPr id="6" name="Rectangle 3"/>
+          <p:cNvSpPr txBox="1">
+            <a:spLocks noChangeArrowheads="1"/>
+          </p:cNvSpPr>
+          <p:nvPr/>
+        </p:nvSpPr>
+        <p:spPr>
+          <a:xfrm>
+            <a:off x="457200" y="2438400"/>
+            <a:ext cx="8229600" cy="3886200"/>
+          </a:xfrm>
+          <a:prstGeom prst="rect">
+            <a:avLst/>
+          </a:prstGeom>
+        </p:spPr>
+        <p:txBody>
+          <a:bodyPr vert="horz">
+            <a:normAutofit/>
+          </a:bodyPr>
+          <a:lstStyle/>
+          <a:p>
+            <a:pPr marL="274320" marR="0" lvl="0" indent="-274320" algn="l" defTabSz="914400" rtl="0" eaLnBrk="1" fontAlgn="auto" latinLnBrk="0" hangingPunct="1">
+              <a:lnSpc>
+                <a:spcPct val="100000"/>
+              </a:lnSpc>
+              <a:spcBef>
+                <a:spcPct val="20000"/>
+              </a:spcBef>
+              <a:spcAft>
+                <a:spcPts val="0"/>
+              </a:spcAft>
+              <a:buClr>
+                <a:schemeClr val="accent3"/>
+              </a:buClr>
+              <a:buSzPct val="95000"/>
+              <a:buFont typeface="Wingdings 2"/>
+              <a:buChar char=""/>
+              <a:tabLst>
+                <a:tab pos="454025" algn="l"/>
+                <a:tab pos="911225" algn="l"/>
+                <a:tab pos="1368425" algn="l"/>
+                <a:tab pos="1825625" algn="l"/>
+                <a:tab pos="2282825" algn="l"/>
+                <a:tab pos="2740025" algn="l"/>
+                <a:tab pos="3197225" algn="l"/>
+                <a:tab pos="3654425" algn="l"/>
+                <a:tab pos="4111625" algn="l"/>
+                <a:tab pos="4568825" algn="l"/>
+                <a:tab pos="5026025" algn="l"/>
+                <a:tab pos="5483225" algn="l"/>
+                <a:tab pos="5940425" algn="l"/>
+                <a:tab pos="6397625" algn="l"/>
+                <a:tab pos="6854825" algn="l"/>
+                <a:tab pos="7312025" algn="l"/>
+                <a:tab pos="7769225" algn="l"/>
+                <a:tab pos="8226425" algn="l"/>
+                <a:tab pos="8683625" algn="l"/>
+                <a:tab pos="9140825" algn="l"/>
+              </a:tabLst>
+              <a:defRPr/>
+            </a:pPr>
+            <a:r>
+              <a:rPr kumimoji="0" lang="en-GB" sz="2600" b="0" i="0" u="none" strike="noStrike" kern="1200" cap="none" spc="0" normalizeH="0" baseline="0" noProof="0" dirty="0">
+                <a:ln>
+                  <a:noFill/>
+                </a:ln>
+                <a:solidFill>
+                  <a:schemeClr val="tx1"/>
+                </a:solidFill>
+                <a:effectLst/>
+                <a:uLnTx/>
+                <a:uFillTx/>
+                <a:latin typeface="+mn-lt"/>
+                <a:ea typeface="+mn-ea"/>
+                <a:cs typeface="+mn-cs"/>
+              </a:rPr>
+              <a:t>Uncontrolled Software Development Process</a:t>
+            </a:r>
+          </a:p>
+          <a:p>
+            <a:pPr marL="274320" marR="0" lvl="0" indent="-274320" algn="l" defTabSz="914400" rtl="0" eaLnBrk="1" fontAlgn="auto" latinLnBrk="0" hangingPunct="1">
+              <a:lnSpc>
+                <a:spcPct val="100000"/>
+              </a:lnSpc>
+              <a:spcBef>
+                <a:spcPct val="20000"/>
+              </a:spcBef>
+              <a:spcAft>
+                <a:spcPts val="0"/>
+              </a:spcAft>
+              <a:buClr>
+                <a:schemeClr val="accent3"/>
+              </a:buClr>
+              <a:buSzPct val="95000"/>
+              <a:buFont typeface="Wingdings 2"/>
+              <a:buChar char=""/>
+              <a:tabLst>
+                <a:tab pos="454025" algn="l"/>
+                <a:tab pos="911225" algn="l"/>
+                <a:tab pos="1368425" algn="l"/>
+                <a:tab pos="1825625" algn="l"/>
+                <a:tab pos="2282825" algn="l"/>
+                <a:tab pos="2740025" algn="l"/>
+                <a:tab pos="3197225" algn="l"/>
+                <a:tab pos="3654425" algn="l"/>
+                <a:tab pos="4111625" algn="l"/>
+                <a:tab pos="4568825" algn="l"/>
+                <a:tab pos="5026025" algn="l"/>
+                <a:tab pos="5483225" algn="l"/>
+                <a:tab pos="5940425" algn="l"/>
+                <a:tab pos="6397625" algn="l"/>
+                <a:tab pos="6854825" algn="l"/>
+                <a:tab pos="7312025" algn="l"/>
+                <a:tab pos="7769225" algn="l"/>
+                <a:tab pos="8226425" algn="l"/>
+                <a:tab pos="8683625" algn="l"/>
+                <a:tab pos="9140825" algn="l"/>
+              </a:tabLst>
+              <a:defRPr/>
+            </a:pPr>
+            <a:r>
+              <a:rPr lang="en-GB" sz="2600" dirty="0"/>
+              <a:t>No Iterations in WF?</a:t>
+            </a:r>
+            <a:endParaRPr kumimoji="0" lang="en-GB" sz="2600" b="0" i="0" u="none" strike="noStrike" kern="1200" cap="none" spc="0" normalizeH="0" baseline="0" noProof="0" dirty="0">
+              <a:ln>
+                <a:noFill/>
+              </a:ln>
+              <a:solidFill>
+                <a:schemeClr val="tx1"/>
+              </a:solidFill>
+              <a:effectLst/>
+              <a:uLnTx/>
+              <a:uFillTx/>
+              <a:latin typeface="+mn-lt"/>
+              <a:ea typeface="+mn-ea"/>
+              <a:cs typeface="+mn-cs"/>
+            </a:endParaRPr>
+          </a:p>
+        </p:txBody>
+      </p:sp>
+      <p:sp>
+        <p:nvSpPr>
+          <p:cNvPr id="2" name="Rectangle 1"/>
+          <p:cNvSpPr/>
+          <p:nvPr/>
+        </p:nvSpPr>
+        <p:spPr>
+          <a:xfrm>
+            <a:off x="304800" y="6474023"/>
+            <a:ext cx="8686800" cy="307777"/>
+          </a:xfrm>
+          <a:prstGeom prst="rect">
+            <a:avLst/>
+          </a:prstGeom>
+        </p:spPr>
+        <p:txBody>
+          <a:bodyPr wrap="square">
+            <a:spAutoFit/>
+          </a:bodyPr>
+          <a:lstStyle/>
+          <a:p>
+            <a:r>
+              <a:rPr lang="en-US" sz="1400" dirty="0"/>
+              <a:t>Loop: Problem Definition, Technical Design and Development, Integration, Operations and Maintenance</a:t>
+            </a:r>
+          </a:p>
+        </p:txBody>
+      </p:sp>
+    </p:spTree>
+  </p:cSld>
+  <p:clrMapOvr>
+    <a:masterClrMapping/>
+  </p:clrMapOvr>
+  <p:transition/>
+  <p:timing>
+    <p:tnLst>
+      <p:par>
+        <p:cTn id="1" dur="indefinite" restart="never" nodeType="tmRoot">
+          <p:childTnLst>
+            <p:seq concurrent="1" nextAc="seek">
+              <p:cTn id="2" dur="indefinite" nodeType="mainSeq">
+                <p:childTnLst>
+                  <p:par>
+                    <p:cTn id="3" fill="hold">
+                      <p:stCondLst>
+                        <p:cond delay="indefinite"/>
+                      </p:stCondLst>
+                      <p:childTnLst>
+                        <p:par>
+                          <p:cTn id="4" fill="hold">
+                            <p:stCondLst>
+                              <p:cond delay="0"/>
+                            </p:stCondLst>
+                            <p:childTnLst>
+                              <p:par>
+                                <p:cTn id="5" presetID="1" presetClass="entr" presetSubtype="0" fill="hold" grpId="0" nodeType="clickEffect">
+                                  <p:stCondLst>
+                                    <p:cond delay="0"/>
+                                  </p:stCondLst>
+                                  <p:childTnLst>
+                                    <p:set>
+                                      <p:cBhvr>
+                                        <p:cTn id="6" dur="1" fill="hold">
+                                          <p:stCondLst>
+                                            <p:cond delay="0"/>
+                                          </p:stCondLst>
+                                        </p:cTn>
+                                        <p:tgtEl>
+                                          <p:spTgt spid="2"/>
+                                        </p:tgtEl>
+                                        <p:attrNameLst>
+                                          <p:attrName>style.visibility</p:attrName>
+                                        </p:attrNameLst>
+                                      </p:cBhvr>
+                                      <p:to>
+                                        <p:strVal val="visible"/>
+                                      </p:to>
+                                    </p:set>
+                                  </p:childTnLst>
+                                </p:cTn>
+                              </p:par>
+                            </p:childTnLst>
+                          </p:cTn>
+                        </p:par>
+                      </p:childTnLst>
+                    </p:cTn>
+                  </p:par>
+                </p:childTnLst>
+              </p:cTn>
+              <p:prevCondLst>
+                <p:cond evt="onPrev" delay="0">
+                  <p:tgtEl>
+                    <p:sldTgt/>
+                  </p:tgtEl>
+                </p:cond>
+              </p:prevCondLst>
+              <p:nextCondLst>
+                <p:cond evt="onNext" delay="0">
+                  <p:tgtEl>
+                    <p:sldTgt/>
+                  </p:tgtEl>
+                </p:cond>
+              </p:nextCondLst>
+            </p:seq>
+          </p:childTnLst>
+        </p:cTn>
+      </p:par>
+    </p:tnLst>
+    <p:bldLst>
+      <p:bldP spid="2" grpId="0"/>
+    </p:bldLst>
+  </p:timing>
+</p:sld>
+</file>
+
+<file path=ppt/slides/slide16.xml><?xml version="1.0" encoding="utf-8"?>
+<p:sld xmlns:a="http://schemas.openxmlformats.org/drawingml/2006/main" xmlns:r="http://schemas.openxmlformats.org/officeDocument/2006/relationships" xmlns:p="http://schemas.openxmlformats.org/presentationml/2006/main">
+  <p:cSld>
+    <p:spTree>
+      <p:nvGrpSpPr>
+        <p:cNvPr id="1" name=""/>
+        <p:cNvGrpSpPr/>
+        <p:nvPr/>
+      </p:nvGrpSpPr>
+      <p:grpSpPr>
+        <a:xfrm>
+          <a:off x="0" y="0"/>
+          <a:ext cx="0" cy="0"/>
+          <a:chOff x="0" y="0"/>
+          <a:chExt cx="0" cy="0"/>
+        </a:xfrm>
+      </p:grpSpPr>
+      <p:sp>
+        <p:nvSpPr>
+          <p:cNvPr id="22530" name="Rectangle 2"/>
+          <p:cNvSpPr>
+            <a:spLocks noGrp="1" noChangeArrowheads="1"/>
+          </p:cNvSpPr>
+          <p:nvPr>
+            <p:ph type="title"/>
+          </p:nvPr>
+        </p:nvSpPr>
+        <p:spPr>
+          <a:xfrm>
+            <a:off x="457200" y="914400"/>
+            <a:ext cx="8229600" cy="1143000"/>
+          </a:xfrm>
+        </p:spPr>
+        <p:txBody>
+          <a:bodyPr>
             <a:normAutofit fontScale="90000"/>
           </a:bodyPr>
           <a:lstStyle/>
@@ -7415,93 +8572,6 @@
 </p:sld>
 </file>
 
-<file path=ppt/slides/slide16.xml><?xml version="1.0" encoding="utf-8"?>
-<p:sld xmlns:a="http://schemas.openxmlformats.org/drawingml/2006/main" xmlns:r="http://schemas.openxmlformats.org/officeDocument/2006/relationships" xmlns:p="http://schemas.openxmlformats.org/presentationml/2006/main">
-  <p:cSld>
-    <p:spTree>
-      <p:nvGrpSpPr>
-        <p:cNvPr id="1" name=""/>
-        <p:cNvGrpSpPr/>
-        <p:nvPr/>
-      </p:nvGrpSpPr>
-      <p:grpSpPr>
-        <a:xfrm>
-          <a:off x="0" y="0"/>
-          <a:ext cx="0" cy="0"/>
-          <a:chOff x="0" y="0"/>
-          <a:chExt cx="0" cy="0"/>
-        </a:xfrm>
-      </p:grpSpPr>
-      <p:sp>
-        <p:nvSpPr>
-          <p:cNvPr id="22530" name="Rectangle 2"/>
-          <p:cNvSpPr>
-            <a:spLocks noGrp="1" noChangeArrowheads="1"/>
-          </p:cNvSpPr>
-          <p:nvPr>
-            <p:ph type="title"/>
-          </p:nvPr>
-        </p:nvSpPr>
-        <p:spPr>
-          <a:xfrm>
-            <a:off x="457200" y="914400"/>
-            <a:ext cx="8229600" cy="1143000"/>
-          </a:xfrm>
-        </p:spPr>
-        <p:txBody>
-          <a:bodyPr>
-            <a:normAutofit fontScale="90000"/>
-          </a:bodyPr>
-          <a:lstStyle/>
-          <a:p>
-            <a:pPr eaLnBrk="1" hangingPunct="1"/>
-            <a:r>
-              <a:rPr lang="en-GB" dirty="0"/>
-              <a:t>Waterfall Model with Prototyping</a:t>
-            </a:r>
-            <a:endParaRPr lang="en-US" sz="2800" dirty="0"/>
-          </a:p>
-        </p:txBody>
-      </p:sp>
-      <p:pic>
-        <p:nvPicPr>
-          <p:cNvPr id="3" name="Picture 2">
-            <a:extLst>
-              <a:ext uri="{FF2B5EF4-FFF2-40B4-BE49-F238E27FC236}">
-                <a16:creationId xmlns:a16="http://schemas.microsoft.com/office/drawing/2014/main" id="{13DFE4B9-9329-4A0F-B089-F4A1B1B6AE9E}"/>
-              </a:ext>
-            </a:extLst>
-          </p:cNvPr>
-          <p:cNvPicPr>
-            <a:picLocks noChangeAspect="1"/>
-          </p:cNvPicPr>
-          <p:nvPr/>
-        </p:nvPicPr>
-        <p:blipFill>
-          <a:blip r:embed="rId3"/>
-          <a:stretch>
-            <a:fillRect/>
-          </a:stretch>
-        </p:blipFill>
-        <p:spPr>
-          <a:xfrm>
-            <a:off x="1219200" y="2072640"/>
-            <a:ext cx="6324600" cy="4480560"/>
-          </a:xfrm>
-          <a:prstGeom prst="rect">
-            <a:avLst/>
-          </a:prstGeom>
-        </p:spPr>
-      </p:pic>
-    </p:spTree>
-  </p:cSld>
-  <p:clrMapOvr>
-    <a:masterClrMapping/>
-  </p:clrMapOvr>
-  <p:transition/>
-</p:sld>
-</file>
-
 <file path=ppt/slides/slide17.xml><?xml version="1.0" encoding="utf-8"?>
 <p:sld xmlns:a="http://schemas.openxmlformats.org/drawingml/2006/main" xmlns:r="http://schemas.openxmlformats.org/officeDocument/2006/relationships" xmlns:p="http://schemas.openxmlformats.org/presentationml/2006/main">
   <p:cSld>
@@ -7537,227 +8607,51 @@
         </p:spPr>
         <p:txBody>
           <a:bodyPr>
-            <a:normAutofit/>
+            <a:normAutofit fontScale="90000"/>
           </a:bodyPr>
           <a:lstStyle/>
           <a:p>
             <a:pPr eaLnBrk="1" hangingPunct="1"/>
             <a:r>
               <a:rPr lang="en-GB" dirty="0"/>
-              <a:t>V Model</a:t>
+              <a:t>Waterfall Model with Prototyping</a:t>
             </a:r>
             <a:endParaRPr lang="en-US" sz="2800" dirty="0"/>
           </a:p>
         </p:txBody>
       </p:sp>
-      <p:sp>
-        <p:nvSpPr>
-          <p:cNvPr id="22531" name="Rectangle 3"/>
-          <p:cNvSpPr>
-            <a:spLocks noGrp="1" noChangeArrowheads="1"/>
-          </p:cNvSpPr>
-          <p:nvPr>
-            <p:ph type="body" idx="1"/>
-          </p:nvPr>
-        </p:nvSpPr>
-        <p:spPr>
+      <p:pic>
+        <p:nvPicPr>
+          <p:cNvPr id="4" name="Picture 15"/>
+          <p:cNvPicPr>
+            <a:picLocks noChangeAspect="1" noChangeArrowheads="1"/>
+          </p:cNvPicPr>
+          <p:nvPr/>
+        </p:nvPicPr>
+        <p:blipFill>
+          <a:blip r:embed="rId3" cstate="print"/>
+          <a:srcRect/>
+          <a:stretch>
+            <a:fillRect/>
+          </a:stretch>
+        </p:blipFill>
+        <p:spPr bwMode="auto">
           <a:xfrm>
-            <a:off x="457200" y="2438400"/>
-            <a:ext cx="8229600" cy="3886200"/>
-          </a:xfrm>
-        </p:spPr>
-        <p:txBody>
-          <a:bodyPr>
-            <a:normAutofit/>
-          </a:bodyPr>
-          <a:lstStyle/>
-          <a:p>
-            <a:pPr>
-              <a:tabLst>
-                <a:tab pos="454025" algn="l"/>
-                <a:tab pos="911225" algn="l"/>
-                <a:tab pos="1368425" algn="l"/>
-                <a:tab pos="1825625" algn="l"/>
-                <a:tab pos="2282825" algn="l"/>
-                <a:tab pos="2740025" algn="l"/>
-                <a:tab pos="3197225" algn="l"/>
-                <a:tab pos="3654425" algn="l"/>
-                <a:tab pos="4111625" algn="l"/>
-                <a:tab pos="4568825" algn="l"/>
-                <a:tab pos="5026025" algn="l"/>
-                <a:tab pos="5483225" algn="l"/>
-                <a:tab pos="5940425" algn="l"/>
-                <a:tab pos="6397625" algn="l"/>
-                <a:tab pos="6854825" algn="l"/>
-                <a:tab pos="7312025" algn="l"/>
-                <a:tab pos="7769225" algn="l"/>
-                <a:tab pos="8226425" algn="l"/>
-                <a:tab pos="8683625" algn="l"/>
-                <a:tab pos="9140825" algn="l"/>
-              </a:tabLst>
-            </a:pPr>
-            <a:r>
-              <a:rPr lang="en-GB" dirty="0"/>
-              <a:t>A variant of the waterfall model</a:t>
-            </a:r>
-          </a:p>
-          <a:p>
-            <a:pPr>
-              <a:tabLst>
-                <a:tab pos="454025" algn="l"/>
-                <a:tab pos="911225" algn="l"/>
-                <a:tab pos="1368425" algn="l"/>
-                <a:tab pos="1825625" algn="l"/>
-                <a:tab pos="2282825" algn="l"/>
-                <a:tab pos="2740025" algn="l"/>
-                <a:tab pos="3197225" algn="l"/>
-                <a:tab pos="3654425" algn="l"/>
-                <a:tab pos="4111625" algn="l"/>
-                <a:tab pos="4568825" algn="l"/>
-                <a:tab pos="5026025" algn="l"/>
-                <a:tab pos="5483225" algn="l"/>
-                <a:tab pos="5940425" algn="l"/>
-                <a:tab pos="6397625" algn="l"/>
-                <a:tab pos="6854825" algn="l"/>
-                <a:tab pos="7312025" algn="l"/>
-                <a:tab pos="7769225" algn="l"/>
-                <a:tab pos="8226425" algn="l"/>
-                <a:tab pos="8683625" algn="l"/>
-                <a:tab pos="9140825" algn="l"/>
-              </a:tabLst>
-            </a:pPr>
-            <a:r>
-              <a:rPr lang="en-GB" dirty="0"/>
-              <a:t>Uses unit testing to verify procedural design</a:t>
-            </a:r>
-          </a:p>
-          <a:p>
-            <a:pPr>
-              <a:tabLst>
-                <a:tab pos="454025" algn="l"/>
-                <a:tab pos="911225" algn="l"/>
-                <a:tab pos="1368425" algn="l"/>
-                <a:tab pos="1825625" algn="l"/>
-                <a:tab pos="2282825" algn="l"/>
-                <a:tab pos="2740025" algn="l"/>
-                <a:tab pos="3197225" algn="l"/>
-                <a:tab pos="3654425" algn="l"/>
-                <a:tab pos="4111625" algn="l"/>
-                <a:tab pos="4568825" algn="l"/>
-                <a:tab pos="5026025" algn="l"/>
-                <a:tab pos="5483225" algn="l"/>
-                <a:tab pos="5940425" algn="l"/>
-                <a:tab pos="6397625" algn="l"/>
-                <a:tab pos="6854825" algn="l"/>
-                <a:tab pos="7312025" algn="l"/>
-                <a:tab pos="7769225" algn="l"/>
-                <a:tab pos="8226425" algn="l"/>
-                <a:tab pos="8683625" algn="l"/>
-                <a:tab pos="9140825" algn="l"/>
-              </a:tabLst>
-            </a:pPr>
-            <a:r>
-              <a:rPr lang="en-GB" dirty="0"/>
-              <a:t>Uses integration testing to verify architectural (system) design</a:t>
-            </a:r>
-          </a:p>
-          <a:p>
-            <a:pPr>
-              <a:tabLst>
-                <a:tab pos="454025" algn="l"/>
-                <a:tab pos="911225" algn="l"/>
-                <a:tab pos="1368425" algn="l"/>
-                <a:tab pos="1825625" algn="l"/>
-                <a:tab pos="2282825" algn="l"/>
-                <a:tab pos="2740025" algn="l"/>
-                <a:tab pos="3197225" algn="l"/>
-                <a:tab pos="3654425" algn="l"/>
-                <a:tab pos="4111625" algn="l"/>
-                <a:tab pos="4568825" algn="l"/>
-                <a:tab pos="5026025" algn="l"/>
-                <a:tab pos="5483225" algn="l"/>
-                <a:tab pos="5940425" algn="l"/>
-                <a:tab pos="6397625" algn="l"/>
-                <a:tab pos="6854825" algn="l"/>
-                <a:tab pos="7312025" algn="l"/>
-                <a:tab pos="7769225" algn="l"/>
-                <a:tab pos="8226425" algn="l"/>
-                <a:tab pos="8683625" algn="l"/>
-                <a:tab pos="9140825" algn="l"/>
-              </a:tabLst>
-            </a:pPr>
-            <a:r>
-              <a:rPr lang="en-GB" dirty="0"/>
-              <a:t>Uses acceptance testing to validate the requirements</a:t>
-            </a:r>
-          </a:p>
-          <a:p>
-            <a:pPr>
-              <a:tabLst>
-                <a:tab pos="454025" algn="l"/>
-                <a:tab pos="911225" algn="l"/>
-                <a:tab pos="1368425" algn="l"/>
-                <a:tab pos="1825625" algn="l"/>
-                <a:tab pos="2282825" algn="l"/>
-                <a:tab pos="2740025" algn="l"/>
-                <a:tab pos="3197225" algn="l"/>
-                <a:tab pos="3654425" algn="l"/>
-                <a:tab pos="4111625" algn="l"/>
-                <a:tab pos="4568825" algn="l"/>
-                <a:tab pos="5026025" algn="l"/>
-                <a:tab pos="5483225" algn="l"/>
-                <a:tab pos="5940425" algn="l"/>
-                <a:tab pos="6397625" algn="l"/>
-                <a:tab pos="6854825" algn="l"/>
-                <a:tab pos="7312025" algn="l"/>
-                <a:tab pos="7769225" algn="l"/>
-                <a:tab pos="8226425" algn="l"/>
-                <a:tab pos="8683625" algn="l"/>
-                <a:tab pos="9140825" algn="l"/>
-              </a:tabLst>
-            </a:pPr>
-            <a:r>
-              <a:rPr lang="en-GB" dirty="0"/>
-              <a:t>If problems are found during verification and validation, the left side of the V can be re-executed before testing on the right side is re-enacted</a:t>
-            </a:r>
-          </a:p>
-        </p:txBody>
-      </p:sp>
-      <p:sp>
-        <p:nvSpPr>
-          <p:cNvPr id="2" name="TextBox 1"/>
-          <p:cNvSpPr txBox="1"/>
-          <p:nvPr/>
-        </p:nvSpPr>
-        <p:spPr>
-          <a:xfrm>
-            <a:off x="762000" y="6043136"/>
-            <a:ext cx="7315200" cy="738664"/>
+            <a:off x="2286000" y="2133600"/>
+            <a:ext cx="6172200" cy="4370388"/>
           </a:xfrm>
           <a:prstGeom prst="rect">
             <a:avLst/>
           </a:prstGeom>
           <a:noFill/>
-        </p:spPr>
-        <p:txBody>
-          <a:bodyPr wrap="square" rtlCol="0">
-            <a:spAutoFit/>
-          </a:bodyPr>
-          <a:lstStyle/>
-          <a:p>
-            <a:r>
-              <a:rPr lang="en-US" sz="1400" dirty="0"/>
-              <a:t>Verification: Each function works correctly</a:t>
-            </a:r>
-          </a:p>
-          <a:p>
-            <a:r>
-              <a:rPr lang="en-US" sz="1400" dirty="0"/>
-              <a:t>Validation: All requirements have been implemented and each functionality can be traced back to a particular requirement</a:t>
-            </a:r>
-          </a:p>
-        </p:txBody>
-      </p:sp>
+          <a:ln w="9525">
+            <a:noFill/>
+            <a:miter lim="800000"/>
+            <a:headEnd/>
+            <a:tailEnd/>
+          </a:ln>
+        </p:spPr>
+      </p:pic>
     </p:spTree>
   </p:cSld>
   <p:clrMapOvr>
@@ -7796,7 +8690,7 @@
         </p:nvSpPr>
         <p:spPr>
           <a:xfrm>
-            <a:off x="2590800" y="457200"/>
+            <a:off x="457200" y="914400"/>
             <a:ext cx="8229600" cy="1143000"/>
           </a:xfrm>
         </p:spPr>
@@ -7809,42 +8703,220 @@
             <a:pPr eaLnBrk="1" hangingPunct="1"/>
             <a:r>
               <a:rPr lang="en-GB" dirty="0"/>
-              <a:t>V Model (Contd.)</a:t>
+              <a:t>V Model</a:t>
             </a:r>
             <a:endParaRPr lang="en-US" sz="2800" dirty="0"/>
           </a:p>
         </p:txBody>
       </p:sp>
-      <p:pic>
-        <p:nvPicPr>
-          <p:cNvPr id="3" name="Picture 2">
-            <a:extLst>
-              <a:ext uri="{FF2B5EF4-FFF2-40B4-BE49-F238E27FC236}">
-                <a16:creationId xmlns:a16="http://schemas.microsoft.com/office/drawing/2014/main" id="{F80AAA5B-6C13-4489-8998-743BB311D553}"/>
-              </a:ext>
-            </a:extLst>
-          </p:cNvPr>
-          <p:cNvPicPr>
-            <a:picLocks noChangeAspect="1"/>
-          </p:cNvPicPr>
+      <p:sp>
+        <p:nvSpPr>
+          <p:cNvPr id="22531" name="Rectangle 3"/>
+          <p:cNvSpPr>
+            <a:spLocks noGrp="1" noChangeArrowheads="1"/>
+          </p:cNvSpPr>
+          <p:nvPr>
+            <p:ph type="body" idx="1"/>
+          </p:nvPr>
+        </p:nvSpPr>
+        <p:spPr>
+          <a:xfrm>
+            <a:off x="457200" y="2438400"/>
+            <a:ext cx="8229600" cy="3886200"/>
+          </a:xfrm>
+        </p:spPr>
+        <p:txBody>
+          <a:bodyPr>
+            <a:normAutofit/>
+          </a:bodyPr>
+          <a:lstStyle/>
+          <a:p>
+            <a:pPr>
+              <a:tabLst>
+                <a:tab pos="454025" algn="l"/>
+                <a:tab pos="911225" algn="l"/>
+                <a:tab pos="1368425" algn="l"/>
+                <a:tab pos="1825625" algn="l"/>
+                <a:tab pos="2282825" algn="l"/>
+                <a:tab pos="2740025" algn="l"/>
+                <a:tab pos="3197225" algn="l"/>
+                <a:tab pos="3654425" algn="l"/>
+                <a:tab pos="4111625" algn="l"/>
+                <a:tab pos="4568825" algn="l"/>
+                <a:tab pos="5026025" algn="l"/>
+                <a:tab pos="5483225" algn="l"/>
+                <a:tab pos="5940425" algn="l"/>
+                <a:tab pos="6397625" algn="l"/>
+                <a:tab pos="6854825" algn="l"/>
+                <a:tab pos="7312025" algn="l"/>
+                <a:tab pos="7769225" algn="l"/>
+                <a:tab pos="8226425" algn="l"/>
+                <a:tab pos="8683625" algn="l"/>
+                <a:tab pos="9140825" algn="l"/>
+              </a:tabLst>
+            </a:pPr>
+            <a:r>
+              <a:rPr lang="en-GB" dirty="0"/>
+              <a:t>A variant of the waterfall model</a:t>
+            </a:r>
+          </a:p>
+          <a:p>
+            <a:pPr>
+              <a:tabLst>
+                <a:tab pos="454025" algn="l"/>
+                <a:tab pos="911225" algn="l"/>
+                <a:tab pos="1368425" algn="l"/>
+                <a:tab pos="1825625" algn="l"/>
+                <a:tab pos="2282825" algn="l"/>
+                <a:tab pos="2740025" algn="l"/>
+                <a:tab pos="3197225" algn="l"/>
+                <a:tab pos="3654425" algn="l"/>
+                <a:tab pos="4111625" algn="l"/>
+                <a:tab pos="4568825" algn="l"/>
+                <a:tab pos="5026025" algn="l"/>
+                <a:tab pos="5483225" algn="l"/>
+                <a:tab pos="5940425" algn="l"/>
+                <a:tab pos="6397625" algn="l"/>
+                <a:tab pos="6854825" algn="l"/>
+                <a:tab pos="7312025" algn="l"/>
+                <a:tab pos="7769225" algn="l"/>
+                <a:tab pos="8226425" algn="l"/>
+                <a:tab pos="8683625" algn="l"/>
+                <a:tab pos="9140825" algn="l"/>
+              </a:tabLst>
+            </a:pPr>
+            <a:r>
+              <a:rPr lang="en-GB" dirty="0"/>
+              <a:t>Uses unit testing to verify procedural design</a:t>
+            </a:r>
+          </a:p>
+          <a:p>
+            <a:pPr>
+              <a:tabLst>
+                <a:tab pos="454025" algn="l"/>
+                <a:tab pos="911225" algn="l"/>
+                <a:tab pos="1368425" algn="l"/>
+                <a:tab pos="1825625" algn="l"/>
+                <a:tab pos="2282825" algn="l"/>
+                <a:tab pos="2740025" algn="l"/>
+                <a:tab pos="3197225" algn="l"/>
+                <a:tab pos="3654425" algn="l"/>
+                <a:tab pos="4111625" algn="l"/>
+                <a:tab pos="4568825" algn="l"/>
+                <a:tab pos="5026025" algn="l"/>
+                <a:tab pos="5483225" algn="l"/>
+                <a:tab pos="5940425" algn="l"/>
+                <a:tab pos="6397625" algn="l"/>
+                <a:tab pos="6854825" algn="l"/>
+                <a:tab pos="7312025" algn="l"/>
+                <a:tab pos="7769225" algn="l"/>
+                <a:tab pos="8226425" algn="l"/>
+                <a:tab pos="8683625" algn="l"/>
+                <a:tab pos="9140825" algn="l"/>
+              </a:tabLst>
+            </a:pPr>
+            <a:r>
+              <a:rPr lang="en-GB" dirty="0"/>
+              <a:t>Uses integration testing to verify architectural (system) design</a:t>
+            </a:r>
+          </a:p>
+          <a:p>
+            <a:pPr>
+              <a:tabLst>
+                <a:tab pos="454025" algn="l"/>
+                <a:tab pos="911225" algn="l"/>
+                <a:tab pos="1368425" algn="l"/>
+                <a:tab pos="1825625" algn="l"/>
+                <a:tab pos="2282825" algn="l"/>
+                <a:tab pos="2740025" algn="l"/>
+                <a:tab pos="3197225" algn="l"/>
+                <a:tab pos="3654425" algn="l"/>
+                <a:tab pos="4111625" algn="l"/>
+                <a:tab pos="4568825" algn="l"/>
+                <a:tab pos="5026025" algn="l"/>
+                <a:tab pos="5483225" algn="l"/>
+                <a:tab pos="5940425" algn="l"/>
+                <a:tab pos="6397625" algn="l"/>
+                <a:tab pos="6854825" algn="l"/>
+                <a:tab pos="7312025" algn="l"/>
+                <a:tab pos="7769225" algn="l"/>
+                <a:tab pos="8226425" algn="l"/>
+                <a:tab pos="8683625" algn="l"/>
+                <a:tab pos="9140825" algn="l"/>
+              </a:tabLst>
+            </a:pPr>
+            <a:r>
+              <a:rPr lang="en-GB" dirty="0"/>
+              <a:t>Uses acceptance testing to validate the requirements</a:t>
+            </a:r>
+          </a:p>
+          <a:p>
+            <a:pPr>
+              <a:tabLst>
+                <a:tab pos="454025" algn="l"/>
+                <a:tab pos="911225" algn="l"/>
+                <a:tab pos="1368425" algn="l"/>
+                <a:tab pos="1825625" algn="l"/>
+                <a:tab pos="2282825" algn="l"/>
+                <a:tab pos="2740025" algn="l"/>
+                <a:tab pos="3197225" algn="l"/>
+                <a:tab pos="3654425" algn="l"/>
+                <a:tab pos="4111625" algn="l"/>
+                <a:tab pos="4568825" algn="l"/>
+                <a:tab pos="5026025" algn="l"/>
+                <a:tab pos="5483225" algn="l"/>
+                <a:tab pos="5940425" algn="l"/>
+                <a:tab pos="6397625" algn="l"/>
+                <a:tab pos="6854825" algn="l"/>
+                <a:tab pos="7312025" algn="l"/>
+                <a:tab pos="7769225" algn="l"/>
+                <a:tab pos="8226425" algn="l"/>
+                <a:tab pos="8683625" algn="l"/>
+                <a:tab pos="9140825" algn="l"/>
+              </a:tabLst>
+            </a:pPr>
+            <a:r>
+              <a:rPr lang="en-GB" dirty="0"/>
+              <a:t>If problems are found during verification and validation, the left side of the V can be re-executed before testing on the right side is re-enacted</a:t>
+            </a:r>
+          </a:p>
+        </p:txBody>
+      </p:sp>
+      <p:sp>
+        <p:nvSpPr>
+          <p:cNvPr id="2" name="TextBox 1"/>
+          <p:cNvSpPr txBox="1"/>
           <p:nvPr/>
-        </p:nvPicPr>
-        <p:blipFill>
-          <a:blip r:embed="rId3"/>
-          <a:stretch>
-            <a:fillRect/>
-          </a:stretch>
-        </p:blipFill>
+        </p:nvSpPr>
         <p:spPr>
           <a:xfrm>
-            <a:off x="0" y="1981200"/>
-            <a:ext cx="9144000" cy="3684795"/>
+            <a:off x="762000" y="6043136"/>
+            <a:ext cx="7315200" cy="738664"/>
           </a:xfrm>
           <a:prstGeom prst="rect">
             <a:avLst/>
           </a:prstGeom>
-        </p:spPr>
-      </p:pic>
+          <a:noFill/>
+        </p:spPr>
+        <p:txBody>
+          <a:bodyPr wrap="square" rtlCol="0">
+            <a:spAutoFit/>
+          </a:bodyPr>
+          <a:lstStyle/>
+          <a:p>
+            <a:r>
+              <a:rPr lang="en-US" sz="1400" dirty="0"/>
+              <a:t>Verification: Each function works correctly</a:t>
+            </a:r>
+          </a:p>
+          <a:p>
+            <a:r>
+              <a:rPr lang="en-US" sz="1400" dirty="0"/>
+              <a:t>Validation: All requirements have been implemented and each functionality can be traced back to a particular requirement</a:t>
+            </a:r>
+          </a:p>
+        </p:txBody>
+      </p:sp>
     </p:spTree>
   </p:cSld>
   <p:clrMapOvr>
@@ -7935,11 +9007,6 @@
         </p:spPr>
       </p:pic>
     </p:spTree>
-    <p:extLst>
-      <p:ext uri="{BB962C8B-B14F-4D97-AF65-F5344CB8AC3E}">
-        <p14:creationId xmlns:p14="http://schemas.microsoft.com/office/powerpoint/2010/main" val="1789144647"/>
-      </p:ext>
-    </p:extLst>
   </p:cSld>
   <p:clrMapOvr>
     <a:masterClrMapping/>
@@ -8014,14 +9081,50 @@
         </p:spPr>
         <p:txBody>
           <a:bodyPr>
-            <a:normAutofit/>
+            <a:normAutofit lnSpcReduction="10000"/>
           </a:bodyPr>
           <a:lstStyle/>
           <a:p>
             <a:pPr eaLnBrk="1" hangingPunct="1"/>
             <a:r>
               <a:rPr lang="en-GB" dirty="0"/>
-              <a:t>Is a series of steps involving activities, constraints, and resources to produce an intended output</a:t>
+              <a:t>Is </a:t>
+            </a:r>
+            <a:r>
+              <a:rPr lang="en-GB"/>
+              <a:t>a series </a:t>
+            </a:r>
+            <a:r>
+              <a:rPr lang="en-GB" dirty="0"/>
+              <a:t>of steps involving activities, constraints, and resources to produce an intended output</a:t>
+            </a:r>
+          </a:p>
+          <a:p>
+            <a:pPr lvl="1"/>
+            <a:r>
+              <a:rPr lang="en-GB" dirty="0"/>
+              <a:t>Prepare for exams</a:t>
+            </a:r>
+          </a:p>
+          <a:p>
+            <a:pPr lvl="1"/>
+            <a:r>
+              <a:rPr lang="en-GB" dirty="0"/>
+              <a:t>Conduct a software competition</a:t>
+            </a:r>
+          </a:p>
+          <a:p>
+            <a:pPr lvl="1"/>
+            <a:r>
+              <a:rPr lang="en-GB" dirty="0"/>
+              <a:t>Organize a trip</a:t>
+            </a:r>
+          </a:p>
+          <a:p>
+            <a:pPr lvl="1"/>
+            <a:r>
+              <a:rPr lang="en-GB" dirty="0"/>
+              <a:t>Write a term project report </a:t>
             </a:r>
           </a:p>
           <a:p>
@@ -8267,6 +9370,196 @@
                                   </p:childTnLst>
                                 </p:cTn>
                               </p:par>
+                              <p:par>
+                                <p:cTn id="19" presetID="10" presetClass="entr" presetSubtype="0" fill="hold" grpId="0" nodeType="withEffect">
+                                  <p:stCondLst>
+                                    <p:cond delay="0"/>
+                                  </p:stCondLst>
+                                  <p:childTnLst>
+                                    <p:set>
+                                      <p:cBhvr>
+                                        <p:cTn id="20" dur="1" fill="hold">
+                                          <p:stCondLst>
+                                            <p:cond delay="0"/>
+                                          </p:stCondLst>
+                                        </p:cTn>
+                                        <p:tgtEl>
+                                          <p:spTgt spid="22531">
+                                            <p:txEl>
+                                              <p:pRg st="4" end="4"/>
+                                            </p:txEl>
+                                          </p:spTgt>
+                                        </p:tgtEl>
+                                        <p:attrNameLst>
+                                          <p:attrName>style.visibility</p:attrName>
+                                        </p:attrNameLst>
+                                      </p:cBhvr>
+                                      <p:to>
+                                        <p:strVal val="visible"/>
+                                      </p:to>
+                                    </p:set>
+                                    <p:animEffect transition="in" filter="fade">
+                                      <p:cBhvr>
+                                        <p:cTn id="21" dur="2000"/>
+                                        <p:tgtEl>
+                                          <p:spTgt spid="22531">
+                                            <p:txEl>
+                                              <p:pRg st="4" end="4"/>
+                                            </p:txEl>
+                                          </p:spTgt>
+                                        </p:tgtEl>
+                                      </p:cBhvr>
+                                    </p:animEffect>
+                                  </p:childTnLst>
+                                </p:cTn>
+                              </p:par>
+                            </p:childTnLst>
+                          </p:cTn>
+                        </p:par>
+                      </p:childTnLst>
+                    </p:cTn>
+                  </p:par>
+                  <p:par>
+                    <p:cTn id="22" fill="hold">
+                      <p:stCondLst>
+                        <p:cond delay="indefinite"/>
+                      </p:stCondLst>
+                      <p:childTnLst>
+                        <p:par>
+                          <p:cTn id="23" fill="hold">
+                            <p:stCondLst>
+                              <p:cond delay="0"/>
+                            </p:stCondLst>
+                            <p:childTnLst>
+                              <p:par>
+                                <p:cTn id="24" presetID="10" presetClass="entr" presetSubtype="0" fill="hold" grpId="0" nodeType="clickEffect">
+                                  <p:stCondLst>
+                                    <p:cond delay="0"/>
+                                  </p:stCondLst>
+                                  <p:childTnLst>
+                                    <p:set>
+                                      <p:cBhvr>
+                                        <p:cTn id="25" dur="1" fill="hold">
+                                          <p:stCondLst>
+                                            <p:cond delay="0"/>
+                                          </p:stCondLst>
+                                        </p:cTn>
+                                        <p:tgtEl>
+                                          <p:spTgt spid="22531">
+                                            <p:txEl>
+                                              <p:pRg st="5" end="5"/>
+                                            </p:txEl>
+                                          </p:spTgt>
+                                        </p:tgtEl>
+                                        <p:attrNameLst>
+                                          <p:attrName>style.visibility</p:attrName>
+                                        </p:attrNameLst>
+                                      </p:cBhvr>
+                                      <p:to>
+                                        <p:strVal val="visible"/>
+                                      </p:to>
+                                    </p:set>
+                                    <p:animEffect transition="in" filter="fade">
+                                      <p:cBhvr>
+                                        <p:cTn id="26" dur="2000"/>
+                                        <p:tgtEl>
+                                          <p:spTgt spid="22531">
+                                            <p:txEl>
+                                              <p:pRg st="5" end="5"/>
+                                            </p:txEl>
+                                          </p:spTgt>
+                                        </p:tgtEl>
+                                      </p:cBhvr>
+                                    </p:animEffect>
+                                  </p:childTnLst>
+                                </p:cTn>
+                              </p:par>
+                              <p:par>
+                                <p:cTn id="27" presetID="10" presetClass="entr" presetSubtype="0" fill="hold" grpId="0" nodeType="withEffect">
+                                  <p:stCondLst>
+                                    <p:cond delay="0"/>
+                                  </p:stCondLst>
+                                  <p:childTnLst>
+                                    <p:set>
+                                      <p:cBhvr>
+                                        <p:cTn id="28" dur="1" fill="hold">
+                                          <p:stCondLst>
+                                            <p:cond delay="0"/>
+                                          </p:stCondLst>
+                                        </p:cTn>
+                                        <p:tgtEl>
+                                          <p:spTgt spid="22531">
+                                            <p:txEl>
+                                              <p:pRg st="6" end="6"/>
+                                            </p:txEl>
+                                          </p:spTgt>
+                                        </p:tgtEl>
+                                        <p:attrNameLst>
+                                          <p:attrName>style.visibility</p:attrName>
+                                        </p:attrNameLst>
+                                      </p:cBhvr>
+                                      <p:to>
+                                        <p:strVal val="visible"/>
+                                      </p:to>
+                                    </p:set>
+                                    <p:animEffect transition="in" filter="fade">
+                                      <p:cBhvr>
+                                        <p:cTn id="29" dur="2000"/>
+                                        <p:tgtEl>
+                                          <p:spTgt spid="22531">
+                                            <p:txEl>
+                                              <p:pRg st="6" end="6"/>
+                                            </p:txEl>
+                                          </p:spTgt>
+                                        </p:tgtEl>
+                                      </p:cBhvr>
+                                    </p:animEffect>
+                                  </p:childTnLst>
+                                </p:cTn>
+                              </p:par>
+                              <p:par>
+                                <p:cTn id="30" presetID="10" presetClass="entr" presetSubtype="0" fill="hold" grpId="0" nodeType="withEffect">
+                                  <p:stCondLst>
+                                    <p:cond delay="0"/>
+                                  </p:stCondLst>
+                                  <p:childTnLst>
+                                    <p:set>
+                                      <p:cBhvr>
+                                        <p:cTn id="31" dur="1" fill="hold">
+                                          <p:stCondLst>
+                                            <p:cond delay="0"/>
+                                          </p:stCondLst>
+                                        </p:cTn>
+                                        <p:tgtEl>
+                                          <p:spTgt spid="22531">
+                                            <p:txEl>
+                                              <p:pRg st="7" end="7"/>
+                                            </p:txEl>
+                                          </p:spTgt>
+                                        </p:tgtEl>
+                                        <p:attrNameLst>
+                                          <p:attrName>style.visibility</p:attrName>
+                                        </p:attrNameLst>
+                                      </p:cBhvr>
+                                      <p:to>
+                                        <p:strVal val="visible"/>
+                                      </p:to>
+                                    </p:set>
+                                    <p:animEffect transition="in" filter="fade">
+                                      <p:cBhvr>
+                                        <p:cTn id="32" dur="2000"/>
+                                        <p:tgtEl>
+                                          <p:spTgt spid="22531">
+                                            <p:txEl>
+                                              <p:pRg st="7" end="7"/>
+                                            </p:txEl>
+                                          </p:spTgt>
+                                        </p:tgtEl>
+                                      </p:cBhvr>
+                                    </p:animEffect>
+                                  </p:childTnLst>
+                                </p:cTn>
+                              </p:par>
                             </p:childTnLst>
                           </p:cTn>
                         </p:par>
@@ -8302,237 +9595,6 @@
 </file>
 
 <file path=ppt/slides/slide20.xml><?xml version="1.0" encoding="utf-8"?>
-<p:sld xmlns:a="http://schemas.openxmlformats.org/drawingml/2006/main" xmlns:r="http://schemas.openxmlformats.org/officeDocument/2006/relationships" xmlns:p="http://schemas.openxmlformats.org/presentationml/2006/main" showMasterPhAnim="0">
-  <p:cSld>
-    <p:spTree>
-      <p:nvGrpSpPr>
-        <p:cNvPr id="1" name=""/>
-        <p:cNvGrpSpPr/>
-        <p:nvPr/>
-      </p:nvGrpSpPr>
-      <p:grpSpPr>
-        <a:xfrm>
-          <a:off x="0" y="0"/>
-          <a:ext cx="0" cy="0"/>
-          <a:chOff x="0" y="0"/>
-          <a:chExt cx="0" cy="0"/>
-        </a:xfrm>
-      </p:grpSpPr>
-      <p:sp>
-        <p:nvSpPr>
-          <p:cNvPr id="20483" name="Rectangle 2"/>
-          <p:cNvSpPr>
-            <a:spLocks noGrp="1" noChangeArrowheads="1"/>
-          </p:cNvSpPr>
-          <p:nvPr>
-            <p:ph type="title"/>
-          </p:nvPr>
-        </p:nvSpPr>
-        <p:spPr/>
-        <p:txBody>
-          <a:bodyPr/>
-          <a:lstStyle/>
-          <a:p>
-            <a:pPr eaLnBrk="1" hangingPunct="1"/>
-            <a:r>
-              <a:rPr lang="en-US" dirty="0"/>
-              <a:t>References</a:t>
-            </a:r>
-          </a:p>
-        </p:txBody>
-      </p:sp>
-      <p:sp>
-        <p:nvSpPr>
-          <p:cNvPr id="20484" name="Rectangle 3"/>
-          <p:cNvSpPr>
-            <a:spLocks noGrp="1" noChangeArrowheads="1"/>
-          </p:cNvSpPr>
-          <p:nvPr>
-            <p:ph idx="1"/>
-          </p:nvPr>
-        </p:nvSpPr>
-        <p:spPr>
-          <a:xfrm>
-            <a:off x="457200" y="1935480"/>
-            <a:ext cx="8229600" cy="1036320"/>
-          </a:xfrm>
-        </p:spPr>
-        <p:txBody>
-          <a:bodyPr>
-            <a:normAutofit/>
-          </a:bodyPr>
-          <a:lstStyle/>
-          <a:p>
-            <a:r>
-              <a:rPr lang="en-US" dirty="0"/>
-              <a:t>SE, Pressman</a:t>
-            </a:r>
-          </a:p>
-          <a:p>
-            <a:r>
-              <a:rPr lang="en-US" dirty="0"/>
-              <a:t>SE, </a:t>
-            </a:r>
-            <a:r>
-              <a:rPr lang="en-US"/>
-              <a:t>Pfleeger</a:t>
-            </a:r>
-            <a:endParaRPr lang="en-US" dirty="0"/>
-          </a:p>
-        </p:txBody>
-      </p:sp>
-      <p:sp>
-        <p:nvSpPr>
-          <p:cNvPr id="4" name="Rectangle 2"/>
-          <p:cNvSpPr txBox="1">
-            <a:spLocks noChangeArrowheads="1"/>
-          </p:cNvSpPr>
-          <p:nvPr/>
-        </p:nvSpPr>
-        <p:spPr>
-          <a:xfrm>
-            <a:off x="457200" y="3066288"/>
-            <a:ext cx="8229600" cy="1143000"/>
-          </a:xfrm>
-          <a:prstGeom prst="rect">
-            <a:avLst/>
-          </a:prstGeom>
-        </p:spPr>
-        <p:txBody>
-          <a:bodyPr vert="horz" lIns="0" rIns="0" bIns="0" anchor="b">
-            <a:normAutofit/>
-          </a:bodyPr>
-          <a:lstStyle/>
-          <a:p>
-            <a:pPr marL="0" marR="0" lvl="0" indent="0" algn="l" defTabSz="914400" rtl="0" eaLnBrk="1" fontAlgn="auto" latinLnBrk="0" hangingPunct="1">
-              <a:lnSpc>
-                <a:spcPct val="100000"/>
-              </a:lnSpc>
-              <a:spcBef>
-                <a:spcPct val="0"/>
-              </a:spcBef>
-              <a:spcAft>
-                <a:spcPts val="0"/>
-              </a:spcAft>
-              <a:buClrTx/>
-              <a:buSzTx/>
-              <a:buFontTx/>
-              <a:buNone/>
-              <a:tabLst/>
-              <a:defRPr/>
-            </a:pPr>
-            <a:r>
-              <a:rPr kumimoji="0" lang="en-US" sz="5000" b="0" i="0" u="none" strike="noStrike" kern="1200" cap="none" spc="0" normalizeH="0" baseline="0" noProof="0" dirty="0">
-                <a:ln>
-                  <a:noFill/>
-                </a:ln>
-                <a:solidFill>
-                  <a:schemeClr val="tx2"/>
-                </a:solidFill>
-                <a:effectLst/>
-                <a:uLnTx/>
-                <a:uFillTx/>
-                <a:latin typeface="+mj-lt"/>
-                <a:ea typeface="+mj-ea"/>
-                <a:cs typeface="+mj-cs"/>
-              </a:rPr>
-              <a:t>Acknowledgement</a:t>
-            </a:r>
-          </a:p>
-        </p:txBody>
-      </p:sp>
-      <p:sp>
-        <p:nvSpPr>
-          <p:cNvPr id="5" name="Rectangle 3"/>
-          <p:cNvSpPr txBox="1">
-            <a:spLocks noChangeArrowheads="1"/>
-          </p:cNvSpPr>
-          <p:nvPr/>
-        </p:nvSpPr>
-        <p:spPr>
-          <a:xfrm>
-            <a:off x="457200" y="4297680"/>
-            <a:ext cx="8229600" cy="1036320"/>
-          </a:xfrm>
-          <a:prstGeom prst="rect">
-            <a:avLst/>
-          </a:prstGeom>
-        </p:spPr>
-        <p:txBody>
-          <a:bodyPr vert="horz">
-            <a:normAutofit/>
-          </a:bodyPr>
-          <a:lstStyle/>
-          <a:p>
-            <a:pPr marL="274320" marR="0" lvl="0" indent="-274320" algn="l" defTabSz="914400" rtl="0" eaLnBrk="1" fontAlgn="auto" latinLnBrk="0" hangingPunct="1">
-              <a:lnSpc>
-                <a:spcPct val="100000"/>
-              </a:lnSpc>
-              <a:spcBef>
-                <a:spcPct val="20000"/>
-              </a:spcBef>
-              <a:spcAft>
-                <a:spcPts val="0"/>
-              </a:spcAft>
-              <a:buClr>
-                <a:schemeClr val="accent3"/>
-              </a:buClr>
-              <a:buSzPct val="95000"/>
-              <a:buFont typeface="Wingdings 2"/>
-              <a:buChar char=""/>
-              <a:tabLst/>
-              <a:defRPr/>
-            </a:pPr>
-            <a:r>
-              <a:rPr kumimoji="0" lang="en-US" sz="2600" b="0" i="0" u="none" strike="noStrike" kern="1200" cap="none" spc="0" normalizeH="0" baseline="0" noProof="0" dirty="0">
-                <a:ln>
-                  <a:noFill/>
-                </a:ln>
-                <a:solidFill>
-                  <a:schemeClr val="tx1"/>
-                </a:solidFill>
-                <a:effectLst/>
-                <a:uLnTx/>
-                <a:uFillTx/>
-                <a:latin typeface="+mn-lt"/>
-                <a:ea typeface="+mn-ea"/>
-                <a:cs typeface="+mn-cs"/>
-              </a:rPr>
-              <a:t>A few </a:t>
-            </a:r>
-            <a:r>
-              <a:rPr lang="en-US" sz="2600" dirty="0"/>
-              <a:t>slides have been adapted from UCF </a:t>
-            </a:r>
-            <a:r>
-              <a:rPr kumimoji="0" lang="en-US" sz="2600" b="0" i="0" u="none" strike="noStrike" kern="1200" cap="none" spc="0" normalizeH="0" baseline="0" noProof="0" dirty="0">
-                <a:ln>
-                  <a:noFill/>
-                </a:ln>
-                <a:solidFill>
-                  <a:schemeClr val="tx1"/>
-                </a:solidFill>
-                <a:effectLst/>
-                <a:uLnTx/>
-                <a:uFillTx/>
-                <a:latin typeface="+mn-lt"/>
-                <a:ea typeface="+mn-ea"/>
-                <a:cs typeface="+mn-cs"/>
-              </a:rPr>
-              <a:t>slides for the SE course</a:t>
-            </a:r>
-          </a:p>
-        </p:txBody>
-      </p:sp>
-    </p:spTree>
-  </p:cSld>
-  <p:clrMapOvr>
-    <a:masterClrMapping/>
-  </p:clrMapOvr>
-</p:sld>
-</file>
-
-<file path=ppt/slides/slide3.xml><?xml version="1.0" encoding="utf-8"?>
 <p:sld xmlns:a="http://schemas.openxmlformats.org/drawingml/2006/main" xmlns:r="http://schemas.openxmlformats.org/officeDocument/2006/relationships" xmlns:p="http://schemas.openxmlformats.org/presentationml/2006/main">
   <p:cSld>
     <p:spTree>
@@ -8574,7 +9636,7 @@
             <a:pPr eaLnBrk="1" hangingPunct="1"/>
             <a:r>
               <a:rPr lang="en-GB" dirty="0"/>
-              <a:t>How is a Process Useful? </a:t>
+              <a:t>Phased Development</a:t>
             </a:r>
             <a:endParaRPr lang="en-US" sz="2800" dirty="0"/>
           </a:p>
@@ -8593,12 +9655,12 @@
         <p:spPr>
           <a:xfrm>
             <a:off x="457200" y="2438400"/>
-            <a:ext cx="8229600" cy="3886200"/>
+            <a:ext cx="8229600" cy="3962400"/>
           </a:xfrm>
         </p:spPr>
         <p:txBody>
           <a:bodyPr>
-            <a:normAutofit/>
+            <a:normAutofit fontScale="92500" lnSpcReduction="20000"/>
           </a:bodyPr>
           <a:lstStyle/>
           <a:p>
@@ -8628,7 +9690,37 @@
             </a:pPr>
             <a:r>
               <a:rPr lang="en-GB" dirty="0"/>
-              <a:t>Impose consistency and structure on a set of activities</a:t>
+              <a:t>Cycle time</a:t>
+            </a:r>
+          </a:p>
+          <a:p>
+            <a:pPr lvl="1">
+              <a:tabLst>
+                <a:tab pos="454025" algn="l"/>
+                <a:tab pos="911225" algn="l"/>
+                <a:tab pos="1368425" algn="l"/>
+                <a:tab pos="1825625" algn="l"/>
+                <a:tab pos="2282825" algn="l"/>
+                <a:tab pos="2740025" algn="l"/>
+                <a:tab pos="3197225" algn="l"/>
+                <a:tab pos="3654425" algn="l"/>
+                <a:tab pos="4111625" algn="l"/>
+                <a:tab pos="4568825" algn="l"/>
+                <a:tab pos="5026025" algn="l"/>
+                <a:tab pos="5483225" algn="l"/>
+                <a:tab pos="5940425" algn="l"/>
+                <a:tab pos="6397625" algn="l"/>
+                <a:tab pos="6854825" algn="l"/>
+                <a:tab pos="7312025" algn="l"/>
+                <a:tab pos="7769225" algn="l"/>
+                <a:tab pos="8226425" algn="l"/>
+                <a:tab pos="8683625" algn="l"/>
+                <a:tab pos="9140825" algn="l"/>
+              </a:tabLst>
+            </a:pPr>
+            <a:r>
+              <a:rPr lang="en-GB" dirty="0"/>
+              <a:t>Time between when requirements document was written and when the system was delivered</a:t>
             </a:r>
           </a:p>
           <a:p>
@@ -8658,7 +9750,7 @@
             </a:pPr>
             <a:r>
               <a:rPr lang="en-GB" dirty="0"/>
-              <a:t>Guide us to understand, control, examine, and improve the activities</a:t>
+              <a:t>Shorter cycle time</a:t>
             </a:r>
           </a:p>
           <a:p>
@@ -8688,6 +9780,2279 @@
             </a:pPr>
             <a:r>
               <a:rPr lang="en-GB" dirty="0"/>
+              <a:t>Decomposed system</a:t>
+            </a:r>
+          </a:p>
+          <a:p>
+            <a:pPr lvl="1">
+              <a:tabLst>
+                <a:tab pos="454025" algn="l"/>
+                <a:tab pos="911225" algn="l"/>
+                <a:tab pos="1368425" algn="l"/>
+                <a:tab pos="1825625" algn="l"/>
+                <a:tab pos="2282825" algn="l"/>
+                <a:tab pos="2740025" algn="l"/>
+                <a:tab pos="3197225" algn="l"/>
+                <a:tab pos="3654425" algn="l"/>
+                <a:tab pos="4111625" algn="l"/>
+                <a:tab pos="4568825" algn="l"/>
+                <a:tab pos="5026025" algn="l"/>
+                <a:tab pos="5483225" algn="l"/>
+                <a:tab pos="5940425" algn="l"/>
+                <a:tab pos="6397625" algn="l"/>
+                <a:tab pos="6854825" algn="l"/>
+                <a:tab pos="7312025" algn="l"/>
+                <a:tab pos="7769225" algn="l"/>
+                <a:tab pos="8226425" algn="l"/>
+                <a:tab pos="8683625" algn="l"/>
+                <a:tab pos="9140825" algn="l"/>
+              </a:tabLst>
+            </a:pPr>
+            <a:r>
+              <a:rPr lang="en-GB" dirty="0"/>
+              <a:t>System delivered in pieces</a:t>
+            </a:r>
+          </a:p>
+          <a:p>
+            <a:pPr lvl="2">
+              <a:tabLst>
+                <a:tab pos="454025" algn="l"/>
+                <a:tab pos="911225" algn="l"/>
+                <a:tab pos="1368425" algn="l"/>
+                <a:tab pos="1825625" algn="l"/>
+                <a:tab pos="2282825" algn="l"/>
+                <a:tab pos="2740025" algn="l"/>
+                <a:tab pos="3197225" algn="l"/>
+                <a:tab pos="3654425" algn="l"/>
+                <a:tab pos="4111625" algn="l"/>
+                <a:tab pos="4568825" algn="l"/>
+                <a:tab pos="5026025" algn="l"/>
+                <a:tab pos="5483225" algn="l"/>
+                <a:tab pos="5940425" algn="l"/>
+                <a:tab pos="6397625" algn="l"/>
+                <a:tab pos="6854825" algn="l"/>
+                <a:tab pos="7312025" algn="l"/>
+                <a:tab pos="7769225" algn="l"/>
+                <a:tab pos="8226425" algn="l"/>
+                <a:tab pos="8683625" algn="l"/>
+                <a:tab pos="9140825" algn="l"/>
+              </a:tabLst>
+            </a:pPr>
+            <a:r>
+              <a:rPr lang="en-GB" dirty="0"/>
+              <a:t>enables customers to have some functionality while the rest is being developed</a:t>
+            </a:r>
+          </a:p>
+          <a:p>
+            <a:pPr>
+              <a:tabLst>
+                <a:tab pos="454025" algn="l"/>
+                <a:tab pos="911225" algn="l"/>
+                <a:tab pos="1368425" algn="l"/>
+                <a:tab pos="1825625" algn="l"/>
+                <a:tab pos="2282825" algn="l"/>
+                <a:tab pos="2740025" algn="l"/>
+                <a:tab pos="3197225" algn="l"/>
+                <a:tab pos="3654425" algn="l"/>
+                <a:tab pos="4111625" algn="l"/>
+                <a:tab pos="4568825" algn="l"/>
+                <a:tab pos="5026025" algn="l"/>
+                <a:tab pos="5483225" algn="l"/>
+                <a:tab pos="5940425" algn="l"/>
+                <a:tab pos="6397625" algn="l"/>
+                <a:tab pos="6854825" algn="l"/>
+                <a:tab pos="7312025" algn="l"/>
+                <a:tab pos="7769225" algn="l"/>
+                <a:tab pos="8226425" algn="l"/>
+                <a:tab pos="8683625" algn="l"/>
+                <a:tab pos="9140825" algn="l"/>
+              </a:tabLst>
+            </a:pPr>
+            <a:r>
+              <a:rPr lang="en-GB" dirty="0"/>
+              <a:t>Two systems functioning in parallel</a:t>
+            </a:r>
+          </a:p>
+          <a:p>
+            <a:pPr lvl="1">
+              <a:tabLst>
+                <a:tab pos="454025" algn="l"/>
+                <a:tab pos="911225" algn="l"/>
+                <a:tab pos="1368425" algn="l"/>
+                <a:tab pos="1825625" algn="l"/>
+                <a:tab pos="2282825" algn="l"/>
+                <a:tab pos="2740025" algn="l"/>
+                <a:tab pos="3197225" algn="l"/>
+                <a:tab pos="3654425" algn="l"/>
+                <a:tab pos="4111625" algn="l"/>
+                <a:tab pos="4568825" algn="l"/>
+                <a:tab pos="5026025" algn="l"/>
+                <a:tab pos="5483225" algn="l"/>
+                <a:tab pos="5940425" algn="l"/>
+                <a:tab pos="6397625" algn="l"/>
+                <a:tab pos="6854825" algn="l"/>
+                <a:tab pos="7312025" algn="l"/>
+                <a:tab pos="7769225" algn="l"/>
+                <a:tab pos="8226425" algn="l"/>
+                <a:tab pos="8683625" algn="l"/>
+                <a:tab pos="9140825" algn="l"/>
+              </a:tabLst>
+            </a:pPr>
+            <a:r>
+              <a:rPr lang="en-GB" dirty="0"/>
+              <a:t>the production system (release </a:t>
+            </a:r>
+            <a:r>
+              <a:rPr lang="en-GB" i="1" dirty="0"/>
+              <a:t>n</a:t>
+            </a:r>
+            <a:r>
+              <a:rPr lang="en-GB" dirty="0"/>
+              <a:t>): currently being used</a:t>
+            </a:r>
+          </a:p>
+          <a:p>
+            <a:pPr lvl="1">
+              <a:tabLst>
+                <a:tab pos="454025" algn="l"/>
+                <a:tab pos="911225" algn="l"/>
+                <a:tab pos="1368425" algn="l"/>
+                <a:tab pos="1825625" algn="l"/>
+                <a:tab pos="2282825" algn="l"/>
+                <a:tab pos="2740025" algn="l"/>
+                <a:tab pos="3197225" algn="l"/>
+                <a:tab pos="3654425" algn="l"/>
+                <a:tab pos="4111625" algn="l"/>
+                <a:tab pos="4568825" algn="l"/>
+                <a:tab pos="5026025" algn="l"/>
+                <a:tab pos="5483225" algn="l"/>
+                <a:tab pos="5940425" algn="l"/>
+                <a:tab pos="6397625" algn="l"/>
+                <a:tab pos="6854825" algn="l"/>
+                <a:tab pos="7312025" algn="l"/>
+                <a:tab pos="7769225" algn="l"/>
+                <a:tab pos="8226425" algn="l"/>
+                <a:tab pos="8683625" algn="l"/>
+                <a:tab pos="9140825" algn="l"/>
+              </a:tabLst>
+            </a:pPr>
+            <a:r>
+              <a:rPr lang="en-GB" dirty="0"/>
+              <a:t>the development system (release </a:t>
+            </a:r>
+            <a:r>
+              <a:rPr lang="en-GB" i="1" dirty="0"/>
+              <a:t>n+1</a:t>
+            </a:r>
+            <a:r>
+              <a:rPr lang="en-GB" dirty="0"/>
+              <a:t>): the next version</a:t>
+            </a:r>
+          </a:p>
+          <a:p>
+            <a:pPr lvl="1">
+              <a:tabLst>
+                <a:tab pos="454025" algn="l"/>
+                <a:tab pos="911225" algn="l"/>
+                <a:tab pos="1368425" algn="l"/>
+                <a:tab pos="1825625" algn="l"/>
+                <a:tab pos="2282825" algn="l"/>
+                <a:tab pos="2740025" algn="l"/>
+                <a:tab pos="3197225" algn="l"/>
+                <a:tab pos="3654425" algn="l"/>
+                <a:tab pos="4111625" algn="l"/>
+                <a:tab pos="4568825" algn="l"/>
+                <a:tab pos="5026025" algn="l"/>
+                <a:tab pos="5483225" algn="l"/>
+                <a:tab pos="5940425" algn="l"/>
+                <a:tab pos="6397625" algn="l"/>
+                <a:tab pos="6854825" algn="l"/>
+                <a:tab pos="7312025" algn="l"/>
+                <a:tab pos="7769225" algn="l"/>
+                <a:tab pos="8226425" algn="l"/>
+                <a:tab pos="8683625" algn="l"/>
+                <a:tab pos="9140825" algn="l"/>
+              </a:tabLst>
+            </a:pPr>
+            <a:endParaRPr lang="en-GB" dirty="0"/>
+          </a:p>
+          <a:p>
+            <a:pPr lvl="1">
+              <a:tabLst>
+                <a:tab pos="454025" algn="l"/>
+                <a:tab pos="911225" algn="l"/>
+                <a:tab pos="1368425" algn="l"/>
+                <a:tab pos="1825625" algn="l"/>
+                <a:tab pos="2282825" algn="l"/>
+                <a:tab pos="2740025" algn="l"/>
+                <a:tab pos="3197225" algn="l"/>
+                <a:tab pos="3654425" algn="l"/>
+                <a:tab pos="4111625" algn="l"/>
+                <a:tab pos="4568825" algn="l"/>
+                <a:tab pos="5026025" algn="l"/>
+                <a:tab pos="5483225" algn="l"/>
+                <a:tab pos="5940425" algn="l"/>
+                <a:tab pos="6397625" algn="l"/>
+                <a:tab pos="6854825" algn="l"/>
+                <a:tab pos="7312025" algn="l"/>
+                <a:tab pos="7769225" algn="l"/>
+                <a:tab pos="8226425" algn="l"/>
+                <a:tab pos="8683625" algn="l"/>
+                <a:tab pos="9140825" algn="l"/>
+              </a:tabLst>
+            </a:pPr>
+            <a:endParaRPr lang="en-GB" dirty="0"/>
+          </a:p>
+        </p:txBody>
+      </p:sp>
+    </p:spTree>
+    <p:extLst>
+      <p:ext uri="{BB962C8B-B14F-4D97-AF65-F5344CB8AC3E}">
+        <p14:creationId xmlns:p14="http://schemas.microsoft.com/office/powerpoint/2010/main" val="94881292"/>
+      </p:ext>
+    </p:extLst>
+  </p:cSld>
+  <p:clrMapOvr>
+    <a:masterClrMapping/>
+  </p:clrMapOvr>
+  <p:transition/>
+</p:sld>
+</file>
+
+<file path=ppt/slides/slide21.xml><?xml version="1.0" encoding="utf-8"?>
+<p:sld xmlns:a="http://schemas.openxmlformats.org/drawingml/2006/main" xmlns:r="http://schemas.openxmlformats.org/officeDocument/2006/relationships" xmlns:p="http://schemas.openxmlformats.org/presentationml/2006/main">
+  <p:cSld>
+    <p:spTree>
+      <p:nvGrpSpPr>
+        <p:cNvPr id="1" name=""/>
+        <p:cNvGrpSpPr/>
+        <p:nvPr/>
+      </p:nvGrpSpPr>
+      <p:grpSpPr>
+        <a:xfrm>
+          <a:off x="0" y="0"/>
+          <a:ext cx="0" cy="0"/>
+          <a:chOff x="0" y="0"/>
+          <a:chExt cx="0" cy="0"/>
+        </a:xfrm>
+      </p:grpSpPr>
+      <p:sp>
+        <p:nvSpPr>
+          <p:cNvPr id="22530" name="Rectangle 2"/>
+          <p:cNvSpPr>
+            <a:spLocks noGrp="1" noChangeArrowheads="1"/>
+          </p:cNvSpPr>
+          <p:nvPr>
+            <p:ph type="title"/>
+          </p:nvPr>
+        </p:nvSpPr>
+        <p:spPr>
+          <a:xfrm>
+            <a:off x="457200" y="914400"/>
+            <a:ext cx="8229600" cy="1143000"/>
+          </a:xfrm>
+        </p:spPr>
+        <p:txBody>
+          <a:bodyPr>
+            <a:normAutofit/>
+          </a:bodyPr>
+          <a:lstStyle/>
+          <a:p>
+            <a:pPr eaLnBrk="1" hangingPunct="1"/>
+            <a:r>
+              <a:rPr lang="en-GB" dirty="0"/>
+              <a:t>Phased Development (Contd.)</a:t>
+            </a:r>
+            <a:endParaRPr lang="en-US" sz="2800" dirty="0"/>
+          </a:p>
+        </p:txBody>
+      </p:sp>
+      <p:pic>
+        <p:nvPicPr>
+          <p:cNvPr id="5" name="Picture 14"/>
+          <p:cNvPicPr>
+            <a:picLocks noChangeAspect="1" noChangeArrowheads="1"/>
+          </p:cNvPicPr>
+          <p:nvPr/>
+        </p:nvPicPr>
+        <p:blipFill>
+          <a:blip r:embed="rId3" cstate="print"/>
+          <a:srcRect/>
+          <a:stretch>
+            <a:fillRect/>
+          </a:stretch>
+        </p:blipFill>
+        <p:spPr bwMode="auto">
+          <a:xfrm>
+            <a:off x="1466850" y="2101850"/>
+            <a:ext cx="7372350" cy="4603750"/>
+          </a:xfrm>
+          <a:prstGeom prst="rect">
+            <a:avLst/>
+          </a:prstGeom>
+          <a:noFill/>
+          <a:ln w="9525">
+            <a:noFill/>
+            <a:miter lim="800000"/>
+            <a:headEnd/>
+            <a:tailEnd/>
+          </a:ln>
+        </p:spPr>
+      </p:pic>
+    </p:spTree>
+    <p:extLst>
+      <p:ext uri="{BB962C8B-B14F-4D97-AF65-F5344CB8AC3E}">
+        <p14:creationId xmlns:p14="http://schemas.microsoft.com/office/powerpoint/2010/main" val="3825534205"/>
+      </p:ext>
+    </p:extLst>
+  </p:cSld>
+  <p:clrMapOvr>
+    <a:masterClrMapping/>
+  </p:clrMapOvr>
+  <p:transition/>
+</p:sld>
+</file>
+
+<file path=ppt/slides/slide22.xml><?xml version="1.0" encoding="utf-8"?>
+<p:sld xmlns:a="http://schemas.openxmlformats.org/drawingml/2006/main" xmlns:r="http://schemas.openxmlformats.org/officeDocument/2006/relationships" xmlns:p="http://schemas.openxmlformats.org/presentationml/2006/main">
+  <p:cSld>
+    <p:spTree>
+      <p:nvGrpSpPr>
+        <p:cNvPr id="1" name=""/>
+        <p:cNvGrpSpPr/>
+        <p:nvPr/>
+      </p:nvGrpSpPr>
+      <p:grpSpPr>
+        <a:xfrm>
+          <a:off x="0" y="0"/>
+          <a:ext cx="0" cy="0"/>
+          <a:chOff x="0" y="0"/>
+          <a:chExt cx="0" cy="0"/>
+        </a:xfrm>
+      </p:grpSpPr>
+      <p:sp>
+        <p:nvSpPr>
+          <p:cNvPr id="22530" name="Rectangle 2"/>
+          <p:cNvSpPr>
+            <a:spLocks noGrp="1" noChangeArrowheads="1"/>
+          </p:cNvSpPr>
+          <p:nvPr>
+            <p:ph type="title"/>
+          </p:nvPr>
+        </p:nvSpPr>
+        <p:spPr>
+          <a:xfrm>
+            <a:off x="457200" y="914400"/>
+            <a:ext cx="8229600" cy="1143000"/>
+          </a:xfrm>
+        </p:spPr>
+        <p:txBody>
+          <a:bodyPr anchor="ctr">
+            <a:normAutofit/>
+          </a:bodyPr>
+          <a:lstStyle/>
+          <a:p>
+            <a:pPr algn="ctr" eaLnBrk="1" hangingPunct="1"/>
+            <a:r>
+              <a:rPr lang="en-US" sz="4800" dirty="0"/>
+              <a:t>Incremental(Iterative) Model</a:t>
+            </a:r>
+          </a:p>
+        </p:txBody>
+      </p:sp>
+      <p:pic>
+        <p:nvPicPr>
+          <p:cNvPr id="6" name="Picture 5">
+            <a:extLst>
+              <a:ext uri="{FF2B5EF4-FFF2-40B4-BE49-F238E27FC236}">
+                <a16:creationId xmlns:a16="http://schemas.microsoft.com/office/drawing/2014/main" id="{069BB735-266B-4468-88CB-39BEAACB0FED}"/>
+              </a:ext>
+            </a:extLst>
+          </p:cNvPr>
+          <p:cNvPicPr>
+            <a:picLocks noChangeAspect="1"/>
+          </p:cNvPicPr>
+          <p:nvPr/>
+        </p:nvPicPr>
+        <p:blipFill rotWithShape="1">
+          <a:blip r:embed="rId3"/>
+          <a:srcRect t="3695"/>
+          <a:stretch/>
+        </p:blipFill>
+        <p:spPr>
+          <a:xfrm>
+            <a:off x="457200" y="1971675"/>
+            <a:ext cx="7620000" cy="3578311"/>
+          </a:xfrm>
+          <a:prstGeom prst="rect">
+            <a:avLst/>
+          </a:prstGeom>
+        </p:spPr>
+      </p:pic>
+      <p:sp>
+        <p:nvSpPr>
+          <p:cNvPr id="9" name="Rectangle 3">
+            <a:extLst>
+              <a:ext uri="{FF2B5EF4-FFF2-40B4-BE49-F238E27FC236}">
+                <a16:creationId xmlns:a16="http://schemas.microsoft.com/office/drawing/2014/main" id="{2B969161-B802-4993-A2E6-EA591AA0843A}"/>
+              </a:ext>
+            </a:extLst>
+          </p:cNvPr>
+          <p:cNvSpPr txBox="1">
+            <a:spLocks noChangeArrowheads="1"/>
+          </p:cNvSpPr>
+          <p:nvPr/>
+        </p:nvSpPr>
+        <p:spPr>
+          <a:xfrm>
+            <a:off x="304800" y="5715000"/>
+            <a:ext cx="3581400" cy="3962400"/>
+          </a:xfrm>
+          <a:prstGeom prst="rect">
+            <a:avLst/>
+          </a:prstGeom>
+        </p:spPr>
+        <p:txBody>
+          <a:bodyPr vert="horz">
+            <a:normAutofit/>
+          </a:bodyPr>
+          <a:lstStyle>
+            <a:lvl1pPr marL="274320" indent="-274320" algn="l" rtl="0" eaLnBrk="1" latinLnBrk="0" hangingPunct="1">
+              <a:spcBef>
+                <a:spcPct val="20000"/>
+              </a:spcBef>
+              <a:buClr>
+                <a:schemeClr val="accent3"/>
+              </a:buClr>
+              <a:buSzPct val="95000"/>
+              <a:buFont typeface="Wingdings 2"/>
+              <a:buChar char=""/>
+              <a:defRPr kumimoji="0" sz="2600" kern="1200">
+                <a:solidFill>
+                  <a:schemeClr val="tx1"/>
+                </a:solidFill>
+                <a:latin typeface="+mn-lt"/>
+                <a:ea typeface="+mn-ea"/>
+                <a:cs typeface="+mn-cs"/>
+              </a:defRPr>
+            </a:lvl1pPr>
+            <a:lvl2pPr marL="640080" indent="-246888" algn="l" rtl="0" eaLnBrk="1" latinLnBrk="0" hangingPunct="1">
+              <a:spcBef>
+                <a:spcPct val="20000"/>
+              </a:spcBef>
+              <a:buClr>
+                <a:schemeClr val="accent1"/>
+              </a:buClr>
+              <a:buSzPct val="85000"/>
+              <a:buFont typeface="Wingdings 2"/>
+              <a:buChar char=""/>
+              <a:defRPr kumimoji="0" sz="2400" kern="1200">
+                <a:solidFill>
+                  <a:schemeClr val="tx1"/>
+                </a:solidFill>
+                <a:latin typeface="+mn-lt"/>
+                <a:ea typeface="+mn-ea"/>
+                <a:cs typeface="+mn-cs"/>
+              </a:defRPr>
+            </a:lvl2pPr>
+            <a:lvl3pPr marL="914400" indent="-246888" algn="l" rtl="0" eaLnBrk="1" latinLnBrk="0" hangingPunct="1">
+              <a:spcBef>
+                <a:spcPct val="20000"/>
+              </a:spcBef>
+              <a:buClr>
+                <a:schemeClr val="accent2"/>
+              </a:buClr>
+              <a:buSzPct val="70000"/>
+              <a:buFont typeface="Wingdings 2"/>
+              <a:buChar char=""/>
+              <a:defRPr kumimoji="0" sz="2100" kern="1200">
+                <a:solidFill>
+                  <a:schemeClr val="tx1"/>
+                </a:solidFill>
+                <a:latin typeface="+mn-lt"/>
+                <a:ea typeface="+mn-ea"/>
+                <a:cs typeface="+mn-cs"/>
+              </a:defRPr>
+            </a:lvl3pPr>
+            <a:lvl4pPr marL="1188720" indent="-210312" algn="l" rtl="0" eaLnBrk="1" latinLnBrk="0" hangingPunct="1">
+              <a:spcBef>
+                <a:spcPct val="20000"/>
+              </a:spcBef>
+              <a:buClr>
+                <a:schemeClr val="accent3"/>
+              </a:buClr>
+              <a:buSzPct val="65000"/>
+              <a:buFont typeface="Wingdings 2"/>
+              <a:buChar char=""/>
+              <a:defRPr kumimoji="0" sz="2000" kern="1200">
+                <a:solidFill>
+                  <a:schemeClr val="tx1"/>
+                </a:solidFill>
+                <a:latin typeface="+mn-lt"/>
+                <a:ea typeface="+mn-ea"/>
+                <a:cs typeface="+mn-cs"/>
+              </a:defRPr>
+            </a:lvl4pPr>
+            <a:lvl5pPr marL="1463040" indent="-210312" algn="l" rtl="0" eaLnBrk="1" latinLnBrk="0" hangingPunct="1">
+              <a:spcBef>
+                <a:spcPct val="20000"/>
+              </a:spcBef>
+              <a:buClr>
+                <a:schemeClr val="accent4"/>
+              </a:buClr>
+              <a:buSzPct val="65000"/>
+              <a:buFont typeface="Wingdings 2"/>
+              <a:buChar char=""/>
+              <a:defRPr kumimoji="0" sz="2000" kern="1200">
+                <a:solidFill>
+                  <a:schemeClr val="tx1"/>
+                </a:solidFill>
+                <a:latin typeface="+mn-lt"/>
+                <a:ea typeface="+mn-ea"/>
+                <a:cs typeface="+mn-cs"/>
+              </a:defRPr>
+            </a:lvl5pPr>
+            <a:lvl6pPr marL="1737360" indent="-210312" algn="l" rtl="0" eaLnBrk="1" latinLnBrk="0" hangingPunct="1">
+              <a:spcBef>
+                <a:spcPct val="20000"/>
+              </a:spcBef>
+              <a:buClr>
+                <a:schemeClr val="accent5"/>
+              </a:buClr>
+              <a:buSzPct val="80000"/>
+              <a:buFont typeface="Wingdings 2"/>
+              <a:buChar char=""/>
+              <a:defRPr kumimoji="0" sz="1800" kern="1200">
+                <a:solidFill>
+                  <a:schemeClr val="tx1"/>
+                </a:solidFill>
+                <a:latin typeface="+mn-lt"/>
+                <a:ea typeface="+mn-ea"/>
+                <a:cs typeface="+mn-cs"/>
+              </a:defRPr>
+            </a:lvl6pPr>
+            <a:lvl7pPr marL="1920240" indent="-182880" algn="l" rtl="0" eaLnBrk="1" latinLnBrk="0" hangingPunct="1">
+              <a:spcBef>
+                <a:spcPct val="20000"/>
+              </a:spcBef>
+              <a:buClr>
+                <a:schemeClr val="accent6"/>
+              </a:buClr>
+              <a:buSzPct val="80000"/>
+              <a:buFont typeface="Wingdings 2"/>
+              <a:buChar char=""/>
+              <a:defRPr kumimoji="0" sz="1600" kern="1200" baseline="0">
+                <a:solidFill>
+                  <a:schemeClr val="tx1"/>
+                </a:solidFill>
+                <a:latin typeface="+mn-lt"/>
+                <a:ea typeface="+mn-ea"/>
+                <a:cs typeface="+mn-cs"/>
+              </a:defRPr>
+            </a:lvl7pPr>
+            <a:lvl8pPr marL="2194560" indent="-182880" algn="l" rtl="0" eaLnBrk="1" latinLnBrk="0" hangingPunct="1">
+              <a:spcBef>
+                <a:spcPct val="20000"/>
+              </a:spcBef>
+              <a:buClr>
+                <a:schemeClr val="tx2"/>
+              </a:buClr>
+              <a:buChar char="•"/>
+              <a:defRPr kumimoji="0" sz="1600" kern="1200">
+                <a:solidFill>
+                  <a:schemeClr val="tx1"/>
+                </a:solidFill>
+                <a:latin typeface="+mn-lt"/>
+                <a:ea typeface="+mn-ea"/>
+                <a:cs typeface="+mn-cs"/>
+              </a:defRPr>
+            </a:lvl8pPr>
+            <a:lvl9pPr marL="2468880" indent="-182880" algn="l" rtl="0" eaLnBrk="1" latinLnBrk="0" hangingPunct="1">
+              <a:spcBef>
+                <a:spcPct val="20000"/>
+              </a:spcBef>
+              <a:buClr>
+                <a:schemeClr val="tx2"/>
+              </a:buClr>
+              <a:buFontTx/>
+              <a:buChar char="•"/>
+              <a:defRPr kumimoji="0" sz="1400" kern="1200" baseline="0">
+                <a:solidFill>
+                  <a:schemeClr val="tx1"/>
+                </a:solidFill>
+                <a:latin typeface="+mn-lt"/>
+                <a:ea typeface="+mn-ea"/>
+                <a:cs typeface="+mn-cs"/>
+              </a:defRPr>
+            </a:lvl9pPr>
+          </a:lstStyle>
+          <a:p>
+            <a:pPr>
+              <a:tabLst>
+                <a:tab pos="454025" algn="l"/>
+                <a:tab pos="911225" algn="l"/>
+                <a:tab pos="1368425" algn="l"/>
+                <a:tab pos="1825625" algn="l"/>
+                <a:tab pos="2282825" algn="l"/>
+                <a:tab pos="2740025" algn="l"/>
+                <a:tab pos="3197225" algn="l"/>
+                <a:tab pos="3654425" algn="l"/>
+                <a:tab pos="4111625" algn="l"/>
+                <a:tab pos="4568825" algn="l"/>
+                <a:tab pos="5026025" algn="l"/>
+                <a:tab pos="5483225" algn="l"/>
+                <a:tab pos="5940425" algn="l"/>
+                <a:tab pos="6397625" algn="l"/>
+                <a:tab pos="6854825" algn="l"/>
+                <a:tab pos="7312025" algn="l"/>
+                <a:tab pos="7769225" algn="l"/>
+                <a:tab pos="8226425" algn="l"/>
+                <a:tab pos="8683625" algn="l"/>
+                <a:tab pos="9140825" algn="l"/>
+              </a:tabLst>
+            </a:pPr>
+            <a:r>
+              <a:rPr lang="en-GB" sz="1100" b="1" dirty="0"/>
+              <a:t>Basic Requirements</a:t>
+            </a:r>
+          </a:p>
+          <a:p>
+            <a:pPr>
+              <a:tabLst>
+                <a:tab pos="454025" algn="l"/>
+                <a:tab pos="911225" algn="l"/>
+                <a:tab pos="1368425" algn="l"/>
+                <a:tab pos="1825625" algn="l"/>
+                <a:tab pos="2282825" algn="l"/>
+                <a:tab pos="2740025" algn="l"/>
+                <a:tab pos="3197225" algn="l"/>
+                <a:tab pos="3654425" algn="l"/>
+                <a:tab pos="4111625" algn="l"/>
+                <a:tab pos="4568825" algn="l"/>
+                <a:tab pos="5026025" algn="l"/>
+                <a:tab pos="5483225" algn="l"/>
+                <a:tab pos="5940425" algn="l"/>
+                <a:tab pos="6397625" algn="l"/>
+                <a:tab pos="6854825" algn="l"/>
+                <a:tab pos="7312025" algn="l"/>
+                <a:tab pos="7769225" algn="l"/>
+                <a:tab pos="8226425" algn="l"/>
+                <a:tab pos="8683625" algn="l"/>
+                <a:tab pos="9140825" algn="l"/>
+              </a:tabLst>
+            </a:pPr>
+            <a:r>
+              <a:rPr lang="en-GB" sz="1100" b="1" dirty="0"/>
+              <a:t>Customer use the first release</a:t>
+            </a:r>
+          </a:p>
+          <a:p>
+            <a:pPr>
+              <a:tabLst>
+                <a:tab pos="454025" algn="l"/>
+                <a:tab pos="911225" algn="l"/>
+                <a:tab pos="1368425" algn="l"/>
+                <a:tab pos="1825625" algn="l"/>
+                <a:tab pos="2282825" algn="l"/>
+                <a:tab pos="2740025" algn="l"/>
+                <a:tab pos="3197225" algn="l"/>
+                <a:tab pos="3654425" algn="l"/>
+                <a:tab pos="4111625" algn="l"/>
+                <a:tab pos="4568825" algn="l"/>
+                <a:tab pos="5026025" algn="l"/>
+                <a:tab pos="5483225" algn="l"/>
+                <a:tab pos="5940425" algn="l"/>
+                <a:tab pos="6397625" algn="l"/>
+                <a:tab pos="6854825" algn="l"/>
+                <a:tab pos="7312025" algn="l"/>
+                <a:tab pos="7769225" algn="l"/>
+                <a:tab pos="8226425" algn="l"/>
+                <a:tab pos="8683625" algn="l"/>
+                <a:tab pos="9140825" algn="l"/>
+              </a:tabLst>
+            </a:pPr>
+            <a:r>
+              <a:rPr lang="en-GB" sz="1100" b="1" dirty="0"/>
+              <a:t>Modification in the first release</a:t>
+            </a:r>
+          </a:p>
+          <a:p>
+            <a:pPr>
+              <a:tabLst>
+                <a:tab pos="454025" algn="l"/>
+                <a:tab pos="911225" algn="l"/>
+                <a:tab pos="1368425" algn="l"/>
+                <a:tab pos="1825625" algn="l"/>
+                <a:tab pos="2282825" algn="l"/>
+                <a:tab pos="2740025" algn="l"/>
+                <a:tab pos="3197225" algn="l"/>
+                <a:tab pos="3654425" algn="l"/>
+                <a:tab pos="4111625" algn="l"/>
+                <a:tab pos="4568825" algn="l"/>
+                <a:tab pos="5026025" algn="l"/>
+                <a:tab pos="5483225" algn="l"/>
+                <a:tab pos="5940425" algn="l"/>
+                <a:tab pos="6397625" algn="l"/>
+                <a:tab pos="6854825" algn="l"/>
+                <a:tab pos="7312025" algn="l"/>
+                <a:tab pos="7769225" algn="l"/>
+                <a:tab pos="8226425" algn="l"/>
+                <a:tab pos="8683625" algn="l"/>
+                <a:tab pos="9140825" algn="l"/>
+              </a:tabLst>
+            </a:pPr>
+            <a:r>
+              <a:rPr lang="en-GB" sz="1100" b="1" dirty="0"/>
+              <a:t>Useful when staffing is unavailable</a:t>
+            </a:r>
+          </a:p>
+          <a:p>
+            <a:pPr>
+              <a:tabLst>
+                <a:tab pos="454025" algn="l"/>
+                <a:tab pos="911225" algn="l"/>
+                <a:tab pos="1368425" algn="l"/>
+                <a:tab pos="1825625" algn="l"/>
+                <a:tab pos="2282825" algn="l"/>
+                <a:tab pos="2740025" algn="l"/>
+                <a:tab pos="3197225" algn="l"/>
+                <a:tab pos="3654425" algn="l"/>
+                <a:tab pos="4111625" algn="l"/>
+                <a:tab pos="4568825" algn="l"/>
+                <a:tab pos="5026025" algn="l"/>
+                <a:tab pos="5483225" algn="l"/>
+                <a:tab pos="5940425" algn="l"/>
+                <a:tab pos="6397625" algn="l"/>
+                <a:tab pos="6854825" algn="l"/>
+                <a:tab pos="7312025" algn="l"/>
+                <a:tab pos="7769225" algn="l"/>
+                <a:tab pos="8226425" algn="l"/>
+                <a:tab pos="8683625" algn="l"/>
+                <a:tab pos="9140825" algn="l"/>
+              </a:tabLst>
+            </a:pPr>
+            <a:endParaRPr lang="en-GB" dirty="0"/>
+          </a:p>
+          <a:p>
+            <a:pPr lvl="1">
+              <a:tabLst>
+                <a:tab pos="454025" algn="l"/>
+                <a:tab pos="911225" algn="l"/>
+                <a:tab pos="1368425" algn="l"/>
+                <a:tab pos="1825625" algn="l"/>
+                <a:tab pos="2282825" algn="l"/>
+                <a:tab pos="2740025" algn="l"/>
+                <a:tab pos="3197225" algn="l"/>
+                <a:tab pos="3654425" algn="l"/>
+                <a:tab pos="4111625" algn="l"/>
+                <a:tab pos="4568825" algn="l"/>
+                <a:tab pos="5026025" algn="l"/>
+                <a:tab pos="5483225" algn="l"/>
+                <a:tab pos="5940425" algn="l"/>
+                <a:tab pos="6397625" algn="l"/>
+                <a:tab pos="6854825" algn="l"/>
+                <a:tab pos="7312025" algn="l"/>
+                <a:tab pos="7769225" algn="l"/>
+                <a:tab pos="8226425" algn="l"/>
+                <a:tab pos="8683625" algn="l"/>
+                <a:tab pos="9140825" algn="l"/>
+              </a:tabLst>
+            </a:pPr>
+            <a:endParaRPr lang="en-GB" dirty="0"/>
+          </a:p>
+        </p:txBody>
+      </p:sp>
+    </p:spTree>
+    <p:extLst>
+      <p:ext uri="{BB962C8B-B14F-4D97-AF65-F5344CB8AC3E}">
+        <p14:creationId xmlns:p14="http://schemas.microsoft.com/office/powerpoint/2010/main" val="316483830"/>
+      </p:ext>
+    </p:extLst>
+  </p:cSld>
+  <p:clrMapOvr>
+    <a:masterClrMapping/>
+  </p:clrMapOvr>
+  <p:transition/>
+</p:sld>
+</file>
+
+<file path=ppt/slides/slide23.xml><?xml version="1.0" encoding="utf-8"?>
+<p:sld xmlns:a="http://schemas.openxmlformats.org/drawingml/2006/main" xmlns:r="http://schemas.openxmlformats.org/officeDocument/2006/relationships" xmlns:p="http://schemas.openxmlformats.org/presentationml/2006/main">
+  <p:cSld>
+    <p:spTree>
+      <p:nvGrpSpPr>
+        <p:cNvPr id="1" name=""/>
+        <p:cNvGrpSpPr/>
+        <p:nvPr/>
+      </p:nvGrpSpPr>
+      <p:grpSpPr>
+        <a:xfrm>
+          <a:off x="0" y="0"/>
+          <a:ext cx="0" cy="0"/>
+          <a:chOff x="0" y="0"/>
+          <a:chExt cx="0" cy="0"/>
+        </a:xfrm>
+      </p:grpSpPr>
+      <p:sp>
+        <p:nvSpPr>
+          <p:cNvPr id="22530" name="Rectangle 2"/>
+          <p:cNvSpPr>
+            <a:spLocks noGrp="1" noChangeArrowheads="1"/>
+          </p:cNvSpPr>
+          <p:nvPr>
+            <p:ph type="title"/>
+          </p:nvPr>
+        </p:nvSpPr>
+        <p:spPr>
+          <a:xfrm>
+            <a:off x="457200" y="914400"/>
+            <a:ext cx="8229600" cy="1143000"/>
+          </a:xfrm>
+        </p:spPr>
+        <p:txBody>
+          <a:bodyPr>
+            <a:normAutofit/>
+          </a:bodyPr>
+          <a:lstStyle/>
+          <a:p>
+            <a:pPr eaLnBrk="1" hangingPunct="1"/>
+            <a:r>
+              <a:rPr lang="en-GB" dirty="0"/>
+              <a:t>Prototyping Model</a:t>
+            </a:r>
+            <a:endParaRPr lang="en-US" sz="2800" dirty="0"/>
+          </a:p>
+        </p:txBody>
+      </p:sp>
+      <p:sp>
+        <p:nvSpPr>
+          <p:cNvPr id="22531" name="Rectangle 3"/>
+          <p:cNvSpPr>
+            <a:spLocks noGrp="1" noChangeArrowheads="1"/>
+          </p:cNvSpPr>
+          <p:nvPr>
+            <p:ph type="body" idx="1"/>
+          </p:nvPr>
+        </p:nvSpPr>
+        <p:spPr>
+          <a:xfrm>
+            <a:off x="457200" y="2438400"/>
+            <a:ext cx="8229600" cy="1524000"/>
+          </a:xfrm>
+        </p:spPr>
+        <p:txBody>
+          <a:bodyPr>
+            <a:normAutofit/>
+          </a:bodyPr>
+          <a:lstStyle/>
+          <a:p>
+            <a:pPr>
+              <a:tabLst>
+                <a:tab pos="454025" algn="l"/>
+                <a:tab pos="911225" algn="l"/>
+                <a:tab pos="1368425" algn="l"/>
+                <a:tab pos="1825625" algn="l"/>
+                <a:tab pos="2282825" algn="l"/>
+                <a:tab pos="2740025" algn="l"/>
+                <a:tab pos="3197225" algn="l"/>
+                <a:tab pos="3654425" algn="l"/>
+                <a:tab pos="4111625" algn="l"/>
+                <a:tab pos="4568825" algn="l"/>
+                <a:tab pos="5026025" algn="l"/>
+                <a:tab pos="5483225" algn="l"/>
+                <a:tab pos="5940425" algn="l"/>
+                <a:tab pos="6397625" algn="l"/>
+                <a:tab pos="6854825" algn="l"/>
+                <a:tab pos="7312025" algn="l"/>
+                <a:tab pos="7769225" algn="l"/>
+                <a:tab pos="8226425" algn="l"/>
+                <a:tab pos="8683625" algn="l"/>
+                <a:tab pos="9140825" algn="l"/>
+              </a:tabLst>
+            </a:pPr>
+            <a:r>
+              <a:rPr lang="en-GB" dirty="0"/>
+              <a:t>Allows repeated investigation of the requirements or design</a:t>
+            </a:r>
+          </a:p>
+          <a:p>
+            <a:pPr>
+              <a:tabLst>
+                <a:tab pos="454025" algn="l"/>
+                <a:tab pos="911225" algn="l"/>
+                <a:tab pos="1368425" algn="l"/>
+                <a:tab pos="1825625" algn="l"/>
+                <a:tab pos="2282825" algn="l"/>
+                <a:tab pos="2740025" algn="l"/>
+                <a:tab pos="3197225" algn="l"/>
+                <a:tab pos="3654425" algn="l"/>
+                <a:tab pos="4111625" algn="l"/>
+                <a:tab pos="4568825" algn="l"/>
+                <a:tab pos="5026025" algn="l"/>
+                <a:tab pos="5483225" algn="l"/>
+                <a:tab pos="5940425" algn="l"/>
+                <a:tab pos="6397625" algn="l"/>
+                <a:tab pos="6854825" algn="l"/>
+                <a:tab pos="7312025" algn="l"/>
+                <a:tab pos="7769225" algn="l"/>
+                <a:tab pos="8226425" algn="l"/>
+                <a:tab pos="8683625" algn="l"/>
+                <a:tab pos="9140825" algn="l"/>
+              </a:tabLst>
+            </a:pPr>
+            <a:r>
+              <a:rPr lang="en-GB" dirty="0"/>
+              <a:t>Reduces risk and uncertainty in the development</a:t>
+            </a:r>
+          </a:p>
+        </p:txBody>
+      </p:sp>
+      <p:pic>
+        <p:nvPicPr>
+          <p:cNvPr id="4" name="Picture 13"/>
+          <p:cNvPicPr>
+            <a:picLocks noChangeAspect="1" noChangeArrowheads="1"/>
+          </p:cNvPicPr>
+          <p:nvPr/>
+        </p:nvPicPr>
+        <p:blipFill>
+          <a:blip r:embed="rId3" cstate="print"/>
+          <a:srcRect/>
+          <a:stretch>
+            <a:fillRect/>
+          </a:stretch>
+        </p:blipFill>
+        <p:spPr bwMode="auto">
+          <a:xfrm>
+            <a:off x="2819400" y="3808412"/>
+            <a:ext cx="6096000" cy="2973388"/>
+          </a:xfrm>
+          <a:prstGeom prst="rect">
+            <a:avLst/>
+          </a:prstGeom>
+          <a:noFill/>
+          <a:ln w="9525">
+            <a:noFill/>
+            <a:miter lim="800000"/>
+            <a:headEnd/>
+            <a:tailEnd/>
+          </a:ln>
+        </p:spPr>
+      </p:pic>
+    </p:spTree>
+    <p:extLst>
+      <p:ext uri="{BB962C8B-B14F-4D97-AF65-F5344CB8AC3E}">
+        <p14:creationId xmlns:p14="http://schemas.microsoft.com/office/powerpoint/2010/main" val="3676992283"/>
+      </p:ext>
+    </p:extLst>
+  </p:cSld>
+  <p:clrMapOvr>
+    <a:masterClrMapping/>
+  </p:clrMapOvr>
+  <p:transition/>
+</p:sld>
+</file>
+
+<file path=ppt/slides/slide24.xml><?xml version="1.0" encoding="utf-8"?>
+<p:sld xmlns:a="http://schemas.openxmlformats.org/drawingml/2006/main" xmlns:r="http://schemas.openxmlformats.org/officeDocument/2006/relationships" xmlns:p="http://schemas.openxmlformats.org/presentationml/2006/main">
+  <p:cSld>
+    <p:spTree>
+      <p:nvGrpSpPr>
+        <p:cNvPr id="1" name=""/>
+        <p:cNvGrpSpPr/>
+        <p:nvPr/>
+      </p:nvGrpSpPr>
+      <p:grpSpPr>
+        <a:xfrm>
+          <a:off x="0" y="0"/>
+          <a:ext cx="0" cy="0"/>
+          <a:chOff x="0" y="0"/>
+          <a:chExt cx="0" cy="0"/>
+        </a:xfrm>
+      </p:grpSpPr>
+      <p:sp>
+        <p:nvSpPr>
+          <p:cNvPr id="22530" name="Rectangle 2"/>
+          <p:cNvSpPr>
+            <a:spLocks noGrp="1" noChangeArrowheads="1"/>
+          </p:cNvSpPr>
+          <p:nvPr>
+            <p:ph type="title"/>
+          </p:nvPr>
+        </p:nvSpPr>
+        <p:spPr>
+          <a:xfrm>
+            <a:off x="457200" y="914400"/>
+            <a:ext cx="8229600" cy="1143000"/>
+          </a:xfrm>
+        </p:spPr>
+        <p:txBody>
+          <a:bodyPr>
+            <a:normAutofit/>
+          </a:bodyPr>
+          <a:lstStyle/>
+          <a:p>
+            <a:pPr eaLnBrk="1" hangingPunct="1"/>
+            <a:r>
+              <a:rPr lang="en-GB" dirty="0"/>
+              <a:t>Prototyping Model (Contd.)</a:t>
+            </a:r>
+            <a:endParaRPr lang="en-US" sz="2800" dirty="0"/>
+          </a:p>
+        </p:txBody>
+      </p:sp>
+      <p:sp>
+        <p:nvSpPr>
+          <p:cNvPr id="22531" name="Rectangle 3"/>
+          <p:cNvSpPr>
+            <a:spLocks noGrp="1" noChangeArrowheads="1"/>
+          </p:cNvSpPr>
+          <p:nvPr>
+            <p:ph type="body" idx="1"/>
+          </p:nvPr>
+        </p:nvSpPr>
+        <p:spPr>
+          <a:xfrm>
+            <a:off x="457200" y="2438400"/>
+            <a:ext cx="8229600" cy="3962400"/>
+          </a:xfrm>
+        </p:spPr>
+        <p:txBody>
+          <a:bodyPr>
+            <a:normAutofit/>
+          </a:bodyPr>
+          <a:lstStyle/>
+          <a:p>
+            <a:pPr lvl="1">
+              <a:tabLst>
+                <a:tab pos="454025" algn="l"/>
+                <a:tab pos="911225" algn="l"/>
+                <a:tab pos="1368425" algn="l"/>
+                <a:tab pos="1825625" algn="l"/>
+                <a:tab pos="2282825" algn="l"/>
+                <a:tab pos="2740025" algn="l"/>
+                <a:tab pos="3197225" algn="l"/>
+                <a:tab pos="3654425" algn="l"/>
+                <a:tab pos="4111625" algn="l"/>
+                <a:tab pos="4568825" algn="l"/>
+                <a:tab pos="5026025" algn="l"/>
+                <a:tab pos="5483225" algn="l"/>
+                <a:tab pos="5940425" algn="l"/>
+                <a:tab pos="6397625" algn="l"/>
+                <a:tab pos="6854825" algn="l"/>
+                <a:tab pos="7312025" algn="l"/>
+                <a:tab pos="7769225" algn="l"/>
+                <a:tab pos="8226425" algn="l"/>
+                <a:tab pos="8683625" algn="l"/>
+                <a:tab pos="9140825" algn="l"/>
+              </a:tabLst>
+            </a:pPr>
+            <a:endParaRPr lang="en-GB" dirty="0"/>
+          </a:p>
+          <a:p>
+            <a:pPr lvl="1">
+              <a:tabLst>
+                <a:tab pos="454025" algn="l"/>
+                <a:tab pos="911225" algn="l"/>
+                <a:tab pos="1368425" algn="l"/>
+                <a:tab pos="1825625" algn="l"/>
+                <a:tab pos="2282825" algn="l"/>
+                <a:tab pos="2740025" algn="l"/>
+                <a:tab pos="3197225" algn="l"/>
+                <a:tab pos="3654425" algn="l"/>
+                <a:tab pos="4111625" algn="l"/>
+                <a:tab pos="4568825" algn="l"/>
+                <a:tab pos="5026025" algn="l"/>
+                <a:tab pos="5483225" algn="l"/>
+                <a:tab pos="5940425" algn="l"/>
+                <a:tab pos="6397625" algn="l"/>
+                <a:tab pos="6854825" algn="l"/>
+                <a:tab pos="7312025" algn="l"/>
+                <a:tab pos="7769225" algn="l"/>
+                <a:tab pos="8226425" algn="l"/>
+                <a:tab pos="8683625" algn="l"/>
+                <a:tab pos="9140825" algn="l"/>
+              </a:tabLst>
+            </a:pPr>
+            <a:endParaRPr lang="en-GB" dirty="0"/>
+          </a:p>
+        </p:txBody>
+      </p:sp>
+      <p:pic>
+        <p:nvPicPr>
+          <p:cNvPr id="3" name="Picture 2">
+            <a:extLst>
+              <a:ext uri="{FF2B5EF4-FFF2-40B4-BE49-F238E27FC236}">
+                <a16:creationId xmlns:a16="http://schemas.microsoft.com/office/drawing/2014/main" id="{473CEFE7-56F6-4822-9CCC-E534A3B62DE9}"/>
+              </a:ext>
+            </a:extLst>
+          </p:cNvPr>
+          <p:cNvPicPr>
+            <a:picLocks noChangeAspect="1"/>
+          </p:cNvPicPr>
+          <p:nvPr/>
+        </p:nvPicPr>
+        <p:blipFill>
+          <a:blip r:embed="rId3"/>
+          <a:stretch>
+            <a:fillRect/>
+          </a:stretch>
+        </p:blipFill>
+        <p:spPr>
+          <a:xfrm>
+            <a:off x="228600" y="2667000"/>
+            <a:ext cx="8686800" cy="2514600"/>
+          </a:xfrm>
+          <a:prstGeom prst="rect">
+            <a:avLst/>
+          </a:prstGeom>
+        </p:spPr>
+      </p:pic>
+    </p:spTree>
+    <p:extLst>
+      <p:ext uri="{BB962C8B-B14F-4D97-AF65-F5344CB8AC3E}">
+        <p14:creationId xmlns:p14="http://schemas.microsoft.com/office/powerpoint/2010/main" val="136142256"/>
+      </p:ext>
+    </p:extLst>
+  </p:cSld>
+  <p:clrMapOvr>
+    <a:masterClrMapping/>
+  </p:clrMapOvr>
+  <p:transition/>
+</p:sld>
+</file>
+
+<file path=ppt/slides/slide25.xml><?xml version="1.0" encoding="utf-8"?>
+<p:sld xmlns:a="http://schemas.openxmlformats.org/drawingml/2006/main" xmlns:r="http://schemas.openxmlformats.org/officeDocument/2006/relationships" xmlns:p="http://schemas.openxmlformats.org/presentationml/2006/main">
+  <p:cSld>
+    <p:spTree>
+      <p:nvGrpSpPr>
+        <p:cNvPr id="1" name=""/>
+        <p:cNvGrpSpPr/>
+        <p:nvPr/>
+      </p:nvGrpSpPr>
+      <p:grpSpPr>
+        <a:xfrm>
+          <a:off x="0" y="0"/>
+          <a:ext cx="0" cy="0"/>
+          <a:chOff x="0" y="0"/>
+          <a:chExt cx="0" cy="0"/>
+        </a:xfrm>
+      </p:grpSpPr>
+      <p:sp>
+        <p:nvSpPr>
+          <p:cNvPr id="22530" name="Rectangle 2"/>
+          <p:cNvSpPr>
+            <a:spLocks noGrp="1" noChangeArrowheads="1"/>
+          </p:cNvSpPr>
+          <p:nvPr>
+            <p:ph type="title"/>
+          </p:nvPr>
+        </p:nvSpPr>
+        <p:spPr>
+          <a:xfrm>
+            <a:off x="457200" y="914400"/>
+            <a:ext cx="8229600" cy="1143000"/>
+          </a:xfrm>
+        </p:spPr>
+        <p:txBody>
+          <a:bodyPr>
+            <a:normAutofit/>
+          </a:bodyPr>
+          <a:lstStyle/>
+          <a:p>
+            <a:pPr eaLnBrk="1" hangingPunct="1"/>
+            <a:r>
+              <a:rPr lang="en-GB" dirty="0"/>
+              <a:t>Prototyping Model (Contd.)</a:t>
+            </a:r>
+            <a:endParaRPr lang="en-US" sz="2800" dirty="0"/>
+          </a:p>
+        </p:txBody>
+      </p:sp>
+      <p:sp>
+        <p:nvSpPr>
+          <p:cNvPr id="22531" name="Rectangle 3"/>
+          <p:cNvSpPr>
+            <a:spLocks noGrp="1" noChangeArrowheads="1"/>
+          </p:cNvSpPr>
+          <p:nvPr>
+            <p:ph type="body" idx="1"/>
+          </p:nvPr>
+        </p:nvSpPr>
+        <p:spPr>
+          <a:xfrm>
+            <a:off x="457200" y="2438400"/>
+            <a:ext cx="8229600" cy="3962400"/>
+          </a:xfrm>
+        </p:spPr>
+        <p:txBody>
+          <a:bodyPr>
+            <a:normAutofit/>
+          </a:bodyPr>
+          <a:lstStyle/>
+          <a:p>
+            <a:pPr lvl="1">
+              <a:tabLst>
+                <a:tab pos="454025" algn="l"/>
+                <a:tab pos="911225" algn="l"/>
+                <a:tab pos="1368425" algn="l"/>
+                <a:tab pos="1825625" algn="l"/>
+                <a:tab pos="2282825" algn="l"/>
+                <a:tab pos="2740025" algn="l"/>
+                <a:tab pos="3197225" algn="l"/>
+                <a:tab pos="3654425" algn="l"/>
+                <a:tab pos="4111625" algn="l"/>
+                <a:tab pos="4568825" algn="l"/>
+                <a:tab pos="5026025" algn="l"/>
+                <a:tab pos="5483225" algn="l"/>
+                <a:tab pos="5940425" algn="l"/>
+                <a:tab pos="6397625" algn="l"/>
+                <a:tab pos="6854825" algn="l"/>
+                <a:tab pos="7312025" algn="l"/>
+                <a:tab pos="7769225" algn="l"/>
+                <a:tab pos="8226425" algn="l"/>
+                <a:tab pos="8683625" algn="l"/>
+                <a:tab pos="9140825" algn="l"/>
+              </a:tabLst>
+            </a:pPr>
+            <a:endParaRPr lang="en-GB" dirty="0"/>
+          </a:p>
+          <a:p>
+            <a:pPr lvl="1">
+              <a:tabLst>
+                <a:tab pos="454025" algn="l"/>
+                <a:tab pos="911225" algn="l"/>
+                <a:tab pos="1368425" algn="l"/>
+                <a:tab pos="1825625" algn="l"/>
+                <a:tab pos="2282825" algn="l"/>
+                <a:tab pos="2740025" algn="l"/>
+                <a:tab pos="3197225" algn="l"/>
+                <a:tab pos="3654425" algn="l"/>
+                <a:tab pos="4111625" algn="l"/>
+                <a:tab pos="4568825" algn="l"/>
+                <a:tab pos="5026025" algn="l"/>
+                <a:tab pos="5483225" algn="l"/>
+                <a:tab pos="5940425" algn="l"/>
+                <a:tab pos="6397625" algn="l"/>
+                <a:tab pos="6854825" algn="l"/>
+                <a:tab pos="7312025" algn="l"/>
+                <a:tab pos="7769225" algn="l"/>
+                <a:tab pos="8226425" algn="l"/>
+                <a:tab pos="8683625" algn="l"/>
+                <a:tab pos="9140825" algn="l"/>
+              </a:tabLst>
+            </a:pPr>
+            <a:endParaRPr lang="en-GB" dirty="0"/>
+          </a:p>
+        </p:txBody>
+      </p:sp>
+      <p:sp>
+        <p:nvSpPr>
+          <p:cNvPr id="6" name="TextBox 5">
+            <a:extLst>
+              <a:ext uri="{FF2B5EF4-FFF2-40B4-BE49-F238E27FC236}">
+                <a16:creationId xmlns:a16="http://schemas.microsoft.com/office/drawing/2014/main" id="{384CC48C-1C1C-45B6-BE55-D07B81610C7A}"/>
+              </a:ext>
+            </a:extLst>
+          </p:cNvPr>
+          <p:cNvSpPr txBox="1"/>
+          <p:nvPr/>
+        </p:nvSpPr>
+        <p:spPr>
+          <a:xfrm>
+            <a:off x="342900" y="2480733"/>
+            <a:ext cx="8458200" cy="3693319"/>
+          </a:xfrm>
+          <a:prstGeom prst="rect">
+            <a:avLst/>
+          </a:prstGeom>
+          <a:noFill/>
+        </p:spPr>
+        <p:txBody>
+          <a:bodyPr wrap="square">
+            <a:spAutoFit/>
+          </a:bodyPr>
+          <a:lstStyle/>
+          <a:p>
+            <a:pPr marL="0" marR="0" algn="l"/>
+            <a:r>
+              <a:rPr lang="en-US" sz="2400" b="1" i="0" cap="all" dirty="0">
+                <a:solidFill>
+                  <a:srgbClr val="104D61"/>
+                </a:solidFill>
+                <a:effectLst/>
+                <a:latin typeface="Arial" panose="020B0604020202020204" pitchFamily="34" charset="0"/>
+                <a:cs typeface="Arial" panose="020B0604020202020204" pitchFamily="34" charset="0"/>
+              </a:rPr>
+              <a:t>RAPID (THROWAWAY) PROTOTYPING</a:t>
+            </a:r>
+          </a:p>
+          <a:p>
+            <a:pPr marL="0" marR="0" algn="l"/>
+            <a:r>
+              <a:rPr lang="en-US" sz="2400" b="0" i="0" dirty="0">
+                <a:solidFill>
+                  <a:srgbClr val="000000"/>
+                </a:solidFill>
+                <a:effectLst/>
+                <a:latin typeface="Arial" panose="020B0604020202020204" pitchFamily="34" charset="0"/>
+                <a:cs typeface="Arial" panose="020B0604020202020204" pitchFamily="34" charset="0"/>
+              </a:rPr>
+              <a:t>Its name refers to the ease and speed with which a prototype can be modified to try different ideas with the user audience and incorporate their feedback.</a:t>
+            </a:r>
+          </a:p>
+          <a:p>
+            <a:pPr marL="0" marR="0" algn="l"/>
+            <a:endParaRPr lang="en-US" sz="2400" dirty="0">
+              <a:solidFill>
+                <a:srgbClr val="000000"/>
+              </a:solidFill>
+              <a:latin typeface="Arial" panose="020B0604020202020204" pitchFamily="34" charset="0"/>
+              <a:cs typeface="Arial" panose="020B0604020202020204" pitchFamily="34" charset="0"/>
+            </a:endParaRPr>
+          </a:p>
+          <a:p>
+            <a:pPr marL="0" marR="0" algn="l"/>
+            <a:r>
+              <a:rPr lang="en-US" sz="2400" b="1" i="0" cap="all" dirty="0">
+                <a:solidFill>
+                  <a:srgbClr val="104D61"/>
+                </a:solidFill>
+                <a:effectLst/>
+                <a:latin typeface="Arial" panose="020B0604020202020204" pitchFamily="34" charset="0"/>
+                <a:cs typeface="Arial" panose="020B0604020202020204" pitchFamily="34" charset="0"/>
+              </a:rPr>
+              <a:t>EVOLUTIONARY PROTOTYPING</a:t>
+            </a:r>
+          </a:p>
+          <a:p>
+            <a:pPr marL="0" marR="0" algn="l"/>
+            <a:r>
+              <a:rPr lang="en-US" sz="2400" b="0" i="0" dirty="0">
+                <a:solidFill>
+                  <a:srgbClr val="000000"/>
+                </a:solidFill>
+                <a:effectLst/>
+                <a:latin typeface="Arial" panose="020B0604020202020204" pitchFamily="34" charset="0"/>
+                <a:cs typeface="Arial" panose="020B0604020202020204" pitchFamily="34" charset="0"/>
+              </a:rPr>
+              <a:t>An evolutionary prototype differs from the traditional notion of a software prototype; an evolutionary prototype is a functional piece of software, not just a simulation.</a:t>
+            </a:r>
+          </a:p>
+          <a:p>
+            <a:pPr marL="0" marR="0" algn="l"/>
+            <a:endParaRPr lang="en-US" b="0" i="0" dirty="0">
+              <a:solidFill>
+                <a:srgbClr val="000000"/>
+              </a:solidFill>
+              <a:effectLst/>
+              <a:latin typeface="Calibri" panose="020F0502020204030204" pitchFamily="34" charset="0"/>
+            </a:endParaRPr>
+          </a:p>
+        </p:txBody>
+      </p:sp>
+    </p:spTree>
+    <p:extLst>
+      <p:ext uri="{BB962C8B-B14F-4D97-AF65-F5344CB8AC3E}">
+        <p14:creationId xmlns:p14="http://schemas.microsoft.com/office/powerpoint/2010/main" val="3347606666"/>
+      </p:ext>
+    </p:extLst>
+  </p:cSld>
+  <p:clrMapOvr>
+    <a:masterClrMapping/>
+  </p:clrMapOvr>
+  <p:transition/>
+</p:sld>
+</file>
+
+<file path=ppt/slides/slide26.xml><?xml version="1.0" encoding="utf-8"?>
+<p:sld xmlns:a="http://schemas.openxmlformats.org/drawingml/2006/main" xmlns:r="http://schemas.openxmlformats.org/officeDocument/2006/relationships" xmlns:p="http://schemas.openxmlformats.org/presentationml/2006/main">
+  <p:cSld>
+    <p:spTree>
+      <p:nvGrpSpPr>
+        <p:cNvPr id="1" name=""/>
+        <p:cNvGrpSpPr/>
+        <p:nvPr/>
+      </p:nvGrpSpPr>
+      <p:grpSpPr>
+        <a:xfrm>
+          <a:off x="0" y="0"/>
+          <a:ext cx="0" cy="0"/>
+          <a:chOff x="0" y="0"/>
+          <a:chExt cx="0" cy="0"/>
+        </a:xfrm>
+      </p:grpSpPr>
+      <p:sp>
+        <p:nvSpPr>
+          <p:cNvPr id="22531" name="Rectangle 3"/>
+          <p:cNvSpPr>
+            <a:spLocks noGrp="1" noChangeArrowheads="1"/>
+          </p:cNvSpPr>
+          <p:nvPr>
+            <p:ph type="body" idx="1"/>
+          </p:nvPr>
+        </p:nvSpPr>
+        <p:spPr>
+          <a:xfrm>
+            <a:off x="457200" y="2438400"/>
+            <a:ext cx="8229600" cy="3962400"/>
+          </a:xfrm>
+        </p:spPr>
+        <p:txBody>
+          <a:bodyPr>
+            <a:normAutofit/>
+          </a:bodyPr>
+          <a:lstStyle/>
+          <a:p>
+            <a:pPr lvl="1">
+              <a:tabLst>
+                <a:tab pos="454025" algn="l"/>
+                <a:tab pos="911225" algn="l"/>
+                <a:tab pos="1368425" algn="l"/>
+                <a:tab pos="1825625" algn="l"/>
+                <a:tab pos="2282825" algn="l"/>
+                <a:tab pos="2740025" algn="l"/>
+                <a:tab pos="3197225" algn="l"/>
+                <a:tab pos="3654425" algn="l"/>
+                <a:tab pos="4111625" algn="l"/>
+                <a:tab pos="4568825" algn="l"/>
+                <a:tab pos="5026025" algn="l"/>
+                <a:tab pos="5483225" algn="l"/>
+                <a:tab pos="5940425" algn="l"/>
+                <a:tab pos="6397625" algn="l"/>
+                <a:tab pos="6854825" algn="l"/>
+                <a:tab pos="7312025" algn="l"/>
+                <a:tab pos="7769225" algn="l"/>
+                <a:tab pos="8226425" algn="l"/>
+                <a:tab pos="8683625" algn="l"/>
+                <a:tab pos="9140825" algn="l"/>
+              </a:tabLst>
+            </a:pPr>
+            <a:endParaRPr lang="en-GB" dirty="0"/>
+          </a:p>
+          <a:p>
+            <a:pPr lvl="1">
+              <a:tabLst>
+                <a:tab pos="454025" algn="l"/>
+                <a:tab pos="911225" algn="l"/>
+                <a:tab pos="1368425" algn="l"/>
+                <a:tab pos="1825625" algn="l"/>
+                <a:tab pos="2282825" algn="l"/>
+                <a:tab pos="2740025" algn="l"/>
+                <a:tab pos="3197225" algn="l"/>
+                <a:tab pos="3654425" algn="l"/>
+                <a:tab pos="4111625" algn="l"/>
+                <a:tab pos="4568825" algn="l"/>
+                <a:tab pos="5026025" algn="l"/>
+                <a:tab pos="5483225" algn="l"/>
+                <a:tab pos="5940425" algn="l"/>
+                <a:tab pos="6397625" algn="l"/>
+                <a:tab pos="6854825" algn="l"/>
+                <a:tab pos="7312025" algn="l"/>
+                <a:tab pos="7769225" algn="l"/>
+                <a:tab pos="8226425" algn="l"/>
+                <a:tab pos="8683625" algn="l"/>
+                <a:tab pos="9140825" algn="l"/>
+              </a:tabLst>
+            </a:pPr>
+            <a:endParaRPr lang="en-GB" dirty="0"/>
+          </a:p>
+        </p:txBody>
+      </p:sp>
+      <p:sp>
+        <p:nvSpPr>
+          <p:cNvPr id="9" name="Rectangle 2">
+            <a:extLst>
+              <a:ext uri="{FF2B5EF4-FFF2-40B4-BE49-F238E27FC236}">
+                <a16:creationId xmlns:a16="http://schemas.microsoft.com/office/drawing/2014/main" id="{5FD884A6-B08C-487B-9818-2725F628E124}"/>
+              </a:ext>
+            </a:extLst>
+          </p:cNvPr>
+          <p:cNvSpPr>
+            <a:spLocks noGrp="1" noChangeArrowheads="1"/>
+          </p:cNvSpPr>
+          <p:nvPr>
+            <p:ph type="title"/>
+          </p:nvPr>
+        </p:nvSpPr>
+        <p:spPr>
+          <a:xfrm>
+            <a:off x="457200" y="457200"/>
+            <a:ext cx="8229600" cy="1143000"/>
+          </a:xfrm>
+        </p:spPr>
+        <p:txBody>
+          <a:bodyPr>
+            <a:normAutofit/>
+          </a:bodyPr>
+          <a:lstStyle/>
+          <a:p>
+            <a:pPr algn="ctr" eaLnBrk="1" hangingPunct="1"/>
+            <a:r>
+              <a:rPr lang="en-US" sz="4000" b="1" dirty="0"/>
+              <a:t>Waterfall vs Prototype</a:t>
+            </a:r>
+          </a:p>
+        </p:txBody>
+      </p:sp>
+      <p:grpSp>
+        <p:nvGrpSpPr>
+          <p:cNvPr id="4" name="Group 3">
+            <a:extLst>
+              <a:ext uri="{FF2B5EF4-FFF2-40B4-BE49-F238E27FC236}">
+                <a16:creationId xmlns:a16="http://schemas.microsoft.com/office/drawing/2014/main" id="{73E537A4-D946-411D-A592-4C723FCDDF33}"/>
+              </a:ext>
+            </a:extLst>
+          </p:cNvPr>
+          <p:cNvGrpSpPr/>
+          <p:nvPr/>
+        </p:nvGrpSpPr>
+        <p:grpSpPr>
+          <a:xfrm>
+            <a:off x="1066800" y="1828800"/>
+            <a:ext cx="7467601" cy="4800600"/>
+            <a:chOff x="1524000" y="1447800"/>
+            <a:chExt cx="7315200" cy="4070923"/>
+          </a:xfrm>
+        </p:grpSpPr>
+        <p:pic>
+          <p:nvPicPr>
+            <p:cNvPr id="5" name="Picture 4">
+              <a:extLst>
+                <a:ext uri="{FF2B5EF4-FFF2-40B4-BE49-F238E27FC236}">
+                  <a16:creationId xmlns:a16="http://schemas.microsoft.com/office/drawing/2014/main" id="{705788A9-CD79-4240-84A3-6EB157D8A116}"/>
+                </a:ext>
+              </a:extLst>
+            </p:cNvPr>
+            <p:cNvPicPr>
+              <a:picLocks noChangeAspect="1"/>
+            </p:cNvPicPr>
+            <p:nvPr/>
+          </p:nvPicPr>
+          <p:blipFill rotWithShape="1">
+            <a:blip r:embed="rId3"/>
+            <a:srcRect l="10417" t="725" r="-10417" b="65942"/>
+            <a:stretch/>
+          </p:blipFill>
+          <p:spPr>
+            <a:xfrm>
+              <a:off x="1524000" y="1447800"/>
+              <a:ext cx="7315200" cy="1752600"/>
+            </a:xfrm>
+            <a:prstGeom prst="rect">
+              <a:avLst/>
+            </a:prstGeom>
+          </p:spPr>
+        </p:pic>
+        <p:pic>
+          <p:nvPicPr>
+            <p:cNvPr id="8" name="Picture 7">
+              <a:extLst>
+                <a:ext uri="{FF2B5EF4-FFF2-40B4-BE49-F238E27FC236}">
+                  <a16:creationId xmlns:a16="http://schemas.microsoft.com/office/drawing/2014/main" id="{5821BCCD-148F-418F-86B6-58C81EE43E6D}"/>
+                </a:ext>
+              </a:extLst>
+            </p:cNvPr>
+            <p:cNvPicPr>
+              <a:picLocks noChangeAspect="1"/>
+            </p:cNvPicPr>
+            <p:nvPr/>
+          </p:nvPicPr>
+          <p:blipFill rotWithShape="1">
+            <a:blip r:embed="rId3"/>
+            <a:srcRect l="10417" t="39131" b="39130"/>
+            <a:stretch/>
+          </p:blipFill>
+          <p:spPr>
+            <a:xfrm>
+              <a:off x="1524000" y="3105150"/>
+              <a:ext cx="6553200" cy="1143000"/>
+            </a:xfrm>
+            <a:prstGeom prst="rect">
+              <a:avLst/>
+            </a:prstGeom>
+          </p:spPr>
+        </p:pic>
+        <p:pic>
+          <p:nvPicPr>
+            <p:cNvPr id="3" name="Picture 2">
+              <a:extLst>
+                <a:ext uri="{FF2B5EF4-FFF2-40B4-BE49-F238E27FC236}">
+                  <a16:creationId xmlns:a16="http://schemas.microsoft.com/office/drawing/2014/main" id="{5F8D1155-954F-4B71-8C8D-4A59C5D6DB0F}"/>
+                </a:ext>
+              </a:extLst>
+            </p:cNvPr>
+            <p:cNvPicPr>
+              <a:picLocks noChangeAspect="1"/>
+            </p:cNvPicPr>
+            <p:nvPr/>
+          </p:nvPicPr>
+          <p:blipFill>
+            <a:blip r:embed="rId4"/>
+            <a:stretch>
+              <a:fillRect/>
+            </a:stretch>
+          </p:blipFill>
+          <p:spPr>
+            <a:xfrm>
+              <a:off x="1524000" y="4256617"/>
+              <a:ext cx="6553200" cy="1262106"/>
+            </a:xfrm>
+            <a:prstGeom prst="rect">
+              <a:avLst/>
+            </a:prstGeom>
+          </p:spPr>
+        </p:pic>
+      </p:grpSp>
+    </p:spTree>
+    <p:extLst>
+      <p:ext uri="{BB962C8B-B14F-4D97-AF65-F5344CB8AC3E}">
+        <p14:creationId xmlns:p14="http://schemas.microsoft.com/office/powerpoint/2010/main" val="3352764272"/>
+      </p:ext>
+    </p:extLst>
+  </p:cSld>
+  <p:clrMapOvr>
+    <a:masterClrMapping/>
+  </p:clrMapOvr>
+  <p:transition/>
+</p:sld>
+</file>
+
+<file path=ppt/slides/slide27.xml><?xml version="1.0" encoding="utf-8"?>
+<p:sld xmlns:a="http://schemas.openxmlformats.org/drawingml/2006/main" xmlns:r="http://schemas.openxmlformats.org/officeDocument/2006/relationships" xmlns:p="http://schemas.openxmlformats.org/presentationml/2006/main">
+  <p:cSld>
+    <p:spTree>
+      <p:nvGrpSpPr>
+        <p:cNvPr id="1" name=""/>
+        <p:cNvGrpSpPr/>
+        <p:nvPr/>
+      </p:nvGrpSpPr>
+      <p:grpSpPr>
+        <a:xfrm>
+          <a:off x="0" y="0"/>
+          <a:ext cx="0" cy="0"/>
+          <a:chOff x="0" y="0"/>
+          <a:chExt cx="0" cy="0"/>
+        </a:xfrm>
+      </p:grpSpPr>
+      <p:sp>
+        <p:nvSpPr>
+          <p:cNvPr id="22530" name="Rectangle 2"/>
+          <p:cNvSpPr>
+            <a:spLocks noGrp="1" noChangeArrowheads="1"/>
+          </p:cNvSpPr>
+          <p:nvPr>
+            <p:ph type="title"/>
+          </p:nvPr>
+        </p:nvSpPr>
+        <p:spPr>
+          <a:xfrm>
+            <a:off x="457200" y="914400"/>
+            <a:ext cx="8229600" cy="1143000"/>
+          </a:xfrm>
+        </p:spPr>
+        <p:txBody>
+          <a:bodyPr>
+            <a:normAutofit/>
+          </a:bodyPr>
+          <a:lstStyle/>
+          <a:p>
+            <a:pPr eaLnBrk="1" hangingPunct="1"/>
+            <a:r>
+              <a:rPr lang="en-GB" dirty="0"/>
+              <a:t>Spiral Model</a:t>
+            </a:r>
+            <a:endParaRPr lang="en-US" sz="2800" dirty="0"/>
+          </a:p>
+        </p:txBody>
+      </p:sp>
+      <p:sp>
+        <p:nvSpPr>
+          <p:cNvPr id="22531" name="Rectangle 3"/>
+          <p:cNvSpPr>
+            <a:spLocks noGrp="1" noChangeArrowheads="1"/>
+          </p:cNvSpPr>
+          <p:nvPr>
+            <p:ph type="body" idx="1"/>
+          </p:nvPr>
+        </p:nvSpPr>
+        <p:spPr>
+          <a:xfrm>
+            <a:off x="457200" y="2438400"/>
+            <a:ext cx="8229600" cy="3962400"/>
+          </a:xfrm>
+        </p:spPr>
+        <p:txBody>
+          <a:bodyPr>
+            <a:normAutofit fontScale="92500"/>
+          </a:bodyPr>
+          <a:lstStyle/>
+          <a:p>
+            <a:pPr>
+              <a:tabLst>
+                <a:tab pos="454025" algn="l"/>
+                <a:tab pos="911225" algn="l"/>
+                <a:tab pos="1368425" algn="l"/>
+                <a:tab pos="1825625" algn="l"/>
+                <a:tab pos="2282825" algn="l"/>
+                <a:tab pos="2740025" algn="l"/>
+                <a:tab pos="3197225" algn="l"/>
+                <a:tab pos="3654425" algn="l"/>
+                <a:tab pos="4111625" algn="l"/>
+                <a:tab pos="4568825" algn="l"/>
+                <a:tab pos="5026025" algn="l"/>
+                <a:tab pos="5483225" algn="l"/>
+                <a:tab pos="5940425" algn="l"/>
+                <a:tab pos="6397625" algn="l"/>
+                <a:tab pos="6854825" algn="l"/>
+                <a:tab pos="7312025" algn="l"/>
+                <a:tab pos="7769225" algn="l"/>
+                <a:tab pos="8226425" algn="l"/>
+                <a:tab pos="8683625" algn="l"/>
+                <a:tab pos="9140825" algn="l"/>
+              </a:tabLst>
+            </a:pPr>
+            <a:r>
+              <a:rPr lang="en-GB" dirty="0"/>
+              <a:t>Suggested by Boehm (1988)</a:t>
+            </a:r>
+          </a:p>
+          <a:p>
+            <a:pPr>
+              <a:tabLst>
+                <a:tab pos="454025" algn="l"/>
+                <a:tab pos="911225" algn="l"/>
+                <a:tab pos="1368425" algn="l"/>
+                <a:tab pos="1825625" algn="l"/>
+                <a:tab pos="2282825" algn="l"/>
+                <a:tab pos="2740025" algn="l"/>
+                <a:tab pos="3197225" algn="l"/>
+                <a:tab pos="3654425" algn="l"/>
+                <a:tab pos="4111625" algn="l"/>
+                <a:tab pos="4568825" algn="l"/>
+                <a:tab pos="5026025" algn="l"/>
+                <a:tab pos="5483225" algn="l"/>
+                <a:tab pos="5940425" algn="l"/>
+                <a:tab pos="6397625" algn="l"/>
+                <a:tab pos="6854825" algn="l"/>
+                <a:tab pos="7312025" algn="l"/>
+                <a:tab pos="7769225" algn="l"/>
+                <a:tab pos="8226425" algn="l"/>
+                <a:tab pos="8683625" algn="l"/>
+                <a:tab pos="9140825" algn="l"/>
+              </a:tabLst>
+            </a:pPr>
+            <a:r>
+              <a:rPr lang="en-GB" dirty="0"/>
+              <a:t>Combines development activities with risk management to minimize and control risks</a:t>
+            </a:r>
+          </a:p>
+          <a:p>
+            <a:pPr>
+              <a:tabLst>
+                <a:tab pos="454025" algn="l"/>
+                <a:tab pos="911225" algn="l"/>
+                <a:tab pos="1368425" algn="l"/>
+                <a:tab pos="1825625" algn="l"/>
+                <a:tab pos="2282825" algn="l"/>
+                <a:tab pos="2740025" algn="l"/>
+                <a:tab pos="3197225" algn="l"/>
+                <a:tab pos="3654425" algn="l"/>
+                <a:tab pos="4111625" algn="l"/>
+                <a:tab pos="4568825" algn="l"/>
+                <a:tab pos="5026025" algn="l"/>
+                <a:tab pos="5483225" algn="l"/>
+                <a:tab pos="5940425" algn="l"/>
+                <a:tab pos="6397625" algn="l"/>
+                <a:tab pos="6854825" algn="l"/>
+                <a:tab pos="7312025" algn="l"/>
+                <a:tab pos="7769225" algn="l"/>
+                <a:tab pos="8226425" algn="l"/>
+                <a:tab pos="8683625" algn="l"/>
+                <a:tab pos="9140825" algn="l"/>
+              </a:tabLst>
+            </a:pPr>
+            <a:r>
+              <a:rPr lang="en-GB" dirty="0"/>
+              <a:t>The model is presented as a spiral in which each iteration is represented by a circuit around four major activities</a:t>
+            </a:r>
+          </a:p>
+          <a:p>
+            <a:pPr lvl="1">
+              <a:tabLst>
+                <a:tab pos="454025" algn="l"/>
+                <a:tab pos="911225" algn="l"/>
+                <a:tab pos="1368425" algn="l"/>
+                <a:tab pos="1825625" algn="l"/>
+                <a:tab pos="2282825" algn="l"/>
+                <a:tab pos="2740025" algn="l"/>
+                <a:tab pos="3197225" algn="l"/>
+                <a:tab pos="3654425" algn="l"/>
+                <a:tab pos="4111625" algn="l"/>
+                <a:tab pos="4568825" algn="l"/>
+                <a:tab pos="5026025" algn="l"/>
+                <a:tab pos="5483225" algn="l"/>
+                <a:tab pos="5940425" algn="l"/>
+                <a:tab pos="6397625" algn="l"/>
+                <a:tab pos="6854825" algn="l"/>
+                <a:tab pos="7312025" algn="l"/>
+                <a:tab pos="7769225" algn="l"/>
+                <a:tab pos="8226425" algn="l"/>
+                <a:tab pos="8683625" algn="l"/>
+                <a:tab pos="9140825" algn="l"/>
+              </a:tabLst>
+            </a:pPr>
+            <a:r>
+              <a:rPr lang="en-GB" dirty="0"/>
+              <a:t>Plan</a:t>
+            </a:r>
+          </a:p>
+          <a:p>
+            <a:pPr lvl="1">
+              <a:tabLst>
+                <a:tab pos="454025" algn="l"/>
+                <a:tab pos="911225" algn="l"/>
+                <a:tab pos="1368425" algn="l"/>
+                <a:tab pos="1825625" algn="l"/>
+                <a:tab pos="2282825" algn="l"/>
+                <a:tab pos="2740025" algn="l"/>
+                <a:tab pos="3197225" algn="l"/>
+                <a:tab pos="3654425" algn="l"/>
+                <a:tab pos="4111625" algn="l"/>
+                <a:tab pos="4568825" algn="l"/>
+                <a:tab pos="5026025" algn="l"/>
+                <a:tab pos="5483225" algn="l"/>
+                <a:tab pos="5940425" algn="l"/>
+                <a:tab pos="6397625" algn="l"/>
+                <a:tab pos="6854825" algn="l"/>
+                <a:tab pos="7312025" algn="l"/>
+                <a:tab pos="7769225" algn="l"/>
+                <a:tab pos="8226425" algn="l"/>
+                <a:tab pos="8683625" algn="l"/>
+                <a:tab pos="9140825" algn="l"/>
+              </a:tabLst>
+            </a:pPr>
+            <a:r>
+              <a:rPr lang="en-GB" dirty="0"/>
+              <a:t>Determine goals, alternatives and constraints</a:t>
+            </a:r>
+          </a:p>
+          <a:p>
+            <a:pPr lvl="1">
+              <a:tabLst>
+                <a:tab pos="454025" algn="l"/>
+                <a:tab pos="911225" algn="l"/>
+                <a:tab pos="1368425" algn="l"/>
+                <a:tab pos="1825625" algn="l"/>
+                <a:tab pos="2282825" algn="l"/>
+                <a:tab pos="2740025" algn="l"/>
+                <a:tab pos="3197225" algn="l"/>
+                <a:tab pos="3654425" algn="l"/>
+                <a:tab pos="4111625" algn="l"/>
+                <a:tab pos="4568825" algn="l"/>
+                <a:tab pos="5026025" algn="l"/>
+                <a:tab pos="5483225" algn="l"/>
+                <a:tab pos="5940425" algn="l"/>
+                <a:tab pos="6397625" algn="l"/>
+                <a:tab pos="6854825" algn="l"/>
+                <a:tab pos="7312025" algn="l"/>
+                <a:tab pos="7769225" algn="l"/>
+                <a:tab pos="8226425" algn="l"/>
+                <a:tab pos="8683625" algn="l"/>
+                <a:tab pos="9140825" algn="l"/>
+              </a:tabLst>
+            </a:pPr>
+            <a:r>
+              <a:rPr lang="en-GB" dirty="0"/>
+              <a:t>Evaluate alternatives and risks</a:t>
+            </a:r>
+          </a:p>
+          <a:p>
+            <a:pPr lvl="1">
+              <a:tabLst>
+                <a:tab pos="454025" algn="l"/>
+                <a:tab pos="911225" algn="l"/>
+                <a:tab pos="1368425" algn="l"/>
+                <a:tab pos="1825625" algn="l"/>
+                <a:tab pos="2282825" algn="l"/>
+                <a:tab pos="2740025" algn="l"/>
+                <a:tab pos="3197225" algn="l"/>
+                <a:tab pos="3654425" algn="l"/>
+                <a:tab pos="4111625" algn="l"/>
+                <a:tab pos="4568825" algn="l"/>
+                <a:tab pos="5026025" algn="l"/>
+                <a:tab pos="5483225" algn="l"/>
+                <a:tab pos="5940425" algn="l"/>
+                <a:tab pos="6397625" algn="l"/>
+                <a:tab pos="6854825" algn="l"/>
+                <a:tab pos="7312025" algn="l"/>
+                <a:tab pos="7769225" algn="l"/>
+                <a:tab pos="8226425" algn="l"/>
+                <a:tab pos="8683625" algn="l"/>
+                <a:tab pos="9140825" algn="l"/>
+              </a:tabLst>
+            </a:pPr>
+            <a:r>
+              <a:rPr lang="en-GB" dirty="0"/>
+              <a:t>Develop and test</a:t>
+            </a:r>
+          </a:p>
+        </p:txBody>
+      </p:sp>
+    </p:spTree>
+    <p:extLst>
+      <p:ext uri="{BB962C8B-B14F-4D97-AF65-F5344CB8AC3E}">
+        <p14:creationId xmlns:p14="http://schemas.microsoft.com/office/powerpoint/2010/main" val="906531398"/>
+      </p:ext>
+    </p:extLst>
+  </p:cSld>
+  <p:clrMapOvr>
+    <a:masterClrMapping/>
+  </p:clrMapOvr>
+  <p:transition/>
+</p:sld>
+</file>
+
+<file path=ppt/slides/slide28.xml><?xml version="1.0" encoding="utf-8"?>
+<p:sld xmlns:a="http://schemas.openxmlformats.org/drawingml/2006/main" xmlns:r="http://schemas.openxmlformats.org/officeDocument/2006/relationships" xmlns:p="http://schemas.openxmlformats.org/presentationml/2006/main">
+  <p:cSld>
+    <p:spTree>
+      <p:nvGrpSpPr>
+        <p:cNvPr id="1" name=""/>
+        <p:cNvGrpSpPr/>
+        <p:nvPr/>
+      </p:nvGrpSpPr>
+      <p:grpSpPr>
+        <a:xfrm>
+          <a:off x="0" y="0"/>
+          <a:ext cx="0" cy="0"/>
+          <a:chOff x="0" y="0"/>
+          <a:chExt cx="0" cy="0"/>
+        </a:xfrm>
+      </p:grpSpPr>
+      <p:sp>
+        <p:nvSpPr>
+          <p:cNvPr id="22530" name="Rectangle 2"/>
+          <p:cNvSpPr>
+            <a:spLocks noGrp="1" noChangeArrowheads="1"/>
+          </p:cNvSpPr>
+          <p:nvPr>
+            <p:ph type="title"/>
+          </p:nvPr>
+        </p:nvSpPr>
+        <p:spPr>
+          <a:xfrm>
+            <a:off x="457200" y="914400"/>
+            <a:ext cx="8229600" cy="1143000"/>
+          </a:xfrm>
+        </p:spPr>
+        <p:txBody>
+          <a:bodyPr>
+            <a:normAutofit/>
+          </a:bodyPr>
+          <a:lstStyle/>
+          <a:p>
+            <a:pPr eaLnBrk="1" hangingPunct="1"/>
+            <a:r>
+              <a:rPr lang="en-GB" dirty="0"/>
+              <a:t>Spiral Model (Contd.)</a:t>
+            </a:r>
+            <a:endParaRPr lang="en-US" sz="2800" dirty="0"/>
+          </a:p>
+        </p:txBody>
+      </p:sp>
+      <p:pic>
+        <p:nvPicPr>
+          <p:cNvPr id="4" name="Picture 3">
+            <a:extLst>
+              <a:ext uri="{FF2B5EF4-FFF2-40B4-BE49-F238E27FC236}">
+                <a16:creationId xmlns:a16="http://schemas.microsoft.com/office/drawing/2014/main" id="{D878F21A-ED54-4ABA-B256-31E3E771F08D}"/>
+              </a:ext>
+            </a:extLst>
+          </p:cNvPr>
+          <p:cNvPicPr>
+            <a:picLocks noChangeAspect="1"/>
+          </p:cNvPicPr>
+          <p:nvPr/>
+        </p:nvPicPr>
+        <p:blipFill rotWithShape="1">
+          <a:blip r:embed="rId3"/>
+          <a:srcRect b="7766"/>
+          <a:stretch/>
+        </p:blipFill>
+        <p:spPr>
+          <a:xfrm>
+            <a:off x="16933" y="2286000"/>
+            <a:ext cx="9144000" cy="3160108"/>
+          </a:xfrm>
+          <a:prstGeom prst="rect">
+            <a:avLst/>
+          </a:prstGeom>
+        </p:spPr>
+      </p:pic>
+    </p:spTree>
+    <p:extLst>
+      <p:ext uri="{BB962C8B-B14F-4D97-AF65-F5344CB8AC3E}">
+        <p14:creationId xmlns:p14="http://schemas.microsoft.com/office/powerpoint/2010/main" val="3546945320"/>
+      </p:ext>
+    </p:extLst>
+  </p:cSld>
+  <p:clrMapOvr>
+    <a:masterClrMapping/>
+  </p:clrMapOvr>
+  <p:transition/>
+</p:sld>
+</file>
+
+<file path=ppt/slides/slide29.xml><?xml version="1.0" encoding="utf-8"?>
+<p:sld xmlns:a="http://schemas.openxmlformats.org/drawingml/2006/main" xmlns:r="http://schemas.openxmlformats.org/officeDocument/2006/relationships" xmlns:p="http://schemas.openxmlformats.org/presentationml/2006/main">
+  <p:cSld>
+    <p:spTree>
+      <p:nvGrpSpPr>
+        <p:cNvPr id="1" name=""/>
+        <p:cNvGrpSpPr/>
+        <p:nvPr/>
+      </p:nvGrpSpPr>
+      <p:grpSpPr>
+        <a:xfrm>
+          <a:off x="0" y="0"/>
+          <a:ext cx="0" cy="0"/>
+          <a:chOff x="0" y="0"/>
+          <a:chExt cx="0" cy="0"/>
+        </a:xfrm>
+      </p:grpSpPr>
+      <p:sp>
+        <p:nvSpPr>
+          <p:cNvPr id="22530" name="Rectangle 2"/>
+          <p:cNvSpPr>
+            <a:spLocks noGrp="1" noChangeArrowheads="1"/>
+          </p:cNvSpPr>
+          <p:nvPr>
+            <p:ph type="title"/>
+          </p:nvPr>
+        </p:nvSpPr>
+        <p:spPr>
+          <a:xfrm>
+            <a:off x="457200" y="914400"/>
+            <a:ext cx="8229600" cy="1143000"/>
+          </a:xfrm>
+        </p:spPr>
+        <p:txBody>
+          <a:bodyPr>
+            <a:normAutofit/>
+          </a:bodyPr>
+          <a:lstStyle/>
+          <a:p>
+            <a:pPr eaLnBrk="1" hangingPunct="1"/>
+            <a:r>
+              <a:rPr lang="en-GB" dirty="0"/>
+              <a:t>Spiral Model (Contd.)</a:t>
+            </a:r>
+            <a:endParaRPr lang="en-US" sz="2800" dirty="0"/>
+          </a:p>
+        </p:txBody>
+      </p:sp>
+      <p:pic>
+        <p:nvPicPr>
+          <p:cNvPr id="3" name="Picture 2">
+            <a:extLst>
+              <a:ext uri="{FF2B5EF4-FFF2-40B4-BE49-F238E27FC236}">
+                <a16:creationId xmlns:a16="http://schemas.microsoft.com/office/drawing/2014/main" id="{1F3B0D18-531F-41D7-BA9F-5989D70D2194}"/>
+              </a:ext>
+            </a:extLst>
+          </p:cNvPr>
+          <p:cNvPicPr>
+            <a:picLocks noChangeAspect="1"/>
+          </p:cNvPicPr>
+          <p:nvPr/>
+        </p:nvPicPr>
+        <p:blipFill>
+          <a:blip r:embed="rId3"/>
+          <a:stretch>
+            <a:fillRect/>
+          </a:stretch>
+        </p:blipFill>
+        <p:spPr>
+          <a:xfrm>
+            <a:off x="0" y="2286000"/>
+            <a:ext cx="9144000" cy="2895600"/>
+          </a:xfrm>
+          <a:prstGeom prst="rect">
+            <a:avLst/>
+          </a:prstGeom>
+        </p:spPr>
+      </p:pic>
+    </p:spTree>
+    <p:extLst>
+      <p:ext uri="{BB962C8B-B14F-4D97-AF65-F5344CB8AC3E}">
+        <p14:creationId xmlns:p14="http://schemas.microsoft.com/office/powerpoint/2010/main" val="2301442152"/>
+      </p:ext>
+    </p:extLst>
+  </p:cSld>
+  <p:clrMapOvr>
+    <a:masterClrMapping/>
+  </p:clrMapOvr>
+  <p:transition/>
+</p:sld>
+</file>
+
+<file path=ppt/slides/slide3.xml><?xml version="1.0" encoding="utf-8"?>
+<p:sld xmlns:a="http://schemas.openxmlformats.org/drawingml/2006/main" xmlns:r="http://schemas.openxmlformats.org/officeDocument/2006/relationships" xmlns:p="http://schemas.openxmlformats.org/presentationml/2006/main">
+  <p:cSld>
+    <p:spTree>
+      <p:nvGrpSpPr>
+        <p:cNvPr id="1" name=""/>
+        <p:cNvGrpSpPr/>
+        <p:nvPr/>
+      </p:nvGrpSpPr>
+      <p:grpSpPr>
+        <a:xfrm>
+          <a:off x="0" y="0"/>
+          <a:ext cx="0" cy="0"/>
+          <a:chOff x="0" y="0"/>
+          <a:chExt cx="0" cy="0"/>
+        </a:xfrm>
+      </p:grpSpPr>
+      <p:sp>
+        <p:nvSpPr>
+          <p:cNvPr id="22530" name="Rectangle 2"/>
+          <p:cNvSpPr>
+            <a:spLocks noGrp="1" noChangeArrowheads="1"/>
+          </p:cNvSpPr>
+          <p:nvPr>
+            <p:ph type="title"/>
+          </p:nvPr>
+        </p:nvSpPr>
+        <p:spPr>
+          <a:xfrm>
+            <a:off x="457200" y="914400"/>
+            <a:ext cx="8229600" cy="1143000"/>
+          </a:xfrm>
+        </p:spPr>
+        <p:txBody>
+          <a:bodyPr>
+            <a:normAutofit/>
+          </a:bodyPr>
+          <a:lstStyle/>
+          <a:p>
+            <a:pPr eaLnBrk="1" hangingPunct="1"/>
+            <a:r>
+              <a:rPr lang="en-GB" dirty="0"/>
+              <a:t>How is a Process Useful? </a:t>
+            </a:r>
+            <a:endParaRPr lang="en-US" sz="2800" dirty="0"/>
+          </a:p>
+        </p:txBody>
+      </p:sp>
+      <p:sp>
+        <p:nvSpPr>
+          <p:cNvPr id="22531" name="Rectangle 3"/>
+          <p:cNvSpPr>
+            <a:spLocks noGrp="1" noChangeArrowheads="1"/>
+          </p:cNvSpPr>
+          <p:nvPr>
+            <p:ph type="body" idx="1"/>
+          </p:nvPr>
+        </p:nvSpPr>
+        <p:spPr>
+          <a:xfrm>
+            <a:off x="457200" y="2438400"/>
+            <a:ext cx="8229600" cy="3886200"/>
+          </a:xfrm>
+        </p:spPr>
+        <p:txBody>
+          <a:bodyPr>
+            <a:normAutofit/>
+          </a:bodyPr>
+          <a:lstStyle/>
+          <a:p>
+            <a:pPr>
+              <a:tabLst>
+                <a:tab pos="454025" algn="l"/>
+                <a:tab pos="911225" algn="l"/>
+                <a:tab pos="1368425" algn="l"/>
+                <a:tab pos="1825625" algn="l"/>
+                <a:tab pos="2282825" algn="l"/>
+                <a:tab pos="2740025" algn="l"/>
+                <a:tab pos="3197225" algn="l"/>
+                <a:tab pos="3654425" algn="l"/>
+                <a:tab pos="4111625" algn="l"/>
+                <a:tab pos="4568825" algn="l"/>
+                <a:tab pos="5026025" algn="l"/>
+                <a:tab pos="5483225" algn="l"/>
+                <a:tab pos="5940425" algn="l"/>
+                <a:tab pos="6397625" algn="l"/>
+                <a:tab pos="6854825" algn="l"/>
+                <a:tab pos="7312025" algn="l"/>
+                <a:tab pos="7769225" algn="l"/>
+                <a:tab pos="8226425" algn="l"/>
+                <a:tab pos="8683625" algn="l"/>
+                <a:tab pos="9140825" algn="l"/>
+              </a:tabLst>
+            </a:pPr>
+            <a:r>
+              <a:rPr lang="en-GB" dirty="0"/>
+              <a:t>Impose consistency and structure on a set of activities</a:t>
+            </a:r>
+          </a:p>
+          <a:p>
+            <a:pPr>
+              <a:tabLst>
+                <a:tab pos="454025" algn="l"/>
+                <a:tab pos="911225" algn="l"/>
+                <a:tab pos="1368425" algn="l"/>
+                <a:tab pos="1825625" algn="l"/>
+                <a:tab pos="2282825" algn="l"/>
+                <a:tab pos="2740025" algn="l"/>
+                <a:tab pos="3197225" algn="l"/>
+                <a:tab pos="3654425" algn="l"/>
+                <a:tab pos="4111625" algn="l"/>
+                <a:tab pos="4568825" algn="l"/>
+                <a:tab pos="5026025" algn="l"/>
+                <a:tab pos="5483225" algn="l"/>
+                <a:tab pos="5940425" algn="l"/>
+                <a:tab pos="6397625" algn="l"/>
+                <a:tab pos="6854825" algn="l"/>
+                <a:tab pos="7312025" algn="l"/>
+                <a:tab pos="7769225" algn="l"/>
+                <a:tab pos="8226425" algn="l"/>
+                <a:tab pos="8683625" algn="l"/>
+                <a:tab pos="9140825" algn="l"/>
+              </a:tabLst>
+            </a:pPr>
+            <a:r>
+              <a:rPr lang="en-GB" dirty="0"/>
+              <a:t>Guide us to understand, control, examine, and improve the activities</a:t>
+            </a:r>
+          </a:p>
+          <a:p>
+            <a:pPr>
+              <a:tabLst>
+                <a:tab pos="454025" algn="l"/>
+                <a:tab pos="911225" algn="l"/>
+                <a:tab pos="1368425" algn="l"/>
+                <a:tab pos="1825625" algn="l"/>
+                <a:tab pos="2282825" algn="l"/>
+                <a:tab pos="2740025" algn="l"/>
+                <a:tab pos="3197225" algn="l"/>
+                <a:tab pos="3654425" algn="l"/>
+                <a:tab pos="4111625" algn="l"/>
+                <a:tab pos="4568825" algn="l"/>
+                <a:tab pos="5026025" algn="l"/>
+                <a:tab pos="5483225" algn="l"/>
+                <a:tab pos="5940425" algn="l"/>
+                <a:tab pos="6397625" algn="l"/>
+                <a:tab pos="6854825" algn="l"/>
+                <a:tab pos="7312025" algn="l"/>
+                <a:tab pos="7769225" algn="l"/>
+                <a:tab pos="8226425" algn="l"/>
+                <a:tab pos="8683625" algn="l"/>
+                <a:tab pos="9140825" algn="l"/>
+              </a:tabLst>
+            </a:pPr>
+            <a:r>
+              <a:rPr lang="en-GB" dirty="0"/>
               <a:t>Enable us to capture our experiences and pass them along</a:t>
             </a:r>
           </a:p>
@@ -8703,6 +12068,455 @@
     <a:masterClrMapping/>
   </p:clrMapOvr>
   <p:transition/>
+</p:sld>
+</file>
+
+<file path=ppt/slides/slide30.xml><?xml version="1.0" encoding="utf-8"?>
+<p:sld xmlns:a="http://schemas.openxmlformats.org/drawingml/2006/main" xmlns:r="http://schemas.openxmlformats.org/officeDocument/2006/relationships" xmlns:p="http://schemas.openxmlformats.org/presentationml/2006/main">
+  <p:cSld>
+    <p:spTree>
+      <p:nvGrpSpPr>
+        <p:cNvPr id="1" name=""/>
+        <p:cNvGrpSpPr/>
+        <p:nvPr/>
+      </p:nvGrpSpPr>
+      <p:grpSpPr>
+        <a:xfrm>
+          <a:off x="0" y="0"/>
+          <a:ext cx="0" cy="0"/>
+          <a:chOff x="0" y="0"/>
+          <a:chExt cx="0" cy="0"/>
+        </a:xfrm>
+      </p:grpSpPr>
+      <p:sp>
+        <p:nvSpPr>
+          <p:cNvPr id="22530" name="Rectangle 2"/>
+          <p:cNvSpPr>
+            <a:spLocks noGrp="1" noChangeArrowheads="1"/>
+          </p:cNvSpPr>
+          <p:nvPr>
+            <p:ph type="title"/>
+          </p:nvPr>
+        </p:nvSpPr>
+        <p:spPr>
+          <a:xfrm>
+            <a:off x="457200" y="914400"/>
+            <a:ext cx="8229600" cy="1143000"/>
+          </a:xfrm>
+        </p:spPr>
+        <p:txBody>
+          <a:bodyPr>
+            <a:normAutofit/>
+          </a:bodyPr>
+          <a:lstStyle/>
+          <a:p>
+            <a:pPr eaLnBrk="1" hangingPunct="1"/>
+            <a:r>
+              <a:rPr lang="en-GB" dirty="0"/>
+              <a:t>Spiral Model (Contd.)</a:t>
+            </a:r>
+            <a:endParaRPr lang="en-US" sz="2800" dirty="0"/>
+          </a:p>
+        </p:txBody>
+      </p:sp>
+      <p:pic>
+        <p:nvPicPr>
+          <p:cNvPr id="5" name="Picture 5"/>
+          <p:cNvPicPr>
+            <a:picLocks noChangeAspect="1" noChangeArrowheads="1"/>
+          </p:cNvPicPr>
+          <p:nvPr/>
+        </p:nvPicPr>
+        <p:blipFill>
+          <a:blip r:embed="rId3" cstate="print"/>
+          <a:srcRect/>
+          <a:stretch>
+            <a:fillRect/>
+          </a:stretch>
+        </p:blipFill>
+        <p:spPr bwMode="auto">
+          <a:xfrm>
+            <a:off x="1600200" y="2209800"/>
+            <a:ext cx="5542062" cy="4206875"/>
+          </a:xfrm>
+          <a:prstGeom prst="rect">
+            <a:avLst/>
+          </a:prstGeom>
+          <a:noFill/>
+          <a:ln w="9525">
+            <a:noFill/>
+            <a:miter lim="800000"/>
+            <a:headEnd/>
+            <a:tailEnd/>
+          </a:ln>
+        </p:spPr>
+      </p:pic>
+    </p:spTree>
+    <p:extLst>
+      <p:ext uri="{BB962C8B-B14F-4D97-AF65-F5344CB8AC3E}">
+        <p14:creationId xmlns:p14="http://schemas.microsoft.com/office/powerpoint/2010/main" val="1464990511"/>
+      </p:ext>
+    </p:extLst>
+  </p:cSld>
+  <p:clrMapOvr>
+    <a:masterClrMapping/>
+  </p:clrMapOvr>
+  <p:transition/>
+</p:sld>
+</file>
+
+<file path=ppt/slides/slide31.xml><?xml version="1.0" encoding="utf-8"?>
+<p:sld xmlns:a="http://schemas.openxmlformats.org/drawingml/2006/main" xmlns:r="http://schemas.openxmlformats.org/officeDocument/2006/relationships" xmlns:p="http://schemas.openxmlformats.org/presentationml/2006/main">
+  <p:cSld>
+    <p:spTree>
+      <p:nvGrpSpPr>
+        <p:cNvPr id="1" name=""/>
+        <p:cNvGrpSpPr/>
+        <p:nvPr/>
+      </p:nvGrpSpPr>
+      <p:grpSpPr>
+        <a:xfrm>
+          <a:off x="0" y="0"/>
+          <a:ext cx="0" cy="0"/>
+          <a:chOff x="0" y="0"/>
+          <a:chExt cx="0" cy="0"/>
+        </a:xfrm>
+      </p:grpSpPr>
+      <p:sp>
+        <p:nvSpPr>
+          <p:cNvPr id="22530" name="Rectangle 2"/>
+          <p:cNvSpPr>
+            <a:spLocks noGrp="1" noChangeArrowheads="1"/>
+          </p:cNvSpPr>
+          <p:nvPr>
+            <p:ph type="title"/>
+          </p:nvPr>
+        </p:nvSpPr>
+        <p:spPr>
+          <a:xfrm>
+            <a:off x="457200" y="914400"/>
+            <a:ext cx="8229600" cy="1143000"/>
+          </a:xfrm>
+        </p:spPr>
+        <p:txBody>
+          <a:bodyPr>
+            <a:normAutofit fontScale="90000"/>
+          </a:bodyPr>
+          <a:lstStyle/>
+          <a:p>
+            <a:pPr eaLnBrk="1" hangingPunct="1"/>
+            <a:r>
+              <a:rPr lang="en-GB" dirty="0"/>
+              <a:t>Spiral Model (Contd.)</a:t>
+            </a:r>
+            <a:br>
+              <a:rPr lang="en-GB" dirty="0"/>
+            </a:br>
+            <a:endParaRPr lang="en-US" sz="2800" dirty="0"/>
+          </a:p>
+        </p:txBody>
+      </p:sp>
+      <p:sp>
+        <p:nvSpPr>
+          <p:cNvPr id="4" name="Rectangle 2">
+            <a:extLst>
+              <a:ext uri="{FF2B5EF4-FFF2-40B4-BE49-F238E27FC236}">
+                <a16:creationId xmlns:a16="http://schemas.microsoft.com/office/drawing/2014/main" id="{5339731F-64D6-4A32-9563-BAE6B9D29A42}"/>
+              </a:ext>
+            </a:extLst>
+          </p:cNvPr>
+          <p:cNvSpPr txBox="1">
+            <a:spLocks noChangeArrowheads="1"/>
+          </p:cNvSpPr>
+          <p:nvPr/>
+        </p:nvSpPr>
+        <p:spPr>
+          <a:xfrm>
+            <a:off x="465667" y="1752600"/>
+            <a:ext cx="8229600" cy="1143000"/>
+          </a:xfrm>
+          <a:prstGeom prst="rect">
+            <a:avLst/>
+          </a:prstGeom>
+        </p:spPr>
+        <p:txBody>
+          <a:bodyPr vert="horz" lIns="0" rIns="0" bIns="0" anchor="b">
+            <a:normAutofit fontScale="97500"/>
+          </a:bodyPr>
+          <a:lstStyle>
+            <a:lvl1pPr algn="l" rtl="0" eaLnBrk="1" latinLnBrk="0" hangingPunct="1">
+              <a:spcBef>
+                <a:spcPct val="0"/>
+              </a:spcBef>
+              <a:buNone/>
+              <a:defRPr kumimoji="0" sz="5000" b="0" kern="1200">
+                <a:ln>
+                  <a:noFill/>
+                </a:ln>
+                <a:solidFill>
+                  <a:schemeClr val="tx2"/>
+                </a:solidFill>
+                <a:effectLst/>
+                <a:latin typeface="+mj-lt"/>
+                <a:ea typeface="+mj-ea"/>
+                <a:cs typeface="+mj-cs"/>
+              </a:defRPr>
+            </a:lvl1pPr>
+          </a:lstStyle>
+          <a:p>
+            <a:pPr marL="457200" indent="-457200">
+              <a:buFont typeface="Arial" panose="020B0604020202020204" pitchFamily="34" charset="0"/>
+              <a:buChar char="•"/>
+            </a:pPr>
+            <a:r>
+              <a:rPr lang="en-US" sz="2800" dirty="0"/>
+              <a:t>Difficult to convince customers to use evolutionary approach-</a:t>
+            </a:r>
+          </a:p>
+        </p:txBody>
+      </p:sp>
+    </p:spTree>
+    <p:extLst>
+      <p:ext uri="{BB962C8B-B14F-4D97-AF65-F5344CB8AC3E}">
+        <p14:creationId xmlns:p14="http://schemas.microsoft.com/office/powerpoint/2010/main" val="3755579536"/>
+      </p:ext>
+    </p:extLst>
+  </p:cSld>
+  <p:clrMapOvr>
+    <a:masterClrMapping/>
+  </p:clrMapOvr>
+  <p:transition/>
+</p:sld>
+</file>
+
+<file path=ppt/slides/slide32.xml><?xml version="1.0" encoding="utf-8"?>
+<p:sld xmlns:a="http://schemas.openxmlformats.org/drawingml/2006/main" xmlns:r="http://schemas.openxmlformats.org/officeDocument/2006/relationships" xmlns:p="http://schemas.openxmlformats.org/presentationml/2006/main" showMasterPhAnim="0">
+  <p:cSld>
+    <p:spTree>
+      <p:nvGrpSpPr>
+        <p:cNvPr id="1" name=""/>
+        <p:cNvGrpSpPr/>
+        <p:nvPr/>
+      </p:nvGrpSpPr>
+      <p:grpSpPr>
+        <a:xfrm>
+          <a:off x="0" y="0"/>
+          <a:ext cx="0" cy="0"/>
+          <a:chOff x="0" y="0"/>
+          <a:chExt cx="0" cy="0"/>
+        </a:xfrm>
+      </p:grpSpPr>
+      <p:sp>
+        <p:nvSpPr>
+          <p:cNvPr id="20483" name="Rectangle 2"/>
+          <p:cNvSpPr>
+            <a:spLocks noGrp="1" noChangeArrowheads="1"/>
+          </p:cNvSpPr>
+          <p:nvPr>
+            <p:ph type="title"/>
+          </p:nvPr>
+        </p:nvSpPr>
+        <p:spPr/>
+        <p:txBody>
+          <a:bodyPr/>
+          <a:lstStyle/>
+          <a:p>
+            <a:pPr eaLnBrk="1" hangingPunct="1"/>
+            <a:r>
+              <a:rPr lang="en-US" dirty="0"/>
+              <a:t>References</a:t>
+            </a:r>
+          </a:p>
+        </p:txBody>
+      </p:sp>
+      <p:sp>
+        <p:nvSpPr>
+          <p:cNvPr id="20484" name="Rectangle 3"/>
+          <p:cNvSpPr>
+            <a:spLocks noGrp="1" noChangeArrowheads="1"/>
+          </p:cNvSpPr>
+          <p:nvPr>
+            <p:ph idx="1"/>
+          </p:nvPr>
+        </p:nvSpPr>
+        <p:spPr>
+          <a:xfrm>
+            <a:off x="457200" y="1935480"/>
+            <a:ext cx="8229600" cy="1036320"/>
+          </a:xfrm>
+        </p:spPr>
+        <p:txBody>
+          <a:bodyPr>
+            <a:normAutofit/>
+          </a:bodyPr>
+          <a:lstStyle/>
+          <a:p>
+            <a:r>
+              <a:rPr lang="en-US" dirty="0"/>
+              <a:t>SE, Pressman</a:t>
+            </a:r>
+          </a:p>
+          <a:p>
+            <a:r>
+              <a:rPr lang="en-US" dirty="0"/>
+              <a:t>SE, </a:t>
+            </a:r>
+            <a:r>
+              <a:rPr lang="en-US"/>
+              <a:t>Pfleeger</a:t>
+            </a:r>
+            <a:endParaRPr lang="en-US" dirty="0"/>
+          </a:p>
+        </p:txBody>
+      </p:sp>
+      <p:sp>
+        <p:nvSpPr>
+          <p:cNvPr id="4" name="Rectangle 2"/>
+          <p:cNvSpPr txBox="1">
+            <a:spLocks noChangeArrowheads="1"/>
+          </p:cNvSpPr>
+          <p:nvPr/>
+        </p:nvSpPr>
+        <p:spPr>
+          <a:xfrm>
+            <a:off x="457200" y="3066288"/>
+            <a:ext cx="8229600" cy="1143000"/>
+          </a:xfrm>
+          <a:prstGeom prst="rect">
+            <a:avLst/>
+          </a:prstGeom>
+        </p:spPr>
+        <p:txBody>
+          <a:bodyPr vert="horz" lIns="0" rIns="0" bIns="0" anchor="b">
+            <a:normAutofit/>
+          </a:bodyPr>
+          <a:lstStyle/>
+          <a:p>
+            <a:pPr marL="0" marR="0" lvl="0" indent="0" algn="l" defTabSz="914400" rtl="0" eaLnBrk="1" fontAlgn="auto" latinLnBrk="0" hangingPunct="1">
+              <a:lnSpc>
+                <a:spcPct val="100000"/>
+              </a:lnSpc>
+              <a:spcBef>
+                <a:spcPct val="0"/>
+              </a:spcBef>
+              <a:spcAft>
+                <a:spcPts val="0"/>
+              </a:spcAft>
+              <a:buClrTx/>
+              <a:buSzTx/>
+              <a:buFontTx/>
+              <a:buNone/>
+              <a:tabLst/>
+              <a:defRPr/>
+            </a:pPr>
+            <a:r>
+              <a:rPr kumimoji="0" lang="en-US" sz="5000" b="0" i="0" u="none" strike="noStrike" kern="1200" cap="none" spc="0" normalizeH="0" baseline="0" noProof="0" dirty="0">
+                <a:ln>
+                  <a:noFill/>
+                </a:ln>
+                <a:solidFill>
+                  <a:schemeClr val="tx2"/>
+                </a:solidFill>
+                <a:effectLst/>
+                <a:uLnTx/>
+                <a:uFillTx/>
+                <a:latin typeface="+mj-lt"/>
+                <a:ea typeface="+mj-ea"/>
+                <a:cs typeface="+mj-cs"/>
+              </a:rPr>
+              <a:t>Acknowledgement</a:t>
+            </a:r>
+          </a:p>
+        </p:txBody>
+      </p:sp>
+      <p:sp>
+        <p:nvSpPr>
+          <p:cNvPr id="5" name="Rectangle 3"/>
+          <p:cNvSpPr txBox="1">
+            <a:spLocks noChangeArrowheads="1"/>
+          </p:cNvSpPr>
+          <p:nvPr/>
+        </p:nvSpPr>
+        <p:spPr>
+          <a:xfrm>
+            <a:off x="457200" y="4297680"/>
+            <a:ext cx="8229600" cy="1036320"/>
+          </a:xfrm>
+          <a:prstGeom prst="rect">
+            <a:avLst/>
+          </a:prstGeom>
+        </p:spPr>
+        <p:txBody>
+          <a:bodyPr vert="horz">
+            <a:normAutofit/>
+          </a:bodyPr>
+          <a:lstStyle/>
+          <a:p>
+            <a:pPr marL="274320" marR="0" lvl="0" indent="-274320" algn="l" defTabSz="914400" rtl="0" eaLnBrk="1" fontAlgn="auto" latinLnBrk="0" hangingPunct="1">
+              <a:lnSpc>
+                <a:spcPct val="100000"/>
+              </a:lnSpc>
+              <a:spcBef>
+                <a:spcPct val="20000"/>
+              </a:spcBef>
+              <a:spcAft>
+                <a:spcPts val="0"/>
+              </a:spcAft>
+              <a:buClr>
+                <a:schemeClr val="accent3"/>
+              </a:buClr>
+              <a:buSzPct val="95000"/>
+              <a:buFont typeface="Wingdings 2"/>
+              <a:buChar char=""/>
+              <a:tabLst/>
+              <a:defRPr/>
+            </a:pPr>
+            <a:r>
+              <a:rPr kumimoji="0" lang="en-US" sz="2600" b="0" i="0" u="none" strike="noStrike" kern="1200" cap="none" spc="0" normalizeH="0" baseline="0" noProof="0" dirty="0">
+                <a:ln>
+                  <a:noFill/>
+                </a:ln>
+                <a:solidFill>
+                  <a:schemeClr val="tx1"/>
+                </a:solidFill>
+                <a:effectLst/>
+                <a:uLnTx/>
+                <a:uFillTx/>
+                <a:latin typeface="+mn-lt"/>
+                <a:ea typeface="+mn-ea"/>
+                <a:cs typeface="+mn-cs"/>
+              </a:rPr>
+              <a:t>A few </a:t>
+            </a:r>
+            <a:r>
+              <a:rPr lang="en-US" sz="2600" dirty="0"/>
+              <a:t>slides have been adapted from UCF </a:t>
+            </a:r>
+            <a:r>
+              <a:rPr kumimoji="0" lang="en-US" sz="2600" b="0" i="0" u="none" strike="noStrike" kern="1200" cap="none" spc="0" normalizeH="0" baseline="0" noProof="0" dirty="0">
+                <a:ln>
+                  <a:noFill/>
+                </a:ln>
+                <a:solidFill>
+                  <a:schemeClr val="tx1"/>
+                </a:solidFill>
+                <a:effectLst/>
+                <a:uLnTx/>
+                <a:uFillTx/>
+                <a:latin typeface="+mn-lt"/>
+                <a:ea typeface="+mn-ea"/>
+                <a:cs typeface="+mn-cs"/>
+              </a:rPr>
+              <a:t>slides for the SE course</a:t>
+            </a:r>
+          </a:p>
+        </p:txBody>
+      </p:sp>
+    </p:spTree>
+  </p:cSld>
+  <p:clrMapOvr>
+    <a:masterClrMapping/>
+  </p:clrMapOvr>
 </p:sld>
 </file>
 

--- a/Software Engineering/Slides/Lecture 3-4 Software Process Models 20200926 A.pptx
+++ b/Software Engineering/Slides/Lecture 3-4 Software Process Models 20200926 A.pptx
@@ -5,7 +5,7 @@
     <p:sldMasterId id="2147483684" r:id="rId1"/>
   </p:sldMasterIdLst>
   <p:notesMasterIdLst>
-    <p:notesMasterId r:id="rId34"/>
+    <p:notesMasterId r:id="rId64"/>
   </p:notesMasterIdLst>
   <p:sldIdLst>
     <p:sldId id="303" r:id="rId2"/>
@@ -39,7 +39,37 @@
     <p:sldId id="441" r:id="rId30"/>
     <p:sldId id="440" r:id="rId31"/>
     <p:sldId id="442" r:id="rId32"/>
-    <p:sldId id="323" r:id="rId33"/>
+    <p:sldId id="376" r:id="rId33"/>
+    <p:sldId id="449" r:id="rId34"/>
+    <p:sldId id="450" r:id="rId35"/>
+    <p:sldId id="447" r:id="rId36"/>
+    <p:sldId id="444" r:id="rId37"/>
+    <p:sldId id="446" r:id="rId38"/>
+    <p:sldId id="445" r:id="rId39"/>
+    <p:sldId id="448" r:id="rId40"/>
+    <p:sldId id="443" r:id="rId41"/>
+    <p:sldId id="377" r:id="rId42"/>
+    <p:sldId id="378" r:id="rId43"/>
+    <p:sldId id="379" r:id="rId44"/>
+    <p:sldId id="380" r:id="rId45"/>
+    <p:sldId id="418" r:id="rId46"/>
+    <p:sldId id="419" r:id="rId47"/>
+    <p:sldId id="420" r:id="rId48"/>
+    <p:sldId id="451" r:id="rId49"/>
+    <p:sldId id="421" r:id="rId50"/>
+    <p:sldId id="422" r:id="rId51"/>
+    <p:sldId id="423" r:id="rId52"/>
+    <p:sldId id="453" r:id="rId53"/>
+    <p:sldId id="454" r:id="rId54"/>
+    <p:sldId id="452" r:id="rId55"/>
+    <p:sldId id="424" r:id="rId56"/>
+    <p:sldId id="455" r:id="rId57"/>
+    <p:sldId id="456" r:id="rId58"/>
+    <p:sldId id="457" r:id="rId59"/>
+    <p:sldId id="425" r:id="rId60"/>
+    <p:sldId id="458" r:id="rId61"/>
+    <p:sldId id="427" r:id="rId62"/>
+    <p:sldId id="323" r:id="rId63"/>
   </p:sldIdLst>
   <p:sldSz cx="9144000" cy="6858000" type="screen4x3"/>
   <p:notesSz cx="6858000" cy="9144000"/>
@@ -252,7 +282,7 @@
             <a:fld id="{4DDCDF98-04A3-4FA1-8165-AC9A68647D5A}" type="datetimeFigureOut">
               <a:rPr lang="en-US" smtClean="0"/>
               <a:pPr/>
-              <a:t>3/8/2022</a:t>
+              <a:t>3/11/2022</a:t>
             </a:fld>
             <a:endParaRPr lang="en-US"/>
           </a:p>
@@ -1911,6 +1941,72 @@
 </p:notes>
 </file>
 
+<file path=ppt/notesSlides/notesSlide29.xml><?xml version="1.0" encoding="utf-8"?>
+<p:notes xmlns:a="http://schemas.openxmlformats.org/drawingml/2006/main" xmlns:r="http://schemas.openxmlformats.org/officeDocument/2006/relationships" xmlns:p="http://schemas.openxmlformats.org/presentationml/2006/main">
+  <p:cSld>
+    <p:spTree>
+      <p:nvGrpSpPr>
+        <p:cNvPr id="1" name=""/>
+        <p:cNvGrpSpPr/>
+        <p:nvPr/>
+      </p:nvGrpSpPr>
+      <p:grpSpPr>
+        <a:xfrm>
+          <a:off x="0" y="0"/>
+          <a:ext cx="0" cy="0"/>
+          <a:chOff x="0" y="0"/>
+          <a:chExt cx="0" cy="0"/>
+        </a:xfrm>
+      </p:grpSpPr>
+      <p:sp>
+        <p:nvSpPr>
+          <p:cNvPr id="71682" name="Slide Image Placeholder 1"/>
+          <p:cNvSpPr>
+            <a:spLocks noGrp="1" noRot="1" noChangeAspect="1" noTextEdit="1"/>
+          </p:cNvSpPr>
+          <p:nvPr>
+            <p:ph type="sldImg"/>
+          </p:nvPr>
+        </p:nvSpPr>
+        <p:spPr>
+          <a:ln/>
+        </p:spPr>
+      </p:sp>
+      <p:sp>
+        <p:nvSpPr>
+          <p:cNvPr id="71683" name="Notes Placeholder 2"/>
+          <p:cNvSpPr txBox="1">
+            <a:spLocks noGrp="1"/>
+          </p:cNvSpPr>
+          <p:nvPr>
+            <p:ph type="body" idx="1"/>
+          </p:nvPr>
+        </p:nvSpPr>
+        <p:spPr>
+          <a:noFill/>
+          <a:ln/>
+        </p:spPr>
+        <p:txBody>
+          <a:bodyPr/>
+          <a:lstStyle/>
+          <a:p>
+            <a:endParaRPr lang="en-US"/>
+          </a:p>
+        </p:txBody>
+      </p:sp>
+    </p:spTree>
+    <p:extLst>
+      <p:ext uri="{BB962C8B-B14F-4D97-AF65-F5344CB8AC3E}">
+        <p14:creationId xmlns:p14="http://schemas.microsoft.com/office/powerpoint/2010/main" val="1170211123"/>
+      </p:ext>
+    </p:extLst>
+  </p:cSld>
+  <p:clrMapOvr>
+    <a:masterClrMapping/>
+  </p:clrMapOvr>
+</p:notes>
+</file>
+
 <file path=ppt/notesSlides/notesSlide3.xml><?xml version="1.0" encoding="utf-8"?>
 <p:notes xmlns:a="http://schemas.openxmlformats.org/drawingml/2006/main" xmlns:r="http://schemas.openxmlformats.org/officeDocument/2006/relationships" xmlns:p="http://schemas.openxmlformats.org/presentationml/2006/main">
   <p:cSld>
@@ -1968,6 +2064,666 @@
     <p:extLst>
       <p:ext uri="{BB962C8B-B14F-4D97-AF65-F5344CB8AC3E}">
         <p14:creationId xmlns:p14="http://schemas.microsoft.com/office/powerpoint/2010/main" val="2075457383"/>
+      </p:ext>
+    </p:extLst>
+  </p:cSld>
+  <p:clrMapOvr>
+    <a:masterClrMapping/>
+  </p:clrMapOvr>
+</p:notes>
+</file>
+
+<file path=ppt/notesSlides/notesSlide30.xml><?xml version="1.0" encoding="utf-8"?>
+<p:notes xmlns:a="http://schemas.openxmlformats.org/drawingml/2006/main" xmlns:r="http://schemas.openxmlformats.org/officeDocument/2006/relationships" xmlns:p="http://schemas.openxmlformats.org/presentationml/2006/main">
+  <p:cSld>
+    <p:spTree>
+      <p:nvGrpSpPr>
+        <p:cNvPr id="1" name=""/>
+        <p:cNvGrpSpPr/>
+        <p:nvPr/>
+      </p:nvGrpSpPr>
+      <p:grpSpPr>
+        <a:xfrm>
+          <a:off x="0" y="0"/>
+          <a:ext cx="0" cy="0"/>
+          <a:chOff x="0" y="0"/>
+          <a:chExt cx="0" cy="0"/>
+        </a:xfrm>
+      </p:grpSpPr>
+      <p:sp>
+        <p:nvSpPr>
+          <p:cNvPr id="71682" name="Slide Image Placeholder 1"/>
+          <p:cNvSpPr>
+            <a:spLocks noGrp="1" noRot="1" noChangeAspect="1" noTextEdit="1"/>
+          </p:cNvSpPr>
+          <p:nvPr>
+            <p:ph type="sldImg"/>
+          </p:nvPr>
+        </p:nvSpPr>
+        <p:spPr>
+          <a:ln/>
+        </p:spPr>
+      </p:sp>
+      <p:sp>
+        <p:nvSpPr>
+          <p:cNvPr id="71683" name="Notes Placeholder 2"/>
+          <p:cNvSpPr txBox="1">
+            <a:spLocks noGrp="1"/>
+          </p:cNvSpPr>
+          <p:nvPr>
+            <p:ph type="body" idx="1"/>
+          </p:nvPr>
+        </p:nvSpPr>
+        <p:spPr>
+          <a:noFill/>
+          <a:ln/>
+        </p:spPr>
+        <p:txBody>
+          <a:bodyPr/>
+          <a:lstStyle/>
+          <a:p>
+            <a:endParaRPr lang="en-US"/>
+          </a:p>
+        </p:txBody>
+      </p:sp>
+    </p:spTree>
+    <p:extLst>
+      <p:ext uri="{BB962C8B-B14F-4D97-AF65-F5344CB8AC3E}">
+        <p14:creationId xmlns:p14="http://schemas.microsoft.com/office/powerpoint/2010/main" val="251597595"/>
+      </p:ext>
+    </p:extLst>
+  </p:cSld>
+  <p:clrMapOvr>
+    <a:masterClrMapping/>
+  </p:clrMapOvr>
+</p:notes>
+</file>
+
+<file path=ppt/notesSlides/notesSlide31.xml><?xml version="1.0" encoding="utf-8"?>
+<p:notes xmlns:a="http://schemas.openxmlformats.org/drawingml/2006/main" xmlns:r="http://schemas.openxmlformats.org/officeDocument/2006/relationships" xmlns:p="http://schemas.openxmlformats.org/presentationml/2006/main">
+  <p:cSld>
+    <p:spTree>
+      <p:nvGrpSpPr>
+        <p:cNvPr id="1" name=""/>
+        <p:cNvGrpSpPr/>
+        <p:nvPr/>
+      </p:nvGrpSpPr>
+      <p:grpSpPr>
+        <a:xfrm>
+          <a:off x="0" y="0"/>
+          <a:ext cx="0" cy="0"/>
+          <a:chOff x="0" y="0"/>
+          <a:chExt cx="0" cy="0"/>
+        </a:xfrm>
+      </p:grpSpPr>
+      <p:sp>
+        <p:nvSpPr>
+          <p:cNvPr id="71682" name="Slide Image Placeholder 1"/>
+          <p:cNvSpPr>
+            <a:spLocks noGrp="1" noRot="1" noChangeAspect="1" noTextEdit="1"/>
+          </p:cNvSpPr>
+          <p:nvPr>
+            <p:ph type="sldImg"/>
+          </p:nvPr>
+        </p:nvSpPr>
+        <p:spPr>
+          <a:ln/>
+        </p:spPr>
+      </p:sp>
+      <p:sp>
+        <p:nvSpPr>
+          <p:cNvPr id="71683" name="Notes Placeholder 2"/>
+          <p:cNvSpPr txBox="1">
+            <a:spLocks noGrp="1"/>
+          </p:cNvSpPr>
+          <p:nvPr>
+            <p:ph type="body" idx="1"/>
+          </p:nvPr>
+        </p:nvSpPr>
+        <p:spPr>
+          <a:noFill/>
+          <a:ln/>
+        </p:spPr>
+        <p:txBody>
+          <a:bodyPr/>
+          <a:lstStyle/>
+          <a:p>
+            <a:endParaRPr lang="en-US"/>
+          </a:p>
+        </p:txBody>
+      </p:sp>
+    </p:spTree>
+    <p:extLst>
+      <p:ext uri="{BB962C8B-B14F-4D97-AF65-F5344CB8AC3E}">
+        <p14:creationId xmlns:p14="http://schemas.microsoft.com/office/powerpoint/2010/main" val="1219394842"/>
+      </p:ext>
+    </p:extLst>
+  </p:cSld>
+  <p:clrMapOvr>
+    <a:masterClrMapping/>
+  </p:clrMapOvr>
+</p:notes>
+</file>
+
+<file path=ppt/notesSlides/notesSlide32.xml><?xml version="1.0" encoding="utf-8"?>
+<p:notes xmlns:a="http://schemas.openxmlformats.org/drawingml/2006/main" xmlns:r="http://schemas.openxmlformats.org/officeDocument/2006/relationships" xmlns:p="http://schemas.openxmlformats.org/presentationml/2006/main">
+  <p:cSld>
+    <p:spTree>
+      <p:nvGrpSpPr>
+        <p:cNvPr id="1" name=""/>
+        <p:cNvGrpSpPr/>
+        <p:nvPr/>
+      </p:nvGrpSpPr>
+      <p:grpSpPr>
+        <a:xfrm>
+          <a:off x="0" y="0"/>
+          <a:ext cx="0" cy="0"/>
+          <a:chOff x="0" y="0"/>
+          <a:chExt cx="0" cy="0"/>
+        </a:xfrm>
+      </p:grpSpPr>
+      <p:sp>
+        <p:nvSpPr>
+          <p:cNvPr id="71682" name="Slide Image Placeholder 1"/>
+          <p:cNvSpPr>
+            <a:spLocks noGrp="1" noRot="1" noChangeAspect="1" noTextEdit="1"/>
+          </p:cNvSpPr>
+          <p:nvPr>
+            <p:ph type="sldImg"/>
+          </p:nvPr>
+        </p:nvSpPr>
+        <p:spPr>
+          <a:ln/>
+        </p:spPr>
+      </p:sp>
+      <p:sp>
+        <p:nvSpPr>
+          <p:cNvPr id="71683" name="Notes Placeholder 2"/>
+          <p:cNvSpPr txBox="1">
+            <a:spLocks noGrp="1"/>
+          </p:cNvSpPr>
+          <p:nvPr>
+            <p:ph type="body" idx="1"/>
+          </p:nvPr>
+        </p:nvSpPr>
+        <p:spPr>
+          <a:noFill/>
+          <a:ln/>
+        </p:spPr>
+        <p:txBody>
+          <a:bodyPr/>
+          <a:lstStyle/>
+          <a:p>
+            <a:endParaRPr lang="en-US"/>
+          </a:p>
+        </p:txBody>
+      </p:sp>
+    </p:spTree>
+    <p:extLst>
+      <p:ext uri="{BB962C8B-B14F-4D97-AF65-F5344CB8AC3E}">
+        <p14:creationId xmlns:p14="http://schemas.microsoft.com/office/powerpoint/2010/main" val="3159203027"/>
+      </p:ext>
+    </p:extLst>
+  </p:cSld>
+  <p:clrMapOvr>
+    <a:masterClrMapping/>
+  </p:clrMapOvr>
+</p:notes>
+</file>
+
+<file path=ppt/notesSlides/notesSlide33.xml><?xml version="1.0" encoding="utf-8"?>
+<p:notes xmlns:a="http://schemas.openxmlformats.org/drawingml/2006/main" xmlns:r="http://schemas.openxmlformats.org/officeDocument/2006/relationships" xmlns:p="http://schemas.openxmlformats.org/presentationml/2006/main">
+  <p:cSld>
+    <p:spTree>
+      <p:nvGrpSpPr>
+        <p:cNvPr id="1" name=""/>
+        <p:cNvGrpSpPr/>
+        <p:nvPr/>
+      </p:nvGrpSpPr>
+      <p:grpSpPr>
+        <a:xfrm>
+          <a:off x="0" y="0"/>
+          <a:ext cx="0" cy="0"/>
+          <a:chOff x="0" y="0"/>
+          <a:chExt cx="0" cy="0"/>
+        </a:xfrm>
+      </p:grpSpPr>
+      <p:sp>
+        <p:nvSpPr>
+          <p:cNvPr id="71682" name="Slide Image Placeholder 1"/>
+          <p:cNvSpPr>
+            <a:spLocks noGrp="1" noRot="1" noChangeAspect="1" noTextEdit="1"/>
+          </p:cNvSpPr>
+          <p:nvPr>
+            <p:ph type="sldImg"/>
+          </p:nvPr>
+        </p:nvSpPr>
+        <p:spPr>
+          <a:ln/>
+        </p:spPr>
+      </p:sp>
+      <p:sp>
+        <p:nvSpPr>
+          <p:cNvPr id="71683" name="Notes Placeholder 2"/>
+          <p:cNvSpPr txBox="1">
+            <a:spLocks noGrp="1"/>
+          </p:cNvSpPr>
+          <p:nvPr>
+            <p:ph type="body" idx="1"/>
+          </p:nvPr>
+        </p:nvSpPr>
+        <p:spPr>
+          <a:noFill/>
+          <a:ln/>
+        </p:spPr>
+        <p:txBody>
+          <a:bodyPr/>
+          <a:lstStyle/>
+          <a:p>
+            <a:endParaRPr lang="en-US"/>
+          </a:p>
+        </p:txBody>
+      </p:sp>
+    </p:spTree>
+    <p:extLst>
+      <p:ext uri="{BB962C8B-B14F-4D97-AF65-F5344CB8AC3E}">
+        <p14:creationId xmlns:p14="http://schemas.microsoft.com/office/powerpoint/2010/main" val="2479336052"/>
+      </p:ext>
+    </p:extLst>
+  </p:cSld>
+  <p:clrMapOvr>
+    <a:masterClrMapping/>
+  </p:clrMapOvr>
+</p:notes>
+</file>
+
+<file path=ppt/notesSlides/notesSlide34.xml><?xml version="1.0" encoding="utf-8"?>
+<p:notes xmlns:a="http://schemas.openxmlformats.org/drawingml/2006/main" xmlns:r="http://schemas.openxmlformats.org/officeDocument/2006/relationships" xmlns:p="http://schemas.openxmlformats.org/presentationml/2006/main">
+  <p:cSld>
+    <p:spTree>
+      <p:nvGrpSpPr>
+        <p:cNvPr id="1" name=""/>
+        <p:cNvGrpSpPr/>
+        <p:nvPr/>
+      </p:nvGrpSpPr>
+      <p:grpSpPr>
+        <a:xfrm>
+          <a:off x="0" y="0"/>
+          <a:ext cx="0" cy="0"/>
+          <a:chOff x="0" y="0"/>
+          <a:chExt cx="0" cy="0"/>
+        </a:xfrm>
+      </p:grpSpPr>
+      <p:sp>
+        <p:nvSpPr>
+          <p:cNvPr id="71682" name="Slide Image Placeholder 1"/>
+          <p:cNvSpPr>
+            <a:spLocks noGrp="1" noRot="1" noChangeAspect="1" noTextEdit="1"/>
+          </p:cNvSpPr>
+          <p:nvPr>
+            <p:ph type="sldImg"/>
+          </p:nvPr>
+        </p:nvSpPr>
+        <p:spPr>
+          <a:ln/>
+        </p:spPr>
+      </p:sp>
+      <p:sp>
+        <p:nvSpPr>
+          <p:cNvPr id="71683" name="Notes Placeholder 2"/>
+          <p:cNvSpPr txBox="1">
+            <a:spLocks noGrp="1"/>
+          </p:cNvSpPr>
+          <p:nvPr>
+            <p:ph type="body" idx="1"/>
+          </p:nvPr>
+        </p:nvSpPr>
+        <p:spPr>
+          <a:noFill/>
+          <a:ln/>
+        </p:spPr>
+        <p:txBody>
+          <a:bodyPr/>
+          <a:lstStyle/>
+          <a:p>
+            <a:endParaRPr lang="en-US"/>
+          </a:p>
+        </p:txBody>
+      </p:sp>
+    </p:spTree>
+    <p:extLst>
+      <p:ext uri="{BB962C8B-B14F-4D97-AF65-F5344CB8AC3E}">
+        <p14:creationId xmlns:p14="http://schemas.microsoft.com/office/powerpoint/2010/main" val="612447613"/>
+      </p:ext>
+    </p:extLst>
+  </p:cSld>
+  <p:clrMapOvr>
+    <a:masterClrMapping/>
+  </p:clrMapOvr>
+</p:notes>
+</file>
+
+<file path=ppt/notesSlides/notesSlide35.xml><?xml version="1.0" encoding="utf-8"?>
+<p:notes xmlns:a="http://schemas.openxmlformats.org/drawingml/2006/main" xmlns:r="http://schemas.openxmlformats.org/officeDocument/2006/relationships" xmlns:p="http://schemas.openxmlformats.org/presentationml/2006/main">
+  <p:cSld>
+    <p:spTree>
+      <p:nvGrpSpPr>
+        <p:cNvPr id="1" name=""/>
+        <p:cNvGrpSpPr/>
+        <p:nvPr/>
+      </p:nvGrpSpPr>
+      <p:grpSpPr>
+        <a:xfrm>
+          <a:off x="0" y="0"/>
+          <a:ext cx="0" cy="0"/>
+          <a:chOff x="0" y="0"/>
+          <a:chExt cx="0" cy="0"/>
+        </a:xfrm>
+      </p:grpSpPr>
+      <p:sp>
+        <p:nvSpPr>
+          <p:cNvPr id="71682" name="Slide Image Placeholder 1"/>
+          <p:cNvSpPr>
+            <a:spLocks noGrp="1" noRot="1" noChangeAspect="1" noTextEdit="1"/>
+          </p:cNvSpPr>
+          <p:nvPr>
+            <p:ph type="sldImg"/>
+          </p:nvPr>
+        </p:nvSpPr>
+        <p:spPr>
+          <a:ln/>
+        </p:spPr>
+      </p:sp>
+      <p:sp>
+        <p:nvSpPr>
+          <p:cNvPr id="71683" name="Notes Placeholder 2"/>
+          <p:cNvSpPr txBox="1">
+            <a:spLocks noGrp="1"/>
+          </p:cNvSpPr>
+          <p:nvPr>
+            <p:ph type="body" idx="1"/>
+          </p:nvPr>
+        </p:nvSpPr>
+        <p:spPr>
+          <a:noFill/>
+          <a:ln/>
+        </p:spPr>
+        <p:txBody>
+          <a:bodyPr/>
+          <a:lstStyle/>
+          <a:p>
+            <a:endParaRPr lang="en-US"/>
+          </a:p>
+        </p:txBody>
+      </p:sp>
+    </p:spTree>
+    <p:extLst>
+      <p:ext uri="{BB962C8B-B14F-4D97-AF65-F5344CB8AC3E}">
+        <p14:creationId xmlns:p14="http://schemas.microsoft.com/office/powerpoint/2010/main" val="1644982191"/>
+      </p:ext>
+    </p:extLst>
+  </p:cSld>
+  <p:clrMapOvr>
+    <a:masterClrMapping/>
+  </p:clrMapOvr>
+</p:notes>
+</file>
+
+<file path=ppt/notesSlides/notesSlide36.xml><?xml version="1.0" encoding="utf-8"?>
+<p:notes xmlns:a="http://schemas.openxmlformats.org/drawingml/2006/main" xmlns:r="http://schemas.openxmlformats.org/officeDocument/2006/relationships" xmlns:p="http://schemas.openxmlformats.org/presentationml/2006/main">
+  <p:cSld>
+    <p:spTree>
+      <p:nvGrpSpPr>
+        <p:cNvPr id="1" name=""/>
+        <p:cNvGrpSpPr/>
+        <p:nvPr/>
+      </p:nvGrpSpPr>
+      <p:grpSpPr>
+        <a:xfrm>
+          <a:off x="0" y="0"/>
+          <a:ext cx="0" cy="0"/>
+          <a:chOff x="0" y="0"/>
+          <a:chExt cx="0" cy="0"/>
+        </a:xfrm>
+      </p:grpSpPr>
+      <p:sp>
+        <p:nvSpPr>
+          <p:cNvPr id="71682" name="Slide Image Placeholder 1"/>
+          <p:cNvSpPr>
+            <a:spLocks noGrp="1" noRot="1" noChangeAspect="1" noTextEdit="1"/>
+          </p:cNvSpPr>
+          <p:nvPr>
+            <p:ph type="sldImg"/>
+          </p:nvPr>
+        </p:nvSpPr>
+        <p:spPr>
+          <a:ln/>
+        </p:spPr>
+      </p:sp>
+      <p:sp>
+        <p:nvSpPr>
+          <p:cNvPr id="71683" name="Notes Placeholder 2"/>
+          <p:cNvSpPr txBox="1">
+            <a:spLocks noGrp="1"/>
+          </p:cNvSpPr>
+          <p:nvPr>
+            <p:ph type="body" idx="1"/>
+          </p:nvPr>
+        </p:nvSpPr>
+        <p:spPr>
+          <a:noFill/>
+          <a:ln/>
+        </p:spPr>
+        <p:txBody>
+          <a:bodyPr/>
+          <a:lstStyle/>
+          <a:p>
+            <a:endParaRPr lang="en-US"/>
+          </a:p>
+        </p:txBody>
+      </p:sp>
+    </p:spTree>
+    <p:extLst>
+      <p:ext uri="{BB962C8B-B14F-4D97-AF65-F5344CB8AC3E}">
+        <p14:creationId xmlns:p14="http://schemas.microsoft.com/office/powerpoint/2010/main" val="2341630149"/>
+      </p:ext>
+    </p:extLst>
+  </p:cSld>
+  <p:clrMapOvr>
+    <a:masterClrMapping/>
+  </p:clrMapOvr>
+</p:notes>
+</file>
+
+<file path=ppt/notesSlides/notesSlide37.xml><?xml version="1.0" encoding="utf-8"?>
+<p:notes xmlns:a="http://schemas.openxmlformats.org/drawingml/2006/main" xmlns:r="http://schemas.openxmlformats.org/officeDocument/2006/relationships" xmlns:p="http://schemas.openxmlformats.org/presentationml/2006/main">
+  <p:cSld>
+    <p:spTree>
+      <p:nvGrpSpPr>
+        <p:cNvPr id="1" name=""/>
+        <p:cNvGrpSpPr/>
+        <p:nvPr/>
+      </p:nvGrpSpPr>
+      <p:grpSpPr>
+        <a:xfrm>
+          <a:off x="0" y="0"/>
+          <a:ext cx="0" cy="0"/>
+          <a:chOff x="0" y="0"/>
+          <a:chExt cx="0" cy="0"/>
+        </a:xfrm>
+      </p:grpSpPr>
+      <p:sp>
+        <p:nvSpPr>
+          <p:cNvPr id="71682" name="Slide Image Placeholder 1"/>
+          <p:cNvSpPr>
+            <a:spLocks noGrp="1" noRot="1" noChangeAspect="1" noTextEdit="1"/>
+          </p:cNvSpPr>
+          <p:nvPr>
+            <p:ph type="sldImg"/>
+          </p:nvPr>
+        </p:nvSpPr>
+        <p:spPr>
+          <a:ln/>
+        </p:spPr>
+      </p:sp>
+      <p:sp>
+        <p:nvSpPr>
+          <p:cNvPr id="71683" name="Notes Placeholder 2"/>
+          <p:cNvSpPr txBox="1">
+            <a:spLocks noGrp="1"/>
+          </p:cNvSpPr>
+          <p:nvPr>
+            <p:ph type="body" idx="1"/>
+          </p:nvPr>
+        </p:nvSpPr>
+        <p:spPr>
+          <a:noFill/>
+          <a:ln/>
+        </p:spPr>
+        <p:txBody>
+          <a:bodyPr/>
+          <a:lstStyle/>
+          <a:p>
+            <a:endParaRPr lang="en-US"/>
+          </a:p>
+        </p:txBody>
+      </p:sp>
+    </p:spTree>
+    <p:extLst>
+      <p:ext uri="{BB962C8B-B14F-4D97-AF65-F5344CB8AC3E}">
+        <p14:creationId xmlns:p14="http://schemas.microsoft.com/office/powerpoint/2010/main" val="1491365537"/>
+      </p:ext>
+    </p:extLst>
+  </p:cSld>
+  <p:clrMapOvr>
+    <a:masterClrMapping/>
+  </p:clrMapOvr>
+</p:notes>
+</file>
+
+<file path=ppt/notesSlides/notesSlide38.xml><?xml version="1.0" encoding="utf-8"?>
+<p:notes xmlns:a="http://schemas.openxmlformats.org/drawingml/2006/main" xmlns:r="http://schemas.openxmlformats.org/officeDocument/2006/relationships" xmlns:p="http://schemas.openxmlformats.org/presentationml/2006/main">
+  <p:cSld>
+    <p:spTree>
+      <p:nvGrpSpPr>
+        <p:cNvPr id="1" name=""/>
+        <p:cNvGrpSpPr/>
+        <p:nvPr/>
+      </p:nvGrpSpPr>
+      <p:grpSpPr>
+        <a:xfrm>
+          <a:off x="0" y="0"/>
+          <a:ext cx="0" cy="0"/>
+          <a:chOff x="0" y="0"/>
+          <a:chExt cx="0" cy="0"/>
+        </a:xfrm>
+      </p:grpSpPr>
+      <p:sp>
+        <p:nvSpPr>
+          <p:cNvPr id="71682" name="Slide Image Placeholder 1"/>
+          <p:cNvSpPr>
+            <a:spLocks noGrp="1" noRot="1" noChangeAspect="1" noTextEdit="1"/>
+          </p:cNvSpPr>
+          <p:nvPr>
+            <p:ph type="sldImg"/>
+          </p:nvPr>
+        </p:nvSpPr>
+        <p:spPr>
+          <a:ln/>
+        </p:spPr>
+      </p:sp>
+      <p:sp>
+        <p:nvSpPr>
+          <p:cNvPr id="71683" name="Notes Placeholder 2"/>
+          <p:cNvSpPr txBox="1">
+            <a:spLocks noGrp="1"/>
+          </p:cNvSpPr>
+          <p:nvPr>
+            <p:ph type="body" idx="1"/>
+          </p:nvPr>
+        </p:nvSpPr>
+        <p:spPr>
+          <a:noFill/>
+          <a:ln/>
+        </p:spPr>
+        <p:txBody>
+          <a:bodyPr/>
+          <a:lstStyle/>
+          <a:p>
+            <a:endParaRPr lang="en-US"/>
+          </a:p>
+        </p:txBody>
+      </p:sp>
+    </p:spTree>
+    <p:extLst>
+      <p:ext uri="{BB962C8B-B14F-4D97-AF65-F5344CB8AC3E}">
+        <p14:creationId xmlns:p14="http://schemas.microsoft.com/office/powerpoint/2010/main" val="724706056"/>
+      </p:ext>
+    </p:extLst>
+  </p:cSld>
+  <p:clrMapOvr>
+    <a:masterClrMapping/>
+  </p:clrMapOvr>
+</p:notes>
+</file>
+
+<file path=ppt/notesSlides/notesSlide39.xml><?xml version="1.0" encoding="utf-8"?>
+<p:notes xmlns:a="http://schemas.openxmlformats.org/drawingml/2006/main" xmlns:r="http://schemas.openxmlformats.org/officeDocument/2006/relationships" xmlns:p="http://schemas.openxmlformats.org/presentationml/2006/main">
+  <p:cSld>
+    <p:spTree>
+      <p:nvGrpSpPr>
+        <p:cNvPr id="1" name=""/>
+        <p:cNvGrpSpPr/>
+        <p:nvPr/>
+      </p:nvGrpSpPr>
+      <p:grpSpPr>
+        <a:xfrm>
+          <a:off x="0" y="0"/>
+          <a:ext cx="0" cy="0"/>
+          <a:chOff x="0" y="0"/>
+          <a:chExt cx="0" cy="0"/>
+        </a:xfrm>
+      </p:grpSpPr>
+      <p:sp>
+        <p:nvSpPr>
+          <p:cNvPr id="71682" name="Slide Image Placeholder 1"/>
+          <p:cNvSpPr>
+            <a:spLocks noGrp="1" noRot="1" noChangeAspect="1" noTextEdit="1"/>
+          </p:cNvSpPr>
+          <p:nvPr>
+            <p:ph type="sldImg"/>
+          </p:nvPr>
+        </p:nvSpPr>
+        <p:spPr>
+          <a:ln/>
+        </p:spPr>
+      </p:sp>
+      <p:sp>
+        <p:nvSpPr>
+          <p:cNvPr id="71683" name="Notes Placeholder 2"/>
+          <p:cNvSpPr txBox="1">
+            <a:spLocks noGrp="1"/>
+          </p:cNvSpPr>
+          <p:nvPr>
+            <p:ph type="body" idx="1"/>
+          </p:nvPr>
+        </p:nvSpPr>
+        <p:spPr>
+          <a:noFill/>
+          <a:ln/>
+        </p:spPr>
+        <p:txBody>
+          <a:bodyPr/>
+          <a:lstStyle/>
+          <a:p>
+            <a:endParaRPr lang="en-US"/>
+          </a:p>
+        </p:txBody>
+      </p:sp>
+    </p:spTree>
+    <p:extLst>
+      <p:ext uri="{BB962C8B-B14F-4D97-AF65-F5344CB8AC3E}">
+        <p14:creationId xmlns:p14="http://schemas.microsoft.com/office/powerpoint/2010/main" val="3549807248"/>
       </p:ext>
     </p:extLst>
   </p:cSld>
@@ -2043,6 +2799,666 @@
 </p:notes>
 </file>
 
+<file path=ppt/notesSlides/notesSlide40.xml><?xml version="1.0" encoding="utf-8"?>
+<p:notes xmlns:a="http://schemas.openxmlformats.org/drawingml/2006/main" xmlns:r="http://schemas.openxmlformats.org/officeDocument/2006/relationships" xmlns:p="http://schemas.openxmlformats.org/presentationml/2006/main">
+  <p:cSld>
+    <p:spTree>
+      <p:nvGrpSpPr>
+        <p:cNvPr id="1" name=""/>
+        <p:cNvGrpSpPr/>
+        <p:nvPr/>
+      </p:nvGrpSpPr>
+      <p:grpSpPr>
+        <a:xfrm>
+          <a:off x="0" y="0"/>
+          <a:ext cx="0" cy="0"/>
+          <a:chOff x="0" y="0"/>
+          <a:chExt cx="0" cy="0"/>
+        </a:xfrm>
+      </p:grpSpPr>
+      <p:sp>
+        <p:nvSpPr>
+          <p:cNvPr id="71682" name="Slide Image Placeholder 1"/>
+          <p:cNvSpPr>
+            <a:spLocks noGrp="1" noRot="1" noChangeAspect="1" noTextEdit="1"/>
+          </p:cNvSpPr>
+          <p:nvPr>
+            <p:ph type="sldImg"/>
+          </p:nvPr>
+        </p:nvSpPr>
+        <p:spPr>
+          <a:ln/>
+        </p:spPr>
+      </p:sp>
+      <p:sp>
+        <p:nvSpPr>
+          <p:cNvPr id="71683" name="Notes Placeholder 2"/>
+          <p:cNvSpPr txBox="1">
+            <a:spLocks noGrp="1"/>
+          </p:cNvSpPr>
+          <p:nvPr>
+            <p:ph type="body" idx="1"/>
+          </p:nvPr>
+        </p:nvSpPr>
+        <p:spPr>
+          <a:noFill/>
+          <a:ln/>
+        </p:spPr>
+        <p:txBody>
+          <a:bodyPr/>
+          <a:lstStyle/>
+          <a:p>
+            <a:endParaRPr lang="en-US"/>
+          </a:p>
+        </p:txBody>
+      </p:sp>
+    </p:spTree>
+    <p:extLst>
+      <p:ext uri="{BB962C8B-B14F-4D97-AF65-F5344CB8AC3E}">
+        <p14:creationId xmlns:p14="http://schemas.microsoft.com/office/powerpoint/2010/main" val="3178197249"/>
+      </p:ext>
+    </p:extLst>
+  </p:cSld>
+  <p:clrMapOvr>
+    <a:masterClrMapping/>
+  </p:clrMapOvr>
+</p:notes>
+</file>
+
+<file path=ppt/notesSlides/notesSlide41.xml><?xml version="1.0" encoding="utf-8"?>
+<p:notes xmlns:a="http://schemas.openxmlformats.org/drawingml/2006/main" xmlns:r="http://schemas.openxmlformats.org/officeDocument/2006/relationships" xmlns:p="http://schemas.openxmlformats.org/presentationml/2006/main">
+  <p:cSld>
+    <p:spTree>
+      <p:nvGrpSpPr>
+        <p:cNvPr id="1" name=""/>
+        <p:cNvGrpSpPr/>
+        <p:nvPr/>
+      </p:nvGrpSpPr>
+      <p:grpSpPr>
+        <a:xfrm>
+          <a:off x="0" y="0"/>
+          <a:ext cx="0" cy="0"/>
+          <a:chOff x="0" y="0"/>
+          <a:chExt cx="0" cy="0"/>
+        </a:xfrm>
+      </p:grpSpPr>
+      <p:sp>
+        <p:nvSpPr>
+          <p:cNvPr id="71682" name="Slide Image Placeholder 1"/>
+          <p:cNvSpPr>
+            <a:spLocks noGrp="1" noRot="1" noChangeAspect="1" noTextEdit="1"/>
+          </p:cNvSpPr>
+          <p:nvPr>
+            <p:ph type="sldImg"/>
+          </p:nvPr>
+        </p:nvSpPr>
+        <p:spPr>
+          <a:ln/>
+        </p:spPr>
+      </p:sp>
+      <p:sp>
+        <p:nvSpPr>
+          <p:cNvPr id="71683" name="Notes Placeholder 2"/>
+          <p:cNvSpPr txBox="1">
+            <a:spLocks noGrp="1"/>
+          </p:cNvSpPr>
+          <p:nvPr>
+            <p:ph type="body" idx="1"/>
+          </p:nvPr>
+        </p:nvSpPr>
+        <p:spPr>
+          <a:noFill/>
+          <a:ln/>
+        </p:spPr>
+        <p:txBody>
+          <a:bodyPr/>
+          <a:lstStyle/>
+          <a:p>
+            <a:endParaRPr lang="en-US"/>
+          </a:p>
+        </p:txBody>
+      </p:sp>
+    </p:spTree>
+    <p:extLst>
+      <p:ext uri="{BB962C8B-B14F-4D97-AF65-F5344CB8AC3E}">
+        <p14:creationId xmlns:p14="http://schemas.microsoft.com/office/powerpoint/2010/main" val="2474084289"/>
+      </p:ext>
+    </p:extLst>
+  </p:cSld>
+  <p:clrMapOvr>
+    <a:masterClrMapping/>
+  </p:clrMapOvr>
+</p:notes>
+</file>
+
+<file path=ppt/notesSlides/notesSlide42.xml><?xml version="1.0" encoding="utf-8"?>
+<p:notes xmlns:a="http://schemas.openxmlformats.org/drawingml/2006/main" xmlns:r="http://schemas.openxmlformats.org/officeDocument/2006/relationships" xmlns:p="http://schemas.openxmlformats.org/presentationml/2006/main">
+  <p:cSld>
+    <p:spTree>
+      <p:nvGrpSpPr>
+        <p:cNvPr id="1" name=""/>
+        <p:cNvGrpSpPr/>
+        <p:nvPr/>
+      </p:nvGrpSpPr>
+      <p:grpSpPr>
+        <a:xfrm>
+          <a:off x="0" y="0"/>
+          <a:ext cx="0" cy="0"/>
+          <a:chOff x="0" y="0"/>
+          <a:chExt cx="0" cy="0"/>
+        </a:xfrm>
+      </p:grpSpPr>
+      <p:sp>
+        <p:nvSpPr>
+          <p:cNvPr id="71682" name="Slide Image Placeholder 1"/>
+          <p:cNvSpPr>
+            <a:spLocks noGrp="1" noRot="1" noChangeAspect="1" noTextEdit="1"/>
+          </p:cNvSpPr>
+          <p:nvPr>
+            <p:ph type="sldImg"/>
+          </p:nvPr>
+        </p:nvSpPr>
+        <p:spPr>
+          <a:ln/>
+        </p:spPr>
+      </p:sp>
+      <p:sp>
+        <p:nvSpPr>
+          <p:cNvPr id="71683" name="Notes Placeholder 2"/>
+          <p:cNvSpPr txBox="1">
+            <a:spLocks noGrp="1"/>
+          </p:cNvSpPr>
+          <p:nvPr>
+            <p:ph type="body" idx="1"/>
+          </p:nvPr>
+        </p:nvSpPr>
+        <p:spPr>
+          <a:noFill/>
+          <a:ln/>
+        </p:spPr>
+        <p:txBody>
+          <a:bodyPr/>
+          <a:lstStyle/>
+          <a:p>
+            <a:endParaRPr lang="en-US"/>
+          </a:p>
+        </p:txBody>
+      </p:sp>
+    </p:spTree>
+    <p:extLst>
+      <p:ext uri="{BB962C8B-B14F-4D97-AF65-F5344CB8AC3E}">
+        <p14:creationId xmlns:p14="http://schemas.microsoft.com/office/powerpoint/2010/main" val="3854957934"/>
+      </p:ext>
+    </p:extLst>
+  </p:cSld>
+  <p:clrMapOvr>
+    <a:masterClrMapping/>
+  </p:clrMapOvr>
+</p:notes>
+</file>
+
+<file path=ppt/notesSlides/notesSlide43.xml><?xml version="1.0" encoding="utf-8"?>
+<p:notes xmlns:a="http://schemas.openxmlformats.org/drawingml/2006/main" xmlns:r="http://schemas.openxmlformats.org/officeDocument/2006/relationships" xmlns:p="http://schemas.openxmlformats.org/presentationml/2006/main">
+  <p:cSld>
+    <p:spTree>
+      <p:nvGrpSpPr>
+        <p:cNvPr id="1" name=""/>
+        <p:cNvGrpSpPr/>
+        <p:nvPr/>
+      </p:nvGrpSpPr>
+      <p:grpSpPr>
+        <a:xfrm>
+          <a:off x="0" y="0"/>
+          <a:ext cx="0" cy="0"/>
+          <a:chOff x="0" y="0"/>
+          <a:chExt cx="0" cy="0"/>
+        </a:xfrm>
+      </p:grpSpPr>
+      <p:sp>
+        <p:nvSpPr>
+          <p:cNvPr id="71682" name="Slide Image Placeholder 1"/>
+          <p:cNvSpPr>
+            <a:spLocks noGrp="1" noRot="1" noChangeAspect="1" noTextEdit="1"/>
+          </p:cNvSpPr>
+          <p:nvPr>
+            <p:ph type="sldImg"/>
+          </p:nvPr>
+        </p:nvSpPr>
+        <p:spPr>
+          <a:ln/>
+        </p:spPr>
+      </p:sp>
+      <p:sp>
+        <p:nvSpPr>
+          <p:cNvPr id="71683" name="Notes Placeholder 2"/>
+          <p:cNvSpPr txBox="1">
+            <a:spLocks noGrp="1"/>
+          </p:cNvSpPr>
+          <p:nvPr>
+            <p:ph type="body" idx="1"/>
+          </p:nvPr>
+        </p:nvSpPr>
+        <p:spPr>
+          <a:noFill/>
+          <a:ln/>
+        </p:spPr>
+        <p:txBody>
+          <a:bodyPr/>
+          <a:lstStyle/>
+          <a:p>
+            <a:endParaRPr lang="en-US"/>
+          </a:p>
+        </p:txBody>
+      </p:sp>
+    </p:spTree>
+    <p:extLst>
+      <p:ext uri="{BB962C8B-B14F-4D97-AF65-F5344CB8AC3E}">
+        <p14:creationId xmlns:p14="http://schemas.microsoft.com/office/powerpoint/2010/main" val="2371640993"/>
+      </p:ext>
+    </p:extLst>
+  </p:cSld>
+  <p:clrMapOvr>
+    <a:masterClrMapping/>
+  </p:clrMapOvr>
+</p:notes>
+</file>
+
+<file path=ppt/notesSlides/notesSlide44.xml><?xml version="1.0" encoding="utf-8"?>
+<p:notes xmlns:a="http://schemas.openxmlformats.org/drawingml/2006/main" xmlns:r="http://schemas.openxmlformats.org/officeDocument/2006/relationships" xmlns:p="http://schemas.openxmlformats.org/presentationml/2006/main">
+  <p:cSld>
+    <p:spTree>
+      <p:nvGrpSpPr>
+        <p:cNvPr id="1" name=""/>
+        <p:cNvGrpSpPr/>
+        <p:nvPr/>
+      </p:nvGrpSpPr>
+      <p:grpSpPr>
+        <a:xfrm>
+          <a:off x="0" y="0"/>
+          <a:ext cx="0" cy="0"/>
+          <a:chOff x="0" y="0"/>
+          <a:chExt cx="0" cy="0"/>
+        </a:xfrm>
+      </p:grpSpPr>
+      <p:sp>
+        <p:nvSpPr>
+          <p:cNvPr id="71682" name="Slide Image Placeholder 1"/>
+          <p:cNvSpPr>
+            <a:spLocks noGrp="1" noRot="1" noChangeAspect="1" noTextEdit="1"/>
+          </p:cNvSpPr>
+          <p:nvPr>
+            <p:ph type="sldImg"/>
+          </p:nvPr>
+        </p:nvSpPr>
+        <p:spPr>
+          <a:ln/>
+        </p:spPr>
+      </p:sp>
+      <p:sp>
+        <p:nvSpPr>
+          <p:cNvPr id="71683" name="Notes Placeholder 2"/>
+          <p:cNvSpPr txBox="1">
+            <a:spLocks noGrp="1"/>
+          </p:cNvSpPr>
+          <p:nvPr>
+            <p:ph type="body" idx="1"/>
+          </p:nvPr>
+        </p:nvSpPr>
+        <p:spPr>
+          <a:noFill/>
+          <a:ln/>
+        </p:spPr>
+        <p:txBody>
+          <a:bodyPr/>
+          <a:lstStyle/>
+          <a:p>
+            <a:endParaRPr lang="en-US"/>
+          </a:p>
+        </p:txBody>
+      </p:sp>
+    </p:spTree>
+    <p:extLst>
+      <p:ext uri="{BB962C8B-B14F-4D97-AF65-F5344CB8AC3E}">
+        <p14:creationId xmlns:p14="http://schemas.microsoft.com/office/powerpoint/2010/main" val="2196712109"/>
+      </p:ext>
+    </p:extLst>
+  </p:cSld>
+  <p:clrMapOvr>
+    <a:masterClrMapping/>
+  </p:clrMapOvr>
+</p:notes>
+</file>
+
+<file path=ppt/notesSlides/notesSlide45.xml><?xml version="1.0" encoding="utf-8"?>
+<p:notes xmlns:a="http://schemas.openxmlformats.org/drawingml/2006/main" xmlns:r="http://schemas.openxmlformats.org/officeDocument/2006/relationships" xmlns:p="http://schemas.openxmlformats.org/presentationml/2006/main">
+  <p:cSld>
+    <p:spTree>
+      <p:nvGrpSpPr>
+        <p:cNvPr id="1" name=""/>
+        <p:cNvGrpSpPr/>
+        <p:nvPr/>
+      </p:nvGrpSpPr>
+      <p:grpSpPr>
+        <a:xfrm>
+          <a:off x="0" y="0"/>
+          <a:ext cx="0" cy="0"/>
+          <a:chOff x="0" y="0"/>
+          <a:chExt cx="0" cy="0"/>
+        </a:xfrm>
+      </p:grpSpPr>
+      <p:sp>
+        <p:nvSpPr>
+          <p:cNvPr id="71682" name="Slide Image Placeholder 1"/>
+          <p:cNvSpPr>
+            <a:spLocks noGrp="1" noRot="1" noChangeAspect="1" noTextEdit="1"/>
+          </p:cNvSpPr>
+          <p:nvPr>
+            <p:ph type="sldImg"/>
+          </p:nvPr>
+        </p:nvSpPr>
+        <p:spPr>
+          <a:ln/>
+        </p:spPr>
+      </p:sp>
+      <p:sp>
+        <p:nvSpPr>
+          <p:cNvPr id="71683" name="Notes Placeholder 2"/>
+          <p:cNvSpPr txBox="1">
+            <a:spLocks noGrp="1"/>
+          </p:cNvSpPr>
+          <p:nvPr>
+            <p:ph type="body" idx="1"/>
+          </p:nvPr>
+        </p:nvSpPr>
+        <p:spPr>
+          <a:noFill/>
+          <a:ln/>
+        </p:spPr>
+        <p:txBody>
+          <a:bodyPr/>
+          <a:lstStyle/>
+          <a:p>
+            <a:endParaRPr lang="en-US"/>
+          </a:p>
+        </p:txBody>
+      </p:sp>
+    </p:spTree>
+    <p:extLst>
+      <p:ext uri="{BB962C8B-B14F-4D97-AF65-F5344CB8AC3E}">
+        <p14:creationId xmlns:p14="http://schemas.microsoft.com/office/powerpoint/2010/main" val="536608124"/>
+      </p:ext>
+    </p:extLst>
+  </p:cSld>
+  <p:clrMapOvr>
+    <a:masterClrMapping/>
+  </p:clrMapOvr>
+</p:notes>
+</file>
+
+<file path=ppt/notesSlides/notesSlide46.xml><?xml version="1.0" encoding="utf-8"?>
+<p:notes xmlns:a="http://schemas.openxmlformats.org/drawingml/2006/main" xmlns:r="http://schemas.openxmlformats.org/officeDocument/2006/relationships" xmlns:p="http://schemas.openxmlformats.org/presentationml/2006/main">
+  <p:cSld>
+    <p:spTree>
+      <p:nvGrpSpPr>
+        <p:cNvPr id="1" name=""/>
+        <p:cNvGrpSpPr/>
+        <p:nvPr/>
+      </p:nvGrpSpPr>
+      <p:grpSpPr>
+        <a:xfrm>
+          <a:off x="0" y="0"/>
+          <a:ext cx="0" cy="0"/>
+          <a:chOff x="0" y="0"/>
+          <a:chExt cx="0" cy="0"/>
+        </a:xfrm>
+      </p:grpSpPr>
+      <p:sp>
+        <p:nvSpPr>
+          <p:cNvPr id="71682" name="Slide Image Placeholder 1"/>
+          <p:cNvSpPr>
+            <a:spLocks noGrp="1" noRot="1" noChangeAspect="1" noTextEdit="1"/>
+          </p:cNvSpPr>
+          <p:nvPr>
+            <p:ph type="sldImg"/>
+          </p:nvPr>
+        </p:nvSpPr>
+        <p:spPr>
+          <a:ln/>
+        </p:spPr>
+      </p:sp>
+      <p:sp>
+        <p:nvSpPr>
+          <p:cNvPr id="71683" name="Notes Placeholder 2"/>
+          <p:cNvSpPr txBox="1">
+            <a:spLocks noGrp="1"/>
+          </p:cNvSpPr>
+          <p:nvPr>
+            <p:ph type="body" idx="1"/>
+          </p:nvPr>
+        </p:nvSpPr>
+        <p:spPr>
+          <a:noFill/>
+          <a:ln/>
+        </p:spPr>
+        <p:txBody>
+          <a:bodyPr/>
+          <a:lstStyle/>
+          <a:p>
+            <a:endParaRPr lang="en-US"/>
+          </a:p>
+        </p:txBody>
+      </p:sp>
+    </p:spTree>
+    <p:extLst>
+      <p:ext uri="{BB962C8B-B14F-4D97-AF65-F5344CB8AC3E}">
+        <p14:creationId xmlns:p14="http://schemas.microsoft.com/office/powerpoint/2010/main" val="4166350248"/>
+      </p:ext>
+    </p:extLst>
+  </p:cSld>
+  <p:clrMapOvr>
+    <a:masterClrMapping/>
+  </p:clrMapOvr>
+</p:notes>
+</file>
+
+<file path=ppt/notesSlides/notesSlide47.xml><?xml version="1.0" encoding="utf-8"?>
+<p:notes xmlns:a="http://schemas.openxmlformats.org/drawingml/2006/main" xmlns:r="http://schemas.openxmlformats.org/officeDocument/2006/relationships" xmlns:p="http://schemas.openxmlformats.org/presentationml/2006/main">
+  <p:cSld>
+    <p:spTree>
+      <p:nvGrpSpPr>
+        <p:cNvPr id="1" name=""/>
+        <p:cNvGrpSpPr/>
+        <p:nvPr/>
+      </p:nvGrpSpPr>
+      <p:grpSpPr>
+        <a:xfrm>
+          <a:off x="0" y="0"/>
+          <a:ext cx="0" cy="0"/>
+          <a:chOff x="0" y="0"/>
+          <a:chExt cx="0" cy="0"/>
+        </a:xfrm>
+      </p:grpSpPr>
+      <p:sp>
+        <p:nvSpPr>
+          <p:cNvPr id="71682" name="Slide Image Placeholder 1"/>
+          <p:cNvSpPr>
+            <a:spLocks noGrp="1" noRot="1" noChangeAspect="1" noTextEdit="1"/>
+          </p:cNvSpPr>
+          <p:nvPr>
+            <p:ph type="sldImg"/>
+          </p:nvPr>
+        </p:nvSpPr>
+        <p:spPr>
+          <a:ln/>
+        </p:spPr>
+      </p:sp>
+      <p:sp>
+        <p:nvSpPr>
+          <p:cNvPr id="71683" name="Notes Placeholder 2"/>
+          <p:cNvSpPr txBox="1">
+            <a:spLocks noGrp="1"/>
+          </p:cNvSpPr>
+          <p:nvPr>
+            <p:ph type="body" idx="1"/>
+          </p:nvPr>
+        </p:nvSpPr>
+        <p:spPr>
+          <a:noFill/>
+          <a:ln/>
+        </p:spPr>
+        <p:txBody>
+          <a:bodyPr/>
+          <a:lstStyle/>
+          <a:p>
+            <a:endParaRPr lang="en-US"/>
+          </a:p>
+        </p:txBody>
+      </p:sp>
+    </p:spTree>
+    <p:extLst>
+      <p:ext uri="{BB962C8B-B14F-4D97-AF65-F5344CB8AC3E}">
+        <p14:creationId xmlns:p14="http://schemas.microsoft.com/office/powerpoint/2010/main" val="2148359744"/>
+      </p:ext>
+    </p:extLst>
+  </p:cSld>
+  <p:clrMapOvr>
+    <a:masterClrMapping/>
+  </p:clrMapOvr>
+</p:notes>
+</file>
+
+<file path=ppt/notesSlides/notesSlide48.xml><?xml version="1.0" encoding="utf-8"?>
+<p:notes xmlns:a="http://schemas.openxmlformats.org/drawingml/2006/main" xmlns:r="http://schemas.openxmlformats.org/officeDocument/2006/relationships" xmlns:p="http://schemas.openxmlformats.org/presentationml/2006/main">
+  <p:cSld>
+    <p:spTree>
+      <p:nvGrpSpPr>
+        <p:cNvPr id="1" name=""/>
+        <p:cNvGrpSpPr/>
+        <p:nvPr/>
+      </p:nvGrpSpPr>
+      <p:grpSpPr>
+        <a:xfrm>
+          <a:off x="0" y="0"/>
+          <a:ext cx="0" cy="0"/>
+          <a:chOff x="0" y="0"/>
+          <a:chExt cx="0" cy="0"/>
+        </a:xfrm>
+      </p:grpSpPr>
+      <p:sp>
+        <p:nvSpPr>
+          <p:cNvPr id="71682" name="Slide Image Placeholder 1"/>
+          <p:cNvSpPr>
+            <a:spLocks noGrp="1" noRot="1" noChangeAspect="1" noTextEdit="1"/>
+          </p:cNvSpPr>
+          <p:nvPr>
+            <p:ph type="sldImg"/>
+          </p:nvPr>
+        </p:nvSpPr>
+        <p:spPr>
+          <a:ln/>
+        </p:spPr>
+      </p:sp>
+      <p:sp>
+        <p:nvSpPr>
+          <p:cNvPr id="71683" name="Notes Placeholder 2"/>
+          <p:cNvSpPr txBox="1">
+            <a:spLocks noGrp="1"/>
+          </p:cNvSpPr>
+          <p:nvPr>
+            <p:ph type="body" idx="1"/>
+          </p:nvPr>
+        </p:nvSpPr>
+        <p:spPr>
+          <a:noFill/>
+          <a:ln/>
+        </p:spPr>
+        <p:txBody>
+          <a:bodyPr/>
+          <a:lstStyle/>
+          <a:p>
+            <a:endParaRPr lang="en-US"/>
+          </a:p>
+        </p:txBody>
+      </p:sp>
+    </p:spTree>
+    <p:extLst>
+      <p:ext uri="{BB962C8B-B14F-4D97-AF65-F5344CB8AC3E}">
+        <p14:creationId xmlns:p14="http://schemas.microsoft.com/office/powerpoint/2010/main" val="1536942446"/>
+      </p:ext>
+    </p:extLst>
+  </p:cSld>
+  <p:clrMapOvr>
+    <a:masterClrMapping/>
+  </p:clrMapOvr>
+</p:notes>
+</file>
+
+<file path=ppt/notesSlides/notesSlide49.xml><?xml version="1.0" encoding="utf-8"?>
+<p:notes xmlns:a="http://schemas.openxmlformats.org/drawingml/2006/main" xmlns:r="http://schemas.openxmlformats.org/officeDocument/2006/relationships" xmlns:p="http://schemas.openxmlformats.org/presentationml/2006/main">
+  <p:cSld>
+    <p:spTree>
+      <p:nvGrpSpPr>
+        <p:cNvPr id="1" name=""/>
+        <p:cNvGrpSpPr/>
+        <p:nvPr/>
+      </p:nvGrpSpPr>
+      <p:grpSpPr>
+        <a:xfrm>
+          <a:off x="0" y="0"/>
+          <a:ext cx="0" cy="0"/>
+          <a:chOff x="0" y="0"/>
+          <a:chExt cx="0" cy="0"/>
+        </a:xfrm>
+      </p:grpSpPr>
+      <p:sp>
+        <p:nvSpPr>
+          <p:cNvPr id="71682" name="Slide Image Placeholder 1"/>
+          <p:cNvSpPr>
+            <a:spLocks noGrp="1" noRot="1" noChangeAspect="1" noTextEdit="1"/>
+          </p:cNvSpPr>
+          <p:nvPr>
+            <p:ph type="sldImg"/>
+          </p:nvPr>
+        </p:nvSpPr>
+        <p:spPr>
+          <a:ln/>
+        </p:spPr>
+      </p:sp>
+      <p:sp>
+        <p:nvSpPr>
+          <p:cNvPr id="71683" name="Notes Placeholder 2"/>
+          <p:cNvSpPr txBox="1">
+            <a:spLocks noGrp="1"/>
+          </p:cNvSpPr>
+          <p:nvPr>
+            <p:ph type="body" idx="1"/>
+          </p:nvPr>
+        </p:nvSpPr>
+        <p:spPr>
+          <a:noFill/>
+          <a:ln/>
+        </p:spPr>
+        <p:txBody>
+          <a:bodyPr/>
+          <a:lstStyle/>
+          <a:p>
+            <a:endParaRPr lang="en-US"/>
+          </a:p>
+        </p:txBody>
+      </p:sp>
+    </p:spTree>
+    <p:extLst>
+      <p:ext uri="{BB962C8B-B14F-4D97-AF65-F5344CB8AC3E}">
+        <p14:creationId xmlns:p14="http://schemas.microsoft.com/office/powerpoint/2010/main" val="2229660430"/>
+      </p:ext>
+    </p:extLst>
+  </p:cSld>
+  <p:clrMapOvr>
+    <a:masterClrMapping/>
+  </p:clrMapOvr>
+</p:notes>
+</file>
+
 <file path=ppt/notesSlides/notesSlide5.xml><?xml version="1.0" encoding="utf-8"?>
 <p:notes xmlns:a="http://schemas.openxmlformats.org/drawingml/2006/main" xmlns:r="http://schemas.openxmlformats.org/officeDocument/2006/relationships" xmlns:p="http://schemas.openxmlformats.org/presentationml/2006/main">
   <p:cSld>
@@ -2100,6 +3516,534 @@
     <p:extLst>
       <p:ext uri="{BB962C8B-B14F-4D97-AF65-F5344CB8AC3E}">
         <p14:creationId xmlns:p14="http://schemas.microsoft.com/office/powerpoint/2010/main" val="1415184723"/>
+      </p:ext>
+    </p:extLst>
+  </p:cSld>
+  <p:clrMapOvr>
+    <a:masterClrMapping/>
+  </p:clrMapOvr>
+</p:notes>
+</file>
+
+<file path=ppt/notesSlides/notesSlide50.xml><?xml version="1.0" encoding="utf-8"?>
+<p:notes xmlns:a="http://schemas.openxmlformats.org/drawingml/2006/main" xmlns:r="http://schemas.openxmlformats.org/officeDocument/2006/relationships" xmlns:p="http://schemas.openxmlformats.org/presentationml/2006/main">
+  <p:cSld>
+    <p:spTree>
+      <p:nvGrpSpPr>
+        <p:cNvPr id="1" name=""/>
+        <p:cNvGrpSpPr/>
+        <p:nvPr/>
+      </p:nvGrpSpPr>
+      <p:grpSpPr>
+        <a:xfrm>
+          <a:off x="0" y="0"/>
+          <a:ext cx="0" cy="0"/>
+          <a:chOff x="0" y="0"/>
+          <a:chExt cx="0" cy="0"/>
+        </a:xfrm>
+      </p:grpSpPr>
+      <p:sp>
+        <p:nvSpPr>
+          <p:cNvPr id="71682" name="Slide Image Placeholder 1"/>
+          <p:cNvSpPr>
+            <a:spLocks noGrp="1" noRot="1" noChangeAspect="1" noTextEdit="1"/>
+          </p:cNvSpPr>
+          <p:nvPr>
+            <p:ph type="sldImg"/>
+          </p:nvPr>
+        </p:nvSpPr>
+        <p:spPr>
+          <a:ln/>
+        </p:spPr>
+      </p:sp>
+      <p:sp>
+        <p:nvSpPr>
+          <p:cNvPr id="71683" name="Notes Placeholder 2"/>
+          <p:cNvSpPr txBox="1">
+            <a:spLocks noGrp="1"/>
+          </p:cNvSpPr>
+          <p:nvPr>
+            <p:ph type="body" idx="1"/>
+          </p:nvPr>
+        </p:nvSpPr>
+        <p:spPr>
+          <a:noFill/>
+          <a:ln/>
+        </p:spPr>
+        <p:txBody>
+          <a:bodyPr/>
+          <a:lstStyle/>
+          <a:p>
+            <a:endParaRPr lang="en-US"/>
+          </a:p>
+        </p:txBody>
+      </p:sp>
+    </p:spTree>
+    <p:extLst>
+      <p:ext uri="{BB962C8B-B14F-4D97-AF65-F5344CB8AC3E}">
+        <p14:creationId xmlns:p14="http://schemas.microsoft.com/office/powerpoint/2010/main" val="2963099644"/>
+      </p:ext>
+    </p:extLst>
+  </p:cSld>
+  <p:clrMapOvr>
+    <a:masterClrMapping/>
+  </p:clrMapOvr>
+</p:notes>
+</file>
+
+<file path=ppt/notesSlides/notesSlide51.xml><?xml version="1.0" encoding="utf-8"?>
+<p:notes xmlns:a="http://schemas.openxmlformats.org/drawingml/2006/main" xmlns:r="http://schemas.openxmlformats.org/officeDocument/2006/relationships" xmlns:p="http://schemas.openxmlformats.org/presentationml/2006/main">
+  <p:cSld>
+    <p:spTree>
+      <p:nvGrpSpPr>
+        <p:cNvPr id="1" name=""/>
+        <p:cNvGrpSpPr/>
+        <p:nvPr/>
+      </p:nvGrpSpPr>
+      <p:grpSpPr>
+        <a:xfrm>
+          <a:off x="0" y="0"/>
+          <a:ext cx="0" cy="0"/>
+          <a:chOff x="0" y="0"/>
+          <a:chExt cx="0" cy="0"/>
+        </a:xfrm>
+      </p:grpSpPr>
+      <p:sp>
+        <p:nvSpPr>
+          <p:cNvPr id="71682" name="Slide Image Placeholder 1"/>
+          <p:cNvSpPr>
+            <a:spLocks noGrp="1" noRot="1" noChangeAspect="1" noTextEdit="1"/>
+          </p:cNvSpPr>
+          <p:nvPr>
+            <p:ph type="sldImg"/>
+          </p:nvPr>
+        </p:nvSpPr>
+        <p:spPr>
+          <a:ln/>
+        </p:spPr>
+      </p:sp>
+      <p:sp>
+        <p:nvSpPr>
+          <p:cNvPr id="71683" name="Notes Placeholder 2"/>
+          <p:cNvSpPr txBox="1">
+            <a:spLocks noGrp="1"/>
+          </p:cNvSpPr>
+          <p:nvPr>
+            <p:ph type="body" idx="1"/>
+          </p:nvPr>
+        </p:nvSpPr>
+        <p:spPr>
+          <a:noFill/>
+          <a:ln/>
+        </p:spPr>
+        <p:txBody>
+          <a:bodyPr/>
+          <a:lstStyle/>
+          <a:p>
+            <a:endParaRPr lang="en-US"/>
+          </a:p>
+        </p:txBody>
+      </p:sp>
+    </p:spTree>
+    <p:extLst>
+      <p:ext uri="{BB962C8B-B14F-4D97-AF65-F5344CB8AC3E}">
+        <p14:creationId xmlns:p14="http://schemas.microsoft.com/office/powerpoint/2010/main" val="2952250670"/>
+      </p:ext>
+    </p:extLst>
+  </p:cSld>
+  <p:clrMapOvr>
+    <a:masterClrMapping/>
+  </p:clrMapOvr>
+</p:notes>
+</file>
+
+<file path=ppt/notesSlides/notesSlide52.xml><?xml version="1.0" encoding="utf-8"?>
+<p:notes xmlns:a="http://schemas.openxmlformats.org/drawingml/2006/main" xmlns:r="http://schemas.openxmlformats.org/officeDocument/2006/relationships" xmlns:p="http://schemas.openxmlformats.org/presentationml/2006/main">
+  <p:cSld>
+    <p:spTree>
+      <p:nvGrpSpPr>
+        <p:cNvPr id="1" name=""/>
+        <p:cNvGrpSpPr/>
+        <p:nvPr/>
+      </p:nvGrpSpPr>
+      <p:grpSpPr>
+        <a:xfrm>
+          <a:off x="0" y="0"/>
+          <a:ext cx="0" cy="0"/>
+          <a:chOff x="0" y="0"/>
+          <a:chExt cx="0" cy="0"/>
+        </a:xfrm>
+      </p:grpSpPr>
+      <p:sp>
+        <p:nvSpPr>
+          <p:cNvPr id="71682" name="Slide Image Placeholder 1"/>
+          <p:cNvSpPr>
+            <a:spLocks noGrp="1" noRot="1" noChangeAspect="1" noTextEdit="1"/>
+          </p:cNvSpPr>
+          <p:nvPr>
+            <p:ph type="sldImg"/>
+          </p:nvPr>
+        </p:nvSpPr>
+        <p:spPr>
+          <a:ln/>
+        </p:spPr>
+      </p:sp>
+      <p:sp>
+        <p:nvSpPr>
+          <p:cNvPr id="71683" name="Notes Placeholder 2"/>
+          <p:cNvSpPr txBox="1">
+            <a:spLocks noGrp="1"/>
+          </p:cNvSpPr>
+          <p:nvPr>
+            <p:ph type="body" idx="1"/>
+          </p:nvPr>
+        </p:nvSpPr>
+        <p:spPr>
+          <a:noFill/>
+          <a:ln/>
+        </p:spPr>
+        <p:txBody>
+          <a:bodyPr/>
+          <a:lstStyle/>
+          <a:p>
+            <a:endParaRPr lang="en-US"/>
+          </a:p>
+        </p:txBody>
+      </p:sp>
+    </p:spTree>
+    <p:extLst>
+      <p:ext uri="{BB962C8B-B14F-4D97-AF65-F5344CB8AC3E}">
+        <p14:creationId xmlns:p14="http://schemas.microsoft.com/office/powerpoint/2010/main" val="3823452236"/>
+      </p:ext>
+    </p:extLst>
+  </p:cSld>
+  <p:clrMapOvr>
+    <a:masterClrMapping/>
+  </p:clrMapOvr>
+</p:notes>
+</file>
+
+<file path=ppt/notesSlides/notesSlide53.xml><?xml version="1.0" encoding="utf-8"?>
+<p:notes xmlns:a="http://schemas.openxmlformats.org/drawingml/2006/main" xmlns:r="http://schemas.openxmlformats.org/officeDocument/2006/relationships" xmlns:p="http://schemas.openxmlformats.org/presentationml/2006/main">
+  <p:cSld>
+    <p:spTree>
+      <p:nvGrpSpPr>
+        <p:cNvPr id="1" name=""/>
+        <p:cNvGrpSpPr/>
+        <p:nvPr/>
+      </p:nvGrpSpPr>
+      <p:grpSpPr>
+        <a:xfrm>
+          <a:off x="0" y="0"/>
+          <a:ext cx="0" cy="0"/>
+          <a:chOff x="0" y="0"/>
+          <a:chExt cx="0" cy="0"/>
+        </a:xfrm>
+      </p:grpSpPr>
+      <p:sp>
+        <p:nvSpPr>
+          <p:cNvPr id="71682" name="Slide Image Placeholder 1"/>
+          <p:cNvSpPr>
+            <a:spLocks noGrp="1" noRot="1" noChangeAspect="1" noTextEdit="1"/>
+          </p:cNvSpPr>
+          <p:nvPr>
+            <p:ph type="sldImg"/>
+          </p:nvPr>
+        </p:nvSpPr>
+        <p:spPr>
+          <a:ln/>
+        </p:spPr>
+      </p:sp>
+      <p:sp>
+        <p:nvSpPr>
+          <p:cNvPr id="71683" name="Notes Placeholder 2"/>
+          <p:cNvSpPr txBox="1">
+            <a:spLocks noGrp="1"/>
+          </p:cNvSpPr>
+          <p:nvPr>
+            <p:ph type="body" idx="1"/>
+          </p:nvPr>
+        </p:nvSpPr>
+        <p:spPr>
+          <a:noFill/>
+          <a:ln/>
+        </p:spPr>
+        <p:txBody>
+          <a:bodyPr/>
+          <a:lstStyle/>
+          <a:p>
+            <a:endParaRPr lang="en-US"/>
+          </a:p>
+        </p:txBody>
+      </p:sp>
+    </p:spTree>
+    <p:extLst>
+      <p:ext uri="{BB962C8B-B14F-4D97-AF65-F5344CB8AC3E}">
+        <p14:creationId xmlns:p14="http://schemas.microsoft.com/office/powerpoint/2010/main" val="3554106189"/>
+      </p:ext>
+    </p:extLst>
+  </p:cSld>
+  <p:clrMapOvr>
+    <a:masterClrMapping/>
+  </p:clrMapOvr>
+</p:notes>
+</file>
+
+<file path=ppt/notesSlides/notesSlide54.xml><?xml version="1.0" encoding="utf-8"?>
+<p:notes xmlns:a="http://schemas.openxmlformats.org/drawingml/2006/main" xmlns:r="http://schemas.openxmlformats.org/officeDocument/2006/relationships" xmlns:p="http://schemas.openxmlformats.org/presentationml/2006/main">
+  <p:cSld>
+    <p:spTree>
+      <p:nvGrpSpPr>
+        <p:cNvPr id="1" name=""/>
+        <p:cNvGrpSpPr/>
+        <p:nvPr/>
+      </p:nvGrpSpPr>
+      <p:grpSpPr>
+        <a:xfrm>
+          <a:off x="0" y="0"/>
+          <a:ext cx="0" cy="0"/>
+          <a:chOff x="0" y="0"/>
+          <a:chExt cx="0" cy="0"/>
+        </a:xfrm>
+      </p:grpSpPr>
+      <p:sp>
+        <p:nvSpPr>
+          <p:cNvPr id="71682" name="Slide Image Placeholder 1"/>
+          <p:cNvSpPr>
+            <a:spLocks noGrp="1" noRot="1" noChangeAspect="1" noTextEdit="1"/>
+          </p:cNvSpPr>
+          <p:nvPr>
+            <p:ph type="sldImg"/>
+          </p:nvPr>
+        </p:nvSpPr>
+        <p:spPr>
+          <a:ln/>
+        </p:spPr>
+      </p:sp>
+      <p:sp>
+        <p:nvSpPr>
+          <p:cNvPr id="71683" name="Notes Placeholder 2"/>
+          <p:cNvSpPr txBox="1">
+            <a:spLocks noGrp="1"/>
+          </p:cNvSpPr>
+          <p:nvPr>
+            <p:ph type="body" idx="1"/>
+          </p:nvPr>
+        </p:nvSpPr>
+        <p:spPr>
+          <a:noFill/>
+          <a:ln/>
+        </p:spPr>
+        <p:txBody>
+          <a:bodyPr/>
+          <a:lstStyle/>
+          <a:p>
+            <a:endParaRPr lang="en-US"/>
+          </a:p>
+        </p:txBody>
+      </p:sp>
+    </p:spTree>
+    <p:extLst>
+      <p:ext uri="{BB962C8B-B14F-4D97-AF65-F5344CB8AC3E}">
+        <p14:creationId xmlns:p14="http://schemas.microsoft.com/office/powerpoint/2010/main" val="2326761477"/>
+      </p:ext>
+    </p:extLst>
+  </p:cSld>
+  <p:clrMapOvr>
+    <a:masterClrMapping/>
+  </p:clrMapOvr>
+</p:notes>
+</file>
+
+<file path=ppt/notesSlides/notesSlide55.xml><?xml version="1.0" encoding="utf-8"?>
+<p:notes xmlns:a="http://schemas.openxmlformats.org/drawingml/2006/main" xmlns:r="http://schemas.openxmlformats.org/officeDocument/2006/relationships" xmlns:p="http://schemas.openxmlformats.org/presentationml/2006/main">
+  <p:cSld>
+    <p:spTree>
+      <p:nvGrpSpPr>
+        <p:cNvPr id="1" name=""/>
+        <p:cNvGrpSpPr/>
+        <p:nvPr/>
+      </p:nvGrpSpPr>
+      <p:grpSpPr>
+        <a:xfrm>
+          <a:off x="0" y="0"/>
+          <a:ext cx="0" cy="0"/>
+          <a:chOff x="0" y="0"/>
+          <a:chExt cx="0" cy="0"/>
+        </a:xfrm>
+      </p:grpSpPr>
+      <p:sp>
+        <p:nvSpPr>
+          <p:cNvPr id="71682" name="Slide Image Placeholder 1"/>
+          <p:cNvSpPr>
+            <a:spLocks noGrp="1" noRot="1" noChangeAspect="1" noTextEdit="1"/>
+          </p:cNvSpPr>
+          <p:nvPr>
+            <p:ph type="sldImg"/>
+          </p:nvPr>
+        </p:nvSpPr>
+        <p:spPr>
+          <a:ln/>
+        </p:spPr>
+      </p:sp>
+      <p:sp>
+        <p:nvSpPr>
+          <p:cNvPr id="71683" name="Notes Placeholder 2"/>
+          <p:cNvSpPr txBox="1">
+            <a:spLocks noGrp="1"/>
+          </p:cNvSpPr>
+          <p:nvPr>
+            <p:ph type="body" idx="1"/>
+          </p:nvPr>
+        </p:nvSpPr>
+        <p:spPr>
+          <a:noFill/>
+          <a:ln/>
+        </p:spPr>
+        <p:txBody>
+          <a:bodyPr/>
+          <a:lstStyle/>
+          <a:p>
+            <a:endParaRPr lang="en-US"/>
+          </a:p>
+        </p:txBody>
+      </p:sp>
+    </p:spTree>
+    <p:extLst>
+      <p:ext uri="{BB962C8B-B14F-4D97-AF65-F5344CB8AC3E}">
+        <p14:creationId xmlns:p14="http://schemas.microsoft.com/office/powerpoint/2010/main" val="2035721464"/>
+      </p:ext>
+    </p:extLst>
+  </p:cSld>
+  <p:clrMapOvr>
+    <a:masterClrMapping/>
+  </p:clrMapOvr>
+</p:notes>
+</file>
+
+<file path=ppt/notesSlides/notesSlide56.xml><?xml version="1.0" encoding="utf-8"?>
+<p:notes xmlns:a="http://schemas.openxmlformats.org/drawingml/2006/main" xmlns:r="http://schemas.openxmlformats.org/officeDocument/2006/relationships" xmlns:p="http://schemas.openxmlformats.org/presentationml/2006/main">
+  <p:cSld>
+    <p:spTree>
+      <p:nvGrpSpPr>
+        <p:cNvPr id="1" name=""/>
+        <p:cNvGrpSpPr/>
+        <p:nvPr/>
+      </p:nvGrpSpPr>
+      <p:grpSpPr>
+        <a:xfrm>
+          <a:off x="0" y="0"/>
+          <a:ext cx="0" cy="0"/>
+          <a:chOff x="0" y="0"/>
+          <a:chExt cx="0" cy="0"/>
+        </a:xfrm>
+      </p:grpSpPr>
+      <p:sp>
+        <p:nvSpPr>
+          <p:cNvPr id="71682" name="Slide Image Placeholder 1"/>
+          <p:cNvSpPr>
+            <a:spLocks noGrp="1" noRot="1" noChangeAspect="1" noTextEdit="1"/>
+          </p:cNvSpPr>
+          <p:nvPr>
+            <p:ph type="sldImg"/>
+          </p:nvPr>
+        </p:nvSpPr>
+        <p:spPr>
+          <a:ln/>
+        </p:spPr>
+      </p:sp>
+      <p:sp>
+        <p:nvSpPr>
+          <p:cNvPr id="71683" name="Notes Placeholder 2"/>
+          <p:cNvSpPr txBox="1">
+            <a:spLocks noGrp="1"/>
+          </p:cNvSpPr>
+          <p:nvPr>
+            <p:ph type="body" idx="1"/>
+          </p:nvPr>
+        </p:nvSpPr>
+        <p:spPr>
+          <a:noFill/>
+          <a:ln/>
+        </p:spPr>
+        <p:txBody>
+          <a:bodyPr/>
+          <a:lstStyle/>
+          <a:p>
+            <a:endParaRPr lang="en-US"/>
+          </a:p>
+        </p:txBody>
+      </p:sp>
+    </p:spTree>
+    <p:extLst>
+      <p:ext uri="{BB962C8B-B14F-4D97-AF65-F5344CB8AC3E}">
+        <p14:creationId xmlns:p14="http://schemas.microsoft.com/office/powerpoint/2010/main" val="729103306"/>
+      </p:ext>
+    </p:extLst>
+  </p:cSld>
+  <p:clrMapOvr>
+    <a:masterClrMapping/>
+  </p:clrMapOvr>
+</p:notes>
+</file>
+
+<file path=ppt/notesSlides/notesSlide57.xml><?xml version="1.0" encoding="utf-8"?>
+<p:notes xmlns:a="http://schemas.openxmlformats.org/drawingml/2006/main" xmlns:r="http://schemas.openxmlformats.org/officeDocument/2006/relationships" xmlns:p="http://schemas.openxmlformats.org/presentationml/2006/main">
+  <p:cSld>
+    <p:spTree>
+      <p:nvGrpSpPr>
+        <p:cNvPr id="1" name=""/>
+        <p:cNvGrpSpPr/>
+        <p:nvPr/>
+      </p:nvGrpSpPr>
+      <p:grpSpPr>
+        <a:xfrm>
+          <a:off x="0" y="0"/>
+          <a:ext cx="0" cy="0"/>
+          <a:chOff x="0" y="0"/>
+          <a:chExt cx="0" cy="0"/>
+        </a:xfrm>
+      </p:grpSpPr>
+      <p:sp>
+        <p:nvSpPr>
+          <p:cNvPr id="71682" name="Slide Image Placeholder 1"/>
+          <p:cNvSpPr>
+            <a:spLocks noGrp="1" noRot="1" noChangeAspect="1" noTextEdit="1"/>
+          </p:cNvSpPr>
+          <p:nvPr>
+            <p:ph type="sldImg"/>
+          </p:nvPr>
+        </p:nvSpPr>
+        <p:spPr>
+          <a:ln/>
+        </p:spPr>
+      </p:sp>
+      <p:sp>
+        <p:nvSpPr>
+          <p:cNvPr id="71683" name="Notes Placeholder 2"/>
+          <p:cNvSpPr txBox="1">
+            <a:spLocks noGrp="1"/>
+          </p:cNvSpPr>
+          <p:nvPr>
+            <p:ph type="body" idx="1"/>
+          </p:nvPr>
+        </p:nvSpPr>
+        <p:spPr>
+          <a:noFill/>
+          <a:ln/>
+        </p:spPr>
+        <p:txBody>
+          <a:bodyPr/>
+          <a:lstStyle/>
+          <a:p>
+            <a:endParaRPr lang="en-US"/>
+          </a:p>
+        </p:txBody>
+      </p:sp>
+    </p:spTree>
+    <p:extLst>
+      <p:ext uri="{BB962C8B-B14F-4D97-AF65-F5344CB8AC3E}">
+        <p14:creationId xmlns:p14="http://schemas.microsoft.com/office/powerpoint/2010/main" val="989890355"/>
       </p:ext>
     </p:extLst>
   </p:cSld>
@@ -2545,7 +4489,7 @@
             <a:fld id="{C3173D3E-08EC-4E65-995F-34869A3E30B2}" type="datetimeFigureOut">
               <a:rPr lang="en-US" smtClean="0"/>
               <a:pPr/>
-              <a:t>3/8/2022</a:t>
+              <a:t>3/11/2022</a:t>
             </a:fld>
             <a:endParaRPr lang="en-US"/>
           </a:p>
@@ -2711,7 +4655,7 @@
             <a:fld id="{C3173D3E-08EC-4E65-995F-34869A3E30B2}" type="datetimeFigureOut">
               <a:rPr lang="en-US" smtClean="0"/>
               <a:pPr/>
-              <a:t>3/8/2022</a:t>
+              <a:t>3/11/2022</a:t>
             </a:fld>
             <a:endParaRPr lang="en-US"/>
           </a:p>
@@ -2887,7 +4831,7 @@
             <a:fld id="{C3173D3E-08EC-4E65-995F-34869A3E30B2}" type="datetimeFigureOut">
               <a:rPr lang="en-US" smtClean="0"/>
               <a:pPr/>
-              <a:t>3/8/2022</a:t>
+              <a:t>3/11/2022</a:t>
             </a:fld>
             <a:endParaRPr lang="en-US"/>
           </a:p>
@@ -3053,7 +4997,7 @@
             <a:fld id="{C3173D3E-08EC-4E65-995F-34869A3E30B2}" type="datetimeFigureOut">
               <a:rPr lang="en-US" smtClean="0"/>
               <a:pPr/>
-              <a:t>3/8/2022</a:t>
+              <a:t>3/11/2022</a:t>
             </a:fld>
             <a:endParaRPr lang="en-US"/>
           </a:p>
@@ -3296,7 +5240,7 @@
             <a:fld id="{C3173D3E-08EC-4E65-995F-34869A3E30B2}" type="datetimeFigureOut">
               <a:rPr lang="en-US" smtClean="0"/>
               <a:pPr/>
-              <a:t>3/8/2022</a:t>
+              <a:t>3/11/2022</a:t>
             </a:fld>
             <a:endParaRPr lang="en-US"/>
           </a:p>
@@ -3561,7 +5505,7 @@
             <a:fld id="{C3173D3E-08EC-4E65-995F-34869A3E30B2}" type="datetimeFigureOut">
               <a:rPr lang="en-US" smtClean="0"/>
               <a:pPr/>
-              <a:t>3/8/2022</a:t>
+              <a:t>3/11/2022</a:t>
             </a:fld>
             <a:endParaRPr lang="en-US"/>
           </a:p>
@@ -3940,7 +5884,7 @@
             <a:fld id="{C3173D3E-08EC-4E65-995F-34869A3E30B2}" type="datetimeFigureOut">
               <a:rPr lang="en-US" smtClean="0"/>
               <a:pPr/>
-              <a:t>3/8/2022</a:t>
+              <a:t>3/11/2022</a:t>
             </a:fld>
             <a:endParaRPr lang="en-US"/>
           </a:p>
@@ -4091,7 +6035,7 @@
             <a:fld id="{C3173D3E-08EC-4E65-995F-34869A3E30B2}" type="datetimeFigureOut">
               <a:rPr lang="en-US" smtClean="0"/>
               <a:pPr/>
-              <a:t>3/8/2022</a:t>
+              <a:t>3/11/2022</a:t>
             </a:fld>
             <a:endParaRPr lang="en-US"/>
           </a:p>
@@ -4183,7 +6127,7 @@
             <a:fld id="{C3173D3E-08EC-4E65-995F-34869A3E30B2}" type="datetimeFigureOut">
               <a:rPr lang="en-US" smtClean="0"/>
               <a:pPr/>
-              <a:t>3/8/2022</a:t>
+              <a:t>3/11/2022</a:t>
             </a:fld>
             <a:endParaRPr lang="en-US"/>
           </a:p>
@@ -4445,7 +6389,7 @@
             <a:fld id="{C3173D3E-08EC-4E65-995F-34869A3E30B2}" type="datetimeFigureOut">
               <a:rPr lang="en-US" smtClean="0"/>
               <a:pPr/>
-              <a:t>3/8/2022</a:t>
+              <a:t>3/11/2022</a:t>
             </a:fld>
             <a:endParaRPr lang="en-US"/>
           </a:p>
@@ -4734,7 +6678,7 @@
             <a:fld id="{C3173D3E-08EC-4E65-995F-34869A3E30B2}" type="datetimeFigureOut">
               <a:rPr lang="en-US" smtClean="0"/>
               <a:pPr/>
-              <a:t>3/8/2022</a:t>
+              <a:t>3/11/2022</a:t>
             </a:fld>
             <a:endParaRPr lang="en-US"/>
           </a:p>
@@ -5505,7 +7449,7 @@
             <a:fld id="{C3173D3E-08EC-4E65-995F-34869A3E30B2}" type="datetimeFigureOut">
               <a:rPr lang="en-US" smtClean="0"/>
               <a:pPr/>
-              <a:t>3/8/2022</a:t>
+              <a:t>3/11/2022</a:t>
             </a:fld>
             <a:endParaRPr lang="en-US"/>
           </a:p>
@@ -12290,7 +14234,7 @@
 </file>
 
 <file path=ppt/slides/slide32.xml><?xml version="1.0" encoding="utf-8"?>
-<p:sld xmlns:a="http://schemas.openxmlformats.org/drawingml/2006/main" xmlns:r="http://schemas.openxmlformats.org/officeDocument/2006/relationships" xmlns:p="http://schemas.openxmlformats.org/presentationml/2006/main" showMasterPhAnim="0">
+<p:sld xmlns:a="http://schemas.openxmlformats.org/drawingml/2006/main" xmlns:r="http://schemas.openxmlformats.org/officeDocument/2006/relationships" xmlns:p="http://schemas.openxmlformats.org/presentationml/2006/main">
   <p:cSld>
     <p:spTree>
       <p:nvGrpSpPr>
@@ -12306,9 +14250,66 @@
           <a:chExt cx="0" cy="0"/>
         </a:xfrm>
       </p:grpSpPr>
-      <p:sp>
-        <p:nvSpPr>
-          <p:cNvPr id="20483" name="Rectangle 2"/>
+      <p:pic>
+        <p:nvPicPr>
+          <p:cNvPr id="5" name="Content Placeholder 4">
+            <a:extLst>
+              <a:ext uri="{FF2B5EF4-FFF2-40B4-BE49-F238E27FC236}">
+                <a16:creationId xmlns:a16="http://schemas.microsoft.com/office/drawing/2014/main" id="{8422088E-BD08-4BA0-84FF-7783913FDDD1}"/>
+              </a:ext>
+            </a:extLst>
+          </p:cNvPr>
+          <p:cNvPicPr>
+            <a:picLocks noGrp="1" noChangeAspect="1"/>
+          </p:cNvPicPr>
+          <p:nvPr>
+            <p:ph idx="1"/>
+          </p:nvPr>
+        </p:nvPicPr>
+        <p:blipFill rotWithShape="1">
+          <a:blip r:embed="rId3"/>
+          <a:srcRect b="75149"/>
+          <a:stretch/>
+        </p:blipFill>
+        <p:spPr>
+          <a:xfrm>
+            <a:off x="685800" y="1374733"/>
+            <a:ext cx="7620000" cy="2206667"/>
+          </a:xfrm>
+        </p:spPr>
+      </p:pic>
+      <p:pic>
+        <p:nvPicPr>
+          <p:cNvPr id="8" name="Content Placeholder 4">
+            <a:extLst>
+              <a:ext uri="{FF2B5EF4-FFF2-40B4-BE49-F238E27FC236}">
+                <a16:creationId xmlns:a16="http://schemas.microsoft.com/office/drawing/2014/main" id="{B06FD4A9-24FD-459D-8C20-1DF0AEBC503A}"/>
+              </a:ext>
+            </a:extLst>
+          </p:cNvPr>
+          <p:cNvPicPr>
+            <a:picLocks noChangeAspect="1"/>
+          </p:cNvPicPr>
+          <p:nvPr/>
+        </p:nvPicPr>
+        <p:blipFill rotWithShape="1">
+          <a:blip r:embed="rId3"/>
+          <a:srcRect t="72911" b="1049"/>
+          <a:stretch/>
+        </p:blipFill>
+        <p:spPr>
+          <a:xfrm>
+            <a:off x="685800" y="3581400"/>
+            <a:ext cx="7620000" cy="2133600"/>
+          </a:xfrm>
+          <a:prstGeom prst="rect">
+            <a:avLst/>
+          </a:prstGeom>
+        </p:spPr>
+      </p:pic>
+      <p:sp>
+        <p:nvSpPr>
+          <p:cNvPr id="22530" name="Rectangle 2"/>
           <p:cNvSpPr>
             <a:spLocks noGrp="1" noChangeArrowheads="1"/>
           </p:cNvSpPr>
@@ -12316,33 +14317,10 @@
             <p:ph type="title"/>
           </p:nvPr>
         </p:nvSpPr>
-        <p:spPr/>
-        <p:txBody>
-          <a:bodyPr/>
-          <a:lstStyle/>
-          <a:p>
-            <a:pPr eaLnBrk="1" hangingPunct="1"/>
-            <a:r>
-              <a:rPr lang="en-US" dirty="0"/>
-              <a:t>References</a:t>
-            </a:r>
-          </a:p>
-        </p:txBody>
-      </p:sp>
-      <p:sp>
-        <p:nvSpPr>
-          <p:cNvPr id="20484" name="Rectangle 3"/>
-          <p:cNvSpPr>
-            <a:spLocks noGrp="1" noChangeArrowheads="1"/>
-          </p:cNvSpPr>
-          <p:nvPr>
-            <p:ph idx="1"/>
-          </p:nvPr>
-        </p:nvSpPr>
         <p:spPr>
           <a:xfrm>
-            <a:off x="457200" y="1935480"/>
-            <a:ext cx="8229600" cy="1036320"/>
+            <a:off x="1600200" y="304800"/>
+            <a:ext cx="8229600" cy="1143000"/>
           </a:xfrm>
         </p:spPr>
         <p:txBody>
@@ -12351,172 +14329,992 @@
           </a:bodyPr>
           <a:lstStyle/>
           <a:p>
-            <a:r>
-              <a:rPr lang="en-US" dirty="0"/>
-              <a:t>SE, Pressman</a:t>
-            </a:r>
-          </a:p>
-          <a:p>
-            <a:r>
-              <a:rPr lang="en-US" dirty="0"/>
-              <a:t>SE, </a:t>
-            </a:r>
-            <a:r>
-              <a:rPr lang="en-US"/>
-              <a:t>Pfleeger</a:t>
-            </a:r>
-            <a:endParaRPr lang="en-US" dirty="0"/>
-          </a:p>
-        </p:txBody>
-      </p:sp>
-      <p:sp>
-        <p:nvSpPr>
-          <p:cNvPr id="4" name="Rectangle 2"/>
-          <p:cNvSpPr txBox="1">
-            <a:spLocks noChangeArrowheads="1"/>
-          </p:cNvSpPr>
+            <a:pPr eaLnBrk="1" hangingPunct="1"/>
+            <a:r>
+              <a:rPr lang="en-GB" sz="4800" dirty="0"/>
+              <a:t>Unified Process Model</a:t>
+            </a:r>
+            <a:endParaRPr lang="en-US" sz="2400" dirty="0"/>
+          </a:p>
+        </p:txBody>
+      </p:sp>
+    </p:spTree>
+    <p:extLst>
+      <p:ext uri="{BB962C8B-B14F-4D97-AF65-F5344CB8AC3E}">
+        <p14:creationId xmlns:p14="http://schemas.microsoft.com/office/powerpoint/2010/main" val="1882722526"/>
+      </p:ext>
+    </p:extLst>
+  </p:cSld>
+  <p:clrMapOvr>
+    <a:masterClrMapping/>
+  </p:clrMapOvr>
+  <p:transition/>
+</p:sld>
+</file>
+
+<file path=ppt/slides/slide33.xml><?xml version="1.0" encoding="utf-8"?>
+<p:sld xmlns:a="http://schemas.openxmlformats.org/drawingml/2006/main" xmlns:r="http://schemas.openxmlformats.org/officeDocument/2006/relationships" xmlns:p="http://schemas.openxmlformats.org/presentationml/2006/main">
+  <p:cSld>
+    <p:spTree>
+      <p:nvGrpSpPr>
+        <p:cNvPr id="1" name=""/>
+        <p:cNvGrpSpPr/>
+        <p:nvPr/>
+      </p:nvGrpSpPr>
+      <p:grpSpPr>
+        <a:xfrm>
+          <a:off x="0" y="0"/>
+          <a:ext cx="0" cy="0"/>
+          <a:chOff x="0" y="0"/>
+          <a:chExt cx="0" cy="0"/>
+        </a:xfrm>
+      </p:grpSpPr>
+      <p:sp>
+        <p:nvSpPr>
+          <p:cNvPr id="22530" name="Rectangle 2"/>
+          <p:cNvSpPr>
+            <a:spLocks noGrp="1" noChangeArrowheads="1"/>
+          </p:cNvSpPr>
+          <p:nvPr>
+            <p:ph type="title"/>
+          </p:nvPr>
+        </p:nvSpPr>
+        <p:spPr>
+          <a:xfrm>
+            <a:off x="1600200" y="401674"/>
+            <a:ext cx="8229600" cy="1143000"/>
+          </a:xfrm>
+        </p:spPr>
+        <p:txBody>
+          <a:bodyPr>
+            <a:normAutofit/>
+          </a:bodyPr>
+          <a:lstStyle/>
+          <a:p>
+            <a:pPr eaLnBrk="1" hangingPunct="1"/>
+            <a:r>
+              <a:rPr lang="en-GB" dirty="0"/>
+              <a:t>Unified Process Model</a:t>
+            </a:r>
+            <a:endParaRPr lang="en-US" sz="2800" dirty="0"/>
+          </a:p>
+        </p:txBody>
+      </p:sp>
+      <p:pic>
+        <p:nvPicPr>
+          <p:cNvPr id="9" name="Picture 8">
+            <a:extLst>
+              <a:ext uri="{FF2B5EF4-FFF2-40B4-BE49-F238E27FC236}">
+                <a16:creationId xmlns:a16="http://schemas.microsoft.com/office/drawing/2014/main" id="{04685D8D-55AF-4F7F-AEB2-B572440AFE9D}"/>
+              </a:ext>
+            </a:extLst>
+          </p:cNvPr>
+          <p:cNvPicPr>
+            <a:picLocks noChangeAspect="1"/>
+          </p:cNvPicPr>
           <p:nvPr/>
-        </p:nvSpPr>
+        </p:nvPicPr>
+        <p:blipFill>
+          <a:blip r:embed="rId3"/>
+          <a:stretch>
+            <a:fillRect/>
+          </a:stretch>
+        </p:blipFill>
         <p:spPr>
           <a:xfrm>
-            <a:off x="457200" y="3066288"/>
-            <a:ext cx="8229600" cy="1143000"/>
+            <a:off x="1143000" y="1506574"/>
+            <a:ext cx="7162800" cy="2493926"/>
           </a:xfrm>
           <a:prstGeom prst="rect">
             <a:avLst/>
           </a:prstGeom>
         </p:spPr>
-        <p:txBody>
-          <a:bodyPr vert="horz" lIns="0" rIns="0" bIns="0" anchor="b">
-            <a:normAutofit/>
-          </a:bodyPr>
-          <a:lstStyle/>
-          <a:p>
-            <a:pPr marL="0" marR="0" lvl="0" indent="0" algn="l" defTabSz="914400" rtl="0" eaLnBrk="1" fontAlgn="auto" latinLnBrk="0" hangingPunct="1">
-              <a:lnSpc>
-                <a:spcPct val="100000"/>
-              </a:lnSpc>
-              <a:spcBef>
-                <a:spcPct val="0"/>
-              </a:spcBef>
-              <a:spcAft>
-                <a:spcPts val="0"/>
-              </a:spcAft>
-              <a:buClrTx/>
-              <a:buSzTx/>
-              <a:buFontTx/>
-              <a:buNone/>
-              <a:tabLst/>
-              <a:defRPr/>
-            </a:pPr>
-            <a:r>
-              <a:rPr kumimoji="0" lang="en-US" sz="5000" b="0" i="0" u="none" strike="noStrike" kern="1200" cap="none" spc="0" normalizeH="0" baseline="0" noProof="0" dirty="0">
-                <a:ln>
-                  <a:noFill/>
-                </a:ln>
-                <a:solidFill>
-                  <a:schemeClr val="tx2"/>
-                </a:solidFill>
-                <a:effectLst/>
-                <a:uLnTx/>
-                <a:uFillTx/>
-                <a:latin typeface="+mj-lt"/>
-                <a:ea typeface="+mj-ea"/>
-                <a:cs typeface="+mj-cs"/>
-              </a:rPr>
-              <a:t>Acknowledgement</a:t>
-            </a:r>
-          </a:p>
-        </p:txBody>
-      </p:sp>
-      <p:sp>
-        <p:nvSpPr>
-          <p:cNvPr id="5" name="Rectangle 3"/>
-          <p:cNvSpPr txBox="1">
-            <a:spLocks noChangeArrowheads="1"/>
-          </p:cNvSpPr>
+      </p:pic>
+      <p:pic>
+        <p:nvPicPr>
+          <p:cNvPr id="11" name="Picture 10">
+            <a:extLst>
+              <a:ext uri="{FF2B5EF4-FFF2-40B4-BE49-F238E27FC236}">
+                <a16:creationId xmlns:a16="http://schemas.microsoft.com/office/drawing/2014/main" id="{6F884897-DA3E-44DC-9D39-DC665DF6E814}"/>
+              </a:ext>
+            </a:extLst>
+          </p:cNvPr>
+          <p:cNvPicPr>
+            <a:picLocks noChangeAspect="1"/>
+          </p:cNvPicPr>
           <p:nvPr/>
-        </p:nvSpPr>
+        </p:nvPicPr>
+        <p:blipFill>
+          <a:blip r:embed="rId4"/>
+          <a:stretch>
+            <a:fillRect/>
+          </a:stretch>
+        </p:blipFill>
         <p:spPr>
           <a:xfrm>
-            <a:off x="457200" y="4297680"/>
-            <a:ext cx="8229600" cy="1036320"/>
+            <a:off x="1143000" y="3924615"/>
+            <a:ext cx="7162800" cy="2361570"/>
           </a:xfrm>
           <a:prstGeom prst="rect">
             <a:avLst/>
           </a:prstGeom>
         </p:spPr>
-        <p:txBody>
-          <a:bodyPr vert="horz">
-            <a:normAutofit/>
-          </a:bodyPr>
-          <a:lstStyle/>
-          <a:p>
-            <a:pPr marL="274320" marR="0" lvl="0" indent="-274320" algn="l" defTabSz="914400" rtl="0" eaLnBrk="1" fontAlgn="auto" latinLnBrk="0" hangingPunct="1">
-              <a:lnSpc>
-                <a:spcPct val="100000"/>
-              </a:lnSpc>
-              <a:spcBef>
-                <a:spcPct val="20000"/>
-              </a:spcBef>
-              <a:spcAft>
-                <a:spcPts val="0"/>
-              </a:spcAft>
-              <a:buClr>
-                <a:schemeClr val="accent3"/>
-              </a:buClr>
-              <a:buSzPct val="95000"/>
-              <a:buFont typeface="Wingdings 2"/>
-              <a:buChar char=""/>
-              <a:tabLst/>
-              <a:defRPr/>
-            </a:pPr>
-            <a:r>
-              <a:rPr kumimoji="0" lang="en-US" sz="2600" b="0" i="0" u="none" strike="noStrike" kern="1200" cap="none" spc="0" normalizeH="0" baseline="0" noProof="0" dirty="0">
-                <a:ln>
-                  <a:noFill/>
-                </a:ln>
-                <a:solidFill>
-                  <a:schemeClr val="tx1"/>
-                </a:solidFill>
-                <a:effectLst/>
-                <a:uLnTx/>
-                <a:uFillTx/>
-                <a:latin typeface="+mn-lt"/>
-                <a:ea typeface="+mn-ea"/>
-                <a:cs typeface="+mn-cs"/>
-              </a:rPr>
-              <a:t>A few </a:t>
-            </a:r>
-            <a:r>
-              <a:rPr lang="en-US" sz="2600" dirty="0"/>
-              <a:t>slides have been adapted from UCF </a:t>
-            </a:r>
-            <a:r>
-              <a:rPr kumimoji="0" lang="en-US" sz="2600" b="0" i="0" u="none" strike="noStrike" kern="1200" cap="none" spc="0" normalizeH="0" baseline="0" noProof="0" dirty="0">
-                <a:ln>
-                  <a:noFill/>
-                </a:ln>
-                <a:solidFill>
-                  <a:schemeClr val="tx1"/>
-                </a:solidFill>
-                <a:effectLst/>
-                <a:uLnTx/>
-                <a:uFillTx/>
-                <a:latin typeface="+mn-lt"/>
-                <a:ea typeface="+mn-ea"/>
-                <a:cs typeface="+mn-cs"/>
-              </a:rPr>
-              <a:t>slides for the SE course</a:t>
-            </a:r>
-          </a:p>
-        </p:txBody>
-      </p:sp>
+      </p:pic>
     </p:spTree>
+    <p:extLst>
+      <p:ext uri="{BB962C8B-B14F-4D97-AF65-F5344CB8AC3E}">
+        <p14:creationId xmlns:p14="http://schemas.microsoft.com/office/powerpoint/2010/main" val="2043697384"/>
+      </p:ext>
+    </p:extLst>
   </p:cSld>
   <p:clrMapOvr>
     <a:masterClrMapping/>
   </p:clrMapOvr>
+  <p:transition/>
+</p:sld>
+</file>
+
+<file path=ppt/slides/slide34.xml><?xml version="1.0" encoding="utf-8"?>
+<p:sld xmlns:a="http://schemas.openxmlformats.org/drawingml/2006/main" xmlns:r="http://schemas.openxmlformats.org/officeDocument/2006/relationships" xmlns:p="http://schemas.openxmlformats.org/presentationml/2006/main">
+  <p:cSld>
+    <p:spTree>
+      <p:nvGrpSpPr>
+        <p:cNvPr id="1" name=""/>
+        <p:cNvGrpSpPr/>
+        <p:nvPr/>
+      </p:nvGrpSpPr>
+      <p:grpSpPr>
+        <a:xfrm>
+          <a:off x="0" y="0"/>
+          <a:ext cx="0" cy="0"/>
+          <a:chOff x="0" y="0"/>
+          <a:chExt cx="0" cy="0"/>
+        </a:xfrm>
+      </p:grpSpPr>
+      <p:sp>
+        <p:nvSpPr>
+          <p:cNvPr id="22530" name="Rectangle 2"/>
+          <p:cNvSpPr>
+            <a:spLocks noGrp="1" noChangeArrowheads="1"/>
+          </p:cNvSpPr>
+          <p:nvPr>
+            <p:ph type="title"/>
+          </p:nvPr>
+        </p:nvSpPr>
+        <p:spPr>
+          <a:xfrm>
+            <a:off x="457200" y="914400"/>
+            <a:ext cx="8229600" cy="1143000"/>
+          </a:xfrm>
+        </p:spPr>
+        <p:txBody>
+          <a:bodyPr>
+            <a:normAutofit/>
+          </a:bodyPr>
+          <a:lstStyle/>
+          <a:p>
+            <a:pPr eaLnBrk="1" hangingPunct="1"/>
+            <a:r>
+              <a:rPr lang="en-GB" dirty="0"/>
+              <a:t>Unified Process Model</a:t>
+            </a:r>
+            <a:endParaRPr lang="en-US" sz="2800" dirty="0"/>
+          </a:p>
+        </p:txBody>
+      </p:sp>
+      <p:pic>
+        <p:nvPicPr>
+          <p:cNvPr id="3" name="Picture 2">
+            <a:extLst>
+              <a:ext uri="{FF2B5EF4-FFF2-40B4-BE49-F238E27FC236}">
+                <a16:creationId xmlns:a16="http://schemas.microsoft.com/office/drawing/2014/main" id="{5348D8B5-632F-4B4F-92DE-47474EC93EC8}"/>
+              </a:ext>
+            </a:extLst>
+          </p:cNvPr>
+          <p:cNvPicPr>
+            <a:picLocks noChangeAspect="1"/>
+          </p:cNvPicPr>
+          <p:nvPr/>
+        </p:nvPicPr>
+        <p:blipFill>
+          <a:blip r:embed="rId3"/>
+          <a:stretch>
+            <a:fillRect/>
+          </a:stretch>
+        </p:blipFill>
+        <p:spPr>
+          <a:xfrm>
+            <a:off x="0" y="2514600"/>
+            <a:ext cx="9144000" cy="3982915"/>
+          </a:xfrm>
+          <a:prstGeom prst="rect">
+            <a:avLst/>
+          </a:prstGeom>
+        </p:spPr>
+      </p:pic>
+    </p:spTree>
+    <p:extLst>
+      <p:ext uri="{BB962C8B-B14F-4D97-AF65-F5344CB8AC3E}">
+        <p14:creationId xmlns:p14="http://schemas.microsoft.com/office/powerpoint/2010/main" val="2328656628"/>
+      </p:ext>
+    </p:extLst>
+  </p:cSld>
+  <p:clrMapOvr>
+    <a:masterClrMapping/>
+  </p:clrMapOvr>
+  <p:transition/>
+</p:sld>
+</file>
+
+<file path=ppt/slides/slide35.xml><?xml version="1.0" encoding="utf-8"?>
+<p:sld xmlns:a="http://schemas.openxmlformats.org/drawingml/2006/main" xmlns:r="http://schemas.openxmlformats.org/officeDocument/2006/relationships" xmlns:p="http://schemas.openxmlformats.org/presentationml/2006/main">
+  <p:cSld>
+    <p:spTree>
+      <p:nvGrpSpPr>
+        <p:cNvPr id="1" name=""/>
+        <p:cNvGrpSpPr/>
+        <p:nvPr/>
+      </p:nvGrpSpPr>
+      <p:grpSpPr>
+        <a:xfrm>
+          <a:off x="0" y="0"/>
+          <a:ext cx="0" cy="0"/>
+          <a:chOff x="0" y="0"/>
+          <a:chExt cx="0" cy="0"/>
+        </a:xfrm>
+      </p:grpSpPr>
+      <p:sp>
+        <p:nvSpPr>
+          <p:cNvPr id="22530" name="Rectangle 2"/>
+          <p:cNvSpPr>
+            <a:spLocks noGrp="1" noChangeArrowheads="1"/>
+          </p:cNvSpPr>
+          <p:nvPr>
+            <p:ph type="title"/>
+          </p:nvPr>
+        </p:nvSpPr>
+        <p:spPr>
+          <a:xfrm>
+            <a:off x="1524000" y="351812"/>
+            <a:ext cx="8229600" cy="1143000"/>
+          </a:xfrm>
+        </p:spPr>
+        <p:txBody>
+          <a:bodyPr>
+            <a:normAutofit/>
+          </a:bodyPr>
+          <a:lstStyle/>
+          <a:p>
+            <a:pPr eaLnBrk="1" hangingPunct="1"/>
+            <a:r>
+              <a:rPr lang="en-GB" dirty="0"/>
+              <a:t>Unified Process Model</a:t>
+            </a:r>
+            <a:endParaRPr lang="en-US" sz="2800" dirty="0"/>
+          </a:p>
+        </p:txBody>
+      </p:sp>
+      <p:sp>
+        <p:nvSpPr>
+          <p:cNvPr id="6" name="TextBox 5">
+            <a:extLst>
+              <a:ext uri="{FF2B5EF4-FFF2-40B4-BE49-F238E27FC236}">
+                <a16:creationId xmlns:a16="http://schemas.microsoft.com/office/drawing/2014/main" id="{044DDD6E-6135-4561-A456-11FCB0E40BB8}"/>
+              </a:ext>
+            </a:extLst>
+          </p:cNvPr>
+          <p:cNvSpPr txBox="1"/>
+          <p:nvPr/>
+        </p:nvSpPr>
+        <p:spPr>
+          <a:xfrm>
+            <a:off x="578796" y="1592115"/>
+            <a:ext cx="7591424" cy="1877437"/>
+          </a:xfrm>
+          <a:prstGeom prst="rect">
+            <a:avLst/>
+          </a:prstGeom>
+          <a:noFill/>
+        </p:spPr>
+        <p:txBody>
+          <a:bodyPr wrap="square">
+            <a:spAutoFit/>
+          </a:bodyPr>
+          <a:lstStyle/>
+          <a:p>
+            <a:r>
+              <a:rPr lang="en-US" sz="4000" b="1" i="0" dirty="0">
+                <a:solidFill>
+                  <a:srgbClr val="273239"/>
+                </a:solidFill>
+                <a:effectLst/>
+                <a:latin typeface="urw-din"/>
+              </a:rPr>
+              <a:t>Object Oriented Approach</a:t>
+            </a:r>
+          </a:p>
+          <a:p>
+            <a:r>
+              <a:rPr lang="en-US" sz="4000" b="1" i="0" dirty="0">
+                <a:solidFill>
+                  <a:srgbClr val="273239"/>
+                </a:solidFill>
+                <a:effectLst/>
+                <a:latin typeface="urw-din"/>
+              </a:rPr>
+              <a:t>Object:</a:t>
+            </a:r>
+          </a:p>
+          <a:p>
+            <a:r>
+              <a:rPr lang="en-US" b="0" i="0" dirty="0">
+                <a:solidFill>
+                  <a:srgbClr val="273239"/>
+                </a:solidFill>
+                <a:effectLst/>
+                <a:latin typeface="urw-din"/>
+              </a:rPr>
+              <a:t>For example, in the case of a Banking System, a customer is an object, a cheque book is an object, and even an account is an object.</a:t>
+            </a:r>
+            <a:endParaRPr lang="en-PK" dirty="0"/>
+          </a:p>
+        </p:txBody>
+      </p:sp>
+      <p:pic>
+        <p:nvPicPr>
+          <p:cNvPr id="4" name="Picture 3">
+            <a:extLst>
+              <a:ext uri="{FF2B5EF4-FFF2-40B4-BE49-F238E27FC236}">
+                <a16:creationId xmlns:a16="http://schemas.microsoft.com/office/drawing/2014/main" id="{9F464CC6-E244-4D47-858C-A4CC3BE0B29A}"/>
+              </a:ext>
+            </a:extLst>
+          </p:cNvPr>
+          <p:cNvPicPr>
+            <a:picLocks noChangeAspect="1"/>
+          </p:cNvPicPr>
+          <p:nvPr/>
+        </p:nvPicPr>
+        <p:blipFill rotWithShape="1">
+          <a:blip r:embed="rId3"/>
+          <a:srcRect t="5104"/>
+          <a:stretch/>
+        </p:blipFill>
+        <p:spPr>
+          <a:xfrm>
+            <a:off x="485775" y="3276600"/>
+            <a:ext cx="7591425" cy="2833718"/>
+          </a:xfrm>
+          <a:prstGeom prst="rect">
+            <a:avLst/>
+          </a:prstGeom>
+        </p:spPr>
+      </p:pic>
+    </p:spTree>
+    <p:extLst>
+      <p:ext uri="{BB962C8B-B14F-4D97-AF65-F5344CB8AC3E}">
+        <p14:creationId xmlns:p14="http://schemas.microsoft.com/office/powerpoint/2010/main" val="3791448585"/>
+      </p:ext>
+    </p:extLst>
+  </p:cSld>
+  <p:clrMapOvr>
+    <a:masterClrMapping/>
+  </p:clrMapOvr>
+  <p:transition/>
+</p:sld>
+</file>
+
+<file path=ppt/slides/slide36.xml><?xml version="1.0" encoding="utf-8"?>
+<p:sld xmlns:a="http://schemas.openxmlformats.org/drawingml/2006/main" xmlns:r="http://schemas.openxmlformats.org/officeDocument/2006/relationships" xmlns:p="http://schemas.openxmlformats.org/presentationml/2006/main">
+  <p:cSld>
+    <p:spTree>
+      <p:nvGrpSpPr>
+        <p:cNvPr id="1" name=""/>
+        <p:cNvGrpSpPr/>
+        <p:nvPr/>
+      </p:nvGrpSpPr>
+      <p:grpSpPr>
+        <a:xfrm>
+          <a:off x="0" y="0"/>
+          <a:ext cx="0" cy="0"/>
+          <a:chOff x="0" y="0"/>
+          <a:chExt cx="0" cy="0"/>
+        </a:xfrm>
+      </p:grpSpPr>
+      <p:sp>
+        <p:nvSpPr>
+          <p:cNvPr id="22530" name="Rectangle 2"/>
+          <p:cNvSpPr>
+            <a:spLocks noGrp="1" noChangeArrowheads="1"/>
+          </p:cNvSpPr>
+          <p:nvPr>
+            <p:ph type="title"/>
+          </p:nvPr>
+        </p:nvSpPr>
+        <p:spPr>
+          <a:xfrm>
+            <a:off x="1524000" y="381000"/>
+            <a:ext cx="8229600" cy="1143000"/>
+          </a:xfrm>
+        </p:spPr>
+        <p:txBody>
+          <a:bodyPr>
+            <a:normAutofit/>
+          </a:bodyPr>
+          <a:lstStyle/>
+          <a:p>
+            <a:pPr eaLnBrk="1" hangingPunct="1"/>
+            <a:r>
+              <a:rPr lang="en-GB" dirty="0"/>
+              <a:t>Unified Process Model</a:t>
+            </a:r>
+            <a:endParaRPr lang="en-US" sz="2800" dirty="0"/>
+          </a:p>
+        </p:txBody>
+      </p:sp>
+      <p:sp>
+        <p:nvSpPr>
+          <p:cNvPr id="12" name="TextBox 11">
+            <a:extLst>
+              <a:ext uri="{FF2B5EF4-FFF2-40B4-BE49-F238E27FC236}">
+                <a16:creationId xmlns:a16="http://schemas.microsoft.com/office/drawing/2014/main" id="{0BE3DF85-8C43-4FFC-A5E4-7E0B5F7C255C}"/>
+              </a:ext>
+            </a:extLst>
+          </p:cNvPr>
+          <p:cNvSpPr txBox="1"/>
+          <p:nvPr/>
+        </p:nvSpPr>
+        <p:spPr>
+          <a:xfrm>
+            <a:off x="304800" y="1219200"/>
+            <a:ext cx="7315200" cy="4678204"/>
+          </a:xfrm>
+          <a:prstGeom prst="rect">
+            <a:avLst/>
+          </a:prstGeom>
+          <a:noFill/>
+        </p:spPr>
+        <p:txBody>
+          <a:bodyPr wrap="square">
+            <a:spAutoFit/>
+          </a:bodyPr>
+          <a:lstStyle/>
+          <a:p>
+            <a:r>
+              <a:rPr lang="en-US" sz="2800" b="1" i="0" dirty="0">
+                <a:solidFill>
+                  <a:srgbClr val="000000"/>
+                </a:solidFill>
+                <a:effectLst/>
+                <a:latin typeface="Arial" panose="020B0604020202020204" pitchFamily="34" charset="0"/>
+              </a:rPr>
+              <a:t>Object:</a:t>
+            </a:r>
+          </a:p>
+          <a:p>
+            <a:r>
+              <a:rPr lang="en-US" b="0" i="0" dirty="0">
+                <a:solidFill>
+                  <a:srgbClr val="000000"/>
+                </a:solidFill>
+                <a:effectLst/>
+                <a:latin typeface="Arial" panose="020B0604020202020204" pitchFamily="34" charset="0"/>
+              </a:rPr>
+              <a:t>Real-world objects share two characteristics: They all have </a:t>
+            </a:r>
+            <a:r>
+              <a:rPr lang="en-US" b="0" i="1" dirty="0">
+                <a:solidFill>
+                  <a:srgbClr val="000000"/>
+                </a:solidFill>
+                <a:effectLst/>
+                <a:latin typeface="Arial" panose="020B0604020202020204" pitchFamily="34" charset="0"/>
+              </a:rPr>
+              <a:t>state(attribute)</a:t>
+            </a:r>
+            <a:r>
+              <a:rPr lang="en-US" b="0" i="0" dirty="0">
+                <a:solidFill>
+                  <a:srgbClr val="000000"/>
+                </a:solidFill>
+                <a:effectLst/>
+                <a:latin typeface="Arial" panose="020B0604020202020204" pitchFamily="34" charset="0"/>
+              </a:rPr>
+              <a:t> and </a:t>
+            </a:r>
+            <a:r>
+              <a:rPr lang="en-US" b="0" i="1" dirty="0">
+                <a:solidFill>
+                  <a:srgbClr val="000000"/>
+                </a:solidFill>
+                <a:effectLst/>
+                <a:latin typeface="Arial" panose="020B0604020202020204" pitchFamily="34" charset="0"/>
+              </a:rPr>
+              <a:t>behavior</a:t>
+            </a:r>
+            <a:r>
+              <a:rPr lang="en-US" b="0" i="0" dirty="0">
+                <a:solidFill>
+                  <a:srgbClr val="000000"/>
+                </a:solidFill>
+                <a:effectLst/>
+                <a:latin typeface="Arial" panose="020B0604020202020204" pitchFamily="34" charset="0"/>
+              </a:rPr>
+              <a:t>. Dogs have state (name, color, breed) and behavior (barking, fetching, wagging tail). Bicycles also have state (current gear, current pedal, current speed) and behavior (changing gear, changing pedal cadence, applying brakes). Identifying the state and behavior for real-world objects is a great way to begin thinking in terms of object-oriented programming.</a:t>
+            </a:r>
+          </a:p>
+          <a:p>
+            <a:r>
+              <a:rPr lang="en-US" b="1" i="0" dirty="0">
+                <a:solidFill>
+                  <a:srgbClr val="000000"/>
+                </a:solidFill>
+                <a:effectLst/>
+                <a:latin typeface="Arial" panose="020B0604020202020204" pitchFamily="34" charset="0"/>
+              </a:rPr>
+              <a:t>OR </a:t>
+            </a:r>
+          </a:p>
+          <a:p>
+            <a:r>
+              <a:rPr lang="en-US" b="0" i="0" dirty="0">
+                <a:solidFill>
+                  <a:srgbClr val="000000"/>
+                </a:solidFill>
+                <a:effectLst/>
+                <a:latin typeface="Arial" panose="020B0604020202020204" pitchFamily="34" charset="0"/>
+              </a:rPr>
+              <a:t>An object is something that is exists within problem domain and can be identified by data (attribute) or behavior. All tangible entities (student, patient) and some intangible entities (bank account) are </a:t>
+            </a:r>
+          </a:p>
+          <a:p>
+            <a:r>
+              <a:rPr lang="en-US" b="0" i="0" dirty="0">
+                <a:solidFill>
+                  <a:srgbClr val="000000"/>
+                </a:solidFill>
+                <a:effectLst/>
+                <a:latin typeface="Arial" panose="020B0604020202020204" pitchFamily="34" charset="0"/>
+              </a:rPr>
+              <a:t>modeled as object.</a:t>
+            </a:r>
+            <a:endParaRPr lang="en-US" dirty="0">
+              <a:solidFill>
+                <a:srgbClr val="000000"/>
+              </a:solidFill>
+              <a:latin typeface="Arial" panose="020B0604020202020204" pitchFamily="34" charset="0"/>
+            </a:endParaRPr>
+          </a:p>
+          <a:p>
+            <a:endParaRPr lang="en-US" b="0" i="0" dirty="0">
+              <a:solidFill>
+                <a:srgbClr val="000000"/>
+              </a:solidFill>
+              <a:effectLst/>
+              <a:latin typeface="Arial" panose="020B0604020202020204" pitchFamily="34" charset="0"/>
+            </a:endParaRPr>
+          </a:p>
+          <a:p>
+            <a:endParaRPr lang="en-US" dirty="0">
+              <a:solidFill>
+                <a:srgbClr val="000000"/>
+              </a:solidFill>
+              <a:latin typeface="Arial" panose="020B0604020202020204" pitchFamily="34" charset="0"/>
+            </a:endParaRPr>
+          </a:p>
+          <a:p>
+            <a:endParaRPr lang="en-PK" dirty="0"/>
+          </a:p>
+        </p:txBody>
+      </p:sp>
+      <p:sp>
+        <p:nvSpPr>
+          <p:cNvPr id="14" name="TextBox 13">
+            <a:extLst>
+              <a:ext uri="{FF2B5EF4-FFF2-40B4-BE49-F238E27FC236}">
+                <a16:creationId xmlns:a16="http://schemas.microsoft.com/office/drawing/2014/main" id="{92079A04-10F6-4294-9F6E-D8F672230671}"/>
+              </a:ext>
+            </a:extLst>
+          </p:cNvPr>
+          <p:cNvSpPr txBox="1"/>
+          <p:nvPr/>
+        </p:nvSpPr>
+        <p:spPr>
+          <a:xfrm>
+            <a:off x="304800" y="5038635"/>
+            <a:ext cx="7783749" cy="1200329"/>
+          </a:xfrm>
+          <a:prstGeom prst="rect">
+            <a:avLst/>
+          </a:prstGeom>
+          <a:noFill/>
+        </p:spPr>
+        <p:txBody>
+          <a:bodyPr wrap="square">
+            <a:spAutoFit/>
+          </a:bodyPr>
+          <a:lstStyle/>
+          <a:p>
+            <a:r>
+              <a:rPr lang="en-US" b="0" i="0" dirty="0">
+                <a:solidFill>
+                  <a:srgbClr val="000000"/>
+                </a:solidFill>
+                <a:effectLst/>
+                <a:latin typeface="Arial" panose="020B0604020202020204" pitchFamily="34" charset="0"/>
+              </a:rPr>
+              <a:t>Software objects are conceptually similar to real-world objects: they too consist of state and related behavior. An object stores its state in </a:t>
+            </a:r>
+            <a:r>
+              <a:rPr lang="en-US" b="0" i="1" dirty="0">
+                <a:solidFill>
+                  <a:srgbClr val="000000"/>
+                </a:solidFill>
+                <a:effectLst/>
+                <a:latin typeface="Arial" panose="020B0604020202020204" pitchFamily="34" charset="0"/>
+              </a:rPr>
+              <a:t>fields</a:t>
+            </a:r>
+            <a:r>
+              <a:rPr lang="en-US" b="0" i="0" dirty="0">
+                <a:solidFill>
+                  <a:srgbClr val="000000"/>
+                </a:solidFill>
+                <a:effectLst/>
+                <a:latin typeface="Arial" panose="020B0604020202020204" pitchFamily="34" charset="0"/>
+              </a:rPr>
+              <a:t> (variables in some programming languages) and exposes its behavior through </a:t>
+            </a:r>
+            <a:r>
+              <a:rPr lang="en-US" b="0" i="1" dirty="0">
+                <a:solidFill>
+                  <a:srgbClr val="000000"/>
+                </a:solidFill>
+                <a:effectLst/>
+                <a:latin typeface="Arial" panose="020B0604020202020204" pitchFamily="34" charset="0"/>
+              </a:rPr>
+              <a:t>methods</a:t>
+            </a:r>
+            <a:r>
+              <a:rPr lang="en-US" b="0" i="0" dirty="0">
+                <a:solidFill>
+                  <a:srgbClr val="000000"/>
+                </a:solidFill>
+                <a:effectLst/>
+                <a:latin typeface="Arial" panose="020B0604020202020204" pitchFamily="34" charset="0"/>
+              </a:rPr>
+              <a:t> (functions in some programming languages)</a:t>
+            </a:r>
+            <a:endParaRPr lang="en-PK" dirty="0"/>
+          </a:p>
+        </p:txBody>
+      </p:sp>
+    </p:spTree>
+    <p:extLst>
+      <p:ext uri="{BB962C8B-B14F-4D97-AF65-F5344CB8AC3E}">
+        <p14:creationId xmlns:p14="http://schemas.microsoft.com/office/powerpoint/2010/main" val="2802215997"/>
+      </p:ext>
+    </p:extLst>
+  </p:cSld>
+  <p:clrMapOvr>
+    <a:masterClrMapping/>
+  </p:clrMapOvr>
+  <p:transition/>
+</p:sld>
+</file>
+
+<file path=ppt/slides/slide37.xml><?xml version="1.0" encoding="utf-8"?>
+<p:sld xmlns:a="http://schemas.openxmlformats.org/drawingml/2006/main" xmlns:r="http://schemas.openxmlformats.org/officeDocument/2006/relationships" xmlns:p="http://schemas.openxmlformats.org/presentationml/2006/main">
+  <p:cSld>
+    <p:spTree>
+      <p:nvGrpSpPr>
+        <p:cNvPr id="1" name=""/>
+        <p:cNvGrpSpPr/>
+        <p:nvPr/>
+      </p:nvGrpSpPr>
+      <p:grpSpPr>
+        <a:xfrm>
+          <a:off x="0" y="0"/>
+          <a:ext cx="0" cy="0"/>
+          <a:chOff x="0" y="0"/>
+          <a:chExt cx="0" cy="0"/>
+        </a:xfrm>
+      </p:grpSpPr>
+      <p:sp>
+        <p:nvSpPr>
+          <p:cNvPr id="22530" name="Rectangle 2"/>
+          <p:cNvSpPr>
+            <a:spLocks noGrp="1" noChangeArrowheads="1"/>
+          </p:cNvSpPr>
+          <p:nvPr>
+            <p:ph type="title"/>
+          </p:nvPr>
+        </p:nvSpPr>
+        <p:spPr>
+          <a:xfrm>
+            <a:off x="457200" y="914400"/>
+            <a:ext cx="8229600" cy="1143000"/>
+          </a:xfrm>
+        </p:spPr>
+        <p:txBody>
+          <a:bodyPr>
+            <a:normAutofit fontScale="90000"/>
+          </a:bodyPr>
+          <a:lstStyle/>
+          <a:p>
+            <a:pPr eaLnBrk="1" hangingPunct="1"/>
+            <a:r>
+              <a:rPr lang="en-GB" dirty="0"/>
+              <a:t>Unified Process Model</a:t>
+            </a:r>
+            <a:br>
+              <a:rPr lang="en-GB" dirty="0"/>
+            </a:br>
+            <a:r>
+              <a:rPr lang="en-GB" dirty="0"/>
+              <a:t>(Object)</a:t>
+            </a:r>
+            <a:endParaRPr lang="en-US" sz="2800" dirty="0"/>
+          </a:p>
+        </p:txBody>
+      </p:sp>
+      <p:pic>
+        <p:nvPicPr>
+          <p:cNvPr id="9" name="Picture 8">
+            <a:extLst>
+              <a:ext uri="{FF2B5EF4-FFF2-40B4-BE49-F238E27FC236}">
+                <a16:creationId xmlns:a16="http://schemas.microsoft.com/office/drawing/2014/main" id="{6516D669-24B9-40E4-9BD6-D908E085958E}"/>
+              </a:ext>
+            </a:extLst>
+          </p:cNvPr>
+          <p:cNvPicPr>
+            <a:picLocks noChangeAspect="1"/>
+          </p:cNvPicPr>
+          <p:nvPr/>
+        </p:nvPicPr>
+        <p:blipFill>
+          <a:blip r:embed="rId3"/>
+          <a:stretch>
+            <a:fillRect/>
+          </a:stretch>
+        </p:blipFill>
+        <p:spPr>
+          <a:xfrm>
+            <a:off x="281354" y="2743200"/>
+            <a:ext cx="8305800" cy="2819400"/>
+          </a:xfrm>
+          <a:prstGeom prst="rect">
+            <a:avLst/>
+          </a:prstGeom>
+        </p:spPr>
+      </p:pic>
+    </p:spTree>
+    <p:extLst>
+      <p:ext uri="{BB962C8B-B14F-4D97-AF65-F5344CB8AC3E}">
+        <p14:creationId xmlns:p14="http://schemas.microsoft.com/office/powerpoint/2010/main" val="1182194151"/>
+      </p:ext>
+    </p:extLst>
+  </p:cSld>
+  <p:clrMapOvr>
+    <a:masterClrMapping/>
+  </p:clrMapOvr>
+  <p:transition/>
+</p:sld>
+</file>
+
+<file path=ppt/slides/slide38.xml><?xml version="1.0" encoding="utf-8"?>
+<p:sld xmlns:a="http://schemas.openxmlformats.org/drawingml/2006/main" xmlns:r="http://schemas.openxmlformats.org/officeDocument/2006/relationships" xmlns:p="http://schemas.openxmlformats.org/presentationml/2006/main">
+  <p:cSld>
+    <p:spTree>
+      <p:nvGrpSpPr>
+        <p:cNvPr id="1" name=""/>
+        <p:cNvGrpSpPr/>
+        <p:nvPr/>
+      </p:nvGrpSpPr>
+      <p:grpSpPr>
+        <a:xfrm>
+          <a:off x="0" y="0"/>
+          <a:ext cx="0" cy="0"/>
+          <a:chOff x="0" y="0"/>
+          <a:chExt cx="0" cy="0"/>
+        </a:xfrm>
+      </p:grpSpPr>
+      <p:sp>
+        <p:nvSpPr>
+          <p:cNvPr id="22530" name="Rectangle 2"/>
+          <p:cNvSpPr>
+            <a:spLocks noGrp="1" noChangeArrowheads="1"/>
+          </p:cNvSpPr>
+          <p:nvPr>
+            <p:ph type="title"/>
+          </p:nvPr>
+        </p:nvSpPr>
+        <p:spPr>
+          <a:xfrm>
+            <a:off x="457200" y="914400"/>
+            <a:ext cx="8229600" cy="1143000"/>
+          </a:xfrm>
+        </p:spPr>
+        <p:txBody>
+          <a:bodyPr>
+            <a:normAutofit fontScale="90000"/>
+          </a:bodyPr>
+          <a:lstStyle/>
+          <a:p>
+            <a:pPr eaLnBrk="1" hangingPunct="1"/>
+            <a:r>
+              <a:rPr lang="en-GB" dirty="0"/>
+              <a:t>Unified Process Model</a:t>
+            </a:r>
+            <a:br>
+              <a:rPr lang="en-GB" dirty="0"/>
+            </a:br>
+            <a:r>
+              <a:rPr lang="en-GB" dirty="0"/>
+              <a:t>(Class)</a:t>
+            </a:r>
+            <a:endParaRPr lang="en-US" sz="2800" dirty="0"/>
+          </a:p>
+        </p:txBody>
+      </p:sp>
+      <p:pic>
+        <p:nvPicPr>
+          <p:cNvPr id="6" name="Picture 5">
+            <a:extLst>
+              <a:ext uri="{FF2B5EF4-FFF2-40B4-BE49-F238E27FC236}">
+                <a16:creationId xmlns:a16="http://schemas.microsoft.com/office/drawing/2014/main" id="{5A85D5B9-C000-4145-9146-68A1BDFC62D6}"/>
+              </a:ext>
+            </a:extLst>
+          </p:cNvPr>
+          <p:cNvPicPr>
+            <a:picLocks noChangeAspect="1"/>
+          </p:cNvPicPr>
+          <p:nvPr/>
+        </p:nvPicPr>
+        <p:blipFill rotWithShape="1">
+          <a:blip r:embed="rId3"/>
+          <a:srcRect t="2684"/>
+          <a:stretch/>
+        </p:blipFill>
+        <p:spPr>
+          <a:xfrm>
+            <a:off x="1600200" y="2209800"/>
+            <a:ext cx="5639144" cy="4150639"/>
+          </a:xfrm>
+          <a:prstGeom prst="rect">
+            <a:avLst/>
+          </a:prstGeom>
+        </p:spPr>
+      </p:pic>
+    </p:spTree>
+    <p:extLst>
+      <p:ext uri="{BB962C8B-B14F-4D97-AF65-F5344CB8AC3E}">
+        <p14:creationId xmlns:p14="http://schemas.microsoft.com/office/powerpoint/2010/main" val="3153858887"/>
+      </p:ext>
+    </p:extLst>
+  </p:cSld>
+  <p:clrMapOvr>
+    <a:masterClrMapping/>
+  </p:clrMapOvr>
+  <p:transition/>
+</p:sld>
+</file>
+
+<file path=ppt/slides/slide39.xml><?xml version="1.0" encoding="utf-8"?>
+<p:sld xmlns:a="http://schemas.openxmlformats.org/drawingml/2006/main" xmlns:r="http://schemas.openxmlformats.org/officeDocument/2006/relationships" xmlns:p="http://schemas.openxmlformats.org/presentationml/2006/main">
+  <p:cSld>
+    <p:spTree>
+      <p:nvGrpSpPr>
+        <p:cNvPr id="1" name=""/>
+        <p:cNvGrpSpPr/>
+        <p:nvPr/>
+      </p:nvGrpSpPr>
+      <p:grpSpPr>
+        <a:xfrm>
+          <a:off x="0" y="0"/>
+          <a:ext cx="0" cy="0"/>
+          <a:chOff x="0" y="0"/>
+          <a:chExt cx="0" cy="0"/>
+        </a:xfrm>
+      </p:grpSpPr>
+      <p:sp>
+        <p:nvSpPr>
+          <p:cNvPr id="22530" name="Rectangle 2"/>
+          <p:cNvSpPr>
+            <a:spLocks noGrp="1" noChangeArrowheads="1"/>
+          </p:cNvSpPr>
+          <p:nvPr>
+            <p:ph type="title"/>
+          </p:nvPr>
+        </p:nvSpPr>
+        <p:spPr>
+          <a:xfrm>
+            <a:off x="457200" y="914400"/>
+            <a:ext cx="8229600" cy="1143000"/>
+          </a:xfrm>
+        </p:spPr>
+        <p:txBody>
+          <a:bodyPr>
+            <a:normAutofit fontScale="90000"/>
+          </a:bodyPr>
+          <a:lstStyle/>
+          <a:p>
+            <a:pPr eaLnBrk="1" hangingPunct="1"/>
+            <a:r>
+              <a:rPr lang="en-GB" dirty="0"/>
+              <a:t>Unified Process Model</a:t>
+            </a:r>
+            <a:br>
+              <a:rPr lang="en-GB" dirty="0"/>
+            </a:br>
+            <a:r>
+              <a:rPr lang="en-GB" dirty="0"/>
+              <a:t>(Class)</a:t>
+            </a:r>
+            <a:endParaRPr lang="en-US" sz="2800" dirty="0"/>
+          </a:p>
+        </p:txBody>
+      </p:sp>
+      <p:pic>
+        <p:nvPicPr>
+          <p:cNvPr id="3" name="Picture 2">
+            <a:extLst>
+              <a:ext uri="{FF2B5EF4-FFF2-40B4-BE49-F238E27FC236}">
+                <a16:creationId xmlns:a16="http://schemas.microsoft.com/office/drawing/2014/main" id="{5AB2FBD0-F5B9-477E-B03D-DA780E2771B5}"/>
+              </a:ext>
+            </a:extLst>
+          </p:cNvPr>
+          <p:cNvPicPr>
+            <a:picLocks noChangeAspect="1"/>
+          </p:cNvPicPr>
+          <p:nvPr/>
+        </p:nvPicPr>
+        <p:blipFill>
+          <a:blip r:embed="rId3"/>
+          <a:stretch>
+            <a:fillRect/>
+          </a:stretch>
+        </p:blipFill>
+        <p:spPr>
+          <a:xfrm>
+            <a:off x="1277053" y="2273177"/>
+            <a:ext cx="6589893" cy="3690938"/>
+          </a:xfrm>
+          <a:prstGeom prst="rect">
+            <a:avLst/>
+          </a:prstGeom>
+        </p:spPr>
+      </p:pic>
+    </p:spTree>
+    <p:extLst>
+      <p:ext uri="{BB962C8B-B14F-4D97-AF65-F5344CB8AC3E}">
+        <p14:creationId xmlns:p14="http://schemas.microsoft.com/office/powerpoint/2010/main" val="1279635889"/>
+      </p:ext>
+    </p:extLst>
+  </p:cSld>
+  <p:clrMapOvr>
+    <a:masterClrMapping/>
+  </p:clrMapOvr>
+  <p:transition/>
 </p:sld>
 </file>
 
@@ -12864,6 +15662,2565 @@
 </p:sld>
 </file>
 
+<file path=ppt/slides/slide40.xml><?xml version="1.0" encoding="utf-8"?>
+<p:sld xmlns:a="http://schemas.openxmlformats.org/drawingml/2006/main" xmlns:r="http://schemas.openxmlformats.org/officeDocument/2006/relationships" xmlns:p="http://schemas.openxmlformats.org/presentationml/2006/main">
+  <p:cSld>
+    <p:spTree>
+      <p:nvGrpSpPr>
+        <p:cNvPr id="1" name=""/>
+        <p:cNvGrpSpPr/>
+        <p:nvPr/>
+      </p:nvGrpSpPr>
+      <p:grpSpPr>
+        <a:xfrm>
+          <a:off x="0" y="0"/>
+          <a:ext cx="0" cy="0"/>
+          <a:chOff x="0" y="0"/>
+          <a:chExt cx="0" cy="0"/>
+        </a:xfrm>
+      </p:grpSpPr>
+      <p:sp>
+        <p:nvSpPr>
+          <p:cNvPr id="22530" name="Rectangle 2"/>
+          <p:cNvSpPr>
+            <a:spLocks noGrp="1" noChangeArrowheads="1"/>
+          </p:cNvSpPr>
+          <p:nvPr>
+            <p:ph type="title"/>
+          </p:nvPr>
+        </p:nvSpPr>
+        <p:spPr>
+          <a:xfrm>
+            <a:off x="457200" y="914400"/>
+            <a:ext cx="8229600" cy="1143000"/>
+          </a:xfrm>
+        </p:spPr>
+        <p:txBody>
+          <a:bodyPr>
+            <a:normAutofit/>
+          </a:bodyPr>
+          <a:lstStyle/>
+          <a:p>
+            <a:pPr eaLnBrk="1" hangingPunct="1"/>
+            <a:r>
+              <a:rPr lang="en-GB" dirty="0"/>
+              <a:t>Unified Process Model</a:t>
+            </a:r>
+            <a:endParaRPr lang="en-US" sz="2800" dirty="0"/>
+          </a:p>
+        </p:txBody>
+      </p:sp>
+      <p:sp>
+        <p:nvSpPr>
+          <p:cNvPr id="22531" name="Rectangle 3"/>
+          <p:cNvSpPr>
+            <a:spLocks noGrp="1" noChangeArrowheads="1"/>
+          </p:cNvSpPr>
+          <p:nvPr>
+            <p:ph type="body" idx="1"/>
+          </p:nvPr>
+        </p:nvSpPr>
+        <p:spPr>
+          <a:xfrm>
+            <a:off x="457200" y="2438400"/>
+            <a:ext cx="8229600" cy="3962400"/>
+          </a:xfrm>
+        </p:spPr>
+        <p:txBody>
+          <a:bodyPr>
+            <a:normAutofit/>
+          </a:bodyPr>
+          <a:lstStyle/>
+          <a:p>
+            <a:r>
+              <a:rPr lang="en-US" dirty="0"/>
+              <a:t>Object-oriented system development methodology Offered by Rational/IBM, UP developed by </a:t>
+            </a:r>
+            <a:r>
+              <a:rPr lang="en-US" dirty="0" err="1"/>
+              <a:t>Booch</a:t>
+            </a:r>
+            <a:r>
+              <a:rPr lang="en-US" dirty="0"/>
+              <a:t>, Rumbaugh, and Jacobson</a:t>
+            </a:r>
+          </a:p>
+          <a:p>
+            <a:r>
+              <a:rPr lang="en-US" dirty="0"/>
+              <a:t> UP should be tailored to organizational and project needs</a:t>
+            </a:r>
+          </a:p>
+          <a:p>
+            <a:r>
+              <a:rPr lang="en-US" dirty="0"/>
+              <a:t> Highly iterative life cycle</a:t>
+            </a:r>
+          </a:p>
+          <a:p>
+            <a:r>
+              <a:rPr lang="en-US" dirty="0"/>
+              <a:t>use-case driven(looking through user perspective).</a:t>
+            </a:r>
+          </a:p>
+          <a:p>
+            <a:r>
+              <a:rPr lang="en-US" dirty="0"/>
+              <a:t>Risk Focused</a:t>
+            </a:r>
+            <a:endParaRPr lang="en-GB" dirty="0"/>
+          </a:p>
+        </p:txBody>
+      </p:sp>
+    </p:spTree>
+    <p:extLst>
+      <p:ext uri="{BB962C8B-B14F-4D97-AF65-F5344CB8AC3E}">
+        <p14:creationId xmlns:p14="http://schemas.microsoft.com/office/powerpoint/2010/main" val="1988921669"/>
+      </p:ext>
+    </p:extLst>
+  </p:cSld>
+  <p:clrMapOvr>
+    <a:masterClrMapping/>
+  </p:clrMapOvr>
+  <p:transition/>
+</p:sld>
+</file>
+
+<file path=ppt/slides/slide41.xml><?xml version="1.0" encoding="utf-8"?>
+<p:sld xmlns:a="http://schemas.openxmlformats.org/drawingml/2006/main" xmlns:r="http://schemas.openxmlformats.org/officeDocument/2006/relationships" xmlns:p="http://schemas.openxmlformats.org/presentationml/2006/main">
+  <p:cSld>
+    <p:spTree>
+      <p:nvGrpSpPr>
+        <p:cNvPr id="1" name=""/>
+        <p:cNvGrpSpPr/>
+        <p:nvPr/>
+      </p:nvGrpSpPr>
+      <p:grpSpPr>
+        <a:xfrm>
+          <a:off x="0" y="0"/>
+          <a:ext cx="0" cy="0"/>
+          <a:chOff x="0" y="0"/>
+          <a:chExt cx="0" cy="0"/>
+        </a:xfrm>
+      </p:grpSpPr>
+      <p:sp>
+        <p:nvSpPr>
+          <p:cNvPr id="22530" name="Rectangle 2"/>
+          <p:cNvSpPr>
+            <a:spLocks noGrp="1" noChangeArrowheads="1"/>
+          </p:cNvSpPr>
+          <p:nvPr>
+            <p:ph type="title"/>
+          </p:nvPr>
+        </p:nvSpPr>
+        <p:spPr>
+          <a:xfrm>
+            <a:off x="457200" y="914400"/>
+            <a:ext cx="8229600" cy="1143000"/>
+          </a:xfrm>
+        </p:spPr>
+        <p:txBody>
+          <a:bodyPr>
+            <a:normAutofit/>
+          </a:bodyPr>
+          <a:lstStyle/>
+          <a:p>
+            <a:pPr eaLnBrk="1" hangingPunct="1"/>
+            <a:r>
+              <a:rPr lang="en-GB" dirty="0"/>
+              <a:t>Unified Process Model (Contd.)</a:t>
+            </a:r>
+            <a:endParaRPr lang="en-US" sz="2800" dirty="0"/>
+          </a:p>
+        </p:txBody>
+      </p:sp>
+      <p:sp>
+        <p:nvSpPr>
+          <p:cNvPr id="22531" name="Rectangle 3"/>
+          <p:cNvSpPr>
+            <a:spLocks noGrp="1" noChangeArrowheads="1"/>
+          </p:cNvSpPr>
+          <p:nvPr>
+            <p:ph type="body" idx="1"/>
+          </p:nvPr>
+        </p:nvSpPr>
+        <p:spPr>
+          <a:xfrm>
+            <a:off x="457200" y="2438400"/>
+            <a:ext cx="8229600" cy="3962400"/>
+          </a:xfrm>
+        </p:spPr>
+        <p:txBody>
+          <a:bodyPr>
+            <a:normAutofit/>
+          </a:bodyPr>
+          <a:lstStyle/>
+          <a:p>
+            <a:r>
+              <a:rPr lang="en-US" dirty="0"/>
+              <a:t> Four Phases:</a:t>
+            </a:r>
+          </a:p>
+          <a:p>
+            <a:pPr lvl="1"/>
+            <a:r>
+              <a:rPr lang="en-US" dirty="0"/>
+              <a:t>Inception – develop and refine system vision</a:t>
+            </a:r>
+          </a:p>
+          <a:p>
+            <a:pPr lvl="1"/>
+            <a:r>
+              <a:rPr lang="en-US" dirty="0"/>
+              <a:t>Elaboration – define requirements and design and implement core architecture</a:t>
+            </a:r>
+          </a:p>
+          <a:p>
+            <a:pPr lvl="1"/>
+            <a:r>
+              <a:rPr lang="en-US" dirty="0"/>
+              <a:t>Construction – continue design and implementation of routine, less risky parts</a:t>
+            </a:r>
+          </a:p>
+          <a:p>
+            <a:pPr lvl="1"/>
+            <a:r>
+              <a:rPr lang="en-US" dirty="0"/>
+              <a:t>Transition – move the system into operational mode</a:t>
+            </a:r>
+            <a:endParaRPr lang="en-GB" dirty="0"/>
+          </a:p>
+        </p:txBody>
+      </p:sp>
+    </p:spTree>
+    <p:extLst>
+      <p:ext uri="{BB962C8B-B14F-4D97-AF65-F5344CB8AC3E}">
+        <p14:creationId xmlns:p14="http://schemas.microsoft.com/office/powerpoint/2010/main" val="3560170846"/>
+      </p:ext>
+    </p:extLst>
+  </p:cSld>
+  <p:clrMapOvr>
+    <a:masterClrMapping/>
+  </p:clrMapOvr>
+  <p:transition/>
+</p:sld>
+</file>
+
+<file path=ppt/slides/slide42.xml><?xml version="1.0" encoding="utf-8"?>
+<p:sld xmlns:a="http://schemas.openxmlformats.org/drawingml/2006/main" xmlns:r="http://schemas.openxmlformats.org/officeDocument/2006/relationships" xmlns:p="http://schemas.openxmlformats.org/presentationml/2006/main">
+  <p:cSld>
+    <p:spTree>
+      <p:nvGrpSpPr>
+        <p:cNvPr id="1" name=""/>
+        <p:cNvGrpSpPr/>
+        <p:nvPr/>
+      </p:nvGrpSpPr>
+      <p:grpSpPr>
+        <a:xfrm>
+          <a:off x="0" y="0"/>
+          <a:ext cx="0" cy="0"/>
+          <a:chOff x="0" y="0"/>
+          <a:chExt cx="0" cy="0"/>
+        </a:xfrm>
+      </p:grpSpPr>
+      <p:sp>
+        <p:nvSpPr>
+          <p:cNvPr id="22530" name="Rectangle 2"/>
+          <p:cNvSpPr>
+            <a:spLocks noGrp="1" noChangeArrowheads="1"/>
+          </p:cNvSpPr>
+          <p:nvPr>
+            <p:ph type="title"/>
+          </p:nvPr>
+        </p:nvSpPr>
+        <p:spPr>
+          <a:xfrm>
+            <a:off x="457200" y="914400"/>
+            <a:ext cx="8229600" cy="1143000"/>
+          </a:xfrm>
+        </p:spPr>
+        <p:txBody>
+          <a:bodyPr>
+            <a:normAutofit/>
+          </a:bodyPr>
+          <a:lstStyle/>
+          <a:p>
+            <a:pPr eaLnBrk="1" hangingPunct="1"/>
+            <a:r>
+              <a:rPr lang="en-GB" dirty="0"/>
+              <a:t>Unified Process Model (Contd.)</a:t>
+            </a:r>
+            <a:endParaRPr lang="en-US" sz="2800" dirty="0"/>
+          </a:p>
+        </p:txBody>
+      </p:sp>
+      <p:pic>
+        <p:nvPicPr>
+          <p:cNvPr id="1026" name="Picture 2"/>
+          <p:cNvPicPr>
+            <a:picLocks noChangeAspect="1" noChangeArrowheads="1"/>
+          </p:cNvPicPr>
+          <p:nvPr/>
+        </p:nvPicPr>
+        <p:blipFill>
+          <a:blip r:embed="rId3" cstate="print"/>
+          <a:srcRect/>
+          <a:stretch>
+            <a:fillRect/>
+          </a:stretch>
+        </p:blipFill>
+        <p:spPr bwMode="auto">
+          <a:xfrm>
+            <a:off x="2095500" y="2019300"/>
+            <a:ext cx="6896100" cy="2171700"/>
+          </a:xfrm>
+          <a:prstGeom prst="rect">
+            <a:avLst/>
+          </a:prstGeom>
+          <a:noFill/>
+          <a:ln w="9525">
+            <a:noFill/>
+            <a:miter lim="800000"/>
+            <a:headEnd/>
+            <a:tailEnd/>
+          </a:ln>
+        </p:spPr>
+      </p:pic>
+      <p:sp>
+        <p:nvSpPr>
+          <p:cNvPr id="6" name="Rectangle 5"/>
+          <p:cNvSpPr/>
+          <p:nvPr/>
+        </p:nvSpPr>
+        <p:spPr>
+          <a:xfrm>
+            <a:off x="381000" y="6260068"/>
+            <a:ext cx="8229600" cy="369332"/>
+          </a:xfrm>
+          <a:prstGeom prst="rect">
+            <a:avLst/>
+          </a:prstGeom>
+        </p:spPr>
+        <p:txBody>
+          <a:bodyPr wrap="square">
+            <a:spAutoFit/>
+          </a:bodyPr>
+          <a:lstStyle/>
+          <a:p>
+            <a:r>
+              <a:rPr lang="en-US" b="1" dirty="0"/>
+              <a:t>Images’ Source:</a:t>
+            </a:r>
+            <a:r>
+              <a:rPr lang="en-US" dirty="0"/>
+              <a:t> Systems Analysis and Design in a Changing World, 4th Edition</a:t>
+            </a:r>
+          </a:p>
+        </p:txBody>
+      </p:sp>
+      <p:sp>
+        <p:nvSpPr>
+          <p:cNvPr id="7" name="Rectangle 6"/>
+          <p:cNvSpPr/>
+          <p:nvPr/>
+        </p:nvSpPr>
+        <p:spPr>
+          <a:xfrm>
+            <a:off x="4095750" y="2362200"/>
+            <a:ext cx="609600" cy="228600"/>
+          </a:xfrm>
+          <a:prstGeom prst="rect">
+            <a:avLst/>
+          </a:prstGeom>
+          <a:solidFill>
+            <a:schemeClr val="bg1"/>
+          </a:solidFill>
+          <a:ln>
+            <a:noFill/>
+          </a:ln>
+        </p:spPr>
+        <p:style>
+          <a:lnRef idx="2">
+            <a:schemeClr val="accent1">
+              <a:shade val="50000"/>
+            </a:schemeClr>
+          </a:lnRef>
+          <a:fillRef idx="1">
+            <a:schemeClr val="accent1"/>
+          </a:fillRef>
+          <a:effectRef idx="0">
+            <a:schemeClr val="accent1"/>
+          </a:effectRef>
+          <a:fontRef idx="minor">
+            <a:schemeClr val="lt1"/>
+          </a:fontRef>
+        </p:style>
+        <p:txBody>
+          <a:bodyPr rtlCol="0" anchor="ctr"/>
+          <a:lstStyle/>
+          <a:p>
+            <a:pPr algn="ctr"/>
+            <a:endParaRPr lang="en-US"/>
+          </a:p>
+        </p:txBody>
+      </p:sp>
+      <p:sp>
+        <p:nvSpPr>
+          <p:cNvPr id="8" name="Rectangle 7"/>
+          <p:cNvSpPr/>
+          <p:nvPr/>
+        </p:nvSpPr>
+        <p:spPr>
+          <a:xfrm>
+            <a:off x="6457950" y="2362200"/>
+            <a:ext cx="609600" cy="228600"/>
+          </a:xfrm>
+          <a:prstGeom prst="rect">
+            <a:avLst/>
+          </a:prstGeom>
+          <a:solidFill>
+            <a:schemeClr val="bg1"/>
+          </a:solidFill>
+          <a:ln>
+            <a:noFill/>
+          </a:ln>
+        </p:spPr>
+        <p:style>
+          <a:lnRef idx="2">
+            <a:schemeClr val="accent1">
+              <a:shade val="50000"/>
+            </a:schemeClr>
+          </a:lnRef>
+          <a:fillRef idx="1">
+            <a:schemeClr val="accent1"/>
+          </a:fillRef>
+          <a:effectRef idx="0">
+            <a:schemeClr val="accent1"/>
+          </a:effectRef>
+          <a:fontRef idx="minor">
+            <a:schemeClr val="lt1"/>
+          </a:fontRef>
+        </p:style>
+        <p:txBody>
+          <a:bodyPr rtlCol="0" anchor="ctr"/>
+          <a:lstStyle/>
+          <a:p>
+            <a:pPr algn="ctr"/>
+            <a:endParaRPr lang="en-US"/>
+          </a:p>
+        </p:txBody>
+      </p:sp>
+      <p:pic>
+        <p:nvPicPr>
+          <p:cNvPr id="9" name="Picture 2"/>
+          <p:cNvPicPr>
+            <a:picLocks noChangeAspect="1" noChangeArrowheads="1"/>
+          </p:cNvPicPr>
+          <p:nvPr/>
+        </p:nvPicPr>
+        <p:blipFill>
+          <a:blip r:embed="rId4" cstate="print"/>
+          <a:srcRect/>
+          <a:stretch>
+            <a:fillRect/>
+          </a:stretch>
+        </p:blipFill>
+        <p:spPr bwMode="auto">
+          <a:xfrm>
+            <a:off x="1066800" y="3581400"/>
+            <a:ext cx="6619875" cy="2676525"/>
+          </a:xfrm>
+          <a:prstGeom prst="rect">
+            <a:avLst/>
+          </a:prstGeom>
+          <a:noFill/>
+          <a:ln w="9525">
+            <a:noFill/>
+            <a:miter lim="800000"/>
+            <a:headEnd/>
+            <a:tailEnd/>
+          </a:ln>
+        </p:spPr>
+      </p:pic>
+    </p:spTree>
+    <p:extLst>
+      <p:ext uri="{BB962C8B-B14F-4D97-AF65-F5344CB8AC3E}">
+        <p14:creationId xmlns:p14="http://schemas.microsoft.com/office/powerpoint/2010/main" val="3417619881"/>
+      </p:ext>
+    </p:extLst>
+  </p:cSld>
+  <p:clrMapOvr>
+    <a:masterClrMapping/>
+  </p:clrMapOvr>
+  <p:transition/>
+  <p:timing>
+    <p:tnLst>
+      <p:par>
+        <p:cTn id="1" dur="indefinite" restart="never" nodeType="tmRoot">
+          <p:childTnLst>
+            <p:seq concurrent="1" nextAc="seek">
+              <p:cTn id="2" dur="indefinite" nodeType="mainSeq">
+                <p:childTnLst>
+                  <p:par>
+                    <p:cTn id="3" fill="hold">
+                      <p:stCondLst>
+                        <p:cond delay="indefinite"/>
+                      </p:stCondLst>
+                      <p:childTnLst>
+                        <p:par>
+                          <p:cTn id="4" fill="hold">
+                            <p:stCondLst>
+                              <p:cond delay="0"/>
+                            </p:stCondLst>
+                            <p:childTnLst>
+                              <p:par>
+                                <p:cTn id="5" presetID="9" presetClass="exit" presetSubtype="0" fill="hold" grpId="0" nodeType="clickEffect">
+                                  <p:stCondLst>
+                                    <p:cond delay="0"/>
+                                  </p:stCondLst>
+                                  <p:childTnLst>
+                                    <p:animEffect transition="out" filter="dissolve">
+                                      <p:cBhvr>
+                                        <p:cTn id="6" dur="500"/>
+                                        <p:tgtEl>
+                                          <p:spTgt spid="7"/>
+                                        </p:tgtEl>
+                                      </p:cBhvr>
+                                    </p:animEffect>
+                                    <p:set>
+                                      <p:cBhvr>
+                                        <p:cTn id="7" dur="1" fill="hold">
+                                          <p:stCondLst>
+                                            <p:cond delay="499"/>
+                                          </p:stCondLst>
+                                        </p:cTn>
+                                        <p:tgtEl>
+                                          <p:spTgt spid="7"/>
+                                        </p:tgtEl>
+                                        <p:attrNameLst>
+                                          <p:attrName>style.visibility</p:attrName>
+                                        </p:attrNameLst>
+                                      </p:cBhvr>
+                                      <p:to>
+                                        <p:strVal val="hidden"/>
+                                      </p:to>
+                                    </p:set>
+                                  </p:childTnLst>
+                                </p:cTn>
+                              </p:par>
+                              <p:par>
+                                <p:cTn id="8" presetID="9" presetClass="exit" presetSubtype="0" fill="hold" grpId="0" nodeType="withEffect">
+                                  <p:stCondLst>
+                                    <p:cond delay="0"/>
+                                  </p:stCondLst>
+                                  <p:childTnLst>
+                                    <p:animEffect transition="out" filter="dissolve">
+                                      <p:cBhvr>
+                                        <p:cTn id="9" dur="500"/>
+                                        <p:tgtEl>
+                                          <p:spTgt spid="8"/>
+                                        </p:tgtEl>
+                                      </p:cBhvr>
+                                    </p:animEffect>
+                                    <p:set>
+                                      <p:cBhvr>
+                                        <p:cTn id="10" dur="1" fill="hold">
+                                          <p:stCondLst>
+                                            <p:cond delay="499"/>
+                                          </p:stCondLst>
+                                        </p:cTn>
+                                        <p:tgtEl>
+                                          <p:spTgt spid="8"/>
+                                        </p:tgtEl>
+                                        <p:attrNameLst>
+                                          <p:attrName>style.visibility</p:attrName>
+                                        </p:attrNameLst>
+                                      </p:cBhvr>
+                                      <p:to>
+                                        <p:strVal val="hidden"/>
+                                      </p:to>
+                                    </p:set>
+                                  </p:childTnLst>
+                                </p:cTn>
+                              </p:par>
+                            </p:childTnLst>
+                          </p:cTn>
+                        </p:par>
+                      </p:childTnLst>
+                    </p:cTn>
+                  </p:par>
+                  <p:par>
+                    <p:cTn id="11" fill="hold">
+                      <p:stCondLst>
+                        <p:cond delay="indefinite"/>
+                      </p:stCondLst>
+                      <p:childTnLst>
+                        <p:par>
+                          <p:cTn id="12" fill="hold">
+                            <p:stCondLst>
+                              <p:cond delay="0"/>
+                            </p:stCondLst>
+                            <p:childTnLst>
+                              <p:par>
+                                <p:cTn id="13" presetID="10" presetClass="entr" presetSubtype="0" fill="hold" nodeType="clickEffect">
+                                  <p:stCondLst>
+                                    <p:cond delay="0"/>
+                                  </p:stCondLst>
+                                  <p:childTnLst>
+                                    <p:set>
+                                      <p:cBhvr>
+                                        <p:cTn id="14" dur="1" fill="hold">
+                                          <p:stCondLst>
+                                            <p:cond delay="0"/>
+                                          </p:stCondLst>
+                                        </p:cTn>
+                                        <p:tgtEl>
+                                          <p:spTgt spid="9"/>
+                                        </p:tgtEl>
+                                        <p:attrNameLst>
+                                          <p:attrName>style.visibility</p:attrName>
+                                        </p:attrNameLst>
+                                      </p:cBhvr>
+                                      <p:to>
+                                        <p:strVal val="visible"/>
+                                      </p:to>
+                                    </p:set>
+                                    <p:animEffect transition="in" filter="fade">
+                                      <p:cBhvr>
+                                        <p:cTn id="15" dur="2000"/>
+                                        <p:tgtEl>
+                                          <p:spTgt spid="9"/>
+                                        </p:tgtEl>
+                                      </p:cBhvr>
+                                    </p:animEffect>
+                                  </p:childTnLst>
+                                </p:cTn>
+                              </p:par>
+                            </p:childTnLst>
+                          </p:cTn>
+                        </p:par>
+                      </p:childTnLst>
+                    </p:cTn>
+                  </p:par>
+                </p:childTnLst>
+              </p:cTn>
+              <p:prevCondLst>
+                <p:cond evt="onPrev" delay="0">
+                  <p:tgtEl>
+                    <p:sldTgt/>
+                  </p:tgtEl>
+                </p:cond>
+              </p:prevCondLst>
+              <p:nextCondLst>
+                <p:cond evt="onNext" delay="0">
+                  <p:tgtEl>
+                    <p:sldTgt/>
+                  </p:tgtEl>
+                </p:cond>
+              </p:nextCondLst>
+            </p:seq>
+          </p:childTnLst>
+        </p:cTn>
+      </p:par>
+    </p:tnLst>
+    <p:bldLst>
+      <p:bldP spid="7" grpId="0" animBg="1"/>
+      <p:bldP spid="8" grpId="0" animBg="1"/>
+    </p:bldLst>
+  </p:timing>
+</p:sld>
+</file>
+
+<file path=ppt/slides/slide43.xml><?xml version="1.0" encoding="utf-8"?>
+<p:sld xmlns:a="http://schemas.openxmlformats.org/drawingml/2006/main" xmlns:r="http://schemas.openxmlformats.org/officeDocument/2006/relationships" xmlns:p="http://schemas.openxmlformats.org/presentationml/2006/main">
+  <p:cSld>
+    <p:spTree>
+      <p:nvGrpSpPr>
+        <p:cNvPr id="1" name=""/>
+        <p:cNvGrpSpPr/>
+        <p:nvPr/>
+      </p:nvGrpSpPr>
+      <p:grpSpPr>
+        <a:xfrm>
+          <a:off x="0" y="0"/>
+          <a:ext cx="0" cy="0"/>
+          <a:chOff x="0" y="0"/>
+          <a:chExt cx="0" cy="0"/>
+        </a:xfrm>
+      </p:grpSpPr>
+      <p:sp>
+        <p:nvSpPr>
+          <p:cNvPr id="22530" name="Rectangle 2"/>
+          <p:cNvSpPr>
+            <a:spLocks noGrp="1" noChangeArrowheads="1"/>
+          </p:cNvSpPr>
+          <p:nvPr>
+            <p:ph type="title"/>
+          </p:nvPr>
+        </p:nvSpPr>
+        <p:spPr>
+          <a:xfrm>
+            <a:off x="457200" y="914400"/>
+            <a:ext cx="8229600" cy="1143000"/>
+          </a:xfrm>
+        </p:spPr>
+        <p:txBody>
+          <a:bodyPr>
+            <a:normAutofit/>
+          </a:bodyPr>
+          <a:lstStyle/>
+          <a:p>
+            <a:pPr eaLnBrk="1" hangingPunct="1"/>
+            <a:r>
+              <a:rPr lang="en-GB" dirty="0"/>
+              <a:t>Unified Process Model (Contd.)</a:t>
+            </a:r>
+            <a:endParaRPr lang="en-US" sz="2800" dirty="0"/>
+          </a:p>
+        </p:txBody>
+      </p:sp>
+      <p:sp>
+        <p:nvSpPr>
+          <p:cNvPr id="22531" name="Rectangle 3"/>
+          <p:cNvSpPr>
+            <a:spLocks noGrp="1" noChangeArrowheads="1"/>
+          </p:cNvSpPr>
+          <p:nvPr>
+            <p:ph type="body" idx="1"/>
+          </p:nvPr>
+        </p:nvSpPr>
+        <p:spPr>
+          <a:xfrm>
+            <a:off x="457200" y="2438400"/>
+            <a:ext cx="8229600" cy="3962400"/>
+          </a:xfrm>
+        </p:spPr>
+        <p:txBody>
+          <a:bodyPr>
+            <a:normAutofit/>
+          </a:bodyPr>
+          <a:lstStyle/>
+          <a:p>
+            <a:r>
+              <a:rPr lang="en-US" dirty="0"/>
+              <a:t>Related development activities are called disciplines</a:t>
+            </a:r>
+          </a:p>
+          <a:p>
+            <a:pPr lvl="1"/>
+            <a:r>
+              <a:rPr lang="en-US" dirty="0"/>
+              <a:t>UP disciplines:</a:t>
+            </a:r>
+          </a:p>
+          <a:p>
+            <a:pPr>
+              <a:buNone/>
+            </a:pPr>
+            <a:r>
+              <a:rPr lang="en-US" sz="2000" dirty="0"/>
+              <a:t>	 	</a:t>
+            </a:r>
+            <a:r>
+              <a:rPr lang="en-US" sz="2400" dirty="0"/>
+              <a:t>Business modeling, requirements,  design, 	implementation, testing, deployment, project 	management, configuration and change 	management, and environment</a:t>
+            </a:r>
+          </a:p>
+          <a:p>
+            <a:r>
+              <a:rPr lang="en-US" dirty="0"/>
+              <a:t> Each iteration includes activities from all disciplines</a:t>
+            </a:r>
+          </a:p>
+          <a:p>
+            <a:r>
+              <a:rPr lang="en-US" dirty="0"/>
+              <a:t> Activities in each discipline produce </a:t>
+            </a:r>
+            <a:r>
+              <a:rPr lang="en-US" dirty="0" err="1"/>
+              <a:t>artefacts</a:t>
+            </a:r>
+            <a:r>
+              <a:rPr lang="en-US" dirty="0"/>
+              <a:t> – </a:t>
+            </a:r>
+            <a:r>
+              <a:rPr lang="fr-FR" dirty="0" err="1"/>
+              <a:t>models</a:t>
+            </a:r>
+            <a:r>
+              <a:rPr lang="fr-FR" dirty="0"/>
+              <a:t>, documents, source code, and </a:t>
+            </a:r>
+            <a:r>
+              <a:rPr lang="en-US" dirty="0"/>
+              <a:t>executables</a:t>
+            </a:r>
+            <a:endParaRPr lang="en-GB" dirty="0"/>
+          </a:p>
+        </p:txBody>
+      </p:sp>
+    </p:spTree>
+    <p:extLst>
+      <p:ext uri="{BB962C8B-B14F-4D97-AF65-F5344CB8AC3E}">
+        <p14:creationId xmlns:p14="http://schemas.microsoft.com/office/powerpoint/2010/main" val="4275215608"/>
+      </p:ext>
+    </p:extLst>
+  </p:cSld>
+  <p:clrMapOvr>
+    <a:masterClrMapping/>
+  </p:clrMapOvr>
+  <p:transition/>
+</p:sld>
+</file>
+
+<file path=ppt/slides/slide44.xml><?xml version="1.0" encoding="utf-8"?>
+<p:sld xmlns:a="http://schemas.openxmlformats.org/drawingml/2006/main" xmlns:r="http://schemas.openxmlformats.org/officeDocument/2006/relationships" xmlns:p="http://schemas.openxmlformats.org/presentationml/2006/main">
+  <p:cSld>
+    <p:spTree>
+      <p:nvGrpSpPr>
+        <p:cNvPr id="1" name=""/>
+        <p:cNvGrpSpPr/>
+        <p:nvPr/>
+      </p:nvGrpSpPr>
+      <p:grpSpPr>
+        <a:xfrm>
+          <a:off x="0" y="0"/>
+          <a:ext cx="0" cy="0"/>
+          <a:chOff x="0" y="0"/>
+          <a:chExt cx="0" cy="0"/>
+        </a:xfrm>
+      </p:grpSpPr>
+      <p:sp>
+        <p:nvSpPr>
+          <p:cNvPr id="22530" name="Rectangle 2"/>
+          <p:cNvSpPr>
+            <a:spLocks noGrp="1" noChangeArrowheads="1"/>
+          </p:cNvSpPr>
+          <p:nvPr>
+            <p:ph type="title"/>
+          </p:nvPr>
+        </p:nvSpPr>
+        <p:spPr>
+          <a:xfrm>
+            <a:off x="457200" y="914400"/>
+            <a:ext cx="8229600" cy="1143000"/>
+          </a:xfrm>
+        </p:spPr>
+        <p:txBody>
+          <a:bodyPr>
+            <a:normAutofit/>
+          </a:bodyPr>
+          <a:lstStyle/>
+          <a:p>
+            <a:pPr eaLnBrk="1" hangingPunct="1"/>
+            <a:r>
+              <a:rPr lang="en-GB" dirty="0"/>
+              <a:t>Unified Process Model (Contd.)</a:t>
+            </a:r>
+            <a:endParaRPr lang="en-US" sz="2800" dirty="0"/>
+          </a:p>
+        </p:txBody>
+      </p:sp>
+      <p:pic>
+        <p:nvPicPr>
+          <p:cNvPr id="2050" name="Picture 2"/>
+          <p:cNvPicPr>
+            <a:picLocks noChangeAspect="1" noChangeArrowheads="1"/>
+          </p:cNvPicPr>
+          <p:nvPr/>
+        </p:nvPicPr>
+        <p:blipFill>
+          <a:blip r:embed="rId3" cstate="print"/>
+          <a:srcRect/>
+          <a:stretch>
+            <a:fillRect/>
+          </a:stretch>
+        </p:blipFill>
+        <p:spPr bwMode="auto">
+          <a:xfrm>
+            <a:off x="2105025" y="2057400"/>
+            <a:ext cx="6657975" cy="4705350"/>
+          </a:xfrm>
+          <a:prstGeom prst="rect">
+            <a:avLst/>
+          </a:prstGeom>
+          <a:noFill/>
+          <a:ln w="9525">
+            <a:noFill/>
+            <a:miter lim="800000"/>
+            <a:headEnd/>
+            <a:tailEnd/>
+          </a:ln>
+        </p:spPr>
+      </p:pic>
+      <p:sp>
+        <p:nvSpPr>
+          <p:cNvPr id="6" name="Rectangle 5"/>
+          <p:cNvSpPr/>
+          <p:nvPr/>
+        </p:nvSpPr>
+        <p:spPr>
+          <a:xfrm>
+            <a:off x="-3810000" y="5285601"/>
+            <a:ext cx="8001000" cy="276999"/>
+          </a:xfrm>
+          <a:prstGeom prst="rect">
+            <a:avLst/>
+          </a:prstGeom>
+          <a:scene3d>
+            <a:camera prst="orthographicFront">
+              <a:rot lat="0" lon="0" rev="16200000"/>
+            </a:camera>
+            <a:lightRig rig="threePt" dir="t"/>
+          </a:scene3d>
+        </p:spPr>
+        <p:txBody>
+          <a:bodyPr wrap="square">
+            <a:spAutoFit/>
+          </a:bodyPr>
+          <a:lstStyle/>
+          <a:p>
+            <a:r>
+              <a:rPr lang="en-US" sz="1200" b="1" dirty="0"/>
+              <a:t>Image Source:</a:t>
+            </a:r>
+            <a:r>
+              <a:rPr lang="en-US" sz="1200" dirty="0"/>
+              <a:t> Systems Analysis and Design in a Changing World, 4th Edition</a:t>
+            </a:r>
+          </a:p>
+        </p:txBody>
+      </p:sp>
+    </p:spTree>
+    <p:extLst>
+      <p:ext uri="{BB962C8B-B14F-4D97-AF65-F5344CB8AC3E}">
+        <p14:creationId xmlns:p14="http://schemas.microsoft.com/office/powerpoint/2010/main" val="1687075365"/>
+      </p:ext>
+    </p:extLst>
+  </p:cSld>
+  <p:clrMapOvr>
+    <a:masterClrMapping/>
+  </p:clrMapOvr>
+  <p:transition/>
+</p:sld>
+</file>
+
+<file path=ppt/slides/slide45.xml><?xml version="1.0" encoding="utf-8"?>
+<p:sld xmlns:a="http://schemas.openxmlformats.org/drawingml/2006/main" xmlns:r="http://schemas.openxmlformats.org/officeDocument/2006/relationships" xmlns:p="http://schemas.openxmlformats.org/presentationml/2006/main">
+  <p:cSld>
+    <p:spTree>
+      <p:nvGrpSpPr>
+        <p:cNvPr id="1" name=""/>
+        <p:cNvGrpSpPr/>
+        <p:nvPr/>
+      </p:nvGrpSpPr>
+      <p:grpSpPr>
+        <a:xfrm>
+          <a:off x="0" y="0"/>
+          <a:ext cx="0" cy="0"/>
+          <a:chOff x="0" y="0"/>
+          <a:chExt cx="0" cy="0"/>
+        </a:xfrm>
+      </p:grpSpPr>
+      <p:sp>
+        <p:nvSpPr>
+          <p:cNvPr id="22530" name="Rectangle 2"/>
+          <p:cNvSpPr>
+            <a:spLocks noGrp="1" noChangeArrowheads="1"/>
+          </p:cNvSpPr>
+          <p:nvPr>
+            <p:ph type="title"/>
+          </p:nvPr>
+        </p:nvSpPr>
+        <p:spPr>
+          <a:xfrm>
+            <a:off x="457200" y="914400"/>
+            <a:ext cx="8229600" cy="1143000"/>
+          </a:xfrm>
+        </p:spPr>
+        <p:txBody>
+          <a:bodyPr>
+            <a:normAutofit/>
+          </a:bodyPr>
+          <a:lstStyle/>
+          <a:p>
+            <a:pPr eaLnBrk="1" hangingPunct="1"/>
+            <a:r>
+              <a:rPr lang="en-GB" dirty="0"/>
+              <a:t>Agile Methods</a:t>
+            </a:r>
+            <a:endParaRPr lang="en-US" sz="2800" dirty="0"/>
+          </a:p>
+        </p:txBody>
+      </p:sp>
+      <p:sp>
+        <p:nvSpPr>
+          <p:cNvPr id="22531" name="Rectangle 3"/>
+          <p:cNvSpPr>
+            <a:spLocks noGrp="1" noChangeArrowheads="1"/>
+          </p:cNvSpPr>
+          <p:nvPr>
+            <p:ph type="body" idx="1"/>
+          </p:nvPr>
+        </p:nvSpPr>
+        <p:spPr>
+          <a:xfrm>
+            <a:off x="457200" y="2438400"/>
+            <a:ext cx="8229600" cy="3962400"/>
+          </a:xfrm>
+        </p:spPr>
+        <p:txBody>
+          <a:bodyPr>
+            <a:normAutofit/>
+          </a:bodyPr>
+          <a:lstStyle/>
+          <a:p>
+            <a:pPr>
+              <a:tabLst>
+                <a:tab pos="454025" algn="l"/>
+                <a:tab pos="911225" algn="l"/>
+                <a:tab pos="1368425" algn="l"/>
+                <a:tab pos="1825625" algn="l"/>
+                <a:tab pos="2282825" algn="l"/>
+                <a:tab pos="2740025" algn="l"/>
+                <a:tab pos="3197225" algn="l"/>
+                <a:tab pos="3654425" algn="l"/>
+                <a:tab pos="4111625" algn="l"/>
+                <a:tab pos="4568825" algn="l"/>
+                <a:tab pos="5026025" algn="l"/>
+                <a:tab pos="5483225" algn="l"/>
+                <a:tab pos="5940425" algn="l"/>
+                <a:tab pos="6397625" algn="l"/>
+                <a:tab pos="6854825" algn="l"/>
+                <a:tab pos="7312025" algn="l"/>
+                <a:tab pos="7769225" algn="l"/>
+                <a:tab pos="8226425" algn="l"/>
+                <a:tab pos="8683625" algn="l"/>
+                <a:tab pos="9140825" algn="l"/>
+              </a:tabLst>
+            </a:pPr>
+            <a:r>
+              <a:rPr lang="en-GB" dirty="0"/>
+              <a:t>Emphasis on flexibility in producing software quickly and capably in rapidly changing environment </a:t>
+            </a:r>
+          </a:p>
+          <a:p>
+            <a:pPr lvl="1">
+              <a:tabLst>
+                <a:tab pos="454025" algn="l"/>
+                <a:tab pos="911225" algn="l"/>
+                <a:tab pos="1368425" algn="l"/>
+                <a:tab pos="1825625" algn="l"/>
+                <a:tab pos="2282825" algn="l"/>
+                <a:tab pos="2740025" algn="l"/>
+                <a:tab pos="3197225" algn="l"/>
+                <a:tab pos="3654425" algn="l"/>
+                <a:tab pos="4111625" algn="l"/>
+                <a:tab pos="4568825" algn="l"/>
+                <a:tab pos="5026025" algn="l"/>
+                <a:tab pos="5483225" algn="l"/>
+                <a:tab pos="5940425" algn="l"/>
+                <a:tab pos="6397625" algn="l"/>
+                <a:tab pos="6854825" algn="l"/>
+                <a:tab pos="7312025" algn="l"/>
+                <a:tab pos="7769225" algn="l"/>
+                <a:tab pos="8226425" algn="l"/>
+                <a:tab pos="8683625" algn="l"/>
+                <a:tab pos="9140825" algn="l"/>
+              </a:tabLst>
+            </a:pPr>
+            <a:r>
+              <a:rPr lang="en-GB" dirty="0"/>
+              <a:t>Market condition</a:t>
+            </a:r>
+          </a:p>
+          <a:p>
+            <a:pPr lvl="1">
+              <a:tabLst>
+                <a:tab pos="454025" algn="l"/>
+                <a:tab pos="911225" algn="l"/>
+                <a:tab pos="1368425" algn="l"/>
+                <a:tab pos="1825625" algn="l"/>
+                <a:tab pos="2282825" algn="l"/>
+                <a:tab pos="2740025" algn="l"/>
+                <a:tab pos="3197225" algn="l"/>
+                <a:tab pos="3654425" algn="l"/>
+                <a:tab pos="4111625" algn="l"/>
+                <a:tab pos="4568825" algn="l"/>
+                <a:tab pos="5026025" algn="l"/>
+                <a:tab pos="5483225" algn="l"/>
+                <a:tab pos="5940425" algn="l"/>
+                <a:tab pos="6397625" algn="l"/>
+                <a:tab pos="6854825" algn="l"/>
+                <a:tab pos="7312025" algn="l"/>
+                <a:tab pos="7769225" algn="l"/>
+                <a:tab pos="8226425" algn="l"/>
+                <a:tab pos="8683625" algn="l"/>
+                <a:tab pos="9140825" algn="l"/>
+              </a:tabLst>
+            </a:pPr>
+            <a:r>
+              <a:rPr lang="en-GB" dirty="0"/>
+              <a:t>End-user needs</a:t>
+            </a:r>
+          </a:p>
+          <a:p>
+            <a:pPr lvl="1">
+              <a:tabLst>
+                <a:tab pos="454025" algn="l"/>
+                <a:tab pos="911225" algn="l"/>
+                <a:tab pos="1368425" algn="l"/>
+                <a:tab pos="1825625" algn="l"/>
+                <a:tab pos="2282825" algn="l"/>
+                <a:tab pos="2740025" algn="l"/>
+                <a:tab pos="3197225" algn="l"/>
+                <a:tab pos="3654425" algn="l"/>
+                <a:tab pos="4111625" algn="l"/>
+                <a:tab pos="4568825" algn="l"/>
+                <a:tab pos="5026025" algn="l"/>
+                <a:tab pos="5483225" algn="l"/>
+                <a:tab pos="5940425" algn="l"/>
+                <a:tab pos="6397625" algn="l"/>
+                <a:tab pos="6854825" algn="l"/>
+                <a:tab pos="7312025" algn="l"/>
+                <a:tab pos="7769225" algn="l"/>
+                <a:tab pos="8226425" algn="l"/>
+                <a:tab pos="8683625" algn="l"/>
+                <a:tab pos="9140825" algn="l"/>
+              </a:tabLst>
+            </a:pPr>
+            <a:r>
+              <a:rPr lang="en-GB" dirty="0"/>
+              <a:t>Competitive threats</a:t>
+            </a:r>
+          </a:p>
+          <a:p>
+            <a:pPr marL="0" indent="0">
+              <a:buNone/>
+              <a:tabLst>
+                <a:tab pos="454025" algn="l"/>
+                <a:tab pos="911225" algn="l"/>
+                <a:tab pos="1368425" algn="l"/>
+                <a:tab pos="1825625" algn="l"/>
+                <a:tab pos="2282825" algn="l"/>
+                <a:tab pos="2740025" algn="l"/>
+                <a:tab pos="3197225" algn="l"/>
+                <a:tab pos="3654425" algn="l"/>
+                <a:tab pos="4111625" algn="l"/>
+                <a:tab pos="4568825" algn="l"/>
+                <a:tab pos="5026025" algn="l"/>
+                <a:tab pos="5483225" algn="l"/>
+                <a:tab pos="5940425" algn="l"/>
+                <a:tab pos="6397625" algn="l"/>
+                <a:tab pos="6854825" algn="l"/>
+                <a:tab pos="7312025" algn="l"/>
+                <a:tab pos="7769225" algn="l"/>
+                <a:tab pos="8226425" algn="l"/>
+                <a:tab pos="8683625" algn="l"/>
+                <a:tab pos="9140825" algn="l"/>
+              </a:tabLst>
+            </a:pPr>
+            <a:r>
+              <a:rPr lang="en-GB" dirty="0"/>
+              <a:t> </a:t>
+            </a:r>
+          </a:p>
+        </p:txBody>
+      </p:sp>
+      <p:sp>
+        <p:nvSpPr>
+          <p:cNvPr id="2" name="TextBox 1"/>
+          <p:cNvSpPr txBox="1"/>
+          <p:nvPr/>
+        </p:nvSpPr>
+        <p:spPr>
+          <a:xfrm>
+            <a:off x="1981200" y="6367530"/>
+            <a:ext cx="6705600" cy="369332"/>
+          </a:xfrm>
+          <a:prstGeom prst="rect">
+            <a:avLst/>
+          </a:prstGeom>
+          <a:noFill/>
+        </p:spPr>
+        <p:txBody>
+          <a:bodyPr wrap="square" rtlCol="0">
+            <a:spAutoFit/>
+          </a:bodyPr>
+          <a:lstStyle/>
+          <a:p>
+            <a:r>
+              <a:rPr lang="en-US" dirty="0"/>
+              <a:t>Agile Methods, Chapter 05, SE Book by Pressman et al.</a:t>
+            </a:r>
+          </a:p>
+        </p:txBody>
+      </p:sp>
+    </p:spTree>
+    <p:extLst>
+      <p:ext uri="{BB962C8B-B14F-4D97-AF65-F5344CB8AC3E}">
+        <p14:creationId xmlns:p14="http://schemas.microsoft.com/office/powerpoint/2010/main" val="1571540696"/>
+      </p:ext>
+    </p:extLst>
+  </p:cSld>
+  <p:clrMapOvr>
+    <a:masterClrMapping/>
+  </p:clrMapOvr>
+  <p:transition/>
+  <p:timing>
+    <p:tnLst>
+      <p:par>
+        <p:cTn id="1" dur="indefinite" restart="never" nodeType="tmRoot">
+          <p:childTnLst>
+            <p:seq concurrent="1" nextAc="seek">
+              <p:cTn id="2" dur="indefinite" nodeType="mainSeq">
+                <p:childTnLst>
+                  <p:par>
+                    <p:cTn id="3" fill="hold">
+                      <p:stCondLst>
+                        <p:cond delay="indefinite"/>
+                      </p:stCondLst>
+                      <p:childTnLst>
+                        <p:par>
+                          <p:cTn id="4" fill="hold">
+                            <p:stCondLst>
+                              <p:cond delay="0"/>
+                            </p:stCondLst>
+                            <p:childTnLst>
+                              <p:par>
+                                <p:cTn id="5" presetID="19" presetClass="emph" presetSubtype="0" fill="hold" nodeType="clickEffect">
+                                  <p:stCondLst>
+                                    <p:cond delay="0"/>
+                                  </p:stCondLst>
+                                  <p:childTnLst>
+                                    <p:animClr clrSpc="rgb" dir="cw">
+                                      <p:cBhvr override="childStyle">
+                                        <p:cTn id="6" dur="500" fill="hold"/>
+                                        <p:tgtEl>
+                                          <p:spTgt spid="22531">
+                                            <p:txEl>
+                                              <p:pRg st="4" end="4"/>
+                                            </p:txEl>
+                                          </p:spTgt>
+                                        </p:tgtEl>
+                                        <p:attrNameLst>
+                                          <p:attrName>style.color</p:attrName>
+                                        </p:attrNameLst>
+                                      </p:cBhvr>
+                                      <p:to>
+                                        <a:srgbClr val="009A46"/>
+                                      </p:to>
+                                    </p:animClr>
+                                    <p:animClr clrSpc="rgb" dir="cw">
+                                      <p:cBhvr>
+                                        <p:cTn id="7" dur="500" fill="hold"/>
+                                        <p:tgtEl>
+                                          <p:spTgt spid="22531">
+                                            <p:txEl>
+                                              <p:pRg st="4" end="4"/>
+                                            </p:txEl>
+                                          </p:spTgt>
+                                        </p:tgtEl>
+                                        <p:attrNameLst>
+                                          <p:attrName>fillcolor</p:attrName>
+                                        </p:attrNameLst>
+                                      </p:cBhvr>
+                                      <p:to>
+                                        <a:srgbClr val="009A46"/>
+                                      </p:to>
+                                    </p:animClr>
+                                    <p:set>
+                                      <p:cBhvr>
+                                        <p:cTn id="8" dur="500" fill="hold"/>
+                                        <p:tgtEl>
+                                          <p:spTgt spid="22531">
+                                            <p:txEl>
+                                              <p:pRg st="4" end="4"/>
+                                            </p:txEl>
+                                          </p:spTgt>
+                                        </p:tgtEl>
+                                        <p:attrNameLst>
+                                          <p:attrName>fill.type</p:attrName>
+                                        </p:attrNameLst>
+                                      </p:cBhvr>
+                                      <p:to>
+                                        <p:strVal val="solid"/>
+                                      </p:to>
+                                    </p:set>
+                                    <p:set>
+                                      <p:cBhvr>
+                                        <p:cTn id="9" dur="500" fill="hold"/>
+                                        <p:tgtEl>
+                                          <p:spTgt spid="22531">
+                                            <p:txEl>
+                                              <p:pRg st="4" end="4"/>
+                                            </p:txEl>
+                                          </p:spTgt>
+                                        </p:tgtEl>
+                                        <p:attrNameLst>
+                                          <p:attrName>fill.on</p:attrName>
+                                        </p:attrNameLst>
+                                      </p:cBhvr>
+                                      <p:to>
+                                        <p:strVal val="true"/>
+                                      </p:to>
+                                    </p:set>
+                                  </p:childTnLst>
+                                </p:cTn>
+                              </p:par>
+                            </p:childTnLst>
+                          </p:cTn>
+                        </p:par>
+                      </p:childTnLst>
+                    </p:cTn>
+                  </p:par>
+                </p:childTnLst>
+              </p:cTn>
+              <p:prevCondLst>
+                <p:cond evt="onPrev" delay="0">
+                  <p:tgtEl>
+                    <p:sldTgt/>
+                  </p:tgtEl>
+                </p:cond>
+              </p:prevCondLst>
+              <p:nextCondLst>
+                <p:cond evt="onNext" delay="0">
+                  <p:tgtEl>
+                    <p:sldTgt/>
+                  </p:tgtEl>
+                </p:cond>
+              </p:nextCondLst>
+            </p:seq>
+          </p:childTnLst>
+        </p:cTn>
+      </p:par>
+    </p:tnLst>
+  </p:timing>
+</p:sld>
+</file>
+
+<file path=ppt/slides/slide46.xml><?xml version="1.0" encoding="utf-8"?>
+<p:sld xmlns:a="http://schemas.openxmlformats.org/drawingml/2006/main" xmlns:r="http://schemas.openxmlformats.org/officeDocument/2006/relationships" xmlns:p="http://schemas.openxmlformats.org/presentationml/2006/main">
+  <p:cSld>
+    <p:spTree>
+      <p:nvGrpSpPr>
+        <p:cNvPr id="1" name=""/>
+        <p:cNvGrpSpPr/>
+        <p:nvPr/>
+      </p:nvGrpSpPr>
+      <p:grpSpPr>
+        <a:xfrm>
+          <a:off x="0" y="0"/>
+          <a:ext cx="0" cy="0"/>
+          <a:chOff x="0" y="0"/>
+          <a:chExt cx="0" cy="0"/>
+        </a:xfrm>
+      </p:grpSpPr>
+      <p:sp>
+        <p:nvSpPr>
+          <p:cNvPr id="22530" name="Rectangle 2"/>
+          <p:cNvSpPr>
+            <a:spLocks noGrp="1" noChangeArrowheads="1"/>
+          </p:cNvSpPr>
+          <p:nvPr>
+            <p:ph type="title"/>
+          </p:nvPr>
+        </p:nvSpPr>
+        <p:spPr>
+          <a:xfrm>
+            <a:off x="457200" y="914400"/>
+            <a:ext cx="8229600" cy="1143000"/>
+          </a:xfrm>
+        </p:spPr>
+        <p:txBody>
+          <a:bodyPr>
+            <a:normAutofit/>
+          </a:bodyPr>
+          <a:lstStyle/>
+          <a:p>
+            <a:pPr eaLnBrk="1" hangingPunct="1"/>
+            <a:r>
+              <a:rPr lang="en-GB" dirty="0"/>
+              <a:t>Agile Methods</a:t>
+            </a:r>
+            <a:endParaRPr lang="en-US" sz="2800" dirty="0"/>
+          </a:p>
+        </p:txBody>
+      </p:sp>
+      <p:sp>
+        <p:nvSpPr>
+          <p:cNvPr id="22531" name="Rectangle 3"/>
+          <p:cNvSpPr>
+            <a:spLocks noGrp="1" noChangeArrowheads="1"/>
+          </p:cNvSpPr>
+          <p:nvPr>
+            <p:ph type="body" idx="1"/>
+          </p:nvPr>
+        </p:nvSpPr>
+        <p:spPr>
+          <a:xfrm>
+            <a:off x="457200" y="2438400"/>
+            <a:ext cx="8229600" cy="3962400"/>
+          </a:xfrm>
+        </p:spPr>
+        <p:txBody>
+          <a:bodyPr>
+            <a:normAutofit fontScale="92500"/>
+          </a:bodyPr>
+          <a:lstStyle/>
+          <a:p>
+            <a:pPr>
+              <a:tabLst>
+                <a:tab pos="454025" algn="l"/>
+                <a:tab pos="911225" algn="l"/>
+                <a:tab pos="1368425" algn="l"/>
+                <a:tab pos="1825625" algn="l"/>
+                <a:tab pos="2282825" algn="l"/>
+                <a:tab pos="2740025" algn="l"/>
+                <a:tab pos="3197225" algn="l"/>
+                <a:tab pos="3654425" algn="l"/>
+                <a:tab pos="4111625" algn="l"/>
+                <a:tab pos="4568825" algn="l"/>
+                <a:tab pos="5026025" algn="l"/>
+                <a:tab pos="5483225" algn="l"/>
+                <a:tab pos="5940425" algn="l"/>
+                <a:tab pos="6397625" algn="l"/>
+                <a:tab pos="6854825" algn="l"/>
+                <a:tab pos="7312025" algn="l"/>
+                <a:tab pos="7769225" algn="l"/>
+                <a:tab pos="8226425" algn="l"/>
+                <a:tab pos="8683625" algn="l"/>
+                <a:tab pos="9140825" algn="l"/>
+              </a:tabLst>
+            </a:pPr>
+            <a:r>
+              <a:rPr lang="en-GB" dirty="0"/>
+              <a:t>Assumptions to be addressed:</a:t>
+            </a:r>
+          </a:p>
+          <a:p>
+            <a:pPr lvl="1">
+              <a:tabLst>
+                <a:tab pos="454025" algn="l"/>
+                <a:tab pos="911225" algn="l"/>
+                <a:tab pos="1368425" algn="l"/>
+                <a:tab pos="1825625" algn="l"/>
+                <a:tab pos="2282825" algn="l"/>
+                <a:tab pos="2740025" algn="l"/>
+                <a:tab pos="3197225" algn="l"/>
+                <a:tab pos="3654425" algn="l"/>
+                <a:tab pos="4111625" algn="l"/>
+                <a:tab pos="4568825" algn="l"/>
+                <a:tab pos="5026025" algn="l"/>
+                <a:tab pos="5483225" algn="l"/>
+                <a:tab pos="5940425" algn="l"/>
+                <a:tab pos="6397625" algn="l"/>
+                <a:tab pos="6854825" algn="l"/>
+                <a:tab pos="7312025" algn="l"/>
+                <a:tab pos="7769225" algn="l"/>
+                <a:tab pos="8226425" algn="l"/>
+                <a:tab pos="8683625" algn="l"/>
+                <a:tab pos="9140825" algn="l"/>
+              </a:tabLst>
+            </a:pPr>
+            <a:r>
+              <a:rPr lang="en-GB" dirty="0"/>
+              <a:t>Which requirements will persist/change? How will the customer priorities change?</a:t>
+            </a:r>
+          </a:p>
+          <a:p>
+            <a:pPr lvl="1">
+              <a:tabLst>
+                <a:tab pos="454025" algn="l"/>
+                <a:tab pos="911225" algn="l"/>
+                <a:tab pos="1368425" algn="l"/>
+                <a:tab pos="1825625" algn="l"/>
+                <a:tab pos="2282825" algn="l"/>
+                <a:tab pos="2740025" algn="l"/>
+                <a:tab pos="3197225" algn="l"/>
+                <a:tab pos="3654425" algn="l"/>
+                <a:tab pos="4111625" algn="l"/>
+                <a:tab pos="4568825" algn="l"/>
+                <a:tab pos="5026025" algn="l"/>
+                <a:tab pos="5483225" algn="l"/>
+                <a:tab pos="5940425" algn="l"/>
+                <a:tab pos="6397625" algn="l"/>
+                <a:tab pos="6854825" algn="l"/>
+                <a:tab pos="7312025" algn="l"/>
+                <a:tab pos="7769225" algn="l"/>
+                <a:tab pos="8226425" algn="l"/>
+                <a:tab pos="8683625" algn="l"/>
+                <a:tab pos="9140825" algn="l"/>
+              </a:tabLst>
+            </a:pPr>
+            <a:r>
+              <a:rPr lang="en-GB" dirty="0"/>
+              <a:t>The extent/amount of design work before coding and testing?</a:t>
+            </a:r>
+          </a:p>
+          <a:p>
+            <a:pPr lvl="1">
+              <a:tabLst>
+                <a:tab pos="454025" algn="l"/>
+                <a:tab pos="911225" algn="l"/>
+                <a:tab pos="1368425" algn="l"/>
+                <a:tab pos="1825625" algn="l"/>
+                <a:tab pos="2282825" algn="l"/>
+                <a:tab pos="2740025" algn="l"/>
+                <a:tab pos="3197225" algn="l"/>
+                <a:tab pos="3654425" algn="l"/>
+                <a:tab pos="4111625" algn="l"/>
+                <a:tab pos="4568825" algn="l"/>
+                <a:tab pos="5026025" algn="l"/>
+                <a:tab pos="5483225" algn="l"/>
+                <a:tab pos="5940425" algn="l"/>
+                <a:tab pos="6397625" algn="l"/>
+                <a:tab pos="6854825" algn="l"/>
+                <a:tab pos="7312025" algn="l"/>
+                <a:tab pos="7769225" algn="l"/>
+                <a:tab pos="8226425" algn="l"/>
+                <a:tab pos="8683625" algn="l"/>
+                <a:tab pos="9140825" algn="l"/>
+              </a:tabLst>
+            </a:pPr>
+            <a:r>
+              <a:rPr lang="en-GB" dirty="0"/>
+              <a:t>Planning of all engineering activities?</a:t>
+            </a:r>
+          </a:p>
+          <a:p>
+            <a:pPr>
+              <a:tabLst>
+                <a:tab pos="454025" algn="l"/>
+                <a:tab pos="911225" algn="l"/>
+                <a:tab pos="1368425" algn="l"/>
+                <a:tab pos="1825625" algn="l"/>
+                <a:tab pos="2282825" algn="l"/>
+                <a:tab pos="2740025" algn="l"/>
+                <a:tab pos="3197225" algn="l"/>
+                <a:tab pos="3654425" algn="l"/>
+                <a:tab pos="4111625" algn="l"/>
+                <a:tab pos="4568825" algn="l"/>
+                <a:tab pos="5026025" algn="l"/>
+                <a:tab pos="5483225" algn="l"/>
+                <a:tab pos="5940425" algn="l"/>
+                <a:tab pos="6397625" algn="l"/>
+                <a:tab pos="6854825" algn="l"/>
+                <a:tab pos="7312025" algn="l"/>
+                <a:tab pos="7769225" algn="l"/>
+                <a:tab pos="8226425" algn="l"/>
+                <a:tab pos="8683625" algn="l"/>
+                <a:tab pos="9140825" algn="l"/>
+              </a:tabLst>
+            </a:pPr>
+            <a:r>
+              <a:rPr lang="en-GB" dirty="0"/>
+              <a:t>Adaptable?</a:t>
+            </a:r>
+          </a:p>
+          <a:p>
+            <a:pPr>
+              <a:tabLst>
+                <a:tab pos="454025" algn="l"/>
+                <a:tab pos="911225" algn="l"/>
+                <a:tab pos="1368425" algn="l"/>
+                <a:tab pos="1825625" algn="l"/>
+                <a:tab pos="2282825" algn="l"/>
+                <a:tab pos="2740025" algn="l"/>
+                <a:tab pos="3197225" algn="l"/>
+                <a:tab pos="3654425" algn="l"/>
+                <a:tab pos="4111625" algn="l"/>
+                <a:tab pos="4568825" algn="l"/>
+                <a:tab pos="5026025" algn="l"/>
+                <a:tab pos="5483225" algn="l"/>
+                <a:tab pos="5940425" algn="l"/>
+                <a:tab pos="6397625" algn="l"/>
+                <a:tab pos="6854825" algn="l"/>
+                <a:tab pos="7312025" algn="l"/>
+                <a:tab pos="7769225" algn="l"/>
+                <a:tab pos="8226425" algn="l"/>
+                <a:tab pos="8683625" algn="l"/>
+                <a:tab pos="9140825" algn="l"/>
+              </a:tabLst>
+            </a:pPr>
+            <a:r>
+              <a:rPr lang="en-GB" dirty="0"/>
+              <a:t>Incremental</a:t>
+            </a:r>
+          </a:p>
+          <a:p>
+            <a:pPr lvl="1">
+              <a:tabLst>
+                <a:tab pos="454025" algn="l"/>
+                <a:tab pos="911225" algn="l"/>
+                <a:tab pos="1368425" algn="l"/>
+                <a:tab pos="1825625" algn="l"/>
+                <a:tab pos="2282825" algn="l"/>
+                <a:tab pos="2740025" algn="l"/>
+                <a:tab pos="3197225" algn="l"/>
+                <a:tab pos="3654425" algn="l"/>
+                <a:tab pos="4111625" algn="l"/>
+                <a:tab pos="4568825" algn="l"/>
+                <a:tab pos="5026025" algn="l"/>
+                <a:tab pos="5483225" algn="l"/>
+                <a:tab pos="5940425" algn="l"/>
+                <a:tab pos="6397625" algn="l"/>
+                <a:tab pos="6854825" algn="l"/>
+                <a:tab pos="7312025" algn="l"/>
+                <a:tab pos="7769225" algn="l"/>
+                <a:tab pos="8226425" algn="l"/>
+                <a:tab pos="8683625" algn="l"/>
+                <a:tab pos="9140825" algn="l"/>
+              </a:tabLst>
+            </a:pPr>
+            <a:r>
+              <a:rPr lang="en-GB" dirty="0"/>
+              <a:t>Customer feedback</a:t>
+            </a:r>
+          </a:p>
+          <a:p>
+            <a:pPr lvl="1">
+              <a:tabLst>
+                <a:tab pos="454025" algn="l"/>
+                <a:tab pos="911225" algn="l"/>
+                <a:tab pos="1368425" algn="l"/>
+                <a:tab pos="1825625" algn="l"/>
+                <a:tab pos="2282825" algn="l"/>
+                <a:tab pos="2740025" algn="l"/>
+                <a:tab pos="3197225" algn="l"/>
+                <a:tab pos="3654425" algn="l"/>
+                <a:tab pos="4111625" algn="l"/>
+                <a:tab pos="4568825" algn="l"/>
+                <a:tab pos="5026025" algn="l"/>
+                <a:tab pos="5483225" algn="l"/>
+                <a:tab pos="5940425" algn="l"/>
+                <a:tab pos="6397625" algn="l"/>
+                <a:tab pos="6854825" algn="l"/>
+                <a:tab pos="7312025" algn="l"/>
+                <a:tab pos="7769225" algn="l"/>
+                <a:tab pos="8226425" algn="l"/>
+                <a:tab pos="8683625" algn="l"/>
+                <a:tab pos="9140825" algn="l"/>
+              </a:tabLst>
+            </a:pPr>
+            <a:r>
+              <a:rPr lang="en-GB" dirty="0"/>
+              <a:t>Portion of an operational system</a:t>
+            </a:r>
+          </a:p>
+          <a:p>
+            <a:pPr>
+              <a:tabLst>
+                <a:tab pos="454025" algn="l"/>
+                <a:tab pos="911225" algn="l"/>
+                <a:tab pos="1368425" algn="l"/>
+                <a:tab pos="1825625" algn="l"/>
+                <a:tab pos="2282825" algn="l"/>
+                <a:tab pos="2740025" algn="l"/>
+                <a:tab pos="3197225" algn="l"/>
+                <a:tab pos="3654425" algn="l"/>
+                <a:tab pos="4111625" algn="l"/>
+                <a:tab pos="4568825" algn="l"/>
+                <a:tab pos="5026025" algn="l"/>
+                <a:tab pos="5483225" algn="l"/>
+                <a:tab pos="5940425" algn="l"/>
+                <a:tab pos="6397625" algn="l"/>
+                <a:tab pos="6854825" algn="l"/>
+                <a:tab pos="7312025" algn="l"/>
+                <a:tab pos="7769225" algn="l"/>
+                <a:tab pos="8226425" algn="l"/>
+                <a:tab pos="8683625" algn="l"/>
+                <a:tab pos="9140825" algn="l"/>
+              </a:tabLst>
+            </a:pPr>
+            <a:endParaRPr lang="en-GB" dirty="0"/>
+          </a:p>
+        </p:txBody>
+      </p:sp>
+      <p:sp>
+        <p:nvSpPr>
+          <p:cNvPr id="3" name="TextBox 2"/>
+          <p:cNvSpPr txBox="1"/>
+          <p:nvPr/>
+        </p:nvSpPr>
+        <p:spPr>
+          <a:xfrm rot="19562992">
+            <a:off x="5382147" y="2680555"/>
+            <a:ext cx="2937139" cy="523220"/>
+          </a:xfrm>
+          <a:prstGeom prst="rect">
+            <a:avLst/>
+          </a:prstGeom>
+          <a:solidFill>
+            <a:srgbClr val="FFFF00"/>
+          </a:solidFill>
+        </p:spPr>
+        <p:txBody>
+          <a:bodyPr wrap="square" rtlCol="0">
+            <a:spAutoFit/>
+          </a:bodyPr>
+          <a:lstStyle/>
+          <a:p>
+            <a:r>
+              <a:rPr lang="en-US" sz="2800" dirty="0">
+                <a:solidFill>
+                  <a:srgbClr val="FF0000"/>
+                </a:solidFill>
+              </a:rPr>
+              <a:t>Unpredictability</a:t>
+            </a:r>
+          </a:p>
+        </p:txBody>
+      </p:sp>
+    </p:spTree>
+    <p:extLst>
+      <p:ext uri="{BB962C8B-B14F-4D97-AF65-F5344CB8AC3E}">
+        <p14:creationId xmlns:p14="http://schemas.microsoft.com/office/powerpoint/2010/main" val="1639374934"/>
+      </p:ext>
+    </p:extLst>
+  </p:cSld>
+  <p:clrMapOvr>
+    <a:masterClrMapping/>
+  </p:clrMapOvr>
+  <p:transition/>
+  <p:timing>
+    <p:tnLst>
+      <p:par>
+        <p:cTn id="1" dur="indefinite" restart="never" nodeType="tmRoot">
+          <p:childTnLst>
+            <p:seq concurrent="1" nextAc="seek">
+              <p:cTn id="2" dur="indefinite" nodeType="mainSeq">
+                <p:childTnLst>
+                  <p:par>
+                    <p:cTn id="3" fill="hold">
+                      <p:stCondLst>
+                        <p:cond delay="indefinite"/>
+                      </p:stCondLst>
+                      <p:childTnLst>
+                        <p:par>
+                          <p:cTn id="4" fill="hold">
+                            <p:stCondLst>
+                              <p:cond delay="0"/>
+                            </p:stCondLst>
+                            <p:childTnLst>
+                              <p:par>
+                                <p:cTn id="5" presetID="1" presetClass="entr" presetSubtype="0" fill="hold" grpId="0" nodeType="clickEffect">
+                                  <p:stCondLst>
+                                    <p:cond delay="0"/>
+                                  </p:stCondLst>
+                                  <p:childTnLst>
+                                    <p:set>
+                                      <p:cBhvr>
+                                        <p:cTn id="6" dur="1" fill="hold">
+                                          <p:stCondLst>
+                                            <p:cond delay="0"/>
+                                          </p:stCondLst>
+                                        </p:cTn>
+                                        <p:tgtEl>
+                                          <p:spTgt spid="22531">
+                                            <p:txEl>
+                                              <p:pRg st="0" end="0"/>
+                                            </p:txEl>
+                                          </p:spTgt>
+                                        </p:tgtEl>
+                                        <p:attrNameLst>
+                                          <p:attrName>style.visibility</p:attrName>
+                                        </p:attrNameLst>
+                                      </p:cBhvr>
+                                      <p:to>
+                                        <p:strVal val="visible"/>
+                                      </p:to>
+                                    </p:set>
+                                  </p:childTnLst>
+                                </p:cTn>
+                              </p:par>
+                              <p:par>
+                                <p:cTn id="7" presetID="1" presetClass="entr" presetSubtype="0" fill="hold" grpId="0" nodeType="withEffect">
+                                  <p:stCondLst>
+                                    <p:cond delay="0"/>
+                                  </p:stCondLst>
+                                  <p:childTnLst>
+                                    <p:set>
+                                      <p:cBhvr>
+                                        <p:cTn id="8" dur="1" fill="hold">
+                                          <p:stCondLst>
+                                            <p:cond delay="0"/>
+                                          </p:stCondLst>
+                                        </p:cTn>
+                                        <p:tgtEl>
+                                          <p:spTgt spid="22531">
+                                            <p:txEl>
+                                              <p:pRg st="1" end="1"/>
+                                            </p:txEl>
+                                          </p:spTgt>
+                                        </p:tgtEl>
+                                        <p:attrNameLst>
+                                          <p:attrName>style.visibility</p:attrName>
+                                        </p:attrNameLst>
+                                      </p:cBhvr>
+                                      <p:to>
+                                        <p:strVal val="visible"/>
+                                      </p:to>
+                                    </p:set>
+                                  </p:childTnLst>
+                                </p:cTn>
+                              </p:par>
+                              <p:par>
+                                <p:cTn id="9" presetID="1" presetClass="entr" presetSubtype="0" fill="hold" grpId="0" nodeType="withEffect">
+                                  <p:stCondLst>
+                                    <p:cond delay="0"/>
+                                  </p:stCondLst>
+                                  <p:childTnLst>
+                                    <p:set>
+                                      <p:cBhvr>
+                                        <p:cTn id="10" dur="1" fill="hold">
+                                          <p:stCondLst>
+                                            <p:cond delay="0"/>
+                                          </p:stCondLst>
+                                        </p:cTn>
+                                        <p:tgtEl>
+                                          <p:spTgt spid="22531">
+                                            <p:txEl>
+                                              <p:pRg st="2" end="2"/>
+                                            </p:txEl>
+                                          </p:spTgt>
+                                        </p:tgtEl>
+                                        <p:attrNameLst>
+                                          <p:attrName>style.visibility</p:attrName>
+                                        </p:attrNameLst>
+                                      </p:cBhvr>
+                                      <p:to>
+                                        <p:strVal val="visible"/>
+                                      </p:to>
+                                    </p:set>
+                                  </p:childTnLst>
+                                </p:cTn>
+                              </p:par>
+                              <p:par>
+                                <p:cTn id="11" presetID="1" presetClass="entr" presetSubtype="0" fill="hold" grpId="0" nodeType="withEffect">
+                                  <p:stCondLst>
+                                    <p:cond delay="0"/>
+                                  </p:stCondLst>
+                                  <p:childTnLst>
+                                    <p:set>
+                                      <p:cBhvr>
+                                        <p:cTn id="12" dur="1" fill="hold">
+                                          <p:stCondLst>
+                                            <p:cond delay="0"/>
+                                          </p:stCondLst>
+                                        </p:cTn>
+                                        <p:tgtEl>
+                                          <p:spTgt spid="22531">
+                                            <p:txEl>
+                                              <p:pRg st="3" end="3"/>
+                                            </p:txEl>
+                                          </p:spTgt>
+                                        </p:tgtEl>
+                                        <p:attrNameLst>
+                                          <p:attrName>style.visibility</p:attrName>
+                                        </p:attrNameLst>
+                                      </p:cBhvr>
+                                      <p:to>
+                                        <p:strVal val="visible"/>
+                                      </p:to>
+                                    </p:set>
+                                  </p:childTnLst>
+                                </p:cTn>
+                              </p:par>
+                            </p:childTnLst>
+                          </p:cTn>
+                        </p:par>
+                      </p:childTnLst>
+                    </p:cTn>
+                  </p:par>
+                  <p:par>
+                    <p:cTn id="13" fill="hold">
+                      <p:stCondLst>
+                        <p:cond delay="indefinite"/>
+                      </p:stCondLst>
+                      <p:childTnLst>
+                        <p:par>
+                          <p:cTn id="14" fill="hold">
+                            <p:stCondLst>
+                              <p:cond delay="0"/>
+                            </p:stCondLst>
+                            <p:childTnLst>
+                              <p:par>
+                                <p:cTn id="15" presetID="10" presetClass="entr" presetSubtype="0" fill="hold" grpId="0" nodeType="clickEffect">
+                                  <p:stCondLst>
+                                    <p:cond delay="0"/>
+                                  </p:stCondLst>
+                                  <p:childTnLst>
+                                    <p:set>
+                                      <p:cBhvr>
+                                        <p:cTn id="16" dur="1" fill="hold">
+                                          <p:stCondLst>
+                                            <p:cond delay="0"/>
+                                          </p:stCondLst>
+                                        </p:cTn>
+                                        <p:tgtEl>
+                                          <p:spTgt spid="3"/>
+                                        </p:tgtEl>
+                                        <p:attrNameLst>
+                                          <p:attrName>style.visibility</p:attrName>
+                                        </p:attrNameLst>
+                                      </p:cBhvr>
+                                      <p:to>
+                                        <p:strVal val="visible"/>
+                                      </p:to>
+                                    </p:set>
+                                    <p:animEffect transition="in" filter="fade">
+                                      <p:cBhvr>
+                                        <p:cTn id="17" dur="500"/>
+                                        <p:tgtEl>
+                                          <p:spTgt spid="3"/>
+                                        </p:tgtEl>
+                                      </p:cBhvr>
+                                    </p:animEffect>
+                                  </p:childTnLst>
+                                </p:cTn>
+                              </p:par>
+                            </p:childTnLst>
+                          </p:cTn>
+                        </p:par>
+                      </p:childTnLst>
+                    </p:cTn>
+                  </p:par>
+                  <p:par>
+                    <p:cTn id="18" fill="hold">
+                      <p:stCondLst>
+                        <p:cond delay="indefinite"/>
+                      </p:stCondLst>
+                      <p:childTnLst>
+                        <p:par>
+                          <p:cTn id="19" fill="hold">
+                            <p:stCondLst>
+                              <p:cond delay="0"/>
+                            </p:stCondLst>
+                            <p:childTnLst>
+                              <p:par>
+                                <p:cTn id="20" presetID="1" presetClass="entr" presetSubtype="0" fill="hold" grpId="0" nodeType="clickEffect">
+                                  <p:stCondLst>
+                                    <p:cond delay="0"/>
+                                  </p:stCondLst>
+                                  <p:childTnLst>
+                                    <p:set>
+                                      <p:cBhvr>
+                                        <p:cTn id="21" dur="1" fill="hold">
+                                          <p:stCondLst>
+                                            <p:cond delay="0"/>
+                                          </p:stCondLst>
+                                        </p:cTn>
+                                        <p:tgtEl>
+                                          <p:spTgt spid="22531">
+                                            <p:txEl>
+                                              <p:pRg st="4" end="4"/>
+                                            </p:txEl>
+                                          </p:spTgt>
+                                        </p:tgtEl>
+                                        <p:attrNameLst>
+                                          <p:attrName>style.visibility</p:attrName>
+                                        </p:attrNameLst>
+                                      </p:cBhvr>
+                                      <p:to>
+                                        <p:strVal val="visible"/>
+                                      </p:to>
+                                    </p:set>
+                                  </p:childTnLst>
+                                </p:cTn>
+                              </p:par>
+                            </p:childTnLst>
+                          </p:cTn>
+                        </p:par>
+                      </p:childTnLst>
+                    </p:cTn>
+                  </p:par>
+                  <p:par>
+                    <p:cTn id="22" fill="hold">
+                      <p:stCondLst>
+                        <p:cond delay="indefinite"/>
+                      </p:stCondLst>
+                      <p:childTnLst>
+                        <p:par>
+                          <p:cTn id="23" fill="hold">
+                            <p:stCondLst>
+                              <p:cond delay="0"/>
+                            </p:stCondLst>
+                            <p:childTnLst>
+                              <p:par>
+                                <p:cTn id="24" presetID="1" presetClass="entr" presetSubtype="0" fill="hold" grpId="0" nodeType="clickEffect">
+                                  <p:stCondLst>
+                                    <p:cond delay="0"/>
+                                  </p:stCondLst>
+                                  <p:childTnLst>
+                                    <p:set>
+                                      <p:cBhvr>
+                                        <p:cTn id="25" dur="1" fill="hold">
+                                          <p:stCondLst>
+                                            <p:cond delay="0"/>
+                                          </p:stCondLst>
+                                        </p:cTn>
+                                        <p:tgtEl>
+                                          <p:spTgt spid="22531">
+                                            <p:txEl>
+                                              <p:pRg st="5" end="5"/>
+                                            </p:txEl>
+                                          </p:spTgt>
+                                        </p:tgtEl>
+                                        <p:attrNameLst>
+                                          <p:attrName>style.visibility</p:attrName>
+                                        </p:attrNameLst>
+                                      </p:cBhvr>
+                                      <p:to>
+                                        <p:strVal val="visible"/>
+                                      </p:to>
+                                    </p:set>
+                                  </p:childTnLst>
+                                </p:cTn>
+                              </p:par>
+                              <p:par>
+                                <p:cTn id="26" presetID="1" presetClass="entr" presetSubtype="0" fill="hold" grpId="0" nodeType="withEffect">
+                                  <p:stCondLst>
+                                    <p:cond delay="0"/>
+                                  </p:stCondLst>
+                                  <p:childTnLst>
+                                    <p:set>
+                                      <p:cBhvr>
+                                        <p:cTn id="27" dur="1" fill="hold">
+                                          <p:stCondLst>
+                                            <p:cond delay="0"/>
+                                          </p:stCondLst>
+                                        </p:cTn>
+                                        <p:tgtEl>
+                                          <p:spTgt spid="22531">
+                                            <p:txEl>
+                                              <p:pRg st="6" end="6"/>
+                                            </p:txEl>
+                                          </p:spTgt>
+                                        </p:tgtEl>
+                                        <p:attrNameLst>
+                                          <p:attrName>style.visibility</p:attrName>
+                                        </p:attrNameLst>
+                                      </p:cBhvr>
+                                      <p:to>
+                                        <p:strVal val="visible"/>
+                                      </p:to>
+                                    </p:set>
+                                  </p:childTnLst>
+                                </p:cTn>
+                              </p:par>
+                              <p:par>
+                                <p:cTn id="28" presetID="1" presetClass="entr" presetSubtype="0" fill="hold" grpId="0" nodeType="withEffect">
+                                  <p:stCondLst>
+                                    <p:cond delay="0"/>
+                                  </p:stCondLst>
+                                  <p:childTnLst>
+                                    <p:set>
+                                      <p:cBhvr>
+                                        <p:cTn id="29" dur="1" fill="hold">
+                                          <p:stCondLst>
+                                            <p:cond delay="0"/>
+                                          </p:stCondLst>
+                                        </p:cTn>
+                                        <p:tgtEl>
+                                          <p:spTgt spid="22531">
+                                            <p:txEl>
+                                              <p:pRg st="7" end="7"/>
+                                            </p:txEl>
+                                          </p:spTgt>
+                                        </p:tgtEl>
+                                        <p:attrNameLst>
+                                          <p:attrName>style.visibility</p:attrName>
+                                        </p:attrNameLst>
+                                      </p:cBhvr>
+                                      <p:to>
+                                        <p:strVal val="visible"/>
+                                      </p:to>
+                                    </p:set>
+                                  </p:childTnLst>
+                                </p:cTn>
+                              </p:par>
+                            </p:childTnLst>
+                          </p:cTn>
+                        </p:par>
+                      </p:childTnLst>
+                    </p:cTn>
+                  </p:par>
+                </p:childTnLst>
+              </p:cTn>
+              <p:prevCondLst>
+                <p:cond evt="onPrev" delay="0">
+                  <p:tgtEl>
+                    <p:sldTgt/>
+                  </p:tgtEl>
+                </p:cond>
+              </p:prevCondLst>
+              <p:nextCondLst>
+                <p:cond evt="onNext" delay="0">
+                  <p:tgtEl>
+                    <p:sldTgt/>
+                  </p:tgtEl>
+                </p:cond>
+              </p:nextCondLst>
+            </p:seq>
+          </p:childTnLst>
+        </p:cTn>
+      </p:par>
+    </p:tnLst>
+    <p:bldLst>
+      <p:bldP spid="22531" grpId="0" build="p"/>
+      <p:bldP spid="3" grpId="0" animBg="1"/>
+    </p:bldLst>
+  </p:timing>
+</p:sld>
+</file>
+
+<file path=ppt/slides/slide47.xml><?xml version="1.0" encoding="utf-8"?>
+<p:sld xmlns:a="http://schemas.openxmlformats.org/drawingml/2006/main" xmlns:r="http://schemas.openxmlformats.org/officeDocument/2006/relationships" xmlns:p="http://schemas.openxmlformats.org/presentationml/2006/main">
+  <p:cSld>
+    <p:spTree>
+      <p:nvGrpSpPr>
+        <p:cNvPr id="1" name=""/>
+        <p:cNvGrpSpPr/>
+        <p:nvPr/>
+      </p:nvGrpSpPr>
+      <p:grpSpPr>
+        <a:xfrm>
+          <a:off x="0" y="0"/>
+          <a:ext cx="0" cy="0"/>
+          <a:chOff x="0" y="0"/>
+          <a:chExt cx="0" cy="0"/>
+        </a:xfrm>
+      </p:grpSpPr>
+      <p:sp>
+        <p:nvSpPr>
+          <p:cNvPr id="22530" name="Rectangle 2"/>
+          <p:cNvSpPr>
+            <a:spLocks noGrp="1" noChangeArrowheads="1"/>
+          </p:cNvSpPr>
+          <p:nvPr>
+            <p:ph type="title"/>
+          </p:nvPr>
+        </p:nvSpPr>
+        <p:spPr>
+          <a:xfrm>
+            <a:off x="457200" y="914400"/>
+            <a:ext cx="8229600" cy="1143000"/>
+          </a:xfrm>
+        </p:spPr>
+        <p:txBody>
+          <a:bodyPr>
+            <a:normAutofit/>
+          </a:bodyPr>
+          <a:lstStyle/>
+          <a:p>
+            <a:pPr eaLnBrk="1" hangingPunct="1"/>
+            <a:r>
+              <a:rPr lang="en-GB" dirty="0"/>
+              <a:t>Agile Methods</a:t>
+            </a:r>
+            <a:endParaRPr lang="en-US" sz="2800" dirty="0"/>
+          </a:p>
+        </p:txBody>
+      </p:sp>
+      <p:sp>
+        <p:nvSpPr>
+          <p:cNvPr id="22531" name="Rectangle 3"/>
+          <p:cNvSpPr>
+            <a:spLocks noGrp="1" noChangeArrowheads="1"/>
+          </p:cNvSpPr>
+          <p:nvPr>
+            <p:ph type="body" idx="1"/>
+          </p:nvPr>
+        </p:nvSpPr>
+        <p:spPr>
+          <a:xfrm>
+            <a:off x="457200" y="2438400"/>
+            <a:ext cx="8229600" cy="3962400"/>
+          </a:xfrm>
+        </p:spPr>
+        <p:txBody>
+          <a:bodyPr>
+            <a:normAutofit/>
+          </a:bodyPr>
+          <a:lstStyle/>
+          <a:p>
+            <a:pPr>
+              <a:tabLst>
+                <a:tab pos="454025" algn="l"/>
+                <a:tab pos="911225" algn="l"/>
+                <a:tab pos="1368425" algn="l"/>
+                <a:tab pos="1825625" algn="l"/>
+                <a:tab pos="2282825" algn="l"/>
+                <a:tab pos="2740025" algn="l"/>
+                <a:tab pos="3197225" algn="l"/>
+                <a:tab pos="3654425" algn="l"/>
+                <a:tab pos="4111625" algn="l"/>
+                <a:tab pos="4568825" algn="l"/>
+                <a:tab pos="5026025" algn="l"/>
+                <a:tab pos="5483225" algn="l"/>
+                <a:tab pos="5940425" algn="l"/>
+                <a:tab pos="6397625" algn="l"/>
+                <a:tab pos="6854825" algn="l"/>
+                <a:tab pos="7312025" algn="l"/>
+                <a:tab pos="7769225" algn="l"/>
+                <a:tab pos="8226425" algn="l"/>
+                <a:tab pos="8683625" algn="l"/>
+                <a:tab pos="9140825" algn="l"/>
+              </a:tabLst>
+            </a:pPr>
+            <a:r>
+              <a:rPr lang="en-GB" dirty="0"/>
+              <a:t>Agile manifesto</a:t>
+            </a:r>
+          </a:p>
+          <a:p>
+            <a:pPr lvl="1">
+              <a:tabLst>
+                <a:tab pos="454025" algn="l"/>
+                <a:tab pos="911225" algn="l"/>
+                <a:tab pos="1368425" algn="l"/>
+                <a:tab pos="1825625" algn="l"/>
+                <a:tab pos="2282825" algn="l"/>
+                <a:tab pos="2740025" algn="l"/>
+                <a:tab pos="3197225" algn="l"/>
+                <a:tab pos="3654425" algn="l"/>
+                <a:tab pos="4111625" algn="l"/>
+                <a:tab pos="4568825" algn="l"/>
+                <a:tab pos="5026025" algn="l"/>
+                <a:tab pos="5483225" algn="l"/>
+                <a:tab pos="5940425" algn="l"/>
+                <a:tab pos="6397625" algn="l"/>
+                <a:tab pos="6854825" algn="l"/>
+                <a:tab pos="7312025" algn="l"/>
+                <a:tab pos="7769225" algn="l"/>
+                <a:tab pos="8226425" algn="l"/>
+                <a:tab pos="8683625" algn="l"/>
+                <a:tab pos="9140825" algn="l"/>
+              </a:tabLst>
+            </a:pPr>
+            <a:r>
+              <a:rPr lang="en-GB" dirty="0"/>
+              <a:t>Concentrate on responding to change rather than on creating a plan and then following it </a:t>
+            </a:r>
+          </a:p>
+          <a:p>
+            <a:pPr lvl="1">
+              <a:tabLst>
+                <a:tab pos="454025" algn="l"/>
+                <a:tab pos="911225" algn="l"/>
+                <a:tab pos="1368425" algn="l"/>
+                <a:tab pos="1825625" algn="l"/>
+                <a:tab pos="2282825" algn="l"/>
+                <a:tab pos="2740025" algn="l"/>
+                <a:tab pos="3197225" algn="l"/>
+                <a:tab pos="3654425" algn="l"/>
+                <a:tab pos="4111625" algn="l"/>
+                <a:tab pos="4568825" algn="l"/>
+                <a:tab pos="5026025" algn="l"/>
+                <a:tab pos="5483225" algn="l"/>
+                <a:tab pos="5940425" algn="l"/>
+                <a:tab pos="6397625" algn="l"/>
+                <a:tab pos="6854825" algn="l"/>
+                <a:tab pos="7312025" algn="l"/>
+                <a:tab pos="7769225" algn="l"/>
+                <a:tab pos="8226425" algn="l"/>
+                <a:tab pos="8683625" algn="l"/>
+                <a:tab pos="9140825" algn="l"/>
+              </a:tabLst>
+            </a:pPr>
+            <a:r>
+              <a:rPr lang="en-GB" dirty="0"/>
+              <a:t>Value individuals and interactions over process and tools</a:t>
+            </a:r>
+          </a:p>
+          <a:p>
+            <a:pPr lvl="1">
+              <a:tabLst>
+                <a:tab pos="454025" algn="l"/>
+                <a:tab pos="911225" algn="l"/>
+                <a:tab pos="1368425" algn="l"/>
+                <a:tab pos="1825625" algn="l"/>
+                <a:tab pos="2282825" algn="l"/>
+                <a:tab pos="2740025" algn="l"/>
+                <a:tab pos="3197225" algn="l"/>
+                <a:tab pos="3654425" algn="l"/>
+                <a:tab pos="4111625" algn="l"/>
+                <a:tab pos="4568825" algn="l"/>
+                <a:tab pos="5026025" algn="l"/>
+                <a:tab pos="5483225" algn="l"/>
+                <a:tab pos="5940425" algn="l"/>
+                <a:tab pos="6397625" algn="l"/>
+                <a:tab pos="6854825" algn="l"/>
+                <a:tab pos="7312025" algn="l"/>
+                <a:tab pos="7769225" algn="l"/>
+                <a:tab pos="8226425" algn="l"/>
+                <a:tab pos="8683625" algn="l"/>
+                <a:tab pos="9140825" algn="l"/>
+              </a:tabLst>
+            </a:pPr>
+            <a:r>
+              <a:rPr lang="en-GB" dirty="0"/>
+              <a:t>Prefer to invest time in producing working software rather than in producing comprehensive documentation</a:t>
+            </a:r>
+          </a:p>
+          <a:p>
+            <a:pPr lvl="1">
+              <a:tabLst>
+                <a:tab pos="454025" algn="l"/>
+                <a:tab pos="911225" algn="l"/>
+                <a:tab pos="1368425" algn="l"/>
+                <a:tab pos="1825625" algn="l"/>
+                <a:tab pos="2282825" algn="l"/>
+                <a:tab pos="2740025" algn="l"/>
+                <a:tab pos="3197225" algn="l"/>
+                <a:tab pos="3654425" algn="l"/>
+                <a:tab pos="4111625" algn="l"/>
+                <a:tab pos="4568825" algn="l"/>
+                <a:tab pos="5026025" algn="l"/>
+                <a:tab pos="5483225" algn="l"/>
+                <a:tab pos="5940425" algn="l"/>
+                <a:tab pos="6397625" algn="l"/>
+                <a:tab pos="6854825" algn="l"/>
+                <a:tab pos="7312025" algn="l"/>
+                <a:tab pos="7769225" algn="l"/>
+                <a:tab pos="8226425" algn="l"/>
+                <a:tab pos="8683625" algn="l"/>
+                <a:tab pos="9140825" algn="l"/>
+              </a:tabLst>
+            </a:pPr>
+            <a:r>
+              <a:rPr lang="en-GB" dirty="0"/>
+              <a:t>Focus on customer collaboration rather than contract negotiation</a:t>
+            </a:r>
+          </a:p>
+        </p:txBody>
+      </p:sp>
+    </p:spTree>
+    <p:extLst>
+      <p:ext uri="{BB962C8B-B14F-4D97-AF65-F5344CB8AC3E}">
+        <p14:creationId xmlns:p14="http://schemas.microsoft.com/office/powerpoint/2010/main" val="2887412480"/>
+      </p:ext>
+    </p:extLst>
+  </p:cSld>
+  <p:clrMapOvr>
+    <a:masterClrMapping/>
+  </p:clrMapOvr>
+  <p:transition/>
+</p:sld>
+</file>
+
+<file path=ppt/slides/slide48.xml><?xml version="1.0" encoding="utf-8"?>
+<p:sld xmlns:a="http://schemas.openxmlformats.org/drawingml/2006/main" xmlns:r="http://schemas.openxmlformats.org/officeDocument/2006/relationships" xmlns:p="http://schemas.openxmlformats.org/presentationml/2006/main">
+  <p:cSld>
+    <p:spTree>
+      <p:nvGrpSpPr>
+        <p:cNvPr id="1" name=""/>
+        <p:cNvGrpSpPr/>
+        <p:nvPr/>
+      </p:nvGrpSpPr>
+      <p:grpSpPr>
+        <a:xfrm>
+          <a:off x="0" y="0"/>
+          <a:ext cx="0" cy="0"/>
+          <a:chOff x="0" y="0"/>
+          <a:chExt cx="0" cy="0"/>
+        </a:xfrm>
+      </p:grpSpPr>
+      <p:sp>
+        <p:nvSpPr>
+          <p:cNvPr id="22530" name="Rectangle 2"/>
+          <p:cNvSpPr>
+            <a:spLocks noGrp="1" noChangeArrowheads="1"/>
+          </p:cNvSpPr>
+          <p:nvPr>
+            <p:ph type="title"/>
+          </p:nvPr>
+        </p:nvSpPr>
+        <p:spPr>
+          <a:xfrm>
+            <a:off x="457200" y="914400"/>
+            <a:ext cx="8229600" cy="1143000"/>
+          </a:xfrm>
+        </p:spPr>
+        <p:txBody>
+          <a:bodyPr>
+            <a:normAutofit/>
+          </a:bodyPr>
+          <a:lstStyle/>
+          <a:p>
+            <a:pPr eaLnBrk="1" hangingPunct="1"/>
+            <a:r>
+              <a:rPr lang="en-GB" dirty="0"/>
+              <a:t>Agile Methods</a:t>
+            </a:r>
+            <a:endParaRPr lang="en-US" sz="2800" dirty="0"/>
+          </a:p>
+        </p:txBody>
+      </p:sp>
+      <p:sp>
+        <p:nvSpPr>
+          <p:cNvPr id="3" name="Content Placeholder 2">
+            <a:extLst>
+              <a:ext uri="{FF2B5EF4-FFF2-40B4-BE49-F238E27FC236}">
+                <a16:creationId xmlns:a16="http://schemas.microsoft.com/office/drawing/2014/main" id="{CC4D99DB-5B20-4BBD-93EA-46DC815845ED}"/>
+              </a:ext>
+            </a:extLst>
+          </p:cNvPr>
+          <p:cNvSpPr>
+            <a:spLocks noGrp="1"/>
+          </p:cNvSpPr>
+          <p:nvPr>
+            <p:ph idx="1"/>
+          </p:nvPr>
+        </p:nvSpPr>
+        <p:spPr/>
+        <p:txBody>
+          <a:bodyPr/>
+          <a:lstStyle/>
+          <a:p>
+            <a:endParaRPr lang="en-PK"/>
+          </a:p>
+        </p:txBody>
+      </p:sp>
+      <p:pic>
+        <p:nvPicPr>
+          <p:cNvPr id="5" name="Picture 4">
+            <a:extLst>
+              <a:ext uri="{FF2B5EF4-FFF2-40B4-BE49-F238E27FC236}">
+                <a16:creationId xmlns:a16="http://schemas.microsoft.com/office/drawing/2014/main" id="{FF3AE688-4E4A-4BE0-8B5D-7B6436BC83D7}"/>
+              </a:ext>
+            </a:extLst>
+          </p:cNvPr>
+          <p:cNvPicPr>
+            <a:picLocks noChangeAspect="1"/>
+          </p:cNvPicPr>
+          <p:nvPr/>
+        </p:nvPicPr>
+        <p:blipFill>
+          <a:blip r:embed="rId3"/>
+          <a:stretch>
+            <a:fillRect/>
+          </a:stretch>
+        </p:blipFill>
+        <p:spPr>
+          <a:xfrm>
+            <a:off x="464820" y="922020"/>
+            <a:ext cx="7547020" cy="5693923"/>
+          </a:xfrm>
+          <a:prstGeom prst="rect">
+            <a:avLst/>
+          </a:prstGeom>
+        </p:spPr>
+      </p:pic>
+    </p:spTree>
+    <p:extLst>
+      <p:ext uri="{BB962C8B-B14F-4D97-AF65-F5344CB8AC3E}">
+        <p14:creationId xmlns:p14="http://schemas.microsoft.com/office/powerpoint/2010/main" val="3137658882"/>
+      </p:ext>
+    </p:extLst>
+  </p:cSld>
+  <p:clrMapOvr>
+    <a:masterClrMapping/>
+  </p:clrMapOvr>
+  <p:transition/>
+</p:sld>
+</file>
+
+<file path=ppt/slides/slide49.xml><?xml version="1.0" encoding="utf-8"?>
+<p:sld xmlns:a="http://schemas.openxmlformats.org/drawingml/2006/main" xmlns:r="http://schemas.openxmlformats.org/officeDocument/2006/relationships" xmlns:p="http://schemas.openxmlformats.org/presentationml/2006/main">
+  <p:cSld>
+    <p:spTree>
+      <p:nvGrpSpPr>
+        <p:cNvPr id="1" name=""/>
+        <p:cNvGrpSpPr/>
+        <p:nvPr/>
+      </p:nvGrpSpPr>
+      <p:grpSpPr>
+        <a:xfrm>
+          <a:off x="0" y="0"/>
+          <a:ext cx="0" cy="0"/>
+          <a:chOff x="0" y="0"/>
+          <a:chExt cx="0" cy="0"/>
+        </a:xfrm>
+      </p:grpSpPr>
+      <p:sp>
+        <p:nvSpPr>
+          <p:cNvPr id="22530" name="Rectangle 2"/>
+          <p:cNvSpPr>
+            <a:spLocks noGrp="1" noChangeArrowheads="1"/>
+          </p:cNvSpPr>
+          <p:nvPr>
+            <p:ph type="title"/>
+          </p:nvPr>
+        </p:nvSpPr>
+        <p:spPr>
+          <a:xfrm>
+            <a:off x="457200" y="914400"/>
+            <a:ext cx="8229600" cy="1143000"/>
+          </a:xfrm>
+        </p:spPr>
+        <p:txBody>
+          <a:bodyPr>
+            <a:normAutofit/>
+          </a:bodyPr>
+          <a:lstStyle/>
+          <a:p>
+            <a:pPr eaLnBrk="1" hangingPunct="1"/>
+            <a:r>
+              <a:rPr lang="en-GB" dirty="0"/>
+              <a:t>Agile Methods</a:t>
+            </a:r>
+            <a:endParaRPr lang="en-US" sz="2800" dirty="0"/>
+          </a:p>
+        </p:txBody>
+      </p:sp>
+      <p:pic>
+        <p:nvPicPr>
+          <p:cNvPr id="3" name="Picture 2">
+            <a:extLst>
+              <a:ext uri="{FF2B5EF4-FFF2-40B4-BE49-F238E27FC236}">
+                <a16:creationId xmlns:a16="http://schemas.microsoft.com/office/drawing/2014/main" id="{904D5CFA-036C-4F88-B746-1845B0985BE1}"/>
+              </a:ext>
+            </a:extLst>
+          </p:cNvPr>
+          <p:cNvPicPr>
+            <a:picLocks noChangeAspect="1"/>
+          </p:cNvPicPr>
+          <p:nvPr/>
+        </p:nvPicPr>
+        <p:blipFill>
+          <a:blip r:embed="rId3"/>
+          <a:stretch>
+            <a:fillRect/>
+          </a:stretch>
+        </p:blipFill>
+        <p:spPr>
+          <a:xfrm>
+            <a:off x="228600" y="2514600"/>
+            <a:ext cx="7959144" cy="2555132"/>
+          </a:xfrm>
+          <a:prstGeom prst="rect">
+            <a:avLst/>
+          </a:prstGeom>
+        </p:spPr>
+      </p:pic>
+    </p:spTree>
+    <p:extLst>
+      <p:ext uri="{BB962C8B-B14F-4D97-AF65-F5344CB8AC3E}">
+        <p14:creationId xmlns:p14="http://schemas.microsoft.com/office/powerpoint/2010/main" val="1305938980"/>
+      </p:ext>
+    </p:extLst>
+  </p:cSld>
+  <p:clrMapOvr>
+    <a:masterClrMapping/>
+  </p:clrMapOvr>
+  <p:transition/>
+</p:sld>
+</file>
+
 <file path=ppt/slides/slide5.xml><?xml version="1.0" encoding="utf-8"?>
 <p:sld xmlns:a="http://schemas.openxmlformats.org/drawingml/2006/main" xmlns:r="http://schemas.openxmlformats.org/officeDocument/2006/relationships" xmlns:p="http://schemas.openxmlformats.org/presentationml/2006/main">
   <p:cSld>
@@ -13067,6 +18424,2133 @@
         </p:txBody>
       </p:sp>
     </p:spTree>
+  </p:cSld>
+  <p:clrMapOvr>
+    <a:masterClrMapping/>
+  </p:clrMapOvr>
+  <p:transition/>
+</p:sld>
+</file>
+
+<file path=ppt/slides/slide50.xml><?xml version="1.0" encoding="utf-8"?>
+<p:sld xmlns:a="http://schemas.openxmlformats.org/drawingml/2006/main" xmlns:r="http://schemas.openxmlformats.org/officeDocument/2006/relationships" xmlns:p="http://schemas.openxmlformats.org/presentationml/2006/main">
+  <p:cSld>
+    <p:spTree>
+      <p:nvGrpSpPr>
+        <p:cNvPr id="1" name=""/>
+        <p:cNvGrpSpPr/>
+        <p:nvPr/>
+      </p:nvGrpSpPr>
+      <p:grpSpPr>
+        <a:xfrm>
+          <a:off x="0" y="0"/>
+          <a:ext cx="0" cy="0"/>
+          <a:chOff x="0" y="0"/>
+          <a:chExt cx="0" cy="0"/>
+        </a:xfrm>
+      </p:grpSpPr>
+      <p:sp>
+        <p:nvSpPr>
+          <p:cNvPr id="22530" name="Rectangle 2"/>
+          <p:cNvSpPr>
+            <a:spLocks noGrp="1" noChangeArrowheads="1"/>
+          </p:cNvSpPr>
+          <p:nvPr>
+            <p:ph type="title"/>
+          </p:nvPr>
+        </p:nvSpPr>
+        <p:spPr>
+          <a:xfrm>
+            <a:off x="457200" y="914400"/>
+            <a:ext cx="8229600" cy="1143000"/>
+          </a:xfrm>
+        </p:spPr>
+        <p:txBody>
+          <a:bodyPr>
+            <a:normAutofit/>
+          </a:bodyPr>
+          <a:lstStyle/>
+          <a:p>
+            <a:pPr eaLnBrk="1" hangingPunct="1"/>
+            <a:r>
+              <a:rPr lang="en-GB" dirty="0"/>
+              <a:t>Agile Methods (Contd.)</a:t>
+            </a:r>
+            <a:endParaRPr lang="en-US" sz="2800" dirty="0"/>
+          </a:p>
+        </p:txBody>
+      </p:sp>
+      <p:pic>
+        <p:nvPicPr>
+          <p:cNvPr id="5122" name="Picture 2"/>
+          <p:cNvPicPr>
+            <a:picLocks noChangeAspect="1" noChangeArrowheads="1"/>
+          </p:cNvPicPr>
+          <p:nvPr/>
+        </p:nvPicPr>
+        <p:blipFill>
+          <a:blip r:embed="rId3" cstate="print"/>
+          <a:srcRect/>
+          <a:stretch>
+            <a:fillRect/>
+          </a:stretch>
+        </p:blipFill>
+        <p:spPr bwMode="auto">
+          <a:xfrm>
+            <a:off x="1571625" y="2438400"/>
+            <a:ext cx="6000750" cy="2362200"/>
+          </a:xfrm>
+          <a:prstGeom prst="rect">
+            <a:avLst/>
+          </a:prstGeom>
+          <a:noFill/>
+          <a:ln w="9525">
+            <a:noFill/>
+            <a:miter lim="800000"/>
+            <a:headEnd/>
+            <a:tailEnd/>
+          </a:ln>
+        </p:spPr>
+      </p:pic>
+    </p:spTree>
+    <p:extLst>
+      <p:ext uri="{BB962C8B-B14F-4D97-AF65-F5344CB8AC3E}">
+        <p14:creationId xmlns:p14="http://schemas.microsoft.com/office/powerpoint/2010/main" val="2596848887"/>
+      </p:ext>
+    </p:extLst>
+  </p:cSld>
+  <p:clrMapOvr>
+    <a:masterClrMapping/>
+  </p:clrMapOvr>
+  <p:transition/>
+</p:sld>
+</file>
+
+<file path=ppt/slides/slide51.xml><?xml version="1.0" encoding="utf-8"?>
+<p:sld xmlns:a="http://schemas.openxmlformats.org/drawingml/2006/main" xmlns:r="http://schemas.openxmlformats.org/officeDocument/2006/relationships" xmlns:p="http://schemas.openxmlformats.org/presentationml/2006/main">
+  <p:cSld>
+    <p:spTree>
+      <p:nvGrpSpPr>
+        <p:cNvPr id="1" name=""/>
+        <p:cNvGrpSpPr/>
+        <p:nvPr/>
+      </p:nvGrpSpPr>
+      <p:grpSpPr>
+        <a:xfrm>
+          <a:off x="0" y="0"/>
+          <a:ext cx="0" cy="0"/>
+          <a:chOff x="0" y="0"/>
+          <a:chExt cx="0" cy="0"/>
+        </a:xfrm>
+      </p:grpSpPr>
+      <p:sp>
+        <p:nvSpPr>
+          <p:cNvPr id="22530" name="Rectangle 2"/>
+          <p:cNvSpPr>
+            <a:spLocks noGrp="1" noChangeArrowheads="1"/>
+          </p:cNvSpPr>
+          <p:nvPr>
+            <p:ph type="title"/>
+          </p:nvPr>
+        </p:nvSpPr>
+        <p:spPr>
+          <a:xfrm>
+            <a:off x="495300" y="228600"/>
+            <a:ext cx="8229600" cy="1143000"/>
+          </a:xfrm>
+        </p:spPr>
+        <p:txBody>
+          <a:bodyPr>
+            <a:normAutofit/>
+          </a:bodyPr>
+          <a:lstStyle/>
+          <a:p>
+            <a:pPr eaLnBrk="1" hangingPunct="1"/>
+            <a:r>
+              <a:rPr lang="en-GB" dirty="0"/>
+              <a:t>Agile Methods (Contd.)</a:t>
+            </a:r>
+            <a:endParaRPr lang="en-US" sz="2800" dirty="0"/>
+          </a:p>
+        </p:txBody>
+      </p:sp>
+      <p:sp>
+        <p:nvSpPr>
+          <p:cNvPr id="5" name="Rectangle 3"/>
+          <p:cNvSpPr txBox="1">
+            <a:spLocks noChangeArrowheads="1"/>
+          </p:cNvSpPr>
+          <p:nvPr/>
+        </p:nvSpPr>
+        <p:spPr>
+          <a:xfrm>
+            <a:off x="495300" y="1447800"/>
+            <a:ext cx="8229600" cy="609600"/>
+          </a:xfrm>
+          <a:prstGeom prst="rect">
+            <a:avLst/>
+          </a:prstGeom>
+        </p:spPr>
+        <p:txBody>
+          <a:bodyPr vert="horz">
+            <a:normAutofit fontScale="47500" lnSpcReduction="20000"/>
+          </a:bodyPr>
+          <a:lstStyle/>
+          <a:p>
+            <a:pPr marL="274320" marR="0" lvl="0" indent="-274320" algn="l" defTabSz="914400" rtl="0" eaLnBrk="1" fontAlgn="auto" latinLnBrk="0" hangingPunct="1">
+              <a:lnSpc>
+                <a:spcPct val="100000"/>
+              </a:lnSpc>
+              <a:spcBef>
+                <a:spcPct val="20000"/>
+              </a:spcBef>
+              <a:spcAft>
+                <a:spcPts val="0"/>
+              </a:spcAft>
+              <a:buClr>
+                <a:schemeClr val="accent3"/>
+              </a:buClr>
+              <a:buSzPct val="95000"/>
+              <a:buFont typeface="Wingdings 2"/>
+              <a:buChar char=""/>
+              <a:tabLst>
+                <a:tab pos="454025" algn="l"/>
+                <a:tab pos="911225" algn="l"/>
+                <a:tab pos="1368425" algn="l"/>
+                <a:tab pos="1825625" algn="l"/>
+                <a:tab pos="2282825" algn="l"/>
+                <a:tab pos="2740025" algn="l"/>
+                <a:tab pos="3197225" algn="l"/>
+                <a:tab pos="3654425" algn="l"/>
+                <a:tab pos="4111625" algn="l"/>
+                <a:tab pos="4568825" algn="l"/>
+                <a:tab pos="5026025" algn="l"/>
+                <a:tab pos="5483225" algn="l"/>
+                <a:tab pos="5940425" algn="l"/>
+                <a:tab pos="6397625" algn="l"/>
+                <a:tab pos="6854825" algn="l"/>
+                <a:tab pos="7312025" algn="l"/>
+                <a:tab pos="7769225" algn="l"/>
+                <a:tab pos="8226425" algn="l"/>
+                <a:tab pos="8683625" algn="l"/>
+                <a:tab pos="9140825" algn="l"/>
+              </a:tabLst>
+              <a:defRPr/>
+            </a:pPr>
+            <a:r>
+              <a:rPr kumimoji="0" lang="en-GB" sz="2600" b="0" i="0" u="none" strike="noStrike" kern="1200" cap="none" spc="0" normalizeH="0" baseline="0" noProof="0" dirty="0">
+                <a:ln>
+                  <a:noFill/>
+                </a:ln>
+                <a:solidFill>
+                  <a:schemeClr val="tx1"/>
+                </a:solidFill>
+                <a:effectLst/>
+                <a:uLnTx/>
+                <a:uFillTx/>
+                <a:latin typeface="+mn-lt"/>
+                <a:ea typeface="+mn-ea"/>
+                <a:cs typeface="+mn-cs"/>
+              </a:rPr>
+              <a:t>Extreme Programming (XP)</a:t>
+            </a:r>
+          </a:p>
+          <a:p>
+            <a:pPr marL="731520" lvl="1" indent="-274320">
+              <a:spcBef>
+                <a:spcPct val="20000"/>
+              </a:spcBef>
+              <a:buClr>
+                <a:schemeClr val="accent3"/>
+              </a:buClr>
+              <a:buSzPct val="95000"/>
+              <a:buFont typeface="Wingdings 2"/>
+              <a:buChar char=""/>
+              <a:tabLst>
+                <a:tab pos="454025" algn="l"/>
+                <a:tab pos="911225" algn="l"/>
+                <a:tab pos="1368425" algn="l"/>
+                <a:tab pos="1825625" algn="l"/>
+                <a:tab pos="2282825" algn="l"/>
+                <a:tab pos="2740025" algn="l"/>
+                <a:tab pos="3197225" algn="l"/>
+                <a:tab pos="3654425" algn="l"/>
+                <a:tab pos="4111625" algn="l"/>
+                <a:tab pos="4568825" algn="l"/>
+                <a:tab pos="5026025" algn="l"/>
+                <a:tab pos="5483225" algn="l"/>
+                <a:tab pos="5940425" algn="l"/>
+                <a:tab pos="6397625" algn="l"/>
+                <a:tab pos="6854825" algn="l"/>
+                <a:tab pos="7312025" algn="l"/>
+                <a:tab pos="7769225" algn="l"/>
+                <a:tab pos="8226425" algn="l"/>
+                <a:tab pos="8683625" algn="l"/>
+                <a:tab pos="9140825" algn="l"/>
+              </a:tabLst>
+              <a:defRPr/>
+            </a:pPr>
+            <a:r>
+              <a:rPr lang="en-GB" sz="2600" dirty="0"/>
+              <a:t>User Story</a:t>
+            </a:r>
+          </a:p>
+          <a:p>
+            <a:pPr marL="731520" lvl="1" indent="-274320">
+              <a:spcBef>
+                <a:spcPct val="20000"/>
+              </a:spcBef>
+              <a:buClr>
+                <a:schemeClr val="accent3"/>
+              </a:buClr>
+              <a:buSzPct val="95000"/>
+              <a:buFont typeface="Wingdings 2"/>
+              <a:buChar char=""/>
+              <a:tabLst>
+                <a:tab pos="454025" algn="l"/>
+                <a:tab pos="911225" algn="l"/>
+                <a:tab pos="1368425" algn="l"/>
+                <a:tab pos="1825625" algn="l"/>
+                <a:tab pos="2282825" algn="l"/>
+                <a:tab pos="2740025" algn="l"/>
+                <a:tab pos="3197225" algn="l"/>
+                <a:tab pos="3654425" algn="l"/>
+                <a:tab pos="4111625" algn="l"/>
+                <a:tab pos="4568825" algn="l"/>
+                <a:tab pos="5026025" algn="l"/>
+                <a:tab pos="5483225" algn="l"/>
+                <a:tab pos="5940425" algn="l"/>
+                <a:tab pos="6397625" algn="l"/>
+                <a:tab pos="6854825" algn="l"/>
+                <a:tab pos="7312025" algn="l"/>
+                <a:tab pos="7769225" algn="l"/>
+                <a:tab pos="8226425" algn="l"/>
+                <a:tab pos="8683625" algn="l"/>
+                <a:tab pos="9140825" algn="l"/>
+              </a:tabLst>
+              <a:defRPr/>
+            </a:pPr>
+            <a:r>
+              <a:rPr kumimoji="0" lang="en-GB" sz="2600" b="0" i="0" u="none" strike="noStrike" kern="1200" cap="none" spc="0" normalizeH="0" baseline="0" noProof="0" dirty="0">
+                <a:ln>
+                  <a:noFill/>
+                </a:ln>
+                <a:solidFill>
+                  <a:schemeClr val="tx1"/>
+                </a:solidFill>
+                <a:effectLst/>
+                <a:uLnTx/>
+                <a:uFillTx/>
+                <a:latin typeface="+mn-lt"/>
+                <a:ea typeface="+mn-ea"/>
+                <a:cs typeface="+mn-cs"/>
+              </a:rPr>
+              <a:t>14- days cycle</a:t>
+            </a:r>
+          </a:p>
+        </p:txBody>
+      </p:sp>
+      <p:pic>
+        <p:nvPicPr>
+          <p:cNvPr id="4" name="Picture 3">
+            <a:extLst>
+              <a:ext uri="{FF2B5EF4-FFF2-40B4-BE49-F238E27FC236}">
+                <a16:creationId xmlns:a16="http://schemas.microsoft.com/office/drawing/2014/main" id="{B9CE407D-0272-44CF-A9BF-A4FC0F7990F6}"/>
+              </a:ext>
+            </a:extLst>
+          </p:cNvPr>
+          <p:cNvPicPr>
+            <a:picLocks noChangeAspect="1"/>
+          </p:cNvPicPr>
+          <p:nvPr/>
+        </p:nvPicPr>
+        <p:blipFill>
+          <a:blip r:embed="rId3"/>
+          <a:stretch>
+            <a:fillRect/>
+          </a:stretch>
+        </p:blipFill>
+        <p:spPr>
+          <a:xfrm>
+            <a:off x="838200" y="2095500"/>
+            <a:ext cx="6505575" cy="4305300"/>
+          </a:xfrm>
+          <a:prstGeom prst="rect">
+            <a:avLst/>
+          </a:prstGeom>
+        </p:spPr>
+      </p:pic>
+    </p:spTree>
+    <p:extLst>
+      <p:ext uri="{BB962C8B-B14F-4D97-AF65-F5344CB8AC3E}">
+        <p14:creationId xmlns:p14="http://schemas.microsoft.com/office/powerpoint/2010/main" val="3594474323"/>
+      </p:ext>
+    </p:extLst>
+  </p:cSld>
+  <p:clrMapOvr>
+    <a:masterClrMapping/>
+  </p:clrMapOvr>
+  <p:transition/>
+</p:sld>
+</file>
+
+<file path=ppt/slides/slide52.xml><?xml version="1.0" encoding="utf-8"?>
+<p:sld xmlns:a="http://schemas.openxmlformats.org/drawingml/2006/main" xmlns:r="http://schemas.openxmlformats.org/officeDocument/2006/relationships" xmlns:p="http://schemas.openxmlformats.org/presentationml/2006/main">
+  <p:cSld>
+    <p:spTree>
+      <p:nvGrpSpPr>
+        <p:cNvPr id="1" name=""/>
+        <p:cNvGrpSpPr/>
+        <p:nvPr/>
+      </p:nvGrpSpPr>
+      <p:grpSpPr>
+        <a:xfrm>
+          <a:off x="0" y="0"/>
+          <a:ext cx="0" cy="0"/>
+          <a:chOff x="0" y="0"/>
+          <a:chExt cx="0" cy="0"/>
+        </a:xfrm>
+      </p:grpSpPr>
+      <p:sp>
+        <p:nvSpPr>
+          <p:cNvPr id="22530" name="Rectangle 2"/>
+          <p:cNvSpPr>
+            <a:spLocks noGrp="1" noChangeArrowheads="1"/>
+          </p:cNvSpPr>
+          <p:nvPr>
+            <p:ph type="title"/>
+          </p:nvPr>
+        </p:nvSpPr>
+        <p:spPr>
+          <a:xfrm>
+            <a:off x="495300" y="228600"/>
+            <a:ext cx="8229600" cy="1143000"/>
+          </a:xfrm>
+        </p:spPr>
+        <p:txBody>
+          <a:bodyPr>
+            <a:normAutofit/>
+          </a:bodyPr>
+          <a:lstStyle/>
+          <a:p>
+            <a:pPr eaLnBrk="1" hangingPunct="1"/>
+            <a:r>
+              <a:rPr lang="en-GB" dirty="0"/>
+              <a:t>Agile Methods (Contd.)</a:t>
+            </a:r>
+            <a:endParaRPr lang="en-US" sz="2800" dirty="0"/>
+          </a:p>
+        </p:txBody>
+      </p:sp>
+      <p:sp>
+        <p:nvSpPr>
+          <p:cNvPr id="6" name="TextBox 5">
+            <a:extLst>
+              <a:ext uri="{FF2B5EF4-FFF2-40B4-BE49-F238E27FC236}">
+                <a16:creationId xmlns:a16="http://schemas.microsoft.com/office/drawing/2014/main" id="{F3D5D53A-6C90-4B7D-BB57-9942909C3FD1}"/>
+              </a:ext>
+            </a:extLst>
+          </p:cNvPr>
+          <p:cNvSpPr txBox="1"/>
+          <p:nvPr/>
+        </p:nvSpPr>
+        <p:spPr>
+          <a:xfrm>
+            <a:off x="521676" y="1524000"/>
+            <a:ext cx="8203223" cy="5078313"/>
+          </a:xfrm>
+          <a:prstGeom prst="rect">
+            <a:avLst/>
+          </a:prstGeom>
+          <a:noFill/>
+        </p:spPr>
+        <p:txBody>
+          <a:bodyPr wrap="square">
+            <a:spAutoFit/>
+          </a:bodyPr>
+          <a:lstStyle/>
+          <a:p>
+            <a:pPr algn="l"/>
+            <a:r>
+              <a:rPr lang="en-US" b="1" i="0" dirty="0">
+                <a:solidFill>
+                  <a:srgbClr val="404040"/>
+                </a:solidFill>
+                <a:effectLst/>
+                <a:latin typeface="Poppins" panose="00000500000000000000" pitchFamily="2" charset="0"/>
+              </a:rPr>
+              <a:t>Phases of </a:t>
+            </a:r>
+            <a:r>
+              <a:rPr lang="en-US" b="1" dirty="0">
+                <a:solidFill>
+                  <a:srgbClr val="404040"/>
+                </a:solidFill>
+                <a:latin typeface="Poppins" panose="00000500000000000000" pitchFamily="2" charset="0"/>
+              </a:rPr>
+              <a:t>E</a:t>
+            </a:r>
+            <a:r>
+              <a:rPr lang="en-US" b="1" i="0" dirty="0">
+                <a:solidFill>
+                  <a:srgbClr val="404040"/>
+                </a:solidFill>
+                <a:effectLst/>
+                <a:latin typeface="Poppins" panose="00000500000000000000" pitchFamily="2" charset="0"/>
+              </a:rPr>
+              <a:t>xtreme programming:</a:t>
+            </a:r>
+          </a:p>
+          <a:p>
+            <a:pPr algn="l"/>
+            <a:r>
+              <a:rPr lang="en-US" b="0" i="0" dirty="0">
+                <a:solidFill>
+                  <a:srgbClr val="404040"/>
+                </a:solidFill>
+                <a:effectLst/>
+                <a:latin typeface="Muli"/>
+              </a:rPr>
+              <a:t>There are 6 phases available in Agile XP method, and those are explained as follows:</a:t>
+            </a:r>
+          </a:p>
+          <a:p>
+            <a:pPr algn="l"/>
+            <a:r>
+              <a:rPr lang="en-US" b="1" i="1" dirty="0">
+                <a:solidFill>
+                  <a:srgbClr val="404040"/>
+                </a:solidFill>
+                <a:effectLst/>
+                <a:latin typeface="Poppins" panose="00000500000000000000" pitchFamily="2" charset="0"/>
+              </a:rPr>
+              <a:t>Planning</a:t>
+            </a:r>
+            <a:endParaRPr lang="en-US" b="1" i="0" dirty="0">
+              <a:solidFill>
+                <a:srgbClr val="404040"/>
+              </a:solidFill>
+              <a:effectLst/>
+              <a:latin typeface="Poppins" panose="00000500000000000000" pitchFamily="2" charset="0"/>
+            </a:endParaRPr>
+          </a:p>
+          <a:p>
+            <a:pPr algn="l">
+              <a:buFont typeface="Arial" panose="020B0604020202020204" pitchFamily="34" charset="0"/>
+              <a:buChar char="•"/>
+            </a:pPr>
+            <a:r>
+              <a:rPr lang="en-US" b="0" i="0" dirty="0">
+                <a:solidFill>
+                  <a:srgbClr val="404040"/>
+                </a:solidFill>
+                <a:effectLst/>
+                <a:latin typeface="Muli"/>
+              </a:rPr>
+              <a:t>Identification of stakeholders and sponsors</a:t>
+            </a:r>
+          </a:p>
+          <a:p>
+            <a:pPr algn="l">
+              <a:buFont typeface="Arial" panose="020B0604020202020204" pitchFamily="34" charset="0"/>
+              <a:buChar char="•"/>
+            </a:pPr>
+            <a:r>
+              <a:rPr lang="en-US" b="0" i="0" dirty="0">
+                <a:solidFill>
+                  <a:srgbClr val="404040"/>
+                </a:solidFill>
+                <a:effectLst/>
+                <a:latin typeface="Muli"/>
+              </a:rPr>
+              <a:t>Infrastructure Requirements</a:t>
+            </a:r>
+          </a:p>
+          <a:p>
+            <a:pPr algn="l">
+              <a:buFont typeface="Arial" panose="020B0604020202020204" pitchFamily="34" charset="0"/>
+              <a:buChar char="•"/>
+            </a:pPr>
+            <a:r>
+              <a:rPr lang="en-US" b="0" i="0" dirty="0">
+                <a:solidFill>
+                  <a:srgbClr val="404040"/>
+                </a:solidFill>
+                <a:effectLst/>
+                <a:latin typeface="Muli"/>
+              </a:rPr>
+              <a:t>Security related information and gathering</a:t>
+            </a:r>
+          </a:p>
+          <a:p>
+            <a:pPr algn="l">
+              <a:buFont typeface="Arial" panose="020B0604020202020204" pitchFamily="34" charset="0"/>
+              <a:buChar char="•"/>
+            </a:pPr>
+            <a:r>
+              <a:rPr lang="en-US" b="0" i="0" dirty="0">
+                <a:solidFill>
+                  <a:srgbClr val="404040"/>
+                </a:solidFill>
+                <a:effectLst/>
+                <a:latin typeface="Muli"/>
+              </a:rPr>
+              <a:t>Service Level Agreements and its conditions</a:t>
+            </a:r>
+          </a:p>
+          <a:p>
+            <a:pPr algn="l"/>
+            <a:r>
+              <a:rPr lang="en-US" b="1" i="1" dirty="0">
+                <a:solidFill>
+                  <a:srgbClr val="404040"/>
+                </a:solidFill>
+                <a:effectLst/>
+                <a:latin typeface="Poppins" panose="00000500000000000000" pitchFamily="2" charset="0"/>
+              </a:rPr>
+              <a:t>Analysis</a:t>
+            </a:r>
+            <a:endParaRPr lang="en-US" b="1" i="0" dirty="0">
+              <a:solidFill>
+                <a:srgbClr val="404040"/>
+              </a:solidFill>
+              <a:effectLst/>
+              <a:latin typeface="Poppins" panose="00000500000000000000" pitchFamily="2" charset="0"/>
+            </a:endParaRPr>
+          </a:p>
+          <a:p>
+            <a:pPr algn="l">
+              <a:buFont typeface="Arial" panose="020B0604020202020204" pitchFamily="34" charset="0"/>
+              <a:buChar char="•"/>
+            </a:pPr>
+            <a:r>
+              <a:rPr lang="en-US" b="0" i="0" dirty="0">
+                <a:solidFill>
+                  <a:srgbClr val="404040"/>
+                </a:solidFill>
+                <a:effectLst/>
+                <a:latin typeface="Muli"/>
+              </a:rPr>
+              <a:t>Capturing of Stories in Parking lot</a:t>
+            </a:r>
+          </a:p>
+          <a:p>
+            <a:pPr algn="l">
+              <a:buFont typeface="Arial" panose="020B0604020202020204" pitchFamily="34" charset="0"/>
+              <a:buChar char="•"/>
+            </a:pPr>
+            <a:r>
+              <a:rPr lang="en-US" b="0" i="0" dirty="0">
+                <a:solidFill>
+                  <a:srgbClr val="404040"/>
+                </a:solidFill>
+                <a:effectLst/>
+                <a:latin typeface="Muli"/>
+              </a:rPr>
+              <a:t>Prioritize stories in Parking lot</a:t>
+            </a:r>
+          </a:p>
+          <a:p>
+            <a:pPr algn="l">
+              <a:buFont typeface="Arial" panose="020B0604020202020204" pitchFamily="34" charset="0"/>
+              <a:buChar char="•"/>
+            </a:pPr>
+            <a:r>
+              <a:rPr lang="en-US" b="0" i="0" dirty="0">
+                <a:solidFill>
+                  <a:srgbClr val="404040"/>
+                </a:solidFill>
+                <a:effectLst/>
+                <a:latin typeface="Muli"/>
+              </a:rPr>
+              <a:t>Scrubbing of stories for estimation</a:t>
+            </a:r>
+          </a:p>
+          <a:p>
+            <a:pPr algn="l">
+              <a:buFont typeface="Arial" panose="020B0604020202020204" pitchFamily="34" charset="0"/>
+              <a:buChar char="•"/>
+            </a:pPr>
+            <a:r>
+              <a:rPr lang="en-US" b="0" i="0" dirty="0">
+                <a:solidFill>
+                  <a:srgbClr val="404040"/>
+                </a:solidFill>
+                <a:effectLst/>
+                <a:latin typeface="Muli"/>
+              </a:rPr>
+              <a:t>Define Iteration SPAN(Time)</a:t>
+            </a:r>
+          </a:p>
+          <a:p>
+            <a:pPr algn="l">
+              <a:buFont typeface="Arial" panose="020B0604020202020204" pitchFamily="34" charset="0"/>
+              <a:buChar char="•"/>
+            </a:pPr>
+            <a:r>
+              <a:rPr lang="en-US" b="0" i="0" dirty="0">
+                <a:solidFill>
+                  <a:srgbClr val="404040"/>
+                </a:solidFill>
+                <a:effectLst/>
+                <a:latin typeface="Muli"/>
+              </a:rPr>
+              <a:t>Resource planning for both Development and QA teams</a:t>
+            </a:r>
+          </a:p>
+          <a:p>
+            <a:pPr algn="l"/>
+            <a:r>
+              <a:rPr lang="en-US" b="1" i="1" dirty="0">
+                <a:solidFill>
+                  <a:srgbClr val="404040"/>
+                </a:solidFill>
+                <a:effectLst/>
+                <a:latin typeface="Poppins" panose="00000500000000000000" pitchFamily="2" charset="0"/>
+              </a:rPr>
+              <a:t>Design</a:t>
+            </a:r>
+            <a:endParaRPr lang="en-US" b="1" i="0" dirty="0">
+              <a:solidFill>
+                <a:srgbClr val="404040"/>
+              </a:solidFill>
+              <a:effectLst/>
+              <a:latin typeface="Poppins" panose="00000500000000000000" pitchFamily="2" charset="0"/>
+            </a:endParaRPr>
+          </a:p>
+          <a:p>
+            <a:pPr algn="l">
+              <a:buFont typeface="Arial" panose="020B0604020202020204" pitchFamily="34" charset="0"/>
+              <a:buChar char="•"/>
+            </a:pPr>
+            <a:r>
+              <a:rPr lang="en-US" b="0" i="0" dirty="0">
+                <a:solidFill>
+                  <a:srgbClr val="404040"/>
+                </a:solidFill>
+                <a:effectLst/>
+                <a:latin typeface="Muli"/>
+              </a:rPr>
+              <a:t>Break down of tasks</a:t>
+            </a:r>
+          </a:p>
+          <a:p>
+            <a:pPr algn="l">
+              <a:buFont typeface="Arial" panose="020B0604020202020204" pitchFamily="34" charset="0"/>
+              <a:buChar char="•"/>
+            </a:pPr>
+            <a:r>
+              <a:rPr lang="en-US" b="0" i="0" dirty="0">
+                <a:solidFill>
+                  <a:srgbClr val="404040"/>
+                </a:solidFill>
+                <a:effectLst/>
+                <a:latin typeface="Muli"/>
+              </a:rPr>
+              <a:t>Test Scenario preparation for each task</a:t>
+            </a:r>
+          </a:p>
+          <a:p>
+            <a:pPr algn="l">
+              <a:buFont typeface="Arial" panose="020B0604020202020204" pitchFamily="34" charset="0"/>
+              <a:buChar char="•"/>
+            </a:pPr>
+            <a:r>
+              <a:rPr lang="en-US" b="0" i="0" dirty="0">
+                <a:solidFill>
+                  <a:srgbClr val="404040"/>
+                </a:solidFill>
+                <a:effectLst/>
+                <a:latin typeface="Muli"/>
+              </a:rPr>
+              <a:t>Regression Automation Framework</a:t>
+            </a:r>
+          </a:p>
+          <a:p>
+            <a:pPr algn="l"/>
+            <a:endParaRPr lang="en-US" b="0" i="0" dirty="0">
+              <a:solidFill>
+                <a:srgbClr val="404040"/>
+              </a:solidFill>
+              <a:effectLst/>
+              <a:latin typeface="Muli"/>
+            </a:endParaRPr>
+          </a:p>
+        </p:txBody>
+      </p:sp>
+    </p:spTree>
+    <p:extLst>
+      <p:ext uri="{BB962C8B-B14F-4D97-AF65-F5344CB8AC3E}">
+        <p14:creationId xmlns:p14="http://schemas.microsoft.com/office/powerpoint/2010/main" val="247781285"/>
+      </p:ext>
+    </p:extLst>
+  </p:cSld>
+  <p:clrMapOvr>
+    <a:masterClrMapping/>
+  </p:clrMapOvr>
+  <p:transition/>
+</p:sld>
+</file>
+
+<file path=ppt/slides/slide53.xml><?xml version="1.0" encoding="utf-8"?>
+<p:sld xmlns:a="http://schemas.openxmlformats.org/drawingml/2006/main" xmlns:r="http://schemas.openxmlformats.org/officeDocument/2006/relationships" xmlns:p="http://schemas.openxmlformats.org/presentationml/2006/main">
+  <p:cSld>
+    <p:spTree>
+      <p:nvGrpSpPr>
+        <p:cNvPr id="1" name=""/>
+        <p:cNvGrpSpPr/>
+        <p:nvPr/>
+      </p:nvGrpSpPr>
+      <p:grpSpPr>
+        <a:xfrm>
+          <a:off x="0" y="0"/>
+          <a:ext cx="0" cy="0"/>
+          <a:chOff x="0" y="0"/>
+          <a:chExt cx="0" cy="0"/>
+        </a:xfrm>
+      </p:grpSpPr>
+      <p:sp>
+        <p:nvSpPr>
+          <p:cNvPr id="22530" name="Rectangle 2"/>
+          <p:cNvSpPr>
+            <a:spLocks noGrp="1" noChangeArrowheads="1"/>
+          </p:cNvSpPr>
+          <p:nvPr>
+            <p:ph type="title"/>
+          </p:nvPr>
+        </p:nvSpPr>
+        <p:spPr>
+          <a:xfrm>
+            <a:off x="495300" y="228600"/>
+            <a:ext cx="8229600" cy="1143000"/>
+          </a:xfrm>
+        </p:spPr>
+        <p:txBody>
+          <a:bodyPr>
+            <a:normAutofit/>
+          </a:bodyPr>
+          <a:lstStyle/>
+          <a:p>
+            <a:pPr eaLnBrk="1" hangingPunct="1"/>
+            <a:r>
+              <a:rPr lang="en-GB" dirty="0"/>
+              <a:t>Agile Methods (Contd.)</a:t>
+            </a:r>
+            <a:endParaRPr lang="en-US" sz="2800" dirty="0"/>
+          </a:p>
+        </p:txBody>
+      </p:sp>
+      <p:sp>
+        <p:nvSpPr>
+          <p:cNvPr id="6" name="TextBox 5">
+            <a:extLst>
+              <a:ext uri="{FF2B5EF4-FFF2-40B4-BE49-F238E27FC236}">
+                <a16:creationId xmlns:a16="http://schemas.microsoft.com/office/drawing/2014/main" id="{F3D5D53A-6C90-4B7D-BB57-9942909C3FD1}"/>
+              </a:ext>
+            </a:extLst>
+          </p:cNvPr>
+          <p:cNvSpPr txBox="1"/>
+          <p:nvPr/>
+        </p:nvSpPr>
+        <p:spPr>
+          <a:xfrm>
+            <a:off x="521676" y="1524000"/>
+            <a:ext cx="8203223" cy="5909310"/>
+          </a:xfrm>
+          <a:prstGeom prst="rect">
+            <a:avLst/>
+          </a:prstGeom>
+          <a:noFill/>
+        </p:spPr>
+        <p:txBody>
+          <a:bodyPr wrap="square">
+            <a:spAutoFit/>
+          </a:bodyPr>
+          <a:lstStyle/>
+          <a:p>
+            <a:pPr algn="l"/>
+            <a:r>
+              <a:rPr lang="en-US" b="1" i="0" dirty="0">
+                <a:solidFill>
+                  <a:srgbClr val="404040"/>
+                </a:solidFill>
+                <a:effectLst/>
+                <a:latin typeface="Poppins" panose="00000500000000000000" pitchFamily="2" charset="0"/>
+              </a:rPr>
+              <a:t>Phases of </a:t>
+            </a:r>
+            <a:r>
+              <a:rPr lang="en-US" b="1" i="0" dirty="0" err="1">
+                <a:solidFill>
+                  <a:srgbClr val="404040"/>
+                </a:solidFill>
+                <a:effectLst/>
+                <a:latin typeface="Poppins" panose="00000500000000000000" pitchFamily="2" charset="0"/>
+              </a:rPr>
+              <a:t>eXtreme</a:t>
+            </a:r>
+            <a:r>
+              <a:rPr lang="en-US" b="1" i="0" dirty="0">
+                <a:solidFill>
+                  <a:srgbClr val="404040"/>
+                </a:solidFill>
+                <a:effectLst/>
+                <a:latin typeface="Poppins" panose="00000500000000000000" pitchFamily="2" charset="0"/>
+              </a:rPr>
+              <a:t> programming:</a:t>
+            </a:r>
+          </a:p>
+          <a:p>
+            <a:r>
+              <a:rPr lang="en-US" b="1" i="1" dirty="0">
+                <a:effectLst/>
+                <a:latin typeface="Poppins" panose="00000500000000000000" pitchFamily="2" charset="0"/>
+              </a:rPr>
+              <a:t>Execution</a:t>
+            </a:r>
+            <a:endParaRPr lang="en-US" b="1" dirty="0">
+              <a:effectLst/>
+              <a:latin typeface="Poppins" panose="00000500000000000000" pitchFamily="2" charset="0"/>
+            </a:endParaRPr>
+          </a:p>
+          <a:p>
+            <a:pPr>
+              <a:buFont typeface="Arial" panose="020B0604020202020204" pitchFamily="34" charset="0"/>
+              <a:buChar char="•"/>
+            </a:pPr>
+            <a:r>
+              <a:rPr lang="en-US" dirty="0">
+                <a:effectLst/>
+              </a:rPr>
+              <a:t>Coding</a:t>
+            </a:r>
+          </a:p>
+          <a:p>
+            <a:pPr>
+              <a:buFont typeface="Arial" panose="020B0604020202020204" pitchFamily="34" charset="0"/>
+              <a:buChar char="•"/>
+            </a:pPr>
+            <a:r>
+              <a:rPr lang="en-US" dirty="0">
+                <a:effectLst/>
+              </a:rPr>
+              <a:t>Unit Testing</a:t>
+            </a:r>
+          </a:p>
+          <a:p>
+            <a:pPr>
+              <a:buFont typeface="Arial" panose="020B0604020202020204" pitchFamily="34" charset="0"/>
+              <a:buChar char="•"/>
+            </a:pPr>
+            <a:r>
+              <a:rPr lang="en-US" dirty="0">
+                <a:effectLst/>
+              </a:rPr>
+              <a:t>Execution of Manual test scenarios</a:t>
+            </a:r>
+          </a:p>
+          <a:p>
+            <a:pPr>
+              <a:buFont typeface="Arial" panose="020B0604020202020204" pitchFamily="34" charset="0"/>
+              <a:buChar char="•"/>
+            </a:pPr>
+            <a:r>
+              <a:rPr lang="en-US" dirty="0">
+                <a:effectLst/>
+              </a:rPr>
+              <a:t>Defect Report generation</a:t>
+            </a:r>
+          </a:p>
+          <a:p>
+            <a:pPr>
+              <a:buFont typeface="Arial" panose="020B0604020202020204" pitchFamily="34" charset="0"/>
+              <a:buChar char="•"/>
+            </a:pPr>
+            <a:r>
+              <a:rPr lang="en-US" dirty="0">
+                <a:effectLst/>
+              </a:rPr>
+              <a:t>Conversion of Manual to Automation regression test cases</a:t>
+            </a:r>
+          </a:p>
+          <a:p>
+            <a:pPr>
+              <a:buFont typeface="Arial" panose="020B0604020202020204" pitchFamily="34" charset="0"/>
+              <a:buChar char="•"/>
+            </a:pPr>
+            <a:r>
+              <a:rPr lang="en-US" dirty="0">
+                <a:effectLst/>
+              </a:rPr>
+              <a:t>Mid Iteration review</a:t>
+            </a:r>
+          </a:p>
+          <a:p>
+            <a:pPr>
+              <a:buFont typeface="Arial" panose="020B0604020202020204" pitchFamily="34" charset="0"/>
+              <a:buChar char="•"/>
+            </a:pPr>
+            <a:r>
+              <a:rPr lang="en-US" dirty="0">
+                <a:effectLst/>
+              </a:rPr>
+              <a:t>End of Iteration review</a:t>
+            </a:r>
+          </a:p>
+          <a:p>
+            <a:r>
+              <a:rPr lang="en-US" b="1" i="1" dirty="0">
+                <a:effectLst/>
+                <a:latin typeface="Poppins" panose="00000500000000000000" pitchFamily="2" charset="0"/>
+              </a:rPr>
+              <a:t>Wrapping</a:t>
+            </a:r>
+            <a:endParaRPr lang="en-US" b="1" dirty="0">
+              <a:effectLst/>
+              <a:latin typeface="Poppins" panose="00000500000000000000" pitchFamily="2" charset="0"/>
+            </a:endParaRPr>
+          </a:p>
+          <a:p>
+            <a:pPr>
+              <a:buFont typeface="Arial" panose="020B0604020202020204" pitchFamily="34" charset="0"/>
+              <a:buChar char="•"/>
+            </a:pPr>
+            <a:r>
+              <a:rPr lang="en-US" dirty="0">
+                <a:effectLst/>
+              </a:rPr>
+              <a:t>Small Releases</a:t>
+            </a:r>
+          </a:p>
+          <a:p>
+            <a:pPr>
+              <a:buFont typeface="Arial" panose="020B0604020202020204" pitchFamily="34" charset="0"/>
+              <a:buChar char="•"/>
+            </a:pPr>
+            <a:r>
+              <a:rPr lang="en-US" dirty="0">
+                <a:effectLst/>
+              </a:rPr>
+              <a:t>Regression Testing</a:t>
+            </a:r>
+          </a:p>
+          <a:p>
+            <a:pPr>
+              <a:buFont typeface="Arial" panose="020B0604020202020204" pitchFamily="34" charset="0"/>
+              <a:buChar char="•"/>
+            </a:pPr>
+            <a:r>
+              <a:rPr lang="en-US" dirty="0">
+                <a:effectLst/>
+              </a:rPr>
+              <a:t>Demos and reviews</a:t>
+            </a:r>
+          </a:p>
+          <a:p>
+            <a:pPr>
+              <a:buFont typeface="Arial" panose="020B0604020202020204" pitchFamily="34" charset="0"/>
+              <a:buChar char="•"/>
+            </a:pPr>
+            <a:r>
+              <a:rPr lang="en-US" dirty="0">
+                <a:effectLst/>
+              </a:rPr>
+              <a:t>Develop new stories based on the need</a:t>
+            </a:r>
+          </a:p>
+          <a:p>
+            <a:pPr>
+              <a:buFont typeface="Arial" panose="020B0604020202020204" pitchFamily="34" charset="0"/>
+              <a:buChar char="•"/>
+            </a:pPr>
+            <a:r>
+              <a:rPr lang="en-US" dirty="0">
+                <a:effectLst/>
+              </a:rPr>
+              <a:t>Process Improvements based on end of iteration review comments</a:t>
+            </a:r>
+          </a:p>
+          <a:p>
+            <a:r>
+              <a:rPr lang="en-US" b="1" i="1" dirty="0">
+                <a:effectLst/>
+                <a:latin typeface="Poppins" panose="00000500000000000000" pitchFamily="2" charset="0"/>
+              </a:rPr>
+              <a:t>Closure</a:t>
+            </a:r>
+            <a:endParaRPr lang="en-US" b="1" dirty="0">
+              <a:effectLst/>
+              <a:latin typeface="Poppins" panose="00000500000000000000" pitchFamily="2" charset="0"/>
+            </a:endParaRPr>
+          </a:p>
+          <a:p>
+            <a:pPr>
+              <a:buFont typeface="Arial" panose="020B0604020202020204" pitchFamily="34" charset="0"/>
+              <a:buChar char="•"/>
+            </a:pPr>
+            <a:r>
+              <a:rPr lang="en-US" b="0" i="0" dirty="0">
+                <a:solidFill>
+                  <a:srgbClr val="404040"/>
+                </a:solidFill>
+                <a:effectLst/>
+                <a:latin typeface="Muli"/>
+              </a:rPr>
+              <a:t>Pilot Launch</a:t>
+            </a:r>
+          </a:p>
+          <a:p>
+            <a:pPr>
+              <a:buFont typeface="Arial" panose="020B0604020202020204" pitchFamily="34" charset="0"/>
+              <a:buChar char="•"/>
+            </a:pPr>
+            <a:r>
+              <a:rPr lang="en-US" b="0" i="0" dirty="0">
+                <a:solidFill>
+                  <a:srgbClr val="404040"/>
+                </a:solidFill>
+                <a:effectLst/>
+                <a:latin typeface="Muli"/>
+              </a:rPr>
+              <a:t>Training</a:t>
+            </a:r>
+          </a:p>
+          <a:p>
+            <a:pPr>
+              <a:buFont typeface="Arial" panose="020B0604020202020204" pitchFamily="34" charset="0"/>
+              <a:buChar char="•"/>
+            </a:pPr>
+            <a:r>
+              <a:rPr lang="en-US" b="0" i="0" dirty="0">
+                <a:solidFill>
+                  <a:srgbClr val="404040"/>
+                </a:solidFill>
+                <a:effectLst/>
+                <a:latin typeface="Muli"/>
+              </a:rPr>
+              <a:t>Production Launch</a:t>
+            </a:r>
+          </a:p>
+          <a:p>
+            <a:br>
+              <a:rPr lang="en-US" b="0" i="0" dirty="0">
+                <a:solidFill>
+                  <a:srgbClr val="404040"/>
+                </a:solidFill>
+                <a:effectLst/>
+                <a:latin typeface="Muli"/>
+              </a:rPr>
+            </a:br>
+            <a:endParaRPr lang="en-US" b="0" i="0" dirty="0">
+              <a:solidFill>
+                <a:srgbClr val="404040"/>
+              </a:solidFill>
+              <a:effectLst/>
+              <a:latin typeface="Muli"/>
+            </a:endParaRPr>
+          </a:p>
+        </p:txBody>
+      </p:sp>
+    </p:spTree>
+    <p:extLst>
+      <p:ext uri="{BB962C8B-B14F-4D97-AF65-F5344CB8AC3E}">
+        <p14:creationId xmlns:p14="http://schemas.microsoft.com/office/powerpoint/2010/main" val="1501301232"/>
+      </p:ext>
+    </p:extLst>
+  </p:cSld>
+  <p:clrMapOvr>
+    <a:masterClrMapping/>
+  </p:clrMapOvr>
+  <p:transition/>
+</p:sld>
+</file>
+
+<file path=ppt/slides/slide54.xml><?xml version="1.0" encoding="utf-8"?>
+<p:sld xmlns:a="http://schemas.openxmlformats.org/drawingml/2006/main" xmlns:r="http://schemas.openxmlformats.org/officeDocument/2006/relationships" xmlns:p="http://schemas.openxmlformats.org/presentationml/2006/main">
+  <p:cSld>
+    <p:spTree>
+      <p:nvGrpSpPr>
+        <p:cNvPr id="1" name=""/>
+        <p:cNvGrpSpPr/>
+        <p:nvPr/>
+      </p:nvGrpSpPr>
+      <p:grpSpPr>
+        <a:xfrm>
+          <a:off x="0" y="0"/>
+          <a:ext cx="0" cy="0"/>
+          <a:chOff x="0" y="0"/>
+          <a:chExt cx="0" cy="0"/>
+        </a:xfrm>
+      </p:grpSpPr>
+      <p:sp>
+        <p:nvSpPr>
+          <p:cNvPr id="22530" name="Rectangle 2"/>
+          <p:cNvSpPr>
+            <a:spLocks noGrp="1" noChangeArrowheads="1"/>
+          </p:cNvSpPr>
+          <p:nvPr>
+            <p:ph type="title"/>
+          </p:nvPr>
+        </p:nvSpPr>
+        <p:spPr>
+          <a:xfrm>
+            <a:off x="457200" y="914400"/>
+            <a:ext cx="8229600" cy="1143000"/>
+          </a:xfrm>
+        </p:spPr>
+        <p:txBody>
+          <a:bodyPr>
+            <a:normAutofit/>
+          </a:bodyPr>
+          <a:lstStyle/>
+          <a:p>
+            <a:pPr eaLnBrk="1" hangingPunct="1"/>
+            <a:r>
+              <a:rPr lang="en-GB" dirty="0"/>
+              <a:t>Agile Methods (Contd.)</a:t>
+            </a:r>
+            <a:endParaRPr lang="en-US" sz="2800" dirty="0"/>
+          </a:p>
+        </p:txBody>
+      </p:sp>
+      <p:pic>
+        <p:nvPicPr>
+          <p:cNvPr id="2" name="Picture 1"/>
+          <p:cNvPicPr>
+            <a:picLocks noChangeAspect="1"/>
+          </p:cNvPicPr>
+          <p:nvPr/>
+        </p:nvPicPr>
+        <p:blipFill>
+          <a:blip r:embed="rId3"/>
+          <a:stretch>
+            <a:fillRect/>
+          </a:stretch>
+        </p:blipFill>
+        <p:spPr>
+          <a:xfrm>
+            <a:off x="1510171" y="2425790"/>
+            <a:ext cx="5674010" cy="4234195"/>
+          </a:xfrm>
+          <a:prstGeom prst="rect">
+            <a:avLst/>
+          </a:prstGeom>
+        </p:spPr>
+      </p:pic>
+    </p:spTree>
+    <p:extLst>
+      <p:ext uri="{BB962C8B-B14F-4D97-AF65-F5344CB8AC3E}">
+        <p14:creationId xmlns:p14="http://schemas.microsoft.com/office/powerpoint/2010/main" val="2483253985"/>
+      </p:ext>
+    </p:extLst>
+  </p:cSld>
+  <p:clrMapOvr>
+    <a:masterClrMapping/>
+  </p:clrMapOvr>
+  <p:transition/>
+  <p:timing>
+    <p:tnLst>
+      <p:par>
+        <p:cTn id="1" dur="indefinite" restart="never" nodeType="tmRoot">
+          <p:childTnLst>
+            <p:seq concurrent="1" nextAc="seek">
+              <p:cTn id="2" dur="indefinite" nodeType="mainSeq">
+                <p:childTnLst>
+                  <p:par>
+                    <p:cTn id="3" fill="hold">
+                      <p:stCondLst>
+                        <p:cond delay="indefinite"/>
+                      </p:stCondLst>
+                      <p:childTnLst>
+                        <p:par>
+                          <p:cTn id="4" fill="hold">
+                            <p:stCondLst>
+                              <p:cond delay="0"/>
+                            </p:stCondLst>
+                            <p:childTnLst>
+                              <p:par>
+                                <p:cTn id="5" presetID="1" presetClass="exit" presetSubtype="0" fill="hold" nodeType="clickEffect">
+                                  <p:stCondLst>
+                                    <p:cond delay="0"/>
+                                  </p:stCondLst>
+                                  <p:childTnLst>
+                                    <p:set>
+                                      <p:cBhvr>
+                                        <p:cTn id="6" dur="1" fill="hold">
+                                          <p:stCondLst>
+                                            <p:cond delay="0"/>
+                                          </p:stCondLst>
+                                        </p:cTn>
+                                        <p:tgtEl>
+                                          <p:spTgt spid="2"/>
+                                        </p:tgtEl>
+                                        <p:attrNameLst>
+                                          <p:attrName>style.visibility</p:attrName>
+                                        </p:attrNameLst>
+                                      </p:cBhvr>
+                                      <p:to>
+                                        <p:strVal val="hidden"/>
+                                      </p:to>
+                                    </p:set>
+                                  </p:childTnLst>
+                                </p:cTn>
+                              </p:par>
+                            </p:childTnLst>
+                          </p:cTn>
+                        </p:par>
+                      </p:childTnLst>
+                    </p:cTn>
+                  </p:par>
+                </p:childTnLst>
+              </p:cTn>
+              <p:prevCondLst>
+                <p:cond evt="onPrev" delay="0">
+                  <p:tgtEl>
+                    <p:sldTgt/>
+                  </p:tgtEl>
+                </p:cond>
+              </p:prevCondLst>
+              <p:nextCondLst>
+                <p:cond evt="onNext" delay="0">
+                  <p:tgtEl>
+                    <p:sldTgt/>
+                  </p:tgtEl>
+                </p:cond>
+              </p:nextCondLst>
+            </p:seq>
+          </p:childTnLst>
+        </p:cTn>
+      </p:par>
+    </p:tnLst>
+  </p:timing>
+</p:sld>
+</file>
+
+<file path=ppt/slides/slide55.xml><?xml version="1.0" encoding="utf-8"?>
+<p:sld xmlns:a="http://schemas.openxmlformats.org/drawingml/2006/main" xmlns:r="http://schemas.openxmlformats.org/officeDocument/2006/relationships" xmlns:p="http://schemas.openxmlformats.org/presentationml/2006/main">
+  <p:cSld>
+    <p:spTree>
+      <p:nvGrpSpPr>
+        <p:cNvPr id="1" name=""/>
+        <p:cNvGrpSpPr/>
+        <p:nvPr/>
+      </p:nvGrpSpPr>
+      <p:grpSpPr>
+        <a:xfrm>
+          <a:off x="0" y="0"/>
+          <a:ext cx="0" cy="0"/>
+          <a:chOff x="0" y="0"/>
+          <a:chExt cx="0" cy="0"/>
+        </a:xfrm>
+      </p:grpSpPr>
+      <p:sp>
+        <p:nvSpPr>
+          <p:cNvPr id="22530" name="Rectangle 2"/>
+          <p:cNvSpPr>
+            <a:spLocks noGrp="1" noChangeArrowheads="1"/>
+          </p:cNvSpPr>
+          <p:nvPr>
+            <p:ph type="title"/>
+          </p:nvPr>
+        </p:nvSpPr>
+        <p:spPr>
+          <a:xfrm>
+            <a:off x="457200" y="914400"/>
+            <a:ext cx="8229600" cy="1143000"/>
+          </a:xfrm>
+        </p:spPr>
+        <p:txBody>
+          <a:bodyPr>
+            <a:normAutofit/>
+          </a:bodyPr>
+          <a:lstStyle/>
+          <a:p>
+            <a:pPr eaLnBrk="1" hangingPunct="1"/>
+            <a:r>
+              <a:rPr lang="en-GB" dirty="0"/>
+              <a:t>Agile Methods (Contd.)</a:t>
+            </a:r>
+            <a:endParaRPr lang="en-US" sz="2800" dirty="0"/>
+          </a:p>
+        </p:txBody>
+      </p:sp>
+      <p:sp>
+        <p:nvSpPr>
+          <p:cNvPr id="22531" name="Rectangle 3"/>
+          <p:cNvSpPr>
+            <a:spLocks noGrp="1" noChangeArrowheads="1"/>
+          </p:cNvSpPr>
+          <p:nvPr>
+            <p:ph type="body" idx="1"/>
+          </p:nvPr>
+        </p:nvSpPr>
+        <p:spPr>
+          <a:xfrm>
+            <a:off x="457200" y="2438400"/>
+            <a:ext cx="8229600" cy="3962400"/>
+          </a:xfrm>
+        </p:spPr>
+        <p:txBody>
+          <a:bodyPr>
+            <a:normAutofit/>
+          </a:bodyPr>
+          <a:lstStyle/>
+          <a:p>
+            <a:pPr>
+              <a:tabLst>
+                <a:tab pos="454025" algn="l"/>
+                <a:tab pos="911225" algn="l"/>
+                <a:tab pos="1368425" algn="l"/>
+                <a:tab pos="1825625" algn="l"/>
+                <a:tab pos="2282825" algn="l"/>
+                <a:tab pos="2740025" algn="l"/>
+                <a:tab pos="3197225" algn="l"/>
+                <a:tab pos="3654425" algn="l"/>
+                <a:tab pos="4111625" algn="l"/>
+                <a:tab pos="4568825" algn="l"/>
+                <a:tab pos="5026025" algn="l"/>
+                <a:tab pos="5483225" algn="l"/>
+                <a:tab pos="5940425" algn="l"/>
+                <a:tab pos="6397625" algn="l"/>
+                <a:tab pos="6854825" algn="l"/>
+                <a:tab pos="7312025" algn="l"/>
+                <a:tab pos="7769225" algn="l"/>
+                <a:tab pos="8226425" algn="l"/>
+                <a:tab pos="8683625" algn="l"/>
+                <a:tab pos="9140825" algn="l"/>
+              </a:tabLst>
+            </a:pPr>
+            <a:r>
+              <a:rPr lang="en-GB" dirty="0"/>
+              <a:t>Scrum:</a:t>
+            </a:r>
+          </a:p>
+          <a:p>
+            <a:pPr lvl="1"/>
+            <a:r>
+              <a:rPr lang="en-US" dirty="0"/>
+              <a:t>A quick, adaptive, and self-organizing development methodology</a:t>
+            </a:r>
+          </a:p>
+          <a:p>
+            <a:pPr lvl="1"/>
+            <a:r>
+              <a:rPr lang="en-US" dirty="0"/>
+              <a:t>Responds to a current situation as rapidly and positively as possible</a:t>
+            </a:r>
+          </a:p>
+        </p:txBody>
+      </p:sp>
+    </p:spTree>
+    <p:extLst>
+      <p:ext uri="{BB962C8B-B14F-4D97-AF65-F5344CB8AC3E}">
+        <p14:creationId xmlns:p14="http://schemas.microsoft.com/office/powerpoint/2010/main" val="3734595498"/>
+      </p:ext>
+    </p:extLst>
+  </p:cSld>
+  <p:clrMapOvr>
+    <a:masterClrMapping/>
+  </p:clrMapOvr>
+  <p:transition/>
+</p:sld>
+</file>
+
+<file path=ppt/slides/slide56.xml><?xml version="1.0" encoding="utf-8"?>
+<p:sld xmlns:a="http://schemas.openxmlformats.org/drawingml/2006/main" xmlns:r="http://schemas.openxmlformats.org/officeDocument/2006/relationships" xmlns:p="http://schemas.openxmlformats.org/presentationml/2006/main">
+  <p:cSld>
+    <p:spTree>
+      <p:nvGrpSpPr>
+        <p:cNvPr id="1" name=""/>
+        <p:cNvGrpSpPr/>
+        <p:nvPr/>
+      </p:nvGrpSpPr>
+      <p:grpSpPr>
+        <a:xfrm>
+          <a:off x="0" y="0"/>
+          <a:ext cx="0" cy="0"/>
+          <a:chOff x="0" y="0"/>
+          <a:chExt cx="0" cy="0"/>
+        </a:xfrm>
+      </p:grpSpPr>
+      <p:sp>
+        <p:nvSpPr>
+          <p:cNvPr id="22530" name="Rectangle 2"/>
+          <p:cNvSpPr>
+            <a:spLocks noGrp="1" noChangeArrowheads="1"/>
+          </p:cNvSpPr>
+          <p:nvPr>
+            <p:ph type="title"/>
+          </p:nvPr>
+        </p:nvSpPr>
+        <p:spPr>
+          <a:xfrm>
+            <a:off x="381000" y="304800"/>
+            <a:ext cx="8229600" cy="1143000"/>
+          </a:xfrm>
+        </p:spPr>
+        <p:txBody>
+          <a:bodyPr>
+            <a:normAutofit/>
+          </a:bodyPr>
+          <a:lstStyle/>
+          <a:p>
+            <a:pPr eaLnBrk="1" hangingPunct="1"/>
+            <a:r>
+              <a:rPr lang="en-GB" dirty="0"/>
+              <a:t>Agile Methods (Contd.)</a:t>
+            </a:r>
+            <a:endParaRPr lang="en-US" sz="2800" dirty="0"/>
+          </a:p>
+        </p:txBody>
+      </p:sp>
+      <p:sp>
+        <p:nvSpPr>
+          <p:cNvPr id="22531" name="Rectangle 3"/>
+          <p:cNvSpPr>
+            <a:spLocks noGrp="1" noChangeArrowheads="1"/>
+          </p:cNvSpPr>
+          <p:nvPr>
+            <p:ph type="body" idx="1"/>
+          </p:nvPr>
+        </p:nvSpPr>
+        <p:spPr>
+          <a:xfrm>
+            <a:off x="228600" y="1444869"/>
+            <a:ext cx="8229600" cy="3962400"/>
+          </a:xfrm>
+        </p:spPr>
+        <p:txBody>
+          <a:bodyPr>
+            <a:normAutofit/>
+          </a:bodyPr>
+          <a:lstStyle/>
+          <a:p>
+            <a:pPr algn="l"/>
+            <a:r>
+              <a:rPr lang="en-US" sz="2000" b="0" i="0" dirty="0">
+                <a:solidFill>
+                  <a:srgbClr val="404040"/>
+                </a:solidFill>
+                <a:effectLst/>
+                <a:latin typeface="Muli"/>
+              </a:rPr>
+              <a:t>SCRUM is an agile development method which concentrates specifically on how to manage tasks within a team-based development environment. </a:t>
+            </a:r>
+          </a:p>
+          <a:p>
+            <a:pPr algn="l"/>
+            <a:r>
+              <a:rPr lang="en-US" sz="2000" b="0" i="0" dirty="0">
+                <a:solidFill>
+                  <a:srgbClr val="404040"/>
+                </a:solidFill>
+                <a:effectLst/>
+                <a:latin typeface="Muli"/>
+              </a:rPr>
+              <a:t>Scrum believes in empowering the development team and advocates working in small teams (say- 7 to 9 members). It consists of three roles, and their responsibilities are explained as follows</a:t>
+            </a:r>
+            <a:br>
+              <a:rPr lang="en-US" dirty="0"/>
+            </a:br>
+            <a:endParaRPr lang="en-GB" dirty="0"/>
+          </a:p>
+        </p:txBody>
+      </p:sp>
+      <p:pic>
+        <p:nvPicPr>
+          <p:cNvPr id="1026" name="Picture 2">
+            <a:extLst>
+              <a:ext uri="{FF2B5EF4-FFF2-40B4-BE49-F238E27FC236}">
+                <a16:creationId xmlns:a16="http://schemas.microsoft.com/office/drawing/2014/main" id="{5DECFAA2-EC49-4900-B4FB-7C8EDC6B8316}"/>
+              </a:ext>
+            </a:extLst>
+          </p:cNvPr>
+          <p:cNvPicPr>
+            <a:picLocks noChangeAspect="1" noChangeArrowheads="1"/>
+          </p:cNvPicPr>
+          <p:nvPr/>
+        </p:nvPicPr>
+        <p:blipFill>
+          <a:blip r:embed="rId3">
+            <a:extLst>
+              <a:ext uri="{28A0092B-C50C-407E-A947-70E740481C1C}">
+                <a14:useLocalDpi xmlns:a14="http://schemas.microsoft.com/office/drawing/2010/main" val="0"/>
+              </a:ext>
+            </a:extLst>
+          </a:blip>
+          <a:srcRect/>
+          <a:stretch>
+            <a:fillRect/>
+          </a:stretch>
+        </p:blipFill>
+        <p:spPr bwMode="auto">
+          <a:xfrm>
+            <a:off x="457200" y="3276600"/>
+            <a:ext cx="8305800" cy="2743200"/>
+          </a:xfrm>
+          <a:prstGeom prst="rect">
+            <a:avLst/>
+          </a:prstGeom>
+          <a:noFill/>
+          <a:extLst>
+            <a:ext uri="{909E8E84-426E-40DD-AFC4-6F175D3DCCD1}">
+              <a14:hiddenFill xmlns:a14="http://schemas.microsoft.com/office/drawing/2010/main">
+                <a:solidFill>
+                  <a:srgbClr val="FFFFFF"/>
+                </a:solidFill>
+              </a14:hiddenFill>
+            </a:ext>
+          </a:extLst>
+        </p:spPr>
+      </p:pic>
+    </p:spTree>
+    <p:extLst>
+      <p:ext uri="{BB962C8B-B14F-4D97-AF65-F5344CB8AC3E}">
+        <p14:creationId xmlns:p14="http://schemas.microsoft.com/office/powerpoint/2010/main" val="160065387"/>
+      </p:ext>
+    </p:extLst>
+  </p:cSld>
+  <p:clrMapOvr>
+    <a:masterClrMapping/>
+  </p:clrMapOvr>
+  <p:transition/>
+</p:sld>
+</file>
+
+<file path=ppt/slides/slide57.xml><?xml version="1.0" encoding="utf-8"?>
+<p:sld xmlns:a="http://schemas.openxmlformats.org/drawingml/2006/main" xmlns:r="http://schemas.openxmlformats.org/officeDocument/2006/relationships" xmlns:p="http://schemas.openxmlformats.org/presentationml/2006/main">
+  <p:cSld>
+    <p:spTree>
+      <p:nvGrpSpPr>
+        <p:cNvPr id="1" name=""/>
+        <p:cNvGrpSpPr/>
+        <p:nvPr/>
+      </p:nvGrpSpPr>
+      <p:grpSpPr>
+        <a:xfrm>
+          <a:off x="0" y="0"/>
+          <a:ext cx="0" cy="0"/>
+          <a:chOff x="0" y="0"/>
+          <a:chExt cx="0" cy="0"/>
+        </a:xfrm>
+      </p:grpSpPr>
+      <p:sp>
+        <p:nvSpPr>
+          <p:cNvPr id="22530" name="Rectangle 2"/>
+          <p:cNvSpPr>
+            <a:spLocks noGrp="1" noChangeArrowheads="1"/>
+          </p:cNvSpPr>
+          <p:nvPr>
+            <p:ph type="title"/>
+          </p:nvPr>
+        </p:nvSpPr>
+        <p:spPr>
+          <a:xfrm>
+            <a:off x="381000" y="304800"/>
+            <a:ext cx="8229600" cy="1143000"/>
+          </a:xfrm>
+        </p:spPr>
+        <p:txBody>
+          <a:bodyPr>
+            <a:normAutofit/>
+          </a:bodyPr>
+          <a:lstStyle/>
+          <a:p>
+            <a:pPr eaLnBrk="1" hangingPunct="1"/>
+            <a:r>
+              <a:rPr lang="en-GB" dirty="0"/>
+              <a:t>Agile Methods (Contd.)</a:t>
+            </a:r>
+            <a:endParaRPr lang="en-US" sz="2800" dirty="0"/>
+          </a:p>
+        </p:txBody>
+      </p:sp>
+      <p:sp>
+        <p:nvSpPr>
+          <p:cNvPr id="22531" name="Rectangle 3"/>
+          <p:cNvSpPr>
+            <a:spLocks noGrp="1" noChangeArrowheads="1"/>
+          </p:cNvSpPr>
+          <p:nvPr>
+            <p:ph type="body" idx="1"/>
+          </p:nvPr>
+        </p:nvSpPr>
+        <p:spPr>
+          <a:xfrm>
+            <a:off x="228600" y="1444869"/>
+            <a:ext cx="8229600" cy="3962400"/>
+          </a:xfrm>
+        </p:spPr>
+        <p:txBody>
+          <a:bodyPr>
+            <a:normAutofit fontScale="85000" lnSpcReduction="20000"/>
+          </a:bodyPr>
+          <a:lstStyle/>
+          <a:p>
+            <a:pPr algn="l">
+              <a:buFont typeface="Arial" panose="020B0604020202020204" pitchFamily="34" charset="0"/>
+              <a:buChar char="•"/>
+            </a:pPr>
+            <a:r>
+              <a:rPr lang="en-US" b="0" i="0" dirty="0">
+                <a:solidFill>
+                  <a:srgbClr val="404040"/>
+                </a:solidFill>
+                <a:effectLst/>
+                <a:latin typeface="Muli"/>
+              </a:rPr>
+              <a:t>Scrum Master</a:t>
+            </a:r>
+          </a:p>
+          <a:p>
+            <a:pPr marL="742950" lvl="1" indent="-285750" algn="l">
+              <a:buFont typeface="Arial" panose="020B0604020202020204" pitchFamily="34" charset="0"/>
+              <a:buChar char="•"/>
+            </a:pPr>
+            <a:r>
+              <a:rPr lang="en-US" b="0" i="0" dirty="0">
+                <a:solidFill>
+                  <a:srgbClr val="404040"/>
+                </a:solidFill>
+                <a:effectLst/>
+                <a:latin typeface="Muli"/>
+              </a:rPr>
+              <a:t>Master is responsible for setting up the team, sprint meeting and removes obstacles to progress</a:t>
+            </a:r>
+          </a:p>
+          <a:p>
+            <a:pPr algn="l">
+              <a:buFont typeface="Arial" panose="020B0604020202020204" pitchFamily="34" charset="0"/>
+              <a:buChar char="•"/>
+            </a:pPr>
+            <a:r>
+              <a:rPr lang="en-US" b="0" i="0" dirty="0">
+                <a:solidFill>
+                  <a:srgbClr val="404040"/>
+                </a:solidFill>
+                <a:effectLst/>
+                <a:latin typeface="Muli"/>
+              </a:rPr>
+              <a:t>Product owner</a:t>
+            </a:r>
+          </a:p>
+          <a:p>
+            <a:pPr marL="742950" lvl="1" indent="-285750" algn="l">
+              <a:buFont typeface="Arial" panose="020B0604020202020204" pitchFamily="34" charset="0"/>
+              <a:buChar char="•"/>
+            </a:pPr>
+            <a:r>
+              <a:rPr lang="en-US" b="0" i="0" dirty="0">
+                <a:solidFill>
+                  <a:srgbClr val="404040"/>
+                </a:solidFill>
+                <a:effectLst/>
+                <a:latin typeface="Muli"/>
+              </a:rPr>
+              <a:t>The Product Owner creates product backlog, prioritizes the backlog and is responsible for the delivery of the functionality at each iteration</a:t>
+            </a:r>
+          </a:p>
+          <a:p>
+            <a:pPr marL="742950" lvl="1" indent="-285750" algn="l">
+              <a:buFont typeface="Arial" panose="020B0604020202020204" pitchFamily="34" charset="0"/>
+              <a:buChar char="•"/>
+            </a:pPr>
+            <a:r>
+              <a:rPr lang="en-US" b="0" i="0" dirty="0">
+                <a:solidFill>
+                  <a:srgbClr val="202124"/>
+                </a:solidFill>
+                <a:effectLst/>
+                <a:latin typeface="arial" panose="020B0604020202020204" pitchFamily="34" charset="0"/>
+              </a:rPr>
+              <a:t>A product backlog is </a:t>
+            </a:r>
+            <a:r>
+              <a:rPr lang="en-US" b="1" i="0" dirty="0">
+                <a:solidFill>
+                  <a:srgbClr val="202124"/>
+                </a:solidFill>
+                <a:effectLst/>
+                <a:latin typeface="arial" panose="020B0604020202020204" pitchFamily="34" charset="0"/>
+              </a:rPr>
+              <a:t>a list of the new features, changes to existing features, bug fixes, infrastructure changes or other activities that a team may deliver in order to achieve a specific outcome</a:t>
+            </a:r>
+            <a:r>
+              <a:rPr lang="en-US" b="0" i="0" dirty="0">
+                <a:solidFill>
+                  <a:srgbClr val="202124"/>
+                </a:solidFill>
+                <a:effectLst/>
+                <a:latin typeface="arial" panose="020B0604020202020204" pitchFamily="34" charset="0"/>
+              </a:rPr>
+              <a:t>. </a:t>
+            </a:r>
+            <a:endParaRPr lang="en-US" b="0" i="0" dirty="0">
+              <a:solidFill>
+                <a:srgbClr val="404040"/>
+              </a:solidFill>
+              <a:effectLst/>
+              <a:latin typeface="Muli"/>
+            </a:endParaRPr>
+          </a:p>
+          <a:p>
+            <a:pPr algn="l">
+              <a:buFont typeface="Arial" panose="020B0604020202020204" pitchFamily="34" charset="0"/>
+              <a:buChar char="•"/>
+            </a:pPr>
+            <a:r>
+              <a:rPr lang="en-US" b="0" i="0" dirty="0">
+                <a:solidFill>
+                  <a:srgbClr val="404040"/>
+                </a:solidFill>
+                <a:effectLst/>
+                <a:latin typeface="Muli"/>
+              </a:rPr>
+              <a:t>Scrum Team</a:t>
+            </a:r>
+          </a:p>
+          <a:p>
+            <a:pPr marL="742950" lvl="1" indent="-285750" algn="l">
+              <a:buFont typeface="Arial" panose="020B0604020202020204" pitchFamily="34" charset="0"/>
+              <a:buChar char="•"/>
+            </a:pPr>
+            <a:r>
+              <a:rPr lang="en-US" b="0" i="0" dirty="0">
+                <a:solidFill>
+                  <a:srgbClr val="404040"/>
+                </a:solidFill>
+                <a:effectLst/>
+                <a:latin typeface="Muli"/>
+              </a:rPr>
+              <a:t>Team manages its own work and organizes the work to complete the sprint or cycle</a:t>
+            </a:r>
+          </a:p>
+          <a:p>
+            <a:pPr algn="l"/>
+            <a:endParaRPr lang="en-GB" dirty="0"/>
+          </a:p>
+        </p:txBody>
+      </p:sp>
+    </p:spTree>
+    <p:extLst>
+      <p:ext uri="{BB962C8B-B14F-4D97-AF65-F5344CB8AC3E}">
+        <p14:creationId xmlns:p14="http://schemas.microsoft.com/office/powerpoint/2010/main" val="1807321800"/>
+      </p:ext>
+    </p:extLst>
+  </p:cSld>
+  <p:clrMapOvr>
+    <a:masterClrMapping/>
+  </p:clrMapOvr>
+  <p:transition/>
+</p:sld>
+</file>
+
+<file path=ppt/slides/slide58.xml><?xml version="1.0" encoding="utf-8"?>
+<p:sld xmlns:a="http://schemas.openxmlformats.org/drawingml/2006/main" xmlns:r="http://schemas.openxmlformats.org/officeDocument/2006/relationships" xmlns:p="http://schemas.openxmlformats.org/presentationml/2006/main">
+  <p:cSld>
+    <p:spTree>
+      <p:nvGrpSpPr>
+        <p:cNvPr id="1" name=""/>
+        <p:cNvGrpSpPr/>
+        <p:nvPr/>
+      </p:nvGrpSpPr>
+      <p:grpSpPr>
+        <a:xfrm>
+          <a:off x="0" y="0"/>
+          <a:ext cx="0" cy="0"/>
+          <a:chOff x="0" y="0"/>
+          <a:chExt cx="0" cy="0"/>
+        </a:xfrm>
+      </p:grpSpPr>
+      <p:sp>
+        <p:nvSpPr>
+          <p:cNvPr id="22530" name="Rectangle 2"/>
+          <p:cNvSpPr>
+            <a:spLocks noGrp="1" noChangeArrowheads="1"/>
+          </p:cNvSpPr>
+          <p:nvPr>
+            <p:ph type="title"/>
+          </p:nvPr>
+        </p:nvSpPr>
+        <p:spPr>
+          <a:xfrm>
+            <a:off x="381000" y="304800"/>
+            <a:ext cx="8229600" cy="1143000"/>
+          </a:xfrm>
+        </p:spPr>
+        <p:txBody>
+          <a:bodyPr>
+            <a:normAutofit/>
+          </a:bodyPr>
+          <a:lstStyle/>
+          <a:p>
+            <a:pPr eaLnBrk="1" hangingPunct="1"/>
+            <a:r>
+              <a:rPr lang="en-GB" dirty="0"/>
+              <a:t>Agile Methods (Contd.)</a:t>
+            </a:r>
+            <a:endParaRPr lang="en-US" sz="2800" dirty="0"/>
+          </a:p>
+        </p:txBody>
+      </p:sp>
+      <p:pic>
+        <p:nvPicPr>
+          <p:cNvPr id="2052" name="Picture 4">
+            <a:extLst>
+              <a:ext uri="{FF2B5EF4-FFF2-40B4-BE49-F238E27FC236}">
+                <a16:creationId xmlns:a16="http://schemas.microsoft.com/office/drawing/2014/main" id="{B99C5D71-50A3-4450-B111-8A12015417EE}"/>
+              </a:ext>
+            </a:extLst>
+          </p:cNvPr>
+          <p:cNvPicPr>
+            <a:picLocks noChangeAspect="1" noChangeArrowheads="1"/>
+          </p:cNvPicPr>
+          <p:nvPr/>
+        </p:nvPicPr>
+        <p:blipFill>
+          <a:blip r:embed="rId3">
+            <a:extLst>
+              <a:ext uri="{28A0092B-C50C-407E-A947-70E740481C1C}">
+                <a14:useLocalDpi xmlns:a14="http://schemas.microsoft.com/office/drawing/2010/main" val="0"/>
+              </a:ext>
+            </a:extLst>
+          </a:blip>
+          <a:srcRect/>
+          <a:stretch>
+            <a:fillRect/>
+          </a:stretch>
+        </p:blipFill>
+        <p:spPr bwMode="auto">
+          <a:xfrm>
+            <a:off x="609600" y="2286000"/>
+            <a:ext cx="7666390" cy="4495800"/>
+          </a:xfrm>
+          <a:prstGeom prst="rect">
+            <a:avLst/>
+          </a:prstGeom>
+          <a:noFill/>
+          <a:extLst>
+            <a:ext uri="{909E8E84-426E-40DD-AFC4-6F175D3DCCD1}">
+              <a14:hiddenFill xmlns:a14="http://schemas.microsoft.com/office/drawing/2010/main">
+                <a:solidFill>
+                  <a:srgbClr val="FFFFFF"/>
+                </a:solidFill>
+              </a14:hiddenFill>
+            </a:ext>
+          </a:extLst>
+        </p:spPr>
+      </p:pic>
+      <p:sp>
+        <p:nvSpPr>
+          <p:cNvPr id="11" name="TextBox 10">
+            <a:extLst>
+              <a:ext uri="{FF2B5EF4-FFF2-40B4-BE49-F238E27FC236}">
+                <a16:creationId xmlns:a16="http://schemas.microsoft.com/office/drawing/2014/main" id="{8BABD364-D4D1-45CE-B138-2FD7F7170577}"/>
+              </a:ext>
+            </a:extLst>
+          </p:cNvPr>
+          <p:cNvSpPr txBox="1"/>
+          <p:nvPr/>
+        </p:nvSpPr>
+        <p:spPr>
+          <a:xfrm>
+            <a:off x="515815" y="1477108"/>
+            <a:ext cx="4580792" cy="646331"/>
+          </a:xfrm>
+          <a:prstGeom prst="rect">
+            <a:avLst/>
+          </a:prstGeom>
+          <a:noFill/>
+        </p:spPr>
+        <p:txBody>
+          <a:bodyPr wrap="square">
+            <a:spAutoFit/>
+          </a:bodyPr>
+          <a:lstStyle/>
+          <a:p>
+            <a:pPr algn="l"/>
+            <a:r>
+              <a:rPr lang="en-US" b="1" i="0" dirty="0">
+                <a:solidFill>
+                  <a:srgbClr val="404040"/>
+                </a:solidFill>
+                <a:effectLst/>
+                <a:latin typeface="Poppins" panose="00000500000000000000" pitchFamily="2" charset="0"/>
+              </a:rPr>
+              <a:t>Scrum Practices</a:t>
+            </a:r>
+          </a:p>
+          <a:p>
+            <a:pPr algn="l"/>
+            <a:r>
+              <a:rPr lang="en-US" b="0" i="0" dirty="0">
+                <a:solidFill>
+                  <a:srgbClr val="404040"/>
+                </a:solidFill>
+                <a:effectLst/>
+                <a:latin typeface="Muli"/>
+              </a:rPr>
+              <a:t>Practices are described in detailed:</a:t>
+            </a:r>
+          </a:p>
+        </p:txBody>
+      </p:sp>
+    </p:spTree>
+    <p:extLst>
+      <p:ext uri="{BB962C8B-B14F-4D97-AF65-F5344CB8AC3E}">
+        <p14:creationId xmlns:p14="http://schemas.microsoft.com/office/powerpoint/2010/main" val="465204779"/>
+      </p:ext>
+    </p:extLst>
+  </p:cSld>
+  <p:clrMapOvr>
+    <a:masterClrMapping/>
+  </p:clrMapOvr>
+  <p:transition/>
+</p:sld>
+</file>
+
+<file path=ppt/slides/slide59.xml><?xml version="1.0" encoding="utf-8"?>
+<p:sld xmlns:a="http://schemas.openxmlformats.org/drawingml/2006/main" xmlns:r="http://schemas.openxmlformats.org/officeDocument/2006/relationships" xmlns:p="http://schemas.openxmlformats.org/presentationml/2006/main">
+  <p:cSld>
+    <p:spTree>
+      <p:nvGrpSpPr>
+        <p:cNvPr id="1" name=""/>
+        <p:cNvGrpSpPr/>
+        <p:nvPr/>
+      </p:nvGrpSpPr>
+      <p:grpSpPr>
+        <a:xfrm>
+          <a:off x="0" y="0"/>
+          <a:ext cx="0" cy="0"/>
+          <a:chOff x="0" y="0"/>
+          <a:chExt cx="0" cy="0"/>
+        </a:xfrm>
+      </p:grpSpPr>
+      <p:sp>
+        <p:nvSpPr>
+          <p:cNvPr id="22530" name="Rectangle 2"/>
+          <p:cNvSpPr>
+            <a:spLocks noGrp="1" noChangeArrowheads="1"/>
+          </p:cNvSpPr>
+          <p:nvPr>
+            <p:ph type="title"/>
+          </p:nvPr>
+        </p:nvSpPr>
+        <p:spPr>
+          <a:xfrm>
+            <a:off x="457200" y="914400"/>
+            <a:ext cx="8229600" cy="1143000"/>
+          </a:xfrm>
+        </p:spPr>
+        <p:txBody>
+          <a:bodyPr>
+            <a:normAutofit/>
+          </a:bodyPr>
+          <a:lstStyle/>
+          <a:p>
+            <a:pPr eaLnBrk="1" hangingPunct="1"/>
+            <a:r>
+              <a:rPr lang="en-GB" dirty="0"/>
+              <a:t>Agile Methods (Contd.)</a:t>
+            </a:r>
+            <a:endParaRPr lang="en-US" sz="2800" dirty="0"/>
+          </a:p>
+        </p:txBody>
+      </p:sp>
+      <p:sp>
+        <p:nvSpPr>
+          <p:cNvPr id="22531" name="Rectangle 3"/>
+          <p:cNvSpPr>
+            <a:spLocks noGrp="1" noChangeArrowheads="1"/>
+          </p:cNvSpPr>
+          <p:nvPr>
+            <p:ph type="body" idx="1"/>
+          </p:nvPr>
+        </p:nvSpPr>
+        <p:spPr>
+          <a:xfrm>
+            <a:off x="457200" y="2438400"/>
+            <a:ext cx="8229600" cy="3962400"/>
+          </a:xfrm>
+        </p:spPr>
+        <p:txBody>
+          <a:bodyPr>
+            <a:normAutofit/>
+          </a:bodyPr>
+          <a:lstStyle/>
+          <a:p>
+            <a:pPr>
+              <a:tabLst>
+                <a:tab pos="454025" algn="l"/>
+                <a:tab pos="911225" algn="l"/>
+                <a:tab pos="1368425" algn="l"/>
+                <a:tab pos="1825625" algn="l"/>
+                <a:tab pos="2282825" algn="l"/>
+                <a:tab pos="2740025" algn="l"/>
+                <a:tab pos="3197225" algn="l"/>
+                <a:tab pos="3654425" algn="l"/>
+                <a:tab pos="4111625" algn="l"/>
+                <a:tab pos="4568825" algn="l"/>
+                <a:tab pos="5026025" algn="l"/>
+                <a:tab pos="5483225" algn="l"/>
+                <a:tab pos="5940425" algn="l"/>
+                <a:tab pos="6397625" algn="l"/>
+                <a:tab pos="6854825" algn="l"/>
+                <a:tab pos="7312025" algn="l"/>
+                <a:tab pos="7769225" algn="l"/>
+                <a:tab pos="8226425" algn="l"/>
+                <a:tab pos="8683625" algn="l"/>
+                <a:tab pos="9140825" algn="l"/>
+              </a:tabLst>
+            </a:pPr>
+            <a:r>
+              <a:rPr lang="en-GB" dirty="0"/>
+              <a:t>Scrum Philosophy</a:t>
+            </a:r>
+          </a:p>
+          <a:p>
+            <a:pPr lvl="1"/>
+            <a:r>
+              <a:rPr lang="en-US" dirty="0"/>
+              <a:t>Responsive to a highly changing, dynamic environment</a:t>
+            </a:r>
+          </a:p>
+          <a:p>
+            <a:pPr lvl="1"/>
+            <a:r>
+              <a:rPr lang="en-US" dirty="0"/>
+              <a:t>Focuses primarily on the team level</a:t>
+            </a:r>
+          </a:p>
+          <a:p>
+            <a:pPr lvl="2"/>
+            <a:r>
+              <a:rPr lang="en-US" dirty="0"/>
+              <a:t>Team exerts total control over its own organization and work processes</a:t>
+            </a:r>
+          </a:p>
+          <a:p>
+            <a:pPr lvl="1"/>
+            <a:r>
+              <a:rPr lang="en-US" dirty="0"/>
+              <a:t>Uses a product backlog as the basic control mechanism</a:t>
+            </a:r>
+          </a:p>
+          <a:p>
+            <a:pPr lvl="2"/>
+            <a:r>
+              <a:rPr lang="en-US" dirty="0"/>
+              <a:t>Prioritized list of user requirements used to choose work to be done during a Scrum project</a:t>
+            </a:r>
+          </a:p>
+        </p:txBody>
+      </p:sp>
+    </p:spTree>
+    <p:extLst>
+      <p:ext uri="{BB962C8B-B14F-4D97-AF65-F5344CB8AC3E}">
+        <p14:creationId xmlns:p14="http://schemas.microsoft.com/office/powerpoint/2010/main" val="3966112821"/>
+      </p:ext>
+    </p:extLst>
   </p:cSld>
   <p:clrMapOvr>
     <a:masterClrMapping/>
@@ -13251,6 +20735,583 @@
     <a:masterClrMapping/>
   </p:clrMapOvr>
   <p:transition/>
+</p:sld>
+</file>
+
+<file path=ppt/slides/slide60.xml><?xml version="1.0" encoding="utf-8"?>
+<p:sld xmlns:a="http://schemas.openxmlformats.org/drawingml/2006/main" xmlns:r="http://schemas.openxmlformats.org/officeDocument/2006/relationships" xmlns:p="http://schemas.openxmlformats.org/presentationml/2006/main">
+  <p:cSld>
+    <p:spTree>
+      <p:nvGrpSpPr>
+        <p:cNvPr id="1" name=""/>
+        <p:cNvGrpSpPr/>
+        <p:nvPr/>
+      </p:nvGrpSpPr>
+      <p:grpSpPr>
+        <a:xfrm>
+          <a:off x="0" y="0"/>
+          <a:ext cx="0" cy="0"/>
+          <a:chOff x="0" y="0"/>
+          <a:chExt cx="0" cy="0"/>
+        </a:xfrm>
+      </p:grpSpPr>
+      <p:sp>
+        <p:nvSpPr>
+          <p:cNvPr id="22530" name="Rectangle 2"/>
+          <p:cNvSpPr>
+            <a:spLocks noGrp="1" noChangeArrowheads="1"/>
+          </p:cNvSpPr>
+          <p:nvPr>
+            <p:ph type="title"/>
+          </p:nvPr>
+        </p:nvSpPr>
+        <p:spPr>
+          <a:xfrm>
+            <a:off x="457200" y="914400"/>
+            <a:ext cx="8229600" cy="1143000"/>
+          </a:xfrm>
+        </p:spPr>
+        <p:txBody>
+          <a:bodyPr>
+            <a:normAutofit/>
+          </a:bodyPr>
+          <a:lstStyle/>
+          <a:p>
+            <a:pPr eaLnBrk="1" hangingPunct="1"/>
+            <a:r>
+              <a:rPr lang="en-GB" dirty="0"/>
+              <a:t>Agile Methods (Contd.)</a:t>
+            </a:r>
+            <a:endParaRPr lang="en-US" sz="2800" dirty="0"/>
+          </a:p>
+        </p:txBody>
+      </p:sp>
+      <p:sp>
+        <p:nvSpPr>
+          <p:cNvPr id="3" name="Content Placeholder 2">
+            <a:extLst>
+              <a:ext uri="{FF2B5EF4-FFF2-40B4-BE49-F238E27FC236}">
+                <a16:creationId xmlns:a16="http://schemas.microsoft.com/office/drawing/2014/main" id="{E22DBEFF-C6FE-4035-9938-77A5377A048C}"/>
+              </a:ext>
+            </a:extLst>
+          </p:cNvPr>
+          <p:cNvSpPr>
+            <a:spLocks noGrp="1"/>
+          </p:cNvSpPr>
+          <p:nvPr>
+            <p:ph idx="1"/>
+          </p:nvPr>
+        </p:nvSpPr>
+        <p:spPr/>
+        <p:txBody>
+          <a:bodyPr>
+            <a:normAutofit fontScale="92500"/>
+          </a:bodyPr>
+          <a:lstStyle/>
+          <a:p>
+            <a:pPr algn="l"/>
+            <a:r>
+              <a:rPr lang="en-US" b="1" i="0" dirty="0">
+                <a:solidFill>
+                  <a:srgbClr val="404040"/>
+                </a:solidFill>
+                <a:effectLst/>
+                <a:latin typeface="Poppins" panose="00000500000000000000" pitchFamily="2" charset="0"/>
+              </a:rPr>
+              <a:t>Process flow of Scrum Methodologies:</a:t>
+            </a:r>
+          </a:p>
+          <a:p>
+            <a:pPr algn="l"/>
+            <a:r>
+              <a:rPr lang="en-US" b="0" i="0" dirty="0">
+                <a:solidFill>
+                  <a:srgbClr val="404040"/>
+                </a:solidFill>
+                <a:effectLst/>
+                <a:latin typeface="Muli"/>
+              </a:rPr>
+              <a:t>Process flow of scrum testing is as follows:</a:t>
+            </a:r>
+          </a:p>
+          <a:p>
+            <a:pPr algn="l">
+              <a:buFont typeface="Arial" panose="020B0604020202020204" pitchFamily="34" charset="0"/>
+              <a:buChar char="•"/>
+            </a:pPr>
+            <a:r>
+              <a:rPr lang="en-US" b="0" i="0" dirty="0">
+                <a:solidFill>
+                  <a:srgbClr val="404040"/>
+                </a:solidFill>
+                <a:effectLst/>
+                <a:latin typeface="Muli"/>
+              </a:rPr>
+              <a:t>Each iteration of a scrum is known as Sprint</a:t>
+            </a:r>
+          </a:p>
+          <a:p>
+            <a:pPr algn="l">
+              <a:buFont typeface="Arial" panose="020B0604020202020204" pitchFamily="34" charset="0"/>
+              <a:buChar char="•"/>
+            </a:pPr>
+            <a:r>
+              <a:rPr lang="en-US" b="0" i="0" dirty="0">
+                <a:solidFill>
+                  <a:srgbClr val="404040"/>
+                </a:solidFill>
+                <a:effectLst/>
+                <a:latin typeface="Muli"/>
+              </a:rPr>
+              <a:t>Product backlog is a list where all details are entered to get the end-product</a:t>
+            </a:r>
+          </a:p>
+          <a:p>
+            <a:pPr algn="l">
+              <a:buFont typeface="Arial" panose="020B0604020202020204" pitchFamily="34" charset="0"/>
+              <a:buChar char="•"/>
+            </a:pPr>
+            <a:r>
+              <a:rPr lang="en-US" b="0" i="0" dirty="0">
+                <a:solidFill>
+                  <a:srgbClr val="404040"/>
+                </a:solidFill>
+                <a:effectLst/>
+                <a:latin typeface="Muli"/>
+              </a:rPr>
+              <a:t>During each Sprint, top user stories of Product backlog are selected and turned into Sprint backlog</a:t>
+            </a:r>
+          </a:p>
+          <a:p>
+            <a:pPr algn="l">
+              <a:buFont typeface="Arial" panose="020B0604020202020204" pitchFamily="34" charset="0"/>
+              <a:buChar char="•"/>
+            </a:pPr>
+            <a:r>
+              <a:rPr lang="en-US" b="0" i="0" dirty="0">
+                <a:solidFill>
+                  <a:srgbClr val="404040"/>
+                </a:solidFill>
+                <a:effectLst/>
+                <a:latin typeface="Muli"/>
+              </a:rPr>
+              <a:t>Team works on the defined sprint backlog</a:t>
+            </a:r>
+          </a:p>
+          <a:p>
+            <a:pPr algn="l">
+              <a:buFont typeface="Arial" panose="020B0604020202020204" pitchFamily="34" charset="0"/>
+              <a:buChar char="•"/>
+            </a:pPr>
+            <a:r>
+              <a:rPr lang="en-US" b="0" i="0" dirty="0">
+                <a:solidFill>
+                  <a:srgbClr val="404040"/>
+                </a:solidFill>
+                <a:effectLst/>
+                <a:latin typeface="Muli"/>
+              </a:rPr>
+              <a:t>Team checks for the daily work</a:t>
+            </a:r>
+          </a:p>
+          <a:p>
+            <a:pPr algn="l">
+              <a:buFont typeface="Arial" panose="020B0604020202020204" pitchFamily="34" charset="0"/>
+              <a:buChar char="•"/>
+            </a:pPr>
+            <a:r>
+              <a:rPr lang="en-US" b="0" i="0" dirty="0">
+                <a:solidFill>
+                  <a:srgbClr val="404040"/>
+                </a:solidFill>
+                <a:effectLst/>
+                <a:latin typeface="Muli"/>
+              </a:rPr>
+              <a:t>At the end of the sprint, team delivers product functionality</a:t>
+            </a:r>
+          </a:p>
+          <a:p>
+            <a:endParaRPr lang="en-PK" dirty="0"/>
+          </a:p>
+        </p:txBody>
+      </p:sp>
+    </p:spTree>
+    <p:extLst>
+      <p:ext uri="{BB962C8B-B14F-4D97-AF65-F5344CB8AC3E}">
+        <p14:creationId xmlns:p14="http://schemas.microsoft.com/office/powerpoint/2010/main" val="3873546151"/>
+      </p:ext>
+    </p:extLst>
+  </p:cSld>
+  <p:clrMapOvr>
+    <a:masterClrMapping/>
+  </p:clrMapOvr>
+  <p:transition/>
+</p:sld>
+</file>
+
+<file path=ppt/slides/slide61.xml><?xml version="1.0" encoding="utf-8"?>
+<p:sld xmlns:a="http://schemas.openxmlformats.org/drawingml/2006/main" xmlns:r="http://schemas.openxmlformats.org/officeDocument/2006/relationships" xmlns:p="http://schemas.openxmlformats.org/presentationml/2006/main">
+  <p:cSld>
+    <p:spTree>
+      <p:nvGrpSpPr>
+        <p:cNvPr id="1" name=""/>
+        <p:cNvGrpSpPr/>
+        <p:nvPr/>
+      </p:nvGrpSpPr>
+      <p:grpSpPr>
+        <a:xfrm>
+          <a:off x="0" y="0"/>
+          <a:ext cx="0" cy="0"/>
+          <a:chOff x="0" y="0"/>
+          <a:chExt cx="0" cy="0"/>
+        </a:xfrm>
+      </p:grpSpPr>
+      <p:sp>
+        <p:nvSpPr>
+          <p:cNvPr id="2" name="Title 1"/>
+          <p:cNvSpPr>
+            <a:spLocks noGrp="1"/>
+          </p:cNvSpPr>
+          <p:nvPr>
+            <p:ph type="title"/>
+          </p:nvPr>
+        </p:nvSpPr>
+        <p:spPr/>
+        <p:txBody>
+          <a:bodyPr/>
+          <a:lstStyle/>
+          <a:p>
+            <a:r>
+              <a:rPr lang="en-US" dirty="0"/>
+              <a:t>Scrum Process Flow</a:t>
+            </a:r>
+          </a:p>
+        </p:txBody>
+      </p:sp>
+      <p:sp>
+        <p:nvSpPr>
+          <p:cNvPr id="3" name="Content Placeholder 2"/>
+          <p:cNvSpPr>
+            <a:spLocks noGrp="1"/>
+          </p:cNvSpPr>
+          <p:nvPr>
+            <p:ph idx="1"/>
+          </p:nvPr>
+        </p:nvSpPr>
+        <p:spPr/>
+        <p:txBody>
+          <a:bodyPr/>
+          <a:lstStyle/>
+          <a:p>
+            <a:endParaRPr lang="en-US"/>
+          </a:p>
+        </p:txBody>
+      </p:sp>
+      <p:pic>
+        <p:nvPicPr>
+          <p:cNvPr id="1026" name="Picture 2"/>
+          <p:cNvPicPr>
+            <a:picLocks noChangeAspect="1" noChangeArrowheads="1"/>
+          </p:cNvPicPr>
+          <p:nvPr/>
+        </p:nvPicPr>
+        <p:blipFill>
+          <a:blip r:embed="rId2">
+            <a:extLst>
+              <a:ext uri="{28A0092B-C50C-407E-A947-70E740481C1C}">
+                <a14:useLocalDpi xmlns:a14="http://schemas.microsoft.com/office/drawing/2010/main" val="0"/>
+              </a:ext>
+            </a:extLst>
+          </a:blip>
+          <a:srcRect/>
+          <a:stretch>
+            <a:fillRect/>
+          </a:stretch>
+        </p:blipFill>
+        <p:spPr bwMode="auto">
+          <a:xfrm>
+            <a:off x="669096" y="2057400"/>
+            <a:ext cx="6905625" cy="4419600"/>
+          </a:xfrm>
+          <a:prstGeom prst="rect">
+            <a:avLst/>
+          </a:prstGeom>
+          <a:noFill/>
+          <a:ln>
+            <a:noFill/>
+          </a:ln>
+          <a:effectLst/>
+          <a:extLst>
+            <a:ext uri="{909E8E84-426E-40DD-AFC4-6F175D3DCCD1}">
+              <a14:hiddenFill xmlns:a14="http://schemas.microsoft.com/office/drawing/2010/main">
+                <a:solidFill>
+                  <a:schemeClr val="accent1"/>
+                </a:solidFill>
+              </a14:hiddenFill>
+            </a:ext>
+            <a:ext uri="{91240B29-F687-4F45-9708-019B960494DF}">
+              <a14:hiddenLine xmlns:a14="http://schemas.microsoft.com/office/drawing/2010/main" w="9525">
+                <a:solidFill>
+                  <a:schemeClr val="tx1"/>
+                </a:solidFill>
+                <a:miter lim="800000"/>
+                <a:headEnd/>
+                <a:tailEnd/>
+              </a14:hiddenLine>
+            </a:ext>
+            <a:ext uri="{AF507438-7753-43E0-B8FC-AC1667EBCBE1}">
+              <a14:hiddenEffects xmlns:a14="http://schemas.microsoft.com/office/drawing/2010/main">
+                <a:effectLst>
+                  <a:outerShdw dist="35921" dir="2700000" algn="ctr" rotWithShape="0">
+                    <a:schemeClr val="bg2"/>
+                  </a:outerShdw>
+                </a:effectLst>
+              </a14:hiddenEffects>
+            </a:ext>
+          </a:extLst>
+        </p:spPr>
+      </p:pic>
+    </p:spTree>
+    <p:extLst>
+      <p:ext uri="{BB962C8B-B14F-4D97-AF65-F5344CB8AC3E}">
+        <p14:creationId xmlns:p14="http://schemas.microsoft.com/office/powerpoint/2010/main" val="1737115385"/>
+      </p:ext>
+    </p:extLst>
+  </p:cSld>
+  <p:clrMapOvr>
+    <a:masterClrMapping/>
+  </p:clrMapOvr>
+</p:sld>
+</file>
+
+<file path=ppt/slides/slide62.xml><?xml version="1.0" encoding="utf-8"?>
+<p:sld xmlns:a="http://schemas.openxmlformats.org/drawingml/2006/main" xmlns:r="http://schemas.openxmlformats.org/officeDocument/2006/relationships" xmlns:p="http://schemas.openxmlformats.org/presentationml/2006/main" showMasterPhAnim="0">
+  <p:cSld>
+    <p:spTree>
+      <p:nvGrpSpPr>
+        <p:cNvPr id="1" name=""/>
+        <p:cNvGrpSpPr/>
+        <p:nvPr/>
+      </p:nvGrpSpPr>
+      <p:grpSpPr>
+        <a:xfrm>
+          <a:off x="0" y="0"/>
+          <a:ext cx="0" cy="0"/>
+          <a:chOff x="0" y="0"/>
+          <a:chExt cx="0" cy="0"/>
+        </a:xfrm>
+      </p:grpSpPr>
+      <p:sp>
+        <p:nvSpPr>
+          <p:cNvPr id="20483" name="Rectangle 2"/>
+          <p:cNvSpPr>
+            <a:spLocks noGrp="1" noChangeArrowheads="1"/>
+          </p:cNvSpPr>
+          <p:nvPr>
+            <p:ph type="title"/>
+          </p:nvPr>
+        </p:nvSpPr>
+        <p:spPr/>
+        <p:txBody>
+          <a:bodyPr/>
+          <a:lstStyle/>
+          <a:p>
+            <a:pPr eaLnBrk="1" hangingPunct="1"/>
+            <a:r>
+              <a:rPr lang="en-US" dirty="0"/>
+              <a:t>References</a:t>
+            </a:r>
+          </a:p>
+        </p:txBody>
+      </p:sp>
+      <p:sp>
+        <p:nvSpPr>
+          <p:cNvPr id="20484" name="Rectangle 3"/>
+          <p:cNvSpPr>
+            <a:spLocks noGrp="1" noChangeArrowheads="1"/>
+          </p:cNvSpPr>
+          <p:nvPr>
+            <p:ph idx="1"/>
+          </p:nvPr>
+        </p:nvSpPr>
+        <p:spPr>
+          <a:xfrm>
+            <a:off x="457200" y="1935480"/>
+            <a:ext cx="8229600" cy="1036320"/>
+          </a:xfrm>
+        </p:spPr>
+        <p:txBody>
+          <a:bodyPr>
+            <a:normAutofit/>
+          </a:bodyPr>
+          <a:lstStyle/>
+          <a:p>
+            <a:r>
+              <a:rPr lang="en-US" dirty="0"/>
+              <a:t>SE, Pressman</a:t>
+            </a:r>
+          </a:p>
+          <a:p>
+            <a:r>
+              <a:rPr lang="en-US" dirty="0"/>
+              <a:t>SE, </a:t>
+            </a:r>
+            <a:r>
+              <a:rPr lang="en-US"/>
+              <a:t>Pfleeger</a:t>
+            </a:r>
+            <a:endParaRPr lang="en-US" dirty="0"/>
+          </a:p>
+        </p:txBody>
+      </p:sp>
+      <p:sp>
+        <p:nvSpPr>
+          <p:cNvPr id="4" name="Rectangle 2"/>
+          <p:cNvSpPr txBox="1">
+            <a:spLocks noChangeArrowheads="1"/>
+          </p:cNvSpPr>
+          <p:nvPr/>
+        </p:nvSpPr>
+        <p:spPr>
+          <a:xfrm>
+            <a:off x="457200" y="3066288"/>
+            <a:ext cx="8229600" cy="1143000"/>
+          </a:xfrm>
+          <a:prstGeom prst="rect">
+            <a:avLst/>
+          </a:prstGeom>
+        </p:spPr>
+        <p:txBody>
+          <a:bodyPr vert="horz" lIns="0" rIns="0" bIns="0" anchor="b">
+            <a:normAutofit/>
+          </a:bodyPr>
+          <a:lstStyle/>
+          <a:p>
+            <a:pPr marL="0" marR="0" lvl="0" indent="0" algn="l" defTabSz="914400" rtl="0" eaLnBrk="1" fontAlgn="auto" latinLnBrk="0" hangingPunct="1">
+              <a:lnSpc>
+                <a:spcPct val="100000"/>
+              </a:lnSpc>
+              <a:spcBef>
+                <a:spcPct val="0"/>
+              </a:spcBef>
+              <a:spcAft>
+                <a:spcPts val="0"/>
+              </a:spcAft>
+              <a:buClrTx/>
+              <a:buSzTx/>
+              <a:buFontTx/>
+              <a:buNone/>
+              <a:tabLst/>
+              <a:defRPr/>
+            </a:pPr>
+            <a:r>
+              <a:rPr kumimoji="0" lang="en-US" sz="5000" b="0" i="0" u="none" strike="noStrike" kern="1200" cap="none" spc="0" normalizeH="0" baseline="0" noProof="0" dirty="0">
+                <a:ln>
+                  <a:noFill/>
+                </a:ln>
+                <a:solidFill>
+                  <a:schemeClr val="tx2"/>
+                </a:solidFill>
+                <a:effectLst/>
+                <a:uLnTx/>
+                <a:uFillTx/>
+                <a:latin typeface="+mj-lt"/>
+                <a:ea typeface="+mj-ea"/>
+                <a:cs typeface="+mj-cs"/>
+              </a:rPr>
+              <a:t>Acknowledgement</a:t>
+            </a:r>
+          </a:p>
+        </p:txBody>
+      </p:sp>
+      <p:sp>
+        <p:nvSpPr>
+          <p:cNvPr id="5" name="Rectangle 3"/>
+          <p:cNvSpPr txBox="1">
+            <a:spLocks noChangeArrowheads="1"/>
+          </p:cNvSpPr>
+          <p:nvPr/>
+        </p:nvSpPr>
+        <p:spPr>
+          <a:xfrm>
+            <a:off x="457200" y="4297680"/>
+            <a:ext cx="8229600" cy="1036320"/>
+          </a:xfrm>
+          <a:prstGeom prst="rect">
+            <a:avLst/>
+          </a:prstGeom>
+        </p:spPr>
+        <p:txBody>
+          <a:bodyPr vert="horz">
+            <a:normAutofit/>
+          </a:bodyPr>
+          <a:lstStyle/>
+          <a:p>
+            <a:pPr marL="274320" marR="0" lvl="0" indent="-274320" algn="l" defTabSz="914400" rtl="0" eaLnBrk="1" fontAlgn="auto" latinLnBrk="0" hangingPunct="1">
+              <a:lnSpc>
+                <a:spcPct val="100000"/>
+              </a:lnSpc>
+              <a:spcBef>
+                <a:spcPct val="20000"/>
+              </a:spcBef>
+              <a:spcAft>
+                <a:spcPts val="0"/>
+              </a:spcAft>
+              <a:buClr>
+                <a:schemeClr val="accent3"/>
+              </a:buClr>
+              <a:buSzPct val="95000"/>
+              <a:buFont typeface="Wingdings 2"/>
+              <a:buChar char=""/>
+              <a:tabLst/>
+              <a:defRPr/>
+            </a:pPr>
+            <a:r>
+              <a:rPr kumimoji="0" lang="en-US" sz="2600" b="0" i="0" u="none" strike="noStrike" kern="1200" cap="none" spc="0" normalizeH="0" baseline="0" noProof="0" dirty="0">
+                <a:ln>
+                  <a:noFill/>
+                </a:ln>
+                <a:solidFill>
+                  <a:schemeClr val="tx1"/>
+                </a:solidFill>
+                <a:effectLst/>
+                <a:uLnTx/>
+                <a:uFillTx/>
+                <a:latin typeface="+mn-lt"/>
+                <a:ea typeface="+mn-ea"/>
+                <a:cs typeface="+mn-cs"/>
+              </a:rPr>
+              <a:t>A few </a:t>
+            </a:r>
+            <a:r>
+              <a:rPr lang="en-US" sz="2600" dirty="0"/>
+              <a:t>slides have been adapted from UCF </a:t>
+            </a:r>
+            <a:r>
+              <a:rPr kumimoji="0" lang="en-US" sz="2600" b="0" i="0" u="none" strike="noStrike" kern="1200" cap="none" spc="0" normalizeH="0" baseline="0" noProof="0" dirty="0">
+                <a:ln>
+                  <a:noFill/>
+                </a:ln>
+                <a:solidFill>
+                  <a:schemeClr val="tx1"/>
+                </a:solidFill>
+                <a:effectLst/>
+                <a:uLnTx/>
+                <a:uFillTx/>
+                <a:latin typeface="+mn-lt"/>
+                <a:ea typeface="+mn-ea"/>
+                <a:cs typeface="+mn-cs"/>
+              </a:rPr>
+              <a:t>slides for the SE course</a:t>
+            </a:r>
+          </a:p>
+        </p:txBody>
+      </p:sp>
+    </p:spTree>
+  </p:cSld>
+  <p:clrMapOvr>
+    <a:masterClrMapping/>
+  </p:clrMapOvr>
 </p:sld>
 </file>
 

--- a/Software Engineering/Slides/Lecture 3-4 Software Process Models 20200926 A.pptx
+++ b/Software Engineering/Slides/Lecture 3-4 Software Process Models 20200926 A.pptx
@@ -5,7 +5,7 @@
     <p:sldMasterId id="2147483684" r:id="rId1"/>
   </p:sldMasterIdLst>
   <p:notesMasterIdLst>
-    <p:notesMasterId r:id="rId64"/>
+    <p:notesMasterId r:id="rId73"/>
   </p:notesMasterIdLst>
   <p:sldIdLst>
     <p:sldId id="303" r:id="rId2"/>
@@ -69,7 +69,16 @@
     <p:sldId id="425" r:id="rId60"/>
     <p:sldId id="458" r:id="rId61"/>
     <p:sldId id="427" r:id="rId62"/>
-    <p:sldId id="323" r:id="rId63"/>
+    <p:sldId id="459" r:id="rId63"/>
+    <p:sldId id="461" r:id="rId64"/>
+    <p:sldId id="465" r:id="rId65"/>
+    <p:sldId id="462" r:id="rId66"/>
+    <p:sldId id="460" r:id="rId67"/>
+    <p:sldId id="463" r:id="rId68"/>
+    <p:sldId id="464" r:id="rId69"/>
+    <p:sldId id="468" r:id="rId70"/>
+    <p:sldId id="467" r:id="rId71"/>
+    <p:sldId id="323" r:id="rId72"/>
   </p:sldIdLst>
   <p:sldSz cx="9144000" cy="6858000" type="screen4x3"/>
   <p:notesSz cx="6858000" cy="9144000"/>
@@ -282,7 +291,7 @@
             <a:fld id="{4DDCDF98-04A3-4FA1-8165-AC9A68647D5A}" type="datetimeFigureOut">
               <a:rPr lang="en-US" smtClean="0"/>
               <a:pPr/>
-              <a:t>3/11/2022</a:t>
+              <a:t>3/14/2022</a:t>
             </a:fld>
             <a:endParaRPr lang="en-US"/>
           </a:p>
@@ -4489,7 +4498,7 @@
             <a:fld id="{C3173D3E-08EC-4E65-995F-34869A3E30B2}" type="datetimeFigureOut">
               <a:rPr lang="en-US" smtClean="0"/>
               <a:pPr/>
-              <a:t>3/11/2022</a:t>
+              <a:t>3/14/2022</a:t>
             </a:fld>
             <a:endParaRPr lang="en-US"/>
           </a:p>
@@ -4655,7 +4664,7 @@
             <a:fld id="{C3173D3E-08EC-4E65-995F-34869A3E30B2}" type="datetimeFigureOut">
               <a:rPr lang="en-US" smtClean="0"/>
               <a:pPr/>
-              <a:t>3/11/2022</a:t>
+              <a:t>3/14/2022</a:t>
             </a:fld>
             <a:endParaRPr lang="en-US"/>
           </a:p>
@@ -4831,7 +4840,7 @@
             <a:fld id="{C3173D3E-08EC-4E65-995F-34869A3E30B2}" type="datetimeFigureOut">
               <a:rPr lang="en-US" smtClean="0"/>
               <a:pPr/>
-              <a:t>3/11/2022</a:t>
+              <a:t>3/14/2022</a:t>
             </a:fld>
             <a:endParaRPr lang="en-US"/>
           </a:p>
@@ -4997,7 +5006,7 @@
             <a:fld id="{C3173D3E-08EC-4E65-995F-34869A3E30B2}" type="datetimeFigureOut">
               <a:rPr lang="en-US" smtClean="0"/>
               <a:pPr/>
-              <a:t>3/11/2022</a:t>
+              <a:t>3/14/2022</a:t>
             </a:fld>
             <a:endParaRPr lang="en-US"/>
           </a:p>
@@ -5240,7 +5249,7 @@
             <a:fld id="{C3173D3E-08EC-4E65-995F-34869A3E30B2}" type="datetimeFigureOut">
               <a:rPr lang="en-US" smtClean="0"/>
               <a:pPr/>
-              <a:t>3/11/2022</a:t>
+              <a:t>3/14/2022</a:t>
             </a:fld>
             <a:endParaRPr lang="en-US"/>
           </a:p>
@@ -5505,7 +5514,7 @@
             <a:fld id="{C3173D3E-08EC-4E65-995F-34869A3E30B2}" type="datetimeFigureOut">
               <a:rPr lang="en-US" smtClean="0"/>
               <a:pPr/>
-              <a:t>3/11/2022</a:t>
+              <a:t>3/14/2022</a:t>
             </a:fld>
             <a:endParaRPr lang="en-US"/>
           </a:p>
@@ -5884,7 +5893,7 @@
             <a:fld id="{C3173D3E-08EC-4E65-995F-34869A3E30B2}" type="datetimeFigureOut">
               <a:rPr lang="en-US" smtClean="0"/>
               <a:pPr/>
-              <a:t>3/11/2022</a:t>
+              <a:t>3/14/2022</a:t>
             </a:fld>
             <a:endParaRPr lang="en-US"/>
           </a:p>
@@ -6035,7 +6044,7 @@
             <a:fld id="{C3173D3E-08EC-4E65-995F-34869A3E30B2}" type="datetimeFigureOut">
               <a:rPr lang="en-US" smtClean="0"/>
               <a:pPr/>
-              <a:t>3/11/2022</a:t>
+              <a:t>3/14/2022</a:t>
             </a:fld>
             <a:endParaRPr lang="en-US"/>
           </a:p>
@@ -6127,7 +6136,7 @@
             <a:fld id="{C3173D3E-08EC-4E65-995F-34869A3E30B2}" type="datetimeFigureOut">
               <a:rPr lang="en-US" smtClean="0"/>
               <a:pPr/>
-              <a:t>3/11/2022</a:t>
+              <a:t>3/14/2022</a:t>
             </a:fld>
             <a:endParaRPr lang="en-US"/>
           </a:p>
@@ -6389,7 +6398,7 @@
             <a:fld id="{C3173D3E-08EC-4E65-995F-34869A3E30B2}" type="datetimeFigureOut">
               <a:rPr lang="en-US" smtClean="0"/>
               <a:pPr/>
-              <a:t>3/11/2022</a:t>
+              <a:t>3/14/2022</a:t>
             </a:fld>
             <a:endParaRPr lang="en-US"/>
           </a:p>
@@ -6678,7 +6687,7 @@
             <a:fld id="{C3173D3E-08EC-4E65-995F-34869A3E30B2}" type="datetimeFigureOut">
               <a:rPr lang="en-US" smtClean="0"/>
               <a:pPr/>
-              <a:t>3/11/2022</a:t>
+              <a:t>3/14/2022</a:t>
             </a:fld>
             <a:endParaRPr lang="en-US"/>
           </a:p>
@@ -7449,7 +7458,7 @@
             <a:fld id="{C3173D3E-08EC-4E65-995F-34869A3E30B2}" type="datetimeFigureOut">
               <a:rPr lang="en-US" smtClean="0"/>
               <a:pPr/>
-              <a:t>3/11/2022</a:t>
+              <a:t>3/14/2022</a:t>
             </a:fld>
             <a:endParaRPr lang="en-US"/>
           </a:p>
@@ -21085,7 +21094,7 @@
 </file>
 
 <file path=ppt/slides/slide62.xml><?xml version="1.0" encoding="utf-8"?>
-<p:sld xmlns:a="http://schemas.openxmlformats.org/drawingml/2006/main" xmlns:r="http://schemas.openxmlformats.org/officeDocument/2006/relationships" xmlns:p="http://schemas.openxmlformats.org/presentationml/2006/main" showMasterPhAnim="0">
+<p:sld xmlns:a="http://schemas.openxmlformats.org/drawingml/2006/main" xmlns:r="http://schemas.openxmlformats.org/officeDocument/2006/relationships" xmlns:p="http://schemas.openxmlformats.org/presentationml/2006/main">
   <p:cSld>
     <p:spTree>
       <p:nvGrpSpPr>
@@ -21103,211 +21112,1151 @@
       </p:grpSpPr>
       <p:sp>
         <p:nvSpPr>
-          <p:cNvPr id="20483" name="Rectangle 2"/>
+          <p:cNvPr id="2" name="Title 1"/>
           <p:cNvSpPr>
-            <a:spLocks noGrp="1" noChangeArrowheads="1"/>
+            <a:spLocks noGrp="1"/>
           </p:cNvSpPr>
           <p:nvPr>
             <p:ph type="title"/>
           </p:nvPr>
         </p:nvSpPr>
-        <p:spPr/>
-        <p:txBody>
-          <a:bodyPr/>
-          <a:lstStyle/>
-          <a:p>
-            <a:pPr eaLnBrk="1" hangingPunct="1"/>
+        <p:spPr>
+          <a:xfrm>
+            <a:off x="457200" y="228600"/>
+            <a:ext cx="8229600" cy="1143000"/>
+          </a:xfrm>
+        </p:spPr>
+        <p:txBody>
+          <a:bodyPr>
+            <a:noAutofit/>
+          </a:bodyPr>
+          <a:lstStyle/>
+          <a:p>
+            <a:r>
+              <a:rPr lang="en-US" sz="3600" dirty="0"/>
+              <a:t>RAD Rapid Application Development Model</a:t>
+            </a:r>
+          </a:p>
+        </p:txBody>
+      </p:sp>
+      <p:sp>
+        <p:nvSpPr>
+          <p:cNvPr id="3" name="Content Placeholder 2"/>
+          <p:cNvSpPr>
+            <a:spLocks noGrp="1"/>
+          </p:cNvSpPr>
+          <p:nvPr>
+            <p:ph idx="1"/>
+          </p:nvPr>
+        </p:nvSpPr>
+        <p:spPr>
+          <a:xfrm>
+            <a:off x="457200" y="1524000"/>
+            <a:ext cx="8229600" cy="4389120"/>
+          </a:xfrm>
+        </p:spPr>
+        <p:txBody>
+          <a:bodyPr>
+            <a:normAutofit lnSpcReduction="10000"/>
+          </a:bodyPr>
+          <a:lstStyle/>
+          <a:p>
             <a:r>
               <a:rPr lang="en-US" dirty="0"/>
-              <a:t>References</a:t>
-            </a:r>
-          </a:p>
-        </p:txBody>
-      </p:sp>
-      <p:sp>
-        <p:nvSpPr>
-          <p:cNvPr id="20484" name="Rectangle 3"/>
+              <a:t>Focuses on short development Life Cycle 60-90 days Project</a:t>
+            </a:r>
+          </a:p>
+          <a:p>
+            <a:r>
+              <a:rPr lang="en-US" dirty="0"/>
+              <a:t>Linear Sequential Model</a:t>
+            </a:r>
+          </a:p>
+          <a:p>
+            <a:r>
+              <a:rPr lang="en-US" dirty="0"/>
+              <a:t>Multiple Teams working on the modules</a:t>
+            </a:r>
+          </a:p>
+          <a:p>
+            <a:r>
+              <a:rPr lang="en-US" dirty="0"/>
+              <a:t>Customer involves throughout the life cycle</a:t>
+            </a:r>
+          </a:p>
+          <a:p>
+            <a:r>
+              <a:rPr lang="en-US" dirty="0"/>
+              <a:t>Improve Productivity multiple teams involve</a:t>
+            </a:r>
+          </a:p>
+          <a:p>
+            <a:r>
+              <a:rPr lang="en-US" dirty="0"/>
+              <a:t>Not recommended when risk is high</a:t>
+            </a:r>
+          </a:p>
+          <a:p>
+            <a:r>
+              <a:rPr lang="en-US" dirty="0"/>
+              <a:t>Sufficient human resources require</a:t>
+            </a:r>
+          </a:p>
+          <a:p>
+            <a:r>
+              <a:rPr lang="en-US" dirty="0"/>
+              <a:t>Development team and Client continuously involve in rapid fire activities</a:t>
+            </a:r>
+          </a:p>
+          <a:p>
+            <a:endParaRPr lang="en-US" dirty="0"/>
+          </a:p>
+          <a:p>
+            <a:endParaRPr lang="en-US" dirty="0"/>
+          </a:p>
+        </p:txBody>
+      </p:sp>
+    </p:spTree>
+    <p:extLst>
+      <p:ext uri="{BB962C8B-B14F-4D97-AF65-F5344CB8AC3E}">
+        <p14:creationId xmlns:p14="http://schemas.microsoft.com/office/powerpoint/2010/main" val="1775273650"/>
+      </p:ext>
+    </p:extLst>
+  </p:cSld>
+  <p:clrMapOvr>
+    <a:masterClrMapping/>
+  </p:clrMapOvr>
+</p:sld>
+</file>
+
+<file path=ppt/slides/slide63.xml><?xml version="1.0" encoding="utf-8"?>
+<p:sld xmlns:a="http://schemas.openxmlformats.org/drawingml/2006/main" xmlns:r="http://schemas.openxmlformats.org/officeDocument/2006/relationships" xmlns:p="http://schemas.openxmlformats.org/presentationml/2006/main">
+  <p:cSld>
+    <p:spTree>
+      <p:nvGrpSpPr>
+        <p:cNvPr id="1" name=""/>
+        <p:cNvGrpSpPr/>
+        <p:nvPr/>
+      </p:nvGrpSpPr>
+      <p:grpSpPr>
+        <a:xfrm>
+          <a:off x="0" y="0"/>
+          <a:ext cx="0" cy="0"/>
+          <a:chOff x="0" y="0"/>
+          <a:chExt cx="0" cy="0"/>
+        </a:xfrm>
+      </p:grpSpPr>
+      <p:sp>
+        <p:nvSpPr>
+          <p:cNvPr id="2" name="Title 1"/>
           <p:cNvSpPr>
-            <a:spLocks noGrp="1" noChangeArrowheads="1"/>
-          </p:cNvSpPr>
-          <p:nvPr>
-            <p:ph idx="1"/>
+            <a:spLocks noGrp="1"/>
+          </p:cNvSpPr>
+          <p:nvPr>
+            <p:ph type="title"/>
           </p:nvPr>
         </p:nvSpPr>
         <p:spPr>
           <a:xfrm>
-            <a:off x="457200" y="1935480"/>
-            <a:ext cx="8229600" cy="1036320"/>
+            <a:off x="457200" y="228600"/>
+            <a:ext cx="8229600" cy="1143000"/>
           </a:xfrm>
         </p:spPr>
         <p:txBody>
           <a:bodyPr>
-            <a:normAutofit/>
+            <a:noAutofit/>
           </a:bodyPr>
           <a:lstStyle/>
           <a:p>
             <a:r>
-              <a:rPr lang="en-US" dirty="0"/>
-              <a:t>SE, Pressman</a:t>
-            </a:r>
-          </a:p>
-          <a:p>
-            <a:r>
-              <a:rPr lang="en-US" dirty="0"/>
-              <a:t>SE, </a:t>
-            </a:r>
-            <a:r>
-              <a:rPr lang="en-US"/>
-              <a:t>Pfleeger</a:t>
-            </a:r>
-            <a:endParaRPr lang="en-US" dirty="0"/>
-          </a:p>
-        </p:txBody>
-      </p:sp>
-      <p:sp>
-        <p:nvSpPr>
-          <p:cNvPr id="4" name="Rectangle 2"/>
-          <p:cNvSpPr txBox="1">
-            <a:spLocks noChangeArrowheads="1"/>
-          </p:cNvSpPr>
+              <a:rPr lang="en-US" sz="3600" dirty="0"/>
+              <a:t>RAD Rapid Application Development Model</a:t>
+            </a:r>
+          </a:p>
+        </p:txBody>
+      </p:sp>
+      <p:pic>
+        <p:nvPicPr>
+          <p:cNvPr id="5" name="Picture 4">
+            <a:extLst>
+              <a:ext uri="{FF2B5EF4-FFF2-40B4-BE49-F238E27FC236}">
+                <a16:creationId xmlns:a16="http://schemas.microsoft.com/office/drawing/2014/main" id="{61C5CB2F-BF43-4BA6-9192-D8C1205E5C3A}"/>
+              </a:ext>
+            </a:extLst>
+          </p:cNvPr>
+          <p:cNvPicPr>
+            <a:picLocks noChangeAspect="1"/>
+          </p:cNvPicPr>
           <p:nvPr/>
-        </p:nvSpPr>
+        </p:nvPicPr>
+        <p:blipFill>
+          <a:blip r:embed="rId2"/>
+          <a:stretch>
+            <a:fillRect/>
+          </a:stretch>
+        </p:blipFill>
         <p:spPr>
           <a:xfrm>
-            <a:off x="457200" y="3066288"/>
-            <a:ext cx="8229600" cy="1143000"/>
+            <a:off x="457200" y="1459048"/>
+            <a:ext cx="8229600" cy="5246552"/>
           </a:xfrm>
           <a:prstGeom prst="rect">
             <a:avLst/>
           </a:prstGeom>
         </p:spPr>
-        <p:txBody>
-          <a:bodyPr vert="horz" lIns="0" rIns="0" bIns="0" anchor="b">
-            <a:normAutofit/>
+      </p:pic>
+    </p:spTree>
+    <p:extLst>
+      <p:ext uri="{BB962C8B-B14F-4D97-AF65-F5344CB8AC3E}">
+        <p14:creationId xmlns:p14="http://schemas.microsoft.com/office/powerpoint/2010/main" val="3808962273"/>
+      </p:ext>
+    </p:extLst>
+  </p:cSld>
+  <p:clrMapOvr>
+    <a:masterClrMapping/>
+  </p:clrMapOvr>
+</p:sld>
+</file>
+
+<file path=ppt/slides/slide64.xml><?xml version="1.0" encoding="utf-8"?>
+<p:sld xmlns:a="http://schemas.openxmlformats.org/drawingml/2006/main" xmlns:r="http://schemas.openxmlformats.org/officeDocument/2006/relationships" xmlns:p="http://schemas.openxmlformats.org/presentationml/2006/main">
+  <p:cSld>
+    <p:spTree>
+      <p:nvGrpSpPr>
+        <p:cNvPr id="1" name=""/>
+        <p:cNvGrpSpPr/>
+        <p:nvPr/>
+      </p:nvGrpSpPr>
+      <p:grpSpPr>
+        <a:xfrm>
+          <a:off x="0" y="0"/>
+          <a:ext cx="0" cy="0"/>
+          <a:chOff x="0" y="0"/>
+          <a:chExt cx="0" cy="0"/>
+        </a:xfrm>
+      </p:grpSpPr>
+      <p:sp>
+        <p:nvSpPr>
+          <p:cNvPr id="2" name="Title 1"/>
+          <p:cNvSpPr>
+            <a:spLocks noGrp="1"/>
+          </p:cNvSpPr>
+          <p:nvPr>
+            <p:ph type="title"/>
+          </p:nvPr>
+        </p:nvSpPr>
+        <p:spPr>
+          <a:xfrm>
+            <a:off x="457200" y="228600"/>
+            <a:ext cx="8229600" cy="1143000"/>
+          </a:xfrm>
+        </p:spPr>
+        <p:txBody>
+          <a:bodyPr>
+            <a:noAutofit/>
           </a:bodyPr>
           <a:lstStyle/>
           <a:p>
-            <a:pPr marL="0" marR="0" lvl="0" indent="0" algn="l" defTabSz="914400" rtl="0" eaLnBrk="1" fontAlgn="auto" latinLnBrk="0" hangingPunct="1">
-              <a:lnSpc>
-                <a:spcPct val="100000"/>
-              </a:lnSpc>
-              <a:spcBef>
-                <a:spcPct val="0"/>
-              </a:spcBef>
-              <a:spcAft>
-                <a:spcPts val="0"/>
-              </a:spcAft>
-              <a:buClrTx/>
-              <a:buSzTx/>
-              <a:buFontTx/>
-              <a:buNone/>
-              <a:tabLst/>
-              <a:defRPr/>
-            </a:pPr>
-            <a:r>
-              <a:rPr kumimoji="0" lang="en-US" sz="5000" b="0" i="0" u="none" strike="noStrike" kern="1200" cap="none" spc="0" normalizeH="0" baseline="0" noProof="0" dirty="0">
-                <a:ln>
-                  <a:noFill/>
-                </a:ln>
-                <a:solidFill>
-                  <a:schemeClr val="tx2"/>
-                </a:solidFill>
-                <a:effectLst/>
-                <a:uLnTx/>
-                <a:uFillTx/>
-                <a:latin typeface="+mj-lt"/>
-                <a:ea typeface="+mj-ea"/>
-                <a:cs typeface="+mj-cs"/>
-              </a:rPr>
-              <a:t>Acknowledgement</a:t>
-            </a:r>
-          </a:p>
-        </p:txBody>
-      </p:sp>
-      <p:sp>
-        <p:nvSpPr>
-          <p:cNvPr id="5" name="Rectangle 3"/>
-          <p:cNvSpPr txBox="1">
-            <a:spLocks noChangeArrowheads="1"/>
-          </p:cNvSpPr>
+            <a:r>
+              <a:rPr lang="en-US" sz="3600" dirty="0"/>
+              <a:t>RAD Rapid Application Development Model</a:t>
+            </a:r>
+          </a:p>
+        </p:txBody>
+      </p:sp>
+      <p:pic>
+        <p:nvPicPr>
+          <p:cNvPr id="6" name="Picture 5">
+            <a:extLst>
+              <a:ext uri="{FF2B5EF4-FFF2-40B4-BE49-F238E27FC236}">
+                <a16:creationId xmlns:a16="http://schemas.microsoft.com/office/drawing/2014/main" id="{69ED98FE-C583-4893-AAFD-6696133E5723}"/>
+              </a:ext>
+            </a:extLst>
+          </p:cNvPr>
+          <p:cNvPicPr>
+            <a:picLocks noChangeAspect="1"/>
+          </p:cNvPicPr>
           <p:nvPr/>
-        </p:nvSpPr>
+        </p:nvPicPr>
+        <p:blipFill>
+          <a:blip r:embed="rId2"/>
+          <a:stretch>
+            <a:fillRect/>
+          </a:stretch>
+        </p:blipFill>
         <p:spPr>
           <a:xfrm>
-            <a:off x="457200" y="4297680"/>
-            <a:ext cx="8229600" cy="1036320"/>
+            <a:off x="457200" y="1524000"/>
+            <a:ext cx="8153400" cy="4724400"/>
           </a:xfrm>
           <a:prstGeom prst="rect">
             <a:avLst/>
           </a:prstGeom>
         </p:spPr>
-        <p:txBody>
-          <a:bodyPr vert="horz">
+      </p:pic>
+    </p:spTree>
+    <p:extLst>
+      <p:ext uri="{BB962C8B-B14F-4D97-AF65-F5344CB8AC3E}">
+        <p14:creationId xmlns:p14="http://schemas.microsoft.com/office/powerpoint/2010/main" val="3515280238"/>
+      </p:ext>
+    </p:extLst>
+  </p:cSld>
+  <p:clrMapOvr>
+    <a:masterClrMapping/>
+  </p:clrMapOvr>
+</p:sld>
+</file>
+
+<file path=ppt/slides/slide65.xml><?xml version="1.0" encoding="utf-8"?>
+<p:sld xmlns:a="http://schemas.openxmlformats.org/drawingml/2006/main" xmlns:r="http://schemas.openxmlformats.org/officeDocument/2006/relationships" xmlns:p="http://schemas.openxmlformats.org/presentationml/2006/main">
+  <p:cSld>
+    <p:spTree>
+      <p:nvGrpSpPr>
+        <p:cNvPr id="1" name=""/>
+        <p:cNvGrpSpPr/>
+        <p:nvPr/>
+      </p:nvGrpSpPr>
+      <p:grpSpPr>
+        <a:xfrm>
+          <a:off x="0" y="0"/>
+          <a:ext cx="0" cy="0"/>
+          <a:chOff x="0" y="0"/>
+          <a:chExt cx="0" cy="0"/>
+        </a:xfrm>
+      </p:grpSpPr>
+      <p:sp>
+        <p:nvSpPr>
+          <p:cNvPr id="2" name="Title 1"/>
+          <p:cNvSpPr>
+            <a:spLocks noGrp="1"/>
+          </p:cNvSpPr>
+          <p:nvPr>
+            <p:ph type="title"/>
+          </p:nvPr>
+        </p:nvSpPr>
+        <p:spPr>
+          <a:xfrm>
+            <a:off x="457200" y="228600"/>
+            <a:ext cx="8229600" cy="1143000"/>
+          </a:xfrm>
+        </p:spPr>
+        <p:txBody>
+          <a:bodyPr>
+            <a:noAutofit/>
+          </a:bodyPr>
+          <a:lstStyle/>
+          <a:p>
+            <a:r>
+              <a:rPr lang="en-US" sz="3600" dirty="0"/>
+              <a:t>RAD Rapid Application Development Model</a:t>
+            </a:r>
+          </a:p>
+        </p:txBody>
+      </p:sp>
+      <p:sp>
+        <p:nvSpPr>
+          <p:cNvPr id="3" name="Content Placeholder 2"/>
+          <p:cNvSpPr>
+            <a:spLocks noGrp="1"/>
+          </p:cNvSpPr>
+          <p:nvPr>
+            <p:ph idx="1"/>
+          </p:nvPr>
+        </p:nvSpPr>
+        <p:spPr>
+          <a:xfrm>
+            <a:off x="457200" y="1524000"/>
+            <a:ext cx="8229600" cy="4389120"/>
+          </a:xfrm>
+        </p:spPr>
+        <p:txBody>
+          <a:bodyPr/>
+          <a:lstStyle/>
+          <a:p>
+            <a:pPr marL="0" indent="0">
+              <a:buNone/>
+            </a:pPr>
+            <a:endParaRPr lang="en-US" dirty="0"/>
+          </a:p>
+          <a:p>
+            <a:endParaRPr lang="en-US" dirty="0"/>
+          </a:p>
+        </p:txBody>
+      </p:sp>
+      <p:pic>
+        <p:nvPicPr>
+          <p:cNvPr id="6" name="Picture 5">
+            <a:extLst>
+              <a:ext uri="{FF2B5EF4-FFF2-40B4-BE49-F238E27FC236}">
+                <a16:creationId xmlns:a16="http://schemas.microsoft.com/office/drawing/2014/main" id="{62DD5491-6DA1-41DF-AFE8-A63EFC688243}"/>
+              </a:ext>
+            </a:extLst>
+          </p:cNvPr>
+          <p:cNvPicPr>
+            <a:picLocks noChangeAspect="1"/>
+          </p:cNvPicPr>
+          <p:nvPr/>
+        </p:nvPicPr>
+        <p:blipFill>
+          <a:blip r:embed="rId2"/>
+          <a:stretch>
+            <a:fillRect/>
+          </a:stretch>
+        </p:blipFill>
+        <p:spPr>
+          <a:xfrm>
+            <a:off x="457200" y="2034328"/>
+            <a:ext cx="8305800" cy="4389120"/>
+          </a:xfrm>
+          <a:prstGeom prst="rect">
+            <a:avLst/>
+          </a:prstGeom>
+        </p:spPr>
+      </p:pic>
+    </p:spTree>
+    <p:extLst>
+      <p:ext uri="{BB962C8B-B14F-4D97-AF65-F5344CB8AC3E}">
+        <p14:creationId xmlns:p14="http://schemas.microsoft.com/office/powerpoint/2010/main" val="3616009011"/>
+      </p:ext>
+    </p:extLst>
+  </p:cSld>
+  <p:clrMapOvr>
+    <a:masterClrMapping/>
+  </p:clrMapOvr>
+</p:sld>
+</file>
+
+<file path=ppt/slides/slide66.xml><?xml version="1.0" encoding="utf-8"?>
+<p:sld xmlns:a="http://schemas.openxmlformats.org/drawingml/2006/main" xmlns:r="http://schemas.openxmlformats.org/officeDocument/2006/relationships" xmlns:p="http://schemas.openxmlformats.org/presentationml/2006/main">
+  <p:cSld>
+    <p:spTree>
+      <p:nvGrpSpPr>
+        <p:cNvPr id="1" name=""/>
+        <p:cNvGrpSpPr/>
+        <p:nvPr/>
+      </p:nvGrpSpPr>
+      <p:grpSpPr>
+        <a:xfrm>
+          <a:off x="0" y="0"/>
+          <a:ext cx="0" cy="0"/>
+          <a:chOff x="0" y="0"/>
+          <a:chExt cx="0" cy="0"/>
+        </a:xfrm>
+      </p:grpSpPr>
+      <p:sp>
+        <p:nvSpPr>
+          <p:cNvPr id="2" name="Title 1"/>
+          <p:cNvSpPr>
+            <a:spLocks noGrp="1"/>
+          </p:cNvSpPr>
+          <p:nvPr>
+            <p:ph type="title"/>
+          </p:nvPr>
+        </p:nvSpPr>
+        <p:spPr/>
+        <p:txBody>
+          <a:bodyPr>
+            <a:normAutofit fontScale="90000"/>
+          </a:bodyPr>
+          <a:lstStyle/>
+          <a:p>
+            <a:r>
+              <a:rPr lang="en-US" dirty="0"/>
+              <a:t>RAD Rapid Application Development Model</a:t>
+            </a:r>
+          </a:p>
+        </p:txBody>
+      </p:sp>
+      <p:sp>
+        <p:nvSpPr>
+          <p:cNvPr id="8" name="Content Placeholder 7">
+            <a:extLst>
+              <a:ext uri="{FF2B5EF4-FFF2-40B4-BE49-F238E27FC236}">
+                <a16:creationId xmlns:a16="http://schemas.microsoft.com/office/drawing/2014/main" id="{1D899D0D-D56A-46DC-A26C-A5AA97812B4D}"/>
+              </a:ext>
+            </a:extLst>
+          </p:cNvPr>
+          <p:cNvSpPr>
+            <a:spLocks noGrp="1"/>
+          </p:cNvSpPr>
+          <p:nvPr>
+            <p:ph idx="1"/>
+          </p:nvPr>
+        </p:nvSpPr>
+        <p:spPr>
+          <a:xfrm>
+            <a:off x="228600" y="1905000"/>
+            <a:ext cx="8229600" cy="4389120"/>
+          </a:xfrm>
+        </p:spPr>
+        <p:txBody>
+          <a:bodyPr>
+            <a:normAutofit fontScale="92500" lnSpcReduction="20000"/>
+          </a:bodyPr>
+          <a:lstStyle/>
+          <a:p>
+            <a:r>
+              <a:rPr lang="en-US" b="1" i="0" dirty="0">
+                <a:solidFill>
+                  <a:srgbClr val="383838"/>
+                </a:solidFill>
+                <a:effectLst/>
+                <a:latin typeface="robotolight"/>
+              </a:rPr>
+              <a:t>The Difference between RAD Model and Agile Model</a:t>
+            </a:r>
+          </a:p>
+          <a:p>
+            <a:endParaRPr lang="en-US" b="1" i="0" dirty="0">
+              <a:solidFill>
+                <a:srgbClr val="383838"/>
+              </a:solidFill>
+              <a:effectLst/>
+              <a:latin typeface="robotolight"/>
+            </a:endParaRPr>
+          </a:p>
+          <a:p>
+            <a:pPr algn="l"/>
+            <a:r>
+              <a:rPr lang="en-US" b="0" i="0" dirty="0">
+                <a:solidFill>
+                  <a:srgbClr val="000000"/>
+                </a:solidFill>
+                <a:effectLst/>
+                <a:latin typeface="Titillium Web" panose="020B0604020202020204" pitchFamily="2" charset="0"/>
+              </a:rPr>
+              <a:t>Unlike the Waterfall approach, RAD focuses on processes rather than design. RAD uses existing code and proven processes to create new software prototypes.</a:t>
+            </a:r>
+          </a:p>
+          <a:p>
+            <a:pPr algn="l"/>
+            <a:r>
+              <a:rPr lang="en-US" b="0" i="0" dirty="0">
+                <a:solidFill>
+                  <a:srgbClr val="000000"/>
+                </a:solidFill>
+                <a:effectLst/>
+                <a:latin typeface="Titillium Web" panose="020B0604020202020204" pitchFamily="2" charset="0"/>
+              </a:rPr>
+              <a:t>This makes the Rapid Application Development model a versatile, adaptable, and time-saving option for software developers and web applications.</a:t>
+            </a:r>
+          </a:p>
+          <a:p>
+            <a:pPr algn="l"/>
+            <a:r>
+              <a:rPr lang="en-US" b="0" i="0" dirty="0">
+                <a:solidFill>
+                  <a:srgbClr val="000000"/>
+                </a:solidFill>
+                <a:effectLst/>
+                <a:latin typeface="Titillium Web" panose="020B0604020202020204" pitchFamily="2" charset="0"/>
+              </a:rPr>
+              <a:t>The Rapid Application Development model is best suited in scenarios that require the development of new applications within a span of two to three months.</a:t>
+            </a:r>
+          </a:p>
+          <a:p>
+            <a:pPr algn="l"/>
+            <a:r>
+              <a:rPr lang="en-US" b="0" i="0" dirty="0">
+                <a:solidFill>
+                  <a:srgbClr val="000000"/>
+                </a:solidFill>
+                <a:effectLst/>
+                <a:latin typeface="Titillium Web" panose="020B0604020202020204" pitchFamily="2" charset="0"/>
+              </a:rPr>
+              <a:t>However, one must keep in mind that, to develop anything on a RAD platform, the requirements must be well defined.</a:t>
+            </a:r>
+          </a:p>
+          <a:p>
+            <a:endParaRPr lang="en-PK" dirty="0"/>
+          </a:p>
+        </p:txBody>
+      </p:sp>
+    </p:spTree>
+    <p:extLst>
+      <p:ext uri="{BB962C8B-B14F-4D97-AF65-F5344CB8AC3E}">
+        <p14:creationId xmlns:p14="http://schemas.microsoft.com/office/powerpoint/2010/main" val="1260784923"/>
+      </p:ext>
+    </p:extLst>
+  </p:cSld>
+  <p:clrMapOvr>
+    <a:masterClrMapping/>
+  </p:clrMapOvr>
+</p:sld>
+</file>
+
+<file path=ppt/slides/slide67.xml><?xml version="1.0" encoding="utf-8"?>
+<p:sld xmlns:a="http://schemas.openxmlformats.org/drawingml/2006/main" xmlns:r="http://schemas.openxmlformats.org/officeDocument/2006/relationships" xmlns:p="http://schemas.openxmlformats.org/presentationml/2006/main">
+  <p:cSld>
+    <p:spTree>
+      <p:nvGrpSpPr>
+        <p:cNvPr id="1" name=""/>
+        <p:cNvGrpSpPr/>
+        <p:nvPr/>
+      </p:nvGrpSpPr>
+      <p:grpSpPr>
+        <a:xfrm>
+          <a:off x="0" y="0"/>
+          <a:ext cx="0" cy="0"/>
+          <a:chOff x="0" y="0"/>
+          <a:chExt cx="0" cy="0"/>
+        </a:xfrm>
+      </p:grpSpPr>
+      <p:sp>
+        <p:nvSpPr>
+          <p:cNvPr id="2" name="Title 1"/>
+          <p:cNvSpPr>
+            <a:spLocks noGrp="1"/>
+          </p:cNvSpPr>
+          <p:nvPr>
+            <p:ph type="title"/>
+          </p:nvPr>
+        </p:nvSpPr>
+        <p:spPr/>
+        <p:txBody>
+          <a:bodyPr>
+            <a:normAutofit fontScale="90000"/>
+          </a:bodyPr>
+          <a:lstStyle/>
+          <a:p>
+            <a:r>
+              <a:rPr lang="en-US" dirty="0"/>
+              <a:t>RAD Rapid Application Development Model</a:t>
+            </a:r>
+          </a:p>
+        </p:txBody>
+      </p:sp>
+      <p:sp>
+        <p:nvSpPr>
+          <p:cNvPr id="8" name="Content Placeholder 7">
+            <a:extLst>
+              <a:ext uri="{FF2B5EF4-FFF2-40B4-BE49-F238E27FC236}">
+                <a16:creationId xmlns:a16="http://schemas.microsoft.com/office/drawing/2014/main" id="{1D899D0D-D56A-46DC-A26C-A5AA97812B4D}"/>
+              </a:ext>
+            </a:extLst>
+          </p:cNvPr>
+          <p:cNvSpPr>
+            <a:spLocks noGrp="1"/>
+          </p:cNvSpPr>
+          <p:nvPr>
+            <p:ph idx="1"/>
+          </p:nvPr>
+        </p:nvSpPr>
+        <p:spPr>
+          <a:xfrm>
+            <a:off x="228600" y="2057400"/>
+            <a:ext cx="8229600" cy="4389120"/>
+          </a:xfrm>
+        </p:spPr>
+        <p:txBody>
+          <a:bodyPr>
             <a:normAutofit/>
           </a:bodyPr>
           <a:lstStyle/>
           <a:p>
-            <a:pPr marL="274320" marR="0" lvl="0" indent="-274320" algn="l" defTabSz="914400" rtl="0" eaLnBrk="1" fontAlgn="auto" latinLnBrk="0" hangingPunct="1">
-              <a:lnSpc>
-                <a:spcPct val="100000"/>
-              </a:lnSpc>
-              <a:spcBef>
-                <a:spcPct val="20000"/>
-              </a:spcBef>
-              <a:spcAft>
-                <a:spcPts val="0"/>
-              </a:spcAft>
-              <a:buClr>
-                <a:schemeClr val="accent3"/>
-              </a:buClr>
-              <a:buSzPct val="95000"/>
-              <a:buFont typeface="Wingdings 2"/>
-              <a:buChar char=""/>
-              <a:tabLst/>
-              <a:defRPr/>
-            </a:pPr>
-            <a:r>
-              <a:rPr kumimoji="0" lang="en-US" sz="2600" b="0" i="0" u="none" strike="noStrike" kern="1200" cap="none" spc="0" normalizeH="0" baseline="0" noProof="0" dirty="0">
-                <a:ln>
-                  <a:noFill/>
-                </a:ln>
+            <a:r>
+              <a:rPr lang="en-US" b="1" i="0" dirty="0">
                 <a:solidFill>
-                  <a:schemeClr val="tx1"/>
+                  <a:srgbClr val="383838"/>
                 </a:solidFill>
                 <a:effectLst/>
-                <a:uLnTx/>
-                <a:uFillTx/>
-                <a:latin typeface="+mn-lt"/>
-                <a:ea typeface="+mn-ea"/>
-                <a:cs typeface="+mn-cs"/>
+                <a:latin typeface="robotolight"/>
               </a:rPr>
-              <a:t>A few </a:t>
-            </a:r>
-            <a:r>
-              <a:rPr lang="en-US" sz="2600" dirty="0"/>
-              <a:t>slides have been adapted from UCF </a:t>
-            </a:r>
-            <a:r>
-              <a:rPr kumimoji="0" lang="en-US" sz="2600" b="0" i="0" u="none" strike="noStrike" kern="1200" cap="none" spc="0" normalizeH="0" baseline="0" noProof="0" dirty="0">
-                <a:ln>
-                  <a:noFill/>
-                </a:ln>
+              <a:t>The Difference between RAD Model and Agile Model</a:t>
+            </a:r>
+          </a:p>
+          <a:p>
+            <a:r>
+              <a:rPr lang="en-US" dirty="0">
                 <a:solidFill>
-                  <a:schemeClr val="tx1"/>
+                  <a:srgbClr val="212529"/>
+                </a:solidFill>
+                <a:latin typeface="-apple-system"/>
+              </a:rPr>
+              <a:t>A</a:t>
+            </a:r>
+            <a:r>
+              <a:rPr lang="en-US" b="0" i="0" dirty="0">
+                <a:solidFill>
+                  <a:srgbClr val="212529"/>
                 </a:solidFill>
                 <a:effectLst/>
-                <a:uLnTx/>
-                <a:uFillTx/>
-                <a:latin typeface="+mn-lt"/>
-                <a:ea typeface="+mn-ea"/>
-                <a:cs typeface="+mn-cs"/>
+                <a:latin typeface="-apple-system"/>
               </a:rPr>
-              <a:t>slides for the SE course</a:t>
-            </a:r>
+              <a:t>gile recognizes that software projects are fundamentally unpredictable and that there are likely to be changes over the course of the project. These changes, be it market changes or feature changes as the product comes to life will need to be addressed. agile welcomes this volatility by breaking down projects into small chunks called sprints, to facilitate prioritization and allowing engineers to add or drop features during the project.</a:t>
+            </a:r>
+            <a:endParaRPr lang="en-US" b="1" i="0" dirty="0">
+              <a:solidFill>
+                <a:srgbClr val="383838"/>
+              </a:solidFill>
+              <a:effectLst/>
+              <a:latin typeface="robotolight"/>
+            </a:endParaRPr>
+          </a:p>
+          <a:p>
+            <a:endParaRPr lang="en-US" b="1" i="0" dirty="0">
+              <a:solidFill>
+                <a:srgbClr val="383838"/>
+              </a:solidFill>
+              <a:effectLst/>
+              <a:latin typeface="robotolight"/>
+            </a:endParaRPr>
+          </a:p>
+          <a:p>
+            <a:endParaRPr lang="en-PK" dirty="0"/>
           </a:p>
         </p:txBody>
       </p:sp>
     </p:spTree>
+    <p:extLst>
+      <p:ext uri="{BB962C8B-B14F-4D97-AF65-F5344CB8AC3E}">
+        <p14:creationId xmlns:p14="http://schemas.microsoft.com/office/powerpoint/2010/main" val="2272593749"/>
+      </p:ext>
+    </p:extLst>
+  </p:cSld>
+  <p:clrMapOvr>
+    <a:masterClrMapping/>
+  </p:clrMapOvr>
+</p:sld>
+</file>
+
+<file path=ppt/slides/slide68.xml><?xml version="1.0" encoding="utf-8"?>
+<p:sld xmlns:a="http://schemas.openxmlformats.org/drawingml/2006/main" xmlns:r="http://schemas.openxmlformats.org/officeDocument/2006/relationships" xmlns:p="http://schemas.openxmlformats.org/presentationml/2006/main">
+  <p:cSld>
+    <p:spTree>
+      <p:nvGrpSpPr>
+        <p:cNvPr id="1" name=""/>
+        <p:cNvGrpSpPr/>
+        <p:nvPr/>
+      </p:nvGrpSpPr>
+      <p:grpSpPr>
+        <a:xfrm>
+          <a:off x="0" y="0"/>
+          <a:ext cx="0" cy="0"/>
+          <a:chOff x="0" y="0"/>
+          <a:chExt cx="0" cy="0"/>
+        </a:xfrm>
+      </p:grpSpPr>
+      <p:sp>
+        <p:nvSpPr>
+          <p:cNvPr id="2" name="Title 1"/>
+          <p:cNvSpPr>
+            <a:spLocks noGrp="1"/>
+          </p:cNvSpPr>
+          <p:nvPr>
+            <p:ph type="title"/>
+          </p:nvPr>
+        </p:nvSpPr>
+        <p:spPr/>
+        <p:txBody>
+          <a:bodyPr>
+            <a:normAutofit fontScale="90000"/>
+          </a:bodyPr>
+          <a:lstStyle/>
+          <a:p>
+            <a:r>
+              <a:rPr lang="en-US" dirty="0"/>
+              <a:t>RAD Rapid Application Development Model</a:t>
+            </a:r>
+          </a:p>
+        </p:txBody>
+      </p:sp>
+      <p:sp>
+        <p:nvSpPr>
+          <p:cNvPr id="7" name="TextBox 6">
+            <a:extLst>
+              <a:ext uri="{FF2B5EF4-FFF2-40B4-BE49-F238E27FC236}">
+                <a16:creationId xmlns:a16="http://schemas.microsoft.com/office/drawing/2014/main" id="{5F079AD3-50F6-4643-A5D0-1E67886834B0}"/>
+              </a:ext>
+            </a:extLst>
+          </p:cNvPr>
+          <p:cNvSpPr txBox="1"/>
+          <p:nvPr/>
+        </p:nvSpPr>
+        <p:spPr>
+          <a:xfrm>
+            <a:off x="76200" y="1867603"/>
+            <a:ext cx="8839200" cy="4431983"/>
+          </a:xfrm>
+          <a:prstGeom prst="rect">
+            <a:avLst/>
+          </a:prstGeom>
+          <a:noFill/>
+        </p:spPr>
+        <p:txBody>
+          <a:bodyPr wrap="square">
+            <a:spAutoFit/>
+          </a:bodyPr>
+          <a:lstStyle/>
+          <a:p>
+            <a:pPr algn="l" fontAlgn="base">
+              <a:buFont typeface="+mj-lt"/>
+              <a:buAutoNum type="arabicPeriod"/>
+            </a:pPr>
+            <a:r>
+              <a:rPr lang="en-US" sz="1600" b="1" i="0" dirty="0">
+                <a:solidFill>
+                  <a:srgbClr val="273239"/>
+                </a:solidFill>
+                <a:effectLst/>
+                <a:latin typeface="Arial" panose="020B0604020202020204" pitchFamily="34" charset="0"/>
+                <a:cs typeface="Arial" panose="020B0604020202020204" pitchFamily="34" charset="0"/>
+              </a:rPr>
+              <a:t>Business Modeling –</a:t>
+            </a:r>
+            <a:br>
+              <a:rPr lang="en-US" sz="1600" b="0" i="0" dirty="0">
+                <a:solidFill>
+                  <a:srgbClr val="273239"/>
+                </a:solidFill>
+                <a:effectLst/>
+                <a:latin typeface="Arial" panose="020B0604020202020204" pitchFamily="34" charset="0"/>
+                <a:cs typeface="Arial" panose="020B0604020202020204" pitchFamily="34" charset="0"/>
+              </a:rPr>
+            </a:br>
+            <a:r>
+              <a:rPr lang="en-US" sz="1600" b="0" i="0" dirty="0">
+                <a:solidFill>
+                  <a:srgbClr val="273239"/>
+                </a:solidFill>
+                <a:effectLst/>
+                <a:latin typeface="Arial" panose="020B0604020202020204" pitchFamily="34" charset="0"/>
+                <a:cs typeface="Arial" panose="020B0604020202020204" pitchFamily="34" charset="0"/>
+              </a:rPr>
+              <a:t>In business modeling, identification of flow of information is done and is been modeled between different functions of the business. It simply describes how your business will result in payable check that means to make money and explains how you will add value or increase quality of product and deliver valued product to customers at an appropriate cost.</a:t>
+            </a:r>
+            <a:r>
+              <a:rPr lang="en-US" sz="1600" b="0" i="0" dirty="0">
+                <a:solidFill>
+                  <a:srgbClr val="282829"/>
+                </a:solidFill>
+                <a:effectLst/>
+                <a:latin typeface="Arial" panose="020B0604020202020204" pitchFamily="34" charset="0"/>
+                <a:cs typeface="Arial" panose="020B0604020202020204" pitchFamily="34" charset="0"/>
+              </a:rPr>
+              <a:t> In this phase, business functions and product scope are decided during various meetings between the requirements planning team and the client team</a:t>
+            </a:r>
+            <a:r>
+              <a:rPr lang="en-US" sz="1600" b="0" i="0" dirty="0">
+                <a:solidFill>
+                  <a:srgbClr val="273239"/>
+                </a:solidFill>
+                <a:effectLst/>
+                <a:latin typeface="Arial" panose="020B0604020202020204" pitchFamily="34" charset="0"/>
+                <a:cs typeface="Arial" panose="020B0604020202020204" pitchFamily="34" charset="0"/>
+              </a:rPr>
+              <a:t> The following information is collected by business functions:</a:t>
+            </a:r>
+          </a:p>
+          <a:p>
+            <a:pPr marL="742950" lvl="1" indent="-285750" algn="l" fontAlgn="base">
+              <a:buFont typeface="+mj-lt"/>
+              <a:buAutoNum type="arabicPeriod"/>
+            </a:pPr>
+            <a:r>
+              <a:rPr lang="en-US" sz="1600" b="0" i="0" dirty="0">
+                <a:solidFill>
+                  <a:srgbClr val="273239"/>
+                </a:solidFill>
+                <a:effectLst/>
+                <a:latin typeface="Arial" panose="020B0604020202020204" pitchFamily="34" charset="0"/>
+                <a:cs typeface="Arial" panose="020B0604020202020204" pitchFamily="34" charset="0"/>
+              </a:rPr>
+              <a:t>Information that drives business process that means information gathered during development and before development required for increasing quality so as to develop successful business.</a:t>
+            </a:r>
+          </a:p>
+          <a:p>
+            <a:pPr marL="742950" lvl="1" indent="-285750" algn="l" fontAlgn="base">
+              <a:buFont typeface="+mj-lt"/>
+              <a:buAutoNum type="arabicPeriod"/>
+            </a:pPr>
+            <a:r>
+              <a:rPr lang="en-US" sz="1600" b="0" i="0" dirty="0">
+                <a:solidFill>
+                  <a:srgbClr val="273239"/>
+                </a:solidFill>
+                <a:effectLst/>
+                <a:latin typeface="Arial" panose="020B0604020202020204" pitchFamily="34" charset="0"/>
+                <a:cs typeface="Arial" panose="020B0604020202020204" pitchFamily="34" charset="0"/>
+              </a:rPr>
+              <a:t>Type of information being generated during modeling about overall development result so that if there is any change or modification required, it can be done to increase quality.</a:t>
+            </a:r>
+          </a:p>
+          <a:p>
+            <a:pPr marL="742950" lvl="1" indent="-285750" algn="l" fontAlgn="base">
+              <a:buFont typeface="+mj-lt"/>
+              <a:buAutoNum type="arabicPeriod"/>
+            </a:pPr>
+            <a:r>
+              <a:rPr lang="en-US" sz="1600" b="0" i="0" dirty="0">
+                <a:solidFill>
+                  <a:srgbClr val="273239"/>
+                </a:solidFill>
+                <a:effectLst/>
+                <a:latin typeface="Arial" panose="020B0604020202020204" pitchFamily="34" charset="0"/>
+                <a:cs typeface="Arial" panose="020B0604020202020204" pitchFamily="34" charset="0"/>
+              </a:rPr>
+              <a:t>Generator of information who generates or makes information.</a:t>
+            </a:r>
+          </a:p>
+          <a:p>
+            <a:pPr marL="742950" lvl="1" indent="-285750" algn="l" fontAlgn="base">
+              <a:buFont typeface="+mj-lt"/>
+              <a:buAutoNum type="arabicPeriod"/>
+            </a:pPr>
+            <a:r>
+              <a:rPr lang="en-US" sz="1600" b="0" i="0" dirty="0">
+                <a:solidFill>
+                  <a:srgbClr val="273239"/>
+                </a:solidFill>
+                <a:effectLst/>
+                <a:latin typeface="Arial" panose="020B0604020202020204" pitchFamily="34" charset="0"/>
+                <a:cs typeface="Arial" panose="020B0604020202020204" pitchFamily="34" charset="0"/>
+              </a:rPr>
+              <a:t>Flow of information or direction of flow about how information is transferring so that if there is an issue, it can be resolved.</a:t>
+            </a:r>
+          </a:p>
+          <a:p>
+            <a:pPr marL="742950" lvl="1" indent="-285750" algn="l" fontAlgn="base">
+              <a:buFont typeface="+mj-lt"/>
+              <a:buAutoNum type="arabicPeriod"/>
+            </a:pPr>
+            <a:r>
+              <a:rPr lang="en-US" sz="1600" b="0" i="0" dirty="0">
+                <a:solidFill>
+                  <a:srgbClr val="273239"/>
+                </a:solidFill>
+                <a:effectLst/>
+                <a:latin typeface="Arial" panose="020B0604020202020204" pitchFamily="34" charset="0"/>
+                <a:cs typeface="Arial" panose="020B0604020202020204" pitchFamily="34" charset="0"/>
+              </a:rPr>
+              <a:t>Processor of the information who processes identified information and makes changes if required.</a:t>
+            </a:r>
+          </a:p>
+        </p:txBody>
+      </p:sp>
+    </p:spTree>
+    <p:extLst>
+      <p:ext uri="{BB962C8B-B14F-4D97-AF65-F5344CB8AC3E}">
+        <p14:creationId xmlns:p14="http://schemas.microsoft.com/office/powerpoint/2010/main" val="2845183173"/>
+      </p:ext>
+    </p:extLst>
+  </p:cSld>
+  <p:clrMapOvr>
+    <a:masterClrMapping/>
+  </p:clrMapOvr>
+</p:sld>
+</file>
+
+<file path=ppt/slides/slide69.xml><?xml version="1.0" encoding="utf-8"?>
+<p:sld xmlns:a="http://schemas.openxmlformats.org/drawingml/2006/main" xmlns:r="http://schemas.openxmlformats.org/officeDocument/2006/relationships" xmlns:p="http://schemas.openxmlformats.org/presentationml/2006/main">
+  <p:cSld>
+    <p:spTree>
+      <p:nvGrpSpPr>
+        <p:cNvPr id="1" name=""/>
+        <p:cNvGrpSpPr/>
+        <p:nvPr/>
+      </p:nvGrpSpPr>
+      <p:grpSpPr>
+        <a:xfrm>
+          <a:off x="0" y="0"/>
+          <a:ext cx="0" cy="0"/>
+          <a:chOff x="0" y="0"/>
+          <a:chExt cx="0" cy="0"/>
+        </a:xfrm>
+      </p:grpSpPr>
+      <p:sp>
+        <p:nvSpPr>
+          <p:cNvPr id="2" name="Title 1"/>
+          <p:cNvSpPr>
+            <a:spLocks noGrp="1"/>
+          </p:cNvSpPr>
+          <p:nvPr>
+            <p:ph type="title"/>
+          </p:nvPr>
+        </p:nvSpPr>
+        <p:spPr>
+          <a:xfrm>
+            <a:off x="2362200" y="0"/>
+            <a:ext cx="8229600" cy="1143000"/>
+          </a:xfrm>
+        </p:spPr>
+        <p:txBody>
+          <a:bodyPr>
+            <a:normAutofit/>
+          </a:bodyPr>
+          <a:lstStyle/>
+          <a:p>
+            <a:r>
+              <a:rPr lang="en-US" sz="1800" dirty="0"/>
+              <a:t>RAD Rapid Application Development Model</a:t>
+            </a:r>
+          </a:p>
+        </p:txBody>
+      </p:sp>
+      <p:sp>
+        <p:nvSpPr>
+          <p:cNvPr id="5" name="TextBox 4">
+            <a:extLst>
+              <a:ext uri="{FF2B5EF4-FFF2-40B4-BE49-F238E27FC236}">
+                <a16:creationId xmlns:a16="http://schemas.microsoft.com/office/drawing/2014/main" id="{CAEC02FF-CBFF-4FC0-85AD-4C5EE338B51F}"/>
+              </a:ext>
+            </a:extLst>
+          </p:cNvPr>
+          <p:cNvSpPr txBox="1"/>
+          <p:nvPr/>
+        </p:nvSpPr>
+        <p:spPr>
+          <a:xfrm>
+            <a:off x="304800" y="1143000"/>
+            <a:ext cx="8534400" cy="5909310"/>
+          </a:xfrm>
+          <a:prstGeom prst="rect">
+            <a:avLst/>
+          </a:prstGeom>
+          <a:noFill/>
+        </p:spPr>
+        <p:txBody>
+          <a:bodyPr wrap="square">
+            <a:spAutoFit/>
+          </a:bodyPr>
+          <a:lstStyle/>
+          <a:p>
+            <a:pPr algn="l" fontAlgn="base"/>
+            <a:r>
+              <a:rPr lang="en-US" b="1" i="0" dirty="0">
+                <a:solidFill>
+                  <a:srgbClr val="273239"/>
+                </a:solidFill>
+                <a:effectLst/>
+                <a:latin typeface="urw-din"/>
+              </a:rPr>
+              <a:t>2.Data Modeling – for defining requirements</a:t>
+            </a:r>
+            <a:br>
+              <a:rPr lang="en-US" b="0" i="0" dirty="0">
+                <a:solidFill>
+                  <a:srgbClr val="273239"/>
+                </a:solidFill>
+                <a:effectLst/>
+                <a:latin typeface="urw-din"/>
+              </a:rPr>
+            </a:br>
+            <a:r>
+              <a:rPr lang="en-US" b="0" i="0" dirty="0">
+                <a:solidFill>
+                  <a:srgbClr val="273239"/>
+                </a:solidFill>
+                <a:effectLst/>
+                <a:latin typeface="Arial" panose="020B0604020202020204" pitchFamily="34" charset="0"/>
+                <a:cs typeface="Arial" panose="020B0604020202020204" pitchFamily="34" charset="0"/>
+              </a:rPr>
+              <a:t>In this phase, information collected in business model is classified on basis of different categories and used to define data objects that are available. The characteristics of all data objects that are present are identified that are useful in development of business. Between different data objects, relationship is present that connects them which is defined or explained in this type of modeling.</a:t>
+            </a:r>
+          </a:p>
+          <a:p>
+            <a:pPr algn="l" fontAlgn="base"/>
+            <a:r>
+              <a:rPr lang="en-US" b="1" i="0" dirty="0">
+                <a:solidFill>
+                  <a:srgbClr val="5E5E5E"/>
+                </a:solidFill>
+                <a:effectLst/>
+                <a:latin typeface="Droid Sans"/>
+              </a:rPr>
+              <a:t> </a:t>
+            </a:r>
+            <a:r>
+              <a:rPr lang="en-US" b="0" i="0" dirty="0">
+                <a:solidFill>
+                  <a:srgbClr val="5E5E5E"/>
+                </a:solidFill>
+                <a:effectLst/>
+                <a:latin typeface="Droid Sans"/>
+              </a:rPr>
+              <a:t>The information flow defined as part of the business modeling phase is refined into a set of data objects that are needed to support the business. The characteristics (called attributes) of each object are identified and the relationships between these objects defined.</a:t>
+            </a:r>
+            <a:endParaRPr lang="en-US" b="0" i="0" dirty="0">
+              <a:solidFill>
+                <a:srgbClr val="273239"/>
+              </a:solidFill>
+              <a:effectLst/>
+              <a:latin typeface="Arial" panose="020B0604020202020204" pitchFamily="34" charset="0"/>
+              <a:cs typeface="Arial" panose="020B0604020202020204" pitchFamily="34" charset="0"/>
+            </a:endParaRPr>
+          </a:p>
+          <a:p>
+            <a:pPr algn="l" fontAlgn="base"/>
+            <a:r>
+              <a:rPr lang="en-US" b="1" i="0" dirty="0">
+                <a:solidFill>
+                  <a:srgbClr val="273239"/>
+                </a:solidFill>
+                <a:effectLst/>
+                <a:latin typeface="urw-din"/>
+              </a:rPr>
+              <a:t>3. Process Modeling –</a:t>
+            </a:r>
+            <a:br>
+              <a:rPr lang="en-US" dirty="0"/>
+            </a:br>
+            <a:r>
+              <a:rPr lang="en-US" b="0" i="0" dirty="0">
+                <a:solidFill>
+                  <a:srgbClr val="273239"/>
+                </a:solidFill>
+                <a:effectLst/>
+                <a:latin typeface="urw-din"/>
+              </a:rPr>
+              <a:t>In this phase, data objects that are necessary are transformed or converted into required usable information or processes. These processes are very important as they help to extract or gain information from data objects so as to make any change required for proper processing without any issue and are responsible for implementing business functions. During this stage, changes and optimization in project development can be done as per requirement to increase value and quality</a:t>
+            </a:r>
+          </a:p>
+          <a:p>
+            <a:pPr algn="l" fontAlgn="base"/>
+            <a:r>
+              <a:rPr lang="en-US" b="0" i="0" dirty="0">
+                <a:solidFill>
+                  <a:srgbClr val="282829"/>
+                </a:solidFill>
+                <a:effectLst/>
+                <a:latin typeface="Segoe UI" panose="020B0502040204020203" pitchFamily="34" charset="0"/>
+              </a:rPr>
+              <a:t>In this phase, all the data objects gathered in the process modeling phase are transformed into required useful information.</a:t>
+            </a:r>
+            <a:br>
+              <a:rPr lang="en-US" b="0" i="0" dirty="0">
+                <a:solidFill>
+                  <a:srgbClr val="282829"/>
+                </a:solidFill>
+                <a:effectLst/>
+                <a:latin typeface="Segoe UI" panose="020B0502040204020203" pitchFamily="34" charset="0"/>
+              </a:rPr>
+            </a:br>
+            <a:br>
+              <a:rPr lang="en-US" b="0" i="0" dirty="0">
+                <a:solidFill>
+                  <a:srgbClr val="282829"/>
+                </a:solidFill>
+                <a:effectLst/>
+                <a:latin typeface="Segoe UI" panose="020B0502040204020203" pitchFamily="34" charset="0"/>
+              </a:rPr>
+            </a:br>
+            <a:endParaRPr lang="en-US" b="0" i="0" dirty="0">
+              <a:solidFill>
+                <a:srgbClr val="273239"/>
+              </a:solidFill>
+              <a:effectLst/>
+              <a:latin typeface="urw-din"/>
+            </a:endParaRPr>
+          </a:p>
+        </p:txBody>
+      </p:sp>
+    </p:spTree>
+    <p:extLst>
+      <p:ext uri="{BB962C8B-B14F-4D97-AF65-F5344CB8AC3E}">
+        <p14:creationId xmlns:p14="http://schemas.microsoft.com/office/powerpoint/2010/main" val="654942385"/>
+      </p:ext>
+    </p:extLst>
   </p:cSld>
   <p:clrMapOvr>
     <a:masterClrMapping/>
@@ -21513,6 +22462,483 @@
     <a:masterClrMapping/>
   </p:clrMapOvr>
   <p:transition/>
+</p:sld>
+</file>
+
+<file path=ppt/slides/slide70.xml><?xml version="1.0" encoding="utf-8"?>
+<p:sld xmlns:a="http://schemas.openxmlformats.org/drawingml/2006/main" xmlns:r="http://schemas.openxmlformats.org/officeDocument/2006/relationships" xmlns:p="http://schemas.openxmlformats.org/presentationml/2006/main">
+  <p:cSld>
+    <p:spTree>
+      <p:nvGrpSpPr>
+        <p:cNvPr id="1" name=""/>
+        <p:cNvGrpSpPr/>
+        <p:nvPr/>
+      </p:nvGrpSpPr>
+      <p:grpSpPr>
+        <a:xfrm>
+          <a:off x="0" y="0"/>
+          <a:ext cx="0" cy="0"/>
+          <a:chOff x="0" y="0"/>
+          <a:chExt cx="0" cy="0"/>
+        </a:xfrm>
+      </p:grpSpPr>
+      <p:sp>
+        <p:nvSpPr>
+          <p:cNvPr id="2" name="Title 1"/>
+          <p:cNvSpPr>
+            <a:spLocks noGrp="1"/>
+          </p:cNvSpPr>
+          <p:nvPr>
+            <p:ph type="title"/>
+          </p:nvPr>
+        </p:nvSpPr>
+        <p:spPr/>
+        <p:txBody>
+          <a:bodyPr>
+            <a:normAutofit fontScale="90000"/>
+          </a:bodyPr>
+          <a:lstStyle/>
+          <a:p>
+            <a:r>
+              <a:rPr lang="en-US" dirty="0"/>
+              <a:t>RAD Rapid Application Development Model</a:t>
+            </a:r>
+          </a:p>
+        </p:txBody>
+      </p:sp>
+      <p:sp>
+        <p:nvSpPr>
+          <p:cNvPr id="4" name="Content Placeholder 3">
+            <a:extLst>
+              <a:ext uri="{FF2B5EF4-FFF2-40B4-BE49-F238E27FC236}">
+                <a16:creationId xmlns:a16="http://schemas.microsoft.com/office/drawing/2014/main" id="{73FC7D25-95B4-4837-BA99-F9EB6F90B4DC}"/>
+              </a:ext>
+            </a:extLst>
+          </p:cNvPr>
+          <p:cNvSpPr>
+            <a:spLocks noGrp="1"/>
+          </p:cNvSpPr>
+          <p:nvPr>
+            <p:ph idx="1"/>
+          </p:nvPr>
+        </p:nvSpPr>
+        <p:spPr/>
+        <p:txBody>
+          <a:bodyPr>
+            <a:normAutofit fontScale="62500" lnSpcReduction="20000"/>
+          </a:bodyPr>
+          <a:lstStyle/>
+          <a:p>
+            <a:pPr marL="0" indent="0" algn="l">
+              <a:buNone/>
+            </a:pPr>
+            <a:endParaRPr lang="en-US" b="0" i="0" dirty="0">
+              <a:solidFill>
+                <a:srgbClr val="282829"/>
+              </a:solidFill>
+              <a:effectLst/>
+              <a:latin typeface="Segoe UI" panose="020B0502040204020203" pitchFamily="34" charset="0"/>
+            </a:endParaRPr>
+          </a:p>
+          <a:p>
+            <a:pPr algn="l">
+              <a:buFont typeface="Arial" panose="020B0604020202020204" pitchFamily="34" charset="0"/>
+              <a:buChar char="•"/>
+            </a:pPr>
+            <a:r>
+              <a:rPr lang="en-US" b="1" i="0" dirty="0">
+                <a:solidFill>
+                  <a:srgbClr val="282829"/>
+                </a:solidFill>
+                <a:effectLst/>
+                <a:latin typeface="Segoe UI" panose="020B0502040204020203" pitchFamily="34" charset="0"/>
+              </a:rPr>
+              <a:t>Application Generation – </a:t>
+            </a:r>
+            <a:r>
+              <a:rPr lang="en-US" b="0" i="0" dirty="0">
+                <a:solidFill>
+                  <a:srgbClr val="282829"/>
+                </a:solidFill>
+                <a:effectLst/>
+                <a:latin typeface="Segoe UI" panose="020B0502040204020203" pitchFamily="34" charset="0"/>
+              </a:rPr>
+              <a:t>In this stage, the actual prototype is developed using different automated CASE tools.</a:t>
+            </a:r>
+          </a:p>
+          <a:p>
+            <a:pPr marL="0" indent="0" algn="l">
+              <a:buNone/>
+            </a:pPr>
+            <a:br>
+              <a:rPr lang="en-US" dirty="0"/>
+            </a:br>
+            <a:r>
+              <a:rPr lang="en-US" b="0" i="0" dirty="0">
+                <a:solidFill>
+                  <a:srgbClr val="273239"/>
+                </a:solidFill>
+                <a:effectLst/>
+                <a:latin typeface="urw-din"/>
+              </a:rPr>
+              <a:t>For creating or developing software, different automation tools can be used. To have an increase in development of software very </a:t>
+            </a:r>
+            <a:r>
+              <a:rPr lang="en-US" b="0" i="0" dirty="0" err="1">
+                <a:solidFill>
+                  <a:srgbClr val="273239"/>
+                </a:solidFill>
+                <a:effectLst/>
+                <a:latin typeface="urw-din"/>
+              </a:rPr>
+              <a:t>fastly</a:t>
+            </a:r>
+            <a:r>
+              <a:rPr lang="en-US" b="0" i="0" dirty="0">
+                <a:solidFill>
+                  <a:srgbClr val="273239"/>
+                </a:solidFill>
+                <a:effectLst/>
+                <a:latin typeface="urw-din"/>
+              </a:rPr>
+              <a:t> to reduce development time, RAD makes use of components that are reusable or develops reusable components if not available.</a:t>
+            </a:r>
+            <a:br>
+              <a:rPr lang="en-US" b="0" i="0" dirty="0">
+                <a:solidFill>
+                  <a:srgbClr val="282829"/>
+                </a:solidFill>
+                <a:effectLst/>
+                <a:latin typeface="Segoe UI" panose="020B0502040204020203" pitchFamily="34" charset="0"/>
+              </a:rPr>
+            </a:br>
+            <a:endParaRPr lang="en-US" b="0" i="0" dirty="0">
+              <a:solidFill>
+                <a:srgbClr val="282829"/>
+              </a:solidFill>
+              <a:effectLst/>
+              <a:latin typeface="Segoe UI" panose="020B0502040204020203" pitchFamily="34" charset="0"/>
+            </a:endParaRPr>
+          </a:p>
+          <a:p>
+            <a:pPr algn="l">
+              <a:buFont typeface="Arial" panose="020B0604020202020204" pitchFamily="34" charset="0"/>
+              <a:buChar char="•"/>
+            </a:pPr>
+            <a:r>
+              <a:rPr lang="en-US" b="1" i="0" dirty="0">
+                <a:solidFill>
+                  <a:srgbClr val="282829"/>
+                </a:solidFill>
+                <a:effectLst/>
+                <a:latin typeface="Segoe UI" panose="020B0502040204020203" pitchFamily="34" charset="0"/>
+              </a:rPr>
+              <a:t>Testing and Turnover</a:t>
+            </a:r>
+            <a:r>
+              <a:rPr lang="en-US" b="0" i="0" dirty="0">
+                <a:solidFill>
+                  <a:srgbClr val="282829"/>
+                </a:solidFill>
+                <a:effectLst/>
+                <a:latin typeface="Segoe UI" panose="020B0502040204020203" pitchFamily="34" charset="0"/>
+              </a:rPr>
+              <a:t> </a:t>
+            </a:r>
+            <a:r>
+              <a:rPr lang="en-US" b="1" i="0" dirty="0">
+                <a:solidFill>
+                  <a:srgbClr val="282829"/>
+                </a:solidFill>
+                <a:effectLst/>
+                <a:latin typeface="Segoe UI" panose="020B0502040204020203" pitchFamily="34" charset="0"/>
+              </a:rPr>
+              <a:t>– </a:t>
+            </a:r>
+            <a:r>
+              <a:rPr lang="en-US" b="0" i="0" dirty="0">
+                <a:solidFill>
+                  <a:srgbClr val="282829"/>
+                </a:solidFill>
+                <a:effectLst/>
+                <a:latin typeface="Segoe UI" panose="020B0502040204020203" pitchFamily="34" charset="0"/>
+              </a:rPr>
+              <a:t>In this stage, all the modules and interfaces of the prototype are tested.</a:t>
+            </a:r>
+            <a:r>
+              <a:rPr lang="en-US" b="1" i="0" dirty="0">
+                <a:solidFill>
+                  <a:srgbClr val="282829"/>
+                </a:solidFill>
+                <a:effectLst/>
+                <a:latin typeface="Segoe UI" panose="020B0502040204020203" pitchFamily="34" charset="0"/>
+              </a:rPr>
+              <a:t> </a:t>
+            </a:r>
+          </a:p>
+          <a:p>
+            <a:pPr algn="l" fontAlgn="base">
+              <a:buFont typeface="+mj-lt"/>
+              <a:buAutoNum type="arabicPeriod"/>
+            </a:pPr>
+            <a:r>
+              <a:rPr lang="en-US" dirty="0">
+                <a:effectLst/>
+              </a:rPr>
+              <a:t>AD uses reusable components so that efforts that are required for testing are reduced. But during software development, if new components are added in process during testing, then testing such new added components is must and essential so that if any error found it can be removed. The testing of all interfaces is equally important to be on safe side of project development without any error.</a:t>
+            </a:r>
+          </a:p>
+          <a:p>
+            <a:br>
+              <a:rPr lang="en-US">
+                <a:effectLst/>
+              </a:rPr>
+            </a:br>
+            <a:endParaRPr lang="en-PK" dirty="0"/>
+          </a:p>
+        </p:txBody>
+      </p:sp>
+    </p:spTree>
+    <p:extLst>
+      <p:ext uri="{BB962C8B-B14F-4D97-AF65-F5344CB8AC3E}">
+        <p14:creationId xmlns:p14="http://schemas.microsoft.com/office/powerpoint/2010/main" val="323952279"/>
+      </p:ext>
+    </p:extLst>
+  </p:cSld>
+  <p:clrMapOvr>
+    <a:masterClrMapping/>
+  </p:clrMapOvr>
+</p:sld>
+</file>
+
+<file path=ppt/slides/slide71.xml><?xml version="1.0" encoding="utf-8"?>
+<p:sld xmlns:a="http://schemas.openxmlformats.org/drawingml/2006/main" xmlns:r="http://schemas.openxmlformats.org/officeDocument/2006/relationships" xmlns:p="http://schemas.openxmlformats.org/presentationml/2006/main" showMasterPhAnim="0">
+  <p:cSld>
+    <p:spTree>
+      <p:nvGrpSpPr>
+        <p:cNvPr id="1" name=""/>
+        <p:cNvGrpSpPr/>
+        <p:nvPr/>
+      </p:nvGrpSpPr>
+      <p:grpSpPr>
+        <a:xfrm>
+          <a:off x="0" y="0"/>
+          <a:ext cx="0" cy="0"/>
+          <a:chOff x="0" y="0"/>
+          <a:chExt cx="0" cy="0"/>
+        </a:xfrm>
+      </p:grpSpPr>
+      <p:sp>
+        <p:nvSpPr>
+          <p:cNvPr id="20483" name="Rectangle 2"/>
+          <p:cNvSpPr>
+            <a:spLocks noGrp="1" noChangeArrowheads="1"/>
+          </p:cNvSpPr>
+          <p:nvPr>
+            <p:ph type="title"/>
+          </p:nvPr>
+        </p:nvSpPr>
+        <p:spPr/>
+        <p:txBody>
+          <a:bodyPr/>
+          <a:lstStyle/>
+          <a:p>
+            <a:pPr eaLnBrk="1" hangingPunct="1"/>
+            <a:r>
+              <a:rPr lang="en-US" dirty="0"/>
+              <a:t>References</a:t>
+            </a:r>
+          </a:p>
+        </p:txBody>
+      </p:sp>
+      <p:sp>
+        <p:nvSpPr>
+          <p:cNvPr id="20484" name="Rectangle 3"/>
+          <p:cNvSpPr>
+            <a:spLocks noGrp="1" noChangeArrowheads="1"/>
+          </p:cNvSpPr>
+          <p:nvPr>
+            <p:ph idx="1"/>
+          </p:nvPr>
+        </p:nvSpPr>
+        <p:spPr>
+          <a:xfrm>
+            <a:off x="457200" y="1935480"/>
+            <a:ext cx="8229600" cy="1036320"/>
+          </a:xfrm>
+        </p:spPr>
+        <p:txBody>
+          <a:bodyPr>
+            <a:normAutofit/>
+          </a:bodyPr>
+          <a:lstStyle/>
+          <a:p>
+            <a:r>
+              <a:rPr lang="en-US" dirty="0"/>
+              <a:t>SE, Pressman</a:t>
+            </a:r>
+          </a:p>
+          <a:p>
+            <a:r>
+              <a:rPr lang="en-US" dirty="0"/>
+              <a:t>SE, </a:t>
+            </a:r>
+            <a:r>
+              <a:rPr lang="en-US"/>
+              <a:t>Pfleeger</a:t>
+            </a:r>
+            <a:endParaRPr lang="en-US" dirty="0"/>
+          </a:p>
+        </p:txBody>
+      </p:sp>
+      <p:sp>
+        <p:nvSpPr>
+          <p:cNvPr id="4" name="Rectangle 2"/>
+          <p:cNvSpPr txBox="1">
+            <a:spLocks noChangeArrowheads="1"/>
+          </p:cNvSpPr>
+          <p:nvPr/>
+        </p:nvSpPr>
+        <p:spPr>
+          <a:xfrm>
+            <a:off x="457200" y="3066288"/>
+            <a:ext cx="8229600" cy="1143000"/>
+          </a:xfrm>
+          <a:prstGeom prst="rect">
+            <a:avLst/>
+          </a:prstGeom>
+        </p:spPr>
+        <p:txBody>
+          <a:bodyPr vert="horz" lIns="0" rIns="0" bIns="0" anchor="b">
+            <a:normAutofit/>
+          </a:bodyPr>
+          <a:lstStyle/>
+          <a:p>
+            <a:pPr marL="0" marR="0" lvl="0" indent="0" algn="l" defTabSz="914400" rtl="0" eaLnBrk="1" fontAlgn="auto" latinLnBrk="0" hangingPunct="1">
+              <a:lnSpc>
+                <a:spcPct val="100000"/>
+              </a:lnSpc>
+              <a:spcBef>
+                <a:spcPct val="0"/>
+              </a:spcBef>
+              <a:spcAft>
+                <a:spcPts val="0"/>
+              </a:spcAft>
+              <a:buClrTx/>
+              <a:buSzTx/>
+              <a:buFontTx/>
+              <a:buNone/>
+              <a:tabLst/>
+              <a:defRPr/>
+            </a:pPr>
+            <a:r>
+              <a:rPr kumimoji="0" lang="en-US" sz="5000" b="0" i="0" u="none" strike="noStrike" kern="1200" cap="none" spc="0" normalizeH="0" baseline="0" noProof="0" dirty="0">
+                <a:ln>
+                  <a:noFill/>
+                </a:ln>
+                <a:solidFill>
+                  <a:schemeClr val="tx2"/>
+                </a:solidFill>
+                <a:effectLst/>
+                <a:uLnTx/>
+                <a:uFillTx/>
+                <a:latin typeface="+mj-lt"/>
+                <a:ea typeface="+mj-ea"/>
+                <a:cs typeface="+mj-cs"/>
+              </a:rPr>
+              <a:t>Acknowledgement</a:t>
+            </a:r>
+          </a:p>
+        </p:txBody>
+      </p:sp>
+      <p:sp>
+        <p:nvSpPr>
+          <p:cNvPr id="5" name="Rectangle 3"/>
+          <p:cNvSpPr txBox="1">
+            <a:spLocks noChangeArrowheads="1"/>
+          </p:cNvSpPr>
+          <p:nvPr/>
+        </p:nvSpPr>
+        <p:spPr>
+          <a:xfrm>
+            <a:off x="457200" y="4297680"/>
+            <a:ext cx="8229600" cy="1036320"/>
+          </a:xfrm>
+          <a:prstGeom prst="rect">
+            <a:avLst/>
+          </a:prstGeom>
+        </p:spPr>
+        <p:txBody>
+          <a:bodyPr vert="horz">
+            <a:normAutofit/>
+          </a:bodyPr>
+          <a:lstStyle/>
+          <a:p>
+            <a:pPr marL="274320" marR="0" lvl="0" indent="-274320" algn="l" defTabSz="914400" rtl="0" eaLnBrk="1" fontAlgn="auto" latinLnBrk="0" hangingPunct="1">
+              <a:lnSpc>
+                <a:spcPct val="100000"/>
+              </a:lnSpc>
+              <a:spcBef>
+                <a:spcPct val="20000"/>
+              </a:spcBef>
+              <a:spcAft>
+                <a:spcPts val="0"/>
+              </a:spcAft>
+              <a:buClr>
+                <a:schemeClr val="accent3"/>
+              </a:buClr>
+              <a:buSzPct val="95000"/>
+              <a:buFont typeface="Wingdings 2"/>
+              <a:buChar char=""/>
+              <a:tabLst/>
+              <a:defRPr/>
+            </a:pPr>
+            <a:r>
+              <a:rPr kumimoji="0" lang="en-US" sz="2600" b="0" i="0" u="none" strike="noStrike" kern="1200" cap="none" spc="0" normalizeH="0" baseline="0" noProof="0" dirty="0">
+                <a:ln>
+                  <a:noFill/>
+                </a:ln>
+                <a:solidFill>
+                  <a:schemeClr val="tx1"/>
+                </a:solidFill>
+                <a:effectLst/>
+                <a:uLnTx/>
+                <a:uFillTx/>
+                <a:latin typeface="+mn-lt"/>
+                <a:ea typeface="+mn-ea"/>
+                <a:cs typeface="+mn-cs"/>
+              </a:rPr>
+              <a:t>A few </a:t>
+            </a:r>
+            <a:r>
+              <a:rPr lang="en-US" sz="2600" dirty="0"/>
+              <a:t>slides have been adapted from UCF </a:t>
+            </a:r>
+            <a:r>
+              <a:rPr kumimoji="0" lang="en-US" sz="2600" b="0" i="0" u="none" strike="noStrike" kern="1200" cap="none" spc="0" normalizeH="0" baseline="0" noProof="0" dirty="0">
+                <a:ln>
+                  <a:noFill/>
+                </a:ln>
+                <a:solidFill>
+                  <a:schemeClr val="tx1"/>
+                </a:solidFill>
+                <a:effectLst/>
+                <a:uLnTx/>
+                <a:uFillTx/>
+                <a:latin typeface="+mn-lt"/>
+                <a:ea typeface="+mn-ea"/>
+                <a:cs typeface="+mn-cs"/>
+              </a:rPr>
+              <a:t>slides for the SE course</a:t>
+            </a:r>
+          </a:p>
+        </p:txBody>
+      </p:sp>
+    </p:spTree>
+  </p:cSld>
+  <p:clrMapOvr>
+    <a:masterClrMapping/>
+  </p:clrMapOvr>
 </p:sld>
 </file>
 
